--- a/CD.pptx
+++ b/CD.pptx
@@ -5,7 +5,7 @@
     <p:sldMasterId id="2147483648" r:id="rId1"/>
   </p:sldMasterIdLst>
   <p:notesMasterIdLst>
-    <p:notesMasterId r:id="rId21"/>
+    <p:notesMasterId r:id="rId31"/>
   </p:notesMasterIdLst>
   <p:sldIdLst>
     <p:sldId id="256" r:id="rId2"/>
@@ -27,6 +27,16 @@
     <p:sldId id="270" r:id="rId18"/>
     <p:sldId id="274" r:id="rId19"/>
     <p:sldId id="275" r:id="rId20"/>
+    <p:sldId id="276" r:id="rId21"/>
+    <p:sldId id="277" r:id="rId22"/>
+    <p:sldId id="279" r:id="rId23"/>
+    <p:sldId id="280" r:id="rId24"/>
+    <p:sldId id="281" r:id="rId25"/>
+    <p:sldId id="282" r:id="rId26"/>
+    <p:sldId id="283" r:id="rId27"/>
+    <p:sldId id="284" r:id="rId28"/>
+    <p:sldId id="285" r:id="rId29"/>
+    <p:sldId id="286" r:id="rId30"/>
   </p:sldIdLst>
   <p:sldSz cx="9144000" cy="6858000" type="screen4x3"/>
   <p:notesSz cx="6858000" cy="9144000"/>
@@ -756,6 +766,258 @@
         </p:txBody>
       </p:sp>
     </p:spTree>
+  </p:cSld>
+  <p:clrMapOvr>
+    <a:masterClrMapping/>
+  </p:clrMapOvr>
+</p:notes>
+</file>
+
+<file path=ppt/notesSlides/notesSlide3.xml><?xml version="1.0" encoding="utf-8"?>
+<p:notes xmlns:a="http://schemas.openxmlformats.org/drawingml/2006/main" xmlns:r="http://schemas.openxmlformats.org/officeDocument/2006/relationships" xmlns:p="http://schemas.openxmlformats.org/presentationml/2006/main">
+  <p:cSld>
+    <p:spTree>
+      <p:nvGrpSpPr>
+        <p:cNvPr id="1" name=""/>
+        <p:cNvGrpSpPr/>
+        <p:nvPr/>
+      </p:nvGrpSpPr>
+      <p:grpSpPr>
+        <a:xfrm>
+          <a:off x="0" y="0"/>
+          <a:ext cx="0" cy="0"/>
+          <a:chOff x="0" y="0"/>
+          <a:chExt cx="0" cy="0"/>
+        </a:xfrm>
+      </p:grpSpPr>
+      <p:sp>
+        <p:nvSpPr>
+          <p:cNvPr id="2" name="Slide Image Placeholder 1"/>
+          <p:cNvSpPr>
+            <a:spLocks noGrp="1" noRot="1" noChangeAspect="1"/>
+          </p:cNvSpPr>
+          <p:nvPr>
+            <p:ph type="sldImg"/>
+          </p:nvPr>
+        </p:nvSpPr>
+        <p:spPr/>
+      </p:sp>
+      <p:sp>
+        <p:nvSpPr>
+          <p:cNvPr id="3" name="Notes Placeholder 2"/>
+          <p:cNvSpPr>
+            <a:spLocks noGrp="1"/>
+          </p:cNvSpPr>
+          <p:nvPr>
+            <p:ph type="body" idx="1"/>
+          </p:nvPr>
+        </p:nvSpPr>
+        <p:spPr/>
+        <p:txBody>
+          <a:bodyPr/>
+          <a:lstStyle/>
+          <a:p>
+            <a:endParaRPr lang="en-US" dirty="0"/>
+          </a:p>
+        </p:txBody>
+      </p:sp>
+      <p:sp>
+        <p:nvSpPr>
+          <p:cNvPr id="4" name="Slide Number Placeholder 3"/>
+          <p:cNvSpPr>
+            <a:spLocks noGrp="1"/>
+          </p:cNvSpPr>
+          <p:nvPr>
+            <p:ph type="sldNum" sz="quarter" idx="10"/>
+          </p:nvPr>
+        </p:nvSpPr>
+        <p:spPr/>
+        <p:txBody>
+          <a:bodyPr/>
+          <a:lstStyle/>
+          <a:p>
+            <a:fld id="{A3A5924C-5145-4340-9BD9-9FF213963F5B}" type="slidenum">
+              <a:rPr lang="en-US" smtClean="0"/>
+              <a:t>19</a:t>
+            </a:fld>
+            <a:endParaRPr lang="en-US"/>
+          </a:p>
+        </p:txBody>
+      </p:sp>
+    </p:spTree>
+    <p:extLst>
+      <p:ext uri="{BB962C8B-B14F-4D97-AF65-F5344CB8AC3E}">
+        <p14:creationId xmlns:p14="http://schemas.microsoft.com/office/powerpoint/2010/main" val="360400431"/>
+      </p:ext>
+    </p:extLst>
+  </p:cSld>
+  <p:clrMapOvr>
+    <a:masterClrMapping/>
+  </p:clrMapOvr>
+</p:notes>
+</file>
+
+<file path=ppt/notesSlides/notesSlide4.xml><?xml version="1.0" encoding="utf-8"?>
+<p:notes xmlns:a="http://schemas.openxmlformats.org/drawingml/2006/main" xmlns:r="http://schemas.openxmlformats.org/officeDocument/2006/relationships" xmlns:p="http://schemas.openxmlformats.org/presentationml/2006/main">
+  <p:cSld>
+    <p:spTree>
+      <p:nvGrpSpPr>
+        <p:cNvPr id="1" name=""/>
+        <p:cNvGrpSpPr/>
+        <p:nvPr/>
+      </p:nvGrpSpPr>
+      <p:grpSpPr>
+        <a:xfrm>
+          <a:off x="0" y="0"/>
+          <a:ext cx="0" cy="0"/>
+          <a:chOff x="0" y="0"/>
+          <a:chExt cx="0" cy="0"/>
+        </a:xfrm>
+      </p:grpSpPr>
+      <p:sp>
+        <p:nvSpPr>
+          <p:cNvPr id="2" name="Slide Image Placeholder 1"/>
+          <p:cNvSpPr>
+            <a:spLocks noGrp="1" noRot="1" noChangeAspect="1"/>
+          </p:cNvSpPr>
+          <p:nvPr>
+            <p:ph type="sldImg"/>
+          </p:nvPr>
+        </p:nvSpPr>
+        <p:spPr/>
+      </p:sp>
+      <p:sp>
+        <p:nvSpPr>
+          <p:cNvPr id="3" name="Notes Placeholder 2"/>
+          <p:cNvSpPr>
+            <a:spLocks noGrp="1"/>
+          </p:cNvSpPr>
+          <p:nvPr>
+            <p:ph type="body" idx="1"/>
+          </p:nvPr>
+        </p:nvSpPr>
+        <p:spPr/>
+        <p:txBody>
+          <a:bodyPr/>
+          <a:lstStyle/>
+          <a:p>
+            <a:endParaRPr lang="en-US" dirty="0"/>
+          </a:p>
+        </p:txBody>
+      </p:sp>
+      <p:sp>
+        <p:nvSpPr>
+          <p:cNvPr id="4" name="Slide Number Placeholder 3"/>
+          <p:cNvSpPr>
+            <a:spLocks noGrp="1"/>
+          </p:cNvSpPr>
+          <p:nvPr>
+            <p:ph type="sldNum" sz="quarter" idx="10"/>
+          </p:nvPr>
+        </p:nvSpPr>
+        <p:spPr/>
+        <p:txBody>
+          <a:bodyPr/>
+          <a:lstStyle/>
+          <a:p>
+            <a:fld id="{A3A5924C-5145-4340-9BD9-9FF213963F5B}" type="slidenum">
+              <a:rPr lang="en-US" smtClean="0"/>
+              <a:t>20</a:t>
+            </a:fld>
+            <a:endParaRPr lang="en-US"/>
+          </a:p>
+        </p:txBody>
+      </p:sp>
+    </p:spTree>
+    <p:extLst>
+      <p:ext uri="{BB962C8B-B14F-4D97-AF65-F5344CB8AC3E}">
+        <p14:creationId xmlns:p14="http://schemas.microsoft.com/office/powerpoint/2010/main" val="2496311777"/>
+      </p:ext>
+    </p:extLst>
+  </p:cSld>
+  <p:clrMapOvr>
+    <a:masterClrMapping/>
+  </p:clrMapOvr>
+</p:notes>
+</file>
+
+<file path=ppt/notesSlides/notesSlide5.xml><?xml version="1.0" encoding="utf-8"?>
+<p:notes xmlns:a="http://schemas.openxmlformats.org/drawingml/2006/main" xmlns:r="http://schemas.openxmlformats.org/officeDocument/2006/relationships" xmlns:p="http://schemas.openxmlformats.org/presentationml/2006/main">
+  <p:cSld>
+    <p:spTree>
+      <p:nvGrpSpPr>
+        <p:cNvPr id="1" name=""/>
+        <p:cNvGrpSpPr/>
+        <p:nvPr/>
+      </p:nvGrpSpPr>
+      <p:grpSpPr>
+        <a:xfrm>
+          <a:off x="0" y="0"/>
+          <a:ext cx="0" cy="0"/>
+          <a:chOff x="0" y="0"/>
+          <a:chExt cx="0" cy="0"/>
+        </a:xfrm>
+      </p:grpSpPr>
+      <p:sp>
+        <p:nvSpPr>
+          <p:cNvPr id="2" name="Slide Image Placeholder 1"/>
+          <p:cNvSpPr>
+            <a:spLocks noGrp="1" noRot="1" noChangeAspect="1"/>
+          </p:cNvSpPr>
+          <p:nvPr>
+            <p:ph type="sldImg"/>
+          </p:nvPr>
+        </p:nvSpPr>
+        <p:spPr/>
+      </p:sp>
+      <p:sp>
+        <p:nvSpPr>
+          <p:cNvPr id="3" name="Notes Placeholder 2"/>
+          <p:cNvSpPr>
+            <a:spLocks noGrp="1"/>
+          </p:cNvSpPr>
+          <p:nvPr>
+            <p:ph type="body" idx="1"/>
+          </p:nvPr>
+        </p:nvSpPr>
+        <p:spPr/>
+        <p:txBody>
+          <a:bodyPr/>
+          <a:lstStyle/>
+          <a:p>
+            <a:endParaRPr lang="en-US" dirty="0"/>
+          </a:p>
+        </p:txBody>
+      </p:sp>
+      <p:sp>
+        <p:nvSpPr>
+          <p:cNvPr id="4" name="Slide Number Placeholder 3"/>
+          <p:cNvSpPr>
+            <a:spLocks noGrp="1"/>
+          </p:cNvSpPr>
+          <p:nvPr>
+            <p:ph type="sldNum" sz="quarter" idx="10"/>
+          </p:nvPr>
+        </p:nvSpPr>
+        <p:spPr/>
+        <p:txBody>
+          <a:bodyPr/>
+          <a:lstStyle/>
+          <a:p>
+            <a:fld id="{A3A5924C-5145-4340-9BD9-9FF213963F5B}" type="slidenum">
+              <a:rPr lang="en-US" smtClean="0"/>
+              <a:t>22</a:t>
+            </a:fld>
+            <a:endParaRPr lang="en-US"/>
+          </a:p>
+        </p:txBody>
+      </p:sp>
+    </p:spTree>
+    <p:extLst>
+      <p:ext uri="{BB962C8B-B14F-4D97-AF65-F5344CB8AC3E}">
+        <p14:creationId xmlns:p14="http://schemas.microsoft.com/office/powerpoint/2010/main" val="1401256864"/>
+      </p:ext>
+    </p:extLst>
   </p:cSld>
   <p:clrMapOvr>
     <a:masterClrMapping/>
@@ -5406,7 +5668,9 @@
           </a:xfrm>
         </p:spPr>
         <p:txBody>
-          <a:bodyPr/>
+          <a:bodyPr>
+            <a:normAutofit/>
+          </a:bodyPr>
           <a:lstStyle/>
           <a:p>
             <a:pPr marL="457200" indent="-457200" algn="l">
@@ -5414,7 +5678,7 @@
               <a:buChar char="•"/>
             </a:pPr>
             <a:r>
-              <a:rPr lang="en-US" dirty="0" smtClean="0"/>
+              <a:rPr lang="en-US" sz="2800" dirty="0" smtClean="0"/>
               <a:t>Version Control</a:t>
             </a:r>
           </a:p>
@@ -5424,7 +5688,7 @@
               <a:buChar char="•"/>
             </a:pPr>
             <a:r>
-              <a:rPr lang="en-US" dirty="0" smtClean="0"/>
+              <a:rPr lang="en-US" sz="2800" dirty="0" smtClean="0"/>
               <a:t>An Automated Build</a:t>
             </a:r>
           </a:p>
@@ -5434,14 +5698,60 @@
               <a:buChar char="•"/>
             </a:pPr>
             <a:r>
-              <a:rPr lang="en-US" dirty="0" smtClean="0"/>
-              <a:t>Agreement </a:t>
-            </a:r>
-            <a:r>
-              <a:rPr lang="en-US" smtClean="0"/>
-              <a:t>of team</a:t>
-            </a:r>
-            <a:endParaRPr lang="en-US" dirty="0"/>
+              <a:rPr lang="en-US" sz="2800" dirty="0" smtClean="0"/>
+              <a:t>Agreement of </a:t>
+            </a:r>
+            <a:r>
+              <a:rPr lang="en-US" sz="2800" dirty="0" smtClean="0"/>
+              <a:t>team</a:t>
+            </a:r>
+          </a:p>
+          <a:p>
+            <a:pPr marL="457200" indent="-457200" algn="l">
+              <a:buFont typeface="Arial" pitchFamily="34" charset="0"/>
+              <a:buChar char="•"/>
+            </a:pPr>
+            <a:r>
+              <a:rPr lang="en-US" sz="2800" b="1" i="1" dirty="0"/>
+              <a:t>Create a Comprehensive Automated Test </a:t>
+            </a:r>
+            <a:r>
+              <a:rPr lang="en-US" sz="2800" b="1" i="1" dirty="0" smtClean="0"/>
+              <a:t>Suite</a:t>
+            </a:r>
+          </a:p>
+          <a:p>
+            <a:pPr marL="457200" indent="-457200" algn="l">
+              <a:buFont typeface="Arial" pitchFamily="34" charset="0"/>
+              <a:buChar char="•"/>
+            </a:pPr>
+            <a:r>
+              <a:rPr lang="en-US" sz="2800" b="1" i="1" dirty="0"/>
+              <a:t>Keep </a:t>
+            </a:r>
+            <a:r>
+              <a:rPr lang="en-US" sz="2800" b="1" i="1" dirty="0" smtClean="0"/>
+              <a:t>the </a:t>
+            </a:r>
+            <a:r>
+              <a:rPr lang="en-US" sz="2800" b="1" i="1" dirty="0"/>
+              <a:t>Build and Test Process </a:t>
+            </a:r>
+            <a:r>
+              <a:rPr lang="en-US" sz="2800" b="1" i="1" dirty="0" smtClean="0"/>
+              <a:t>Short</a:t>
+            </a:r>
+          </a:p>
+          <a:p>
+            <a:pPr marL="457200" indent="-457200" algn="l">
+              <a:buFont typeface="Arial" pitchFamily="34" charset="0"/>
+              <a:buChar char="•"/>
+            </a:pPr>
+            <a:r>
+              <a:rPr lang="en-US" sz="2800" b="1" i="1" dirty="0"/>
+              <a:t>Managing Your Development Workspace</a:t>
+            </a:r>
+            <a:endParaRPr lang="en-US" sz="2800" dirty="0"/>
           </a:p>
         </p:txBody>
       </p:sp>
@@ -5713,6 +6023,1241 @@
     <p:extLst>
       <p:ext uri="{BB962C8B-B14F-4D97-AF65-F5344CB8AC3E}">
         <p14:creationId xmlns:p14="http://schemas.microsoft.com/office/powerpoint/2010/main" val="934825122"/>
+      </p:ext>
+    </p:extLst>
+  </p:cSld>
+  <p:clrMapOvr>
+    <a:masterClrMapping/>
+  </p:clrMapOvr>
+</p:sld>
+</file>
+
+<file path=ppt/slides/slide20.xml><?xml version="1.0" encoding="utf-8"?>
+<p:sld xmlns:a="http://schemas.openxmlformats.org/drawingml/2006/main" xmlns:r="http://schemas.openxmlformats.org/officeDocument/2006/relationships" xmlns:p="http://schemas.openxmlformats.org/presentationml/2006/main">
+  <p:cSld>
+    <p:spTree>
+      <p:nvGrpSpPr>
+        <p:cNvPr id="1" name=""/>
+        <p:cNvGrpSpPr/>
+        <p:nvPr/>
+      </p:nvGrpSpPr>
+      <p:grpSpPr>
+        <a:xfrm>
+          <a:off x="0" y="0"/>
+          <a:ext cx="0" cy="0"/>
+          <a:chOff x="0" y="0"/>
+          <a:chExt cx="0" cy="0"/>
+        </a:xfrm>
+      </p:grpSpPr>
+      <p:sp>
+        <p:nvSpPr>
+          <p:cNvPr id="2" name="Title 1"/>
+          <p:cNvSpPr>
+            <a:spLocks noGrp="1"/>
+          </p:cNvSpPr>
+          <p:nvPr>
+            <p:ph type="ctrTitle"/>
+          </p:nvPr>
+        </p:nvSpPr>
+        <p:spPr>
+          <a:xfrm>
+            <a:off x="685800" y="152401"/>
+            <a:ext cx="7772400" cy="891308"/>
+          </a:xfrm>
+        </p:spPr>
+        <p:txBody>
+          <a:bodyPr>
+            <a:normAutofit fontScale="90000"/>
+          </a:bodyPr>
+          <a:lstStyle/>
+          <a:p>
+            <a:r>
+              <a:rPr lang="en-US" sz="3600" dirty="0" smtClean="0"/>
+              <a:t>Essential Practices In Continuous Integration</a:t>
+            </a:r>
+            <a:endParaRPr lang="en-US" sz="3600" dirty="0"/>
+          </a:p>
+        </p:txBody>
+      </p:sp>
+      <p:sp>
+        <p:nvSpPr>
+          <p:cNvPr id="3" name="Subtitle 2"/>
+          <p:cNvSpPr>
+            <a:spLocks noGrp="1"/>
+          </p:cNvSpPr>
+          <p:nvPr>
+            <p:ph type="subTitle" idx="1"/>
+          </p:nvPr>
+        </p:nvSpPr>
+        <p:spPr>
+          <a:xfrm>
+            <a:off x="637309" y="1191491"/>
+            <a:ext cx="7897091" cy="4447309"/>
+          </a:xfrm>
+        </p:spPr>
+        <p:txBody>
+          <a:bodyPr>
+            <a:normAutofit/>
+          </a:bodyPr>
+          <a:lstStyle/>
+          <a:p>
+            <a:pPr marL="342900" indent="-342900" algn="l">
+              <a:buFont typeface="Arial" panose="020B0604020202020204" pitchFamily="34" charset="0"/>
+              <a:buChar char="•"/>
+            </a:pPr>
+            <a:r>
+              <a:rPr lang="en-US" sz="2400" b="1" i="1" dirty="0"/>
+              <a:t>Don’t Check In on a Broken </a:t>
+            </a:r>
+            <a:r>
+              <a:rPr lang="en-US" sz="2400" b="1" i="1" dirty="0" smtClean="0"/>
+              <a:t>Build</a:t>
+            </a:r>
+          </a:p>
+          <a:p>
+            <a:pPr marL="342900" indent="-342900" algn="l">
+              <a:buFont typeface="Arial" panose="020B0604020202020204" pitchFamily="34" charset="0"/>
+              <a:buChar char="•"/>
+            </a:pPr>
+            <a:r>
+              <a:rPr lang="en-US" sz="2400" b="1" i="1" dirty="0"/>
+              <a:t>Always Be Prepared to Revert to the Previous </a:t>
+            </a:r>
+            <a:r>
+              <a:rPr lang="en-US" sz="2400" b="1" i="1" dirty="0" smtClean="0"/>
+              <a:t>Revision</a:t>
+            </a:r>
+          </a:p>
+          <a:p>
+            <a:pPr marL="342900" indent="-342900" algn="l">
+              <a:buFont typeface="Arial" panose="020B0604020202020204" pitchFamily="34" charset="0"/>
+              <a:buChar char="•"/>
+            </a:pPr>
+            <a:r>
+              <a:rPr lang="en-US" sz="2400" b="1" i="1" dirty="0"/>
+              <a:t>Don’t Comment Out Failing </a:t>
+            </a:r>
+            <a:r>
+              <a:rPr lang="en-US" sz="2400" b="1" i="1" dirty="0" smtClean="0"/>
+              <a:t>Tests</a:t>
+            </a:r>
+          </a:p>
+          <a:p>
+            <a:pPr marL="342900" indent="-342900" algn="l">
+              <a:buFont typeface="Arial" panose="020B0604020202020204" pitchFamily="34" charset="0"/>
+              <a:buChar char="•"/>
+            </a:pPr>
+            <a:r>
+              <a:rPr lang="en-US" sz="2400" b="1" i="1" dirty="0"/>
+              <a:t>Test-Driven </a:t>
+            </a:r>
+            <a:r>
+              <a:rPr lang="en-US" sz="2400" b="1" i="1" dirty="0" smtClean="0"/>
+              <a:t>Development</a:t>
+            </a:r>
+          </a:p>
+          <a:p>
+            <a:pPr marL="342900" indent="-342900" algn="l">
+              <a:buFont typeface="Arial" panose="020B0604020202020204" pitchFamily="34" charset="0"/>
+              <a:buChar char="•"/>
+            </a:pPr>
+            <a:r>
+              <a:rPr lang="en-US" sz="2400" b="1" i="1" dirty="0"/>
+              <a:t>Failing the Build for Slow Tests</a:t>
+            </a:r>
+            <a:endParaRPr lang="en-US" sz="2400" dirty="0"/>
+          </a:p>
+        </p:txBody>
+      </p:sp>
+    </p:spTree>
+    <p:extLst>
+      <p:ext uri="{BB962C8B-B14F-4D97-AF65-F5344CB8AC3E}">
+        <p14:creationId xmlns:p14="http://schemas.microsoft.com/office/powerpoint/2010/main" val="3667054992"/>
+      </p:ext>
+    </p:extLst>
+  </p:cSld>
+  <p:clrMapOvr>
+    <a:masterClrMapping/>
+  </p:clrMapOvr>
+</p:sld>
+</file>
+
+<file path=ppt/slides/slide21.xml><?xml version="1.0" encoding="utf-8"?>
+<p:sld xmlns:a="http://schemas.openxmlformats.org/drawingml/2006/main" xmlns:r="http://schemas.openxmlformats.org/officeDocument/2006/relationships" xmlns:p="http://schemas.openxmlformats.org/presentationml/2006/main">
+  <p:cSld>
+    <p:spTree>
+      <p:nvGrpSpPr>
+        <p:cNvPr id="1" name=""/>
+        <p:cNvGrpSpPr/>
+        <p:nvPr/>
+      </p:nvGrpSpPr>
+      <p:grpSpPr>
+        <a:xfrm>
+          <a:off x="0" y="0"/>
+          <a:ext cx="0" cy="0"/>
+          <a:chOff x="0" y="0"/>
+          <a:chExt cx="0" cy="0"/>
+        </a:xfrm>
+      </p:grpSpPr>
+      <p:sp>
+        <p:nvSpPr>
+          <p:cNvPr id="2" name="Title 1"/>
+          <p:cNvSpPr>
+            <a:spLocks noGrp="1"/>
+          </p:cNvSpPr>
+          <p:nvPr>
+            <p:ph type="title"/>
+          </p:nvPr>
+        </p:nvSpPr>
+        <p:spPr/>
+        <p:txBody>
+          <a:bodyPr>
+            <a:normAutofit/>
+          </a:bodyPr>
+          <a:lstStyle/>
+          <a:p>
+            <a:r>
+              <a:rPr lang="en-US" sz="3600" dirty="0" smtClean="0"/>
+              <a:t>Why Testing Strategy is necessary? </a:t>
+            </a:r>
+            <a:endParaRPr lang="en-US" sz="3600" dirty="0"/>
+          </a:p>
+        </p:txBody>
+      </p:sp>
+      <p:sp>
+        <p:nvSpPr>
+          <p:cNvPr id="3" name="Content Placeholder 2"/>
+          <p:cNvSpPr>
+            <a:spLocks noGrp="1"/>
+          </p:cNvSpPr>
+          <p:nvPr>
+            <p:ph idx="1"/>
+          </p:nvPr>
+        </p:nvSpPr>
+        <p:spPr/>
+        <p:txBody>
+          <a:bodyPr>
+            <a:normAutofit/>
+          </a:bodyPr>
+          <a:lstStyle/>
+          <a:p>
+            <a:r>
+              <a:rPr lang="en-US" sz="2400" dirty="0"/>
+              <a:t>functional aspects of the </a:t>
+            </a:r>
+            <a:r>
+              <a:rPr lang="en-US" sz="2400" dirty="0" smtClean="0"/>
+              <a:t>system</a:t>
+            </a:r>
+          </a:p>
+          <a:p>
+            <a:r>
+              <a:rPr lang="en-US" sz="2400" dirty="0" smtClean="0"/>
+              <a:t>Increase confidence</a:t>
+            </a:r>
+          </a:p>
+          <a:p>
+            <a:r>
+              <a:rPr lang="en-US" sz="2400" dirty="0"/>
+              <a:t>reduced support </a:t>
+            </a:r>
+            <a:r>
+              <a:rPr lang="en-US" sz="2400" dirty="0" smtClean="0"/>
+              <a:t>costs</a:t>
+            </a:r>
+          </a:p>
+          <a:p>
+            <a:r>
+              <a:rPr lang="en-US" sz="2400" dirty="0"/>
+              <a:t>Capacity, security,</a:t>
+            </a:r>
+          </a:p>
+          <a:p>
+            <a:r>
+              <a:rPr lang="en-US" sz="2400" dirty="0"/>
+              <a:t>and other nonfunctional requirements are established early on, and automated</a:t>
+            </a:r>
+          </a:p>
+          <a:p>
+            <a:r>
+              <a:rPr lang="en-US" sz="2400" dirty="0"/>
+              <a:t>test suites are written to enforce them.</a:t>
+            </a:r>
+            <a:endParaRPr lang="en-US" sz="2400" dirty="0"/>
+          </a:p>
+        </p:txBody>
+      </p:sp>
+    </p:spTree>
+    <p:extLst>
+      <p:ext uri="{BB962C8B-B14F-4D97-AF65-F5344CB8AC3E}">
+        <p14:creationId xmlns:p14="http://schemas.microsoft.com/office/powerpoint/2010/main" val="4172833991"/>
+      </p:ext>
+    </p:extLst>
+  </p:cSld>
+  <p:clrMapOvr>
+    <a:masterClrMapping/>
+  </p:clrMapOvr>
+</p:sld>
+</file>
+
+<file path=ppt/slides/slide22.xml><?xml version="1.0" encoding="utf-8"?>
+<p:sld xmlns:a="http://schemas.openxmlformats.org/drawingml/2006/main" xmlns:r="http://schemas.openxmlformats.org/officeDocument/2006/relationships" xmlns:p="http://schemas.openxmlformats.org/presentationml/2006/main">
+  <p:cSld>
+    <p:spTree>
+      <p:nvGrpSpPr>
+        <p:cNvPr id="1" name=""/>
+        <p:cNvGrpSpPr/>
+        <p:nvPr/>
+      </p:nvGrpSpPr>
+      <p:grpSpPr>
+        <a:xfrm>
+          <a:off x="0" y="0"/>
+          <a:ext cx="0" cy="0"/>
+          <a:chOff x="0" y="0"/>
+          <a:chExt cx="0" cy="0"/>
+        </a:xfrm>
+      </p:grpSpPr>
+      <p:sp>
+        <p:nvSpPr>
+          <p:cNvPr id="2" name="Title 1"/>
+          <p:cNvSpPr>
+            <a:spLocks noGrp="1"/>
+          </p:cNvSpPr>
+          <p:nvPr>
+            <p:ph type="title"/>
+          </p:nvPr>
+        </p:nvSpPr>
+        <p:spPr/>
+        <p:txBody>
+          <a:bodyPr>
+            <a:normAutofit/>
+          </a:bodyPr>
+          <a:lstStyle/>
+          <a:p>
+            <a:r>
+              <a:rPr lang="en-US" sz="3600" dirty="0" smtClean="0"/>
+              <a:t>Types Of Test</a:t>
+            </a:r>
+            <a:endParaRPr lang="en-US" sz="3600" dirty="0"/>
+          </a:p>
+        </p:txBody>
+      </p:sp>
+      <p:sp>
+        <p:nvSpPr>
+          <p:cNvPr id="3" name="Content Placeholder 2"/>
+          <p:cNvSpPr>
+            <a:spLocks noGrp="1"/>
+          </p:cNvSpPr>
+          <p:nvPr>
+            <p:ph idx="1"/>
+          </p:nvPr>
+        </p:nvSpPr>
+        <p:spPr/>
+        <p:txBody>
+          <a:bodyPr>
+            <a:normAutofit/>
+          </a:bodyPr>
+          <a:lstStyle/>
+          <a:p>
+            <a:r>
+              <a:rPr lang="en-US" sz="2400" b="1" i="1" dirty="0"/>
+              <a:t>Business-Facing Tests That Support the Development </a:t>
+            </a:r>
+            <a:r>
+              <a:rPr lang="en-US" sz="2400" b="1" i="1" dirty="0" smtClean="0"/>
+              <a:t>Process</a:t>
+            </a:r>
+          </a:p>
+          <a:p>
+            <a:r>
+              <a:rPr lang="en-US" sz="2400" b="1" i="1" dirty="0"/>
+              <a:t>Technology-Facing Tests That Support the Development </a:t>
+            </a:r>
+            <a:r>
+              <a:rPr lang="en-US" sz="2400" b="1" i="1" dirty="0" smtClean="0"/>
+              <a:t>Process</a:t>
+            </a:r>
+          </a:p>
+          <a:p>
+            <a:r>
+              <a:rPr lang="en-US" sz="2400" b="1" i="1" dirty="0"/>
+              <a:t>Business-Facing Tests That Critique the </a:t>
+            </a:r>
+            <a:r>
+              <a:rPr lang="en-US" sz="2400" b="1" i="1" dirty="0" smtClean="0"/>
+              <a:t>Project</a:t>
+            </a:r>
+          </a:p>
+          <a:p>
+            <a:r>
+              <a:rPr lang="en-US" sz="2400" b="1" i="1" dirty="0"/>
+              <a:t>Technology-Facing Tests That Critique the Project</a:t>
+            </a:r>
+            <a:endParaRPr lang="en-US" sz="2400" dirty="0"/>
+          </a:p>
+        </p:txBody>
+      </p:sp>
+    </p:spTree>
+    <p:extLst>
+      <p:ext uri="{BB962C8B-B14F-4D97-AF65-F5344CB8AC3E}">
+        <p14:creationId xmlns:p14="http://schemas.microsoft.com/office/powerpoint/2010/main" val="1760813730"/>
+      </p:ext>
+    </p:extLst>
+  </p:cSld>
+  <p:clrMapOvr>
+    <a:masterClrMapping/>
+  </p:clrMapOvr>
+</p:sld>
+</file>
+
+<file path=ppt/slides/slide23.xml><?xml version="1.0" encoding="utf-8"?>
+<p:sld xmlns:a="http://schemas.openxmlformats.org/drawingml/2006/main" xmlns:r="http://schemas.openxmlformats.org/officeDocument/2006/relationships" xmlns:p="http://schemas.openxmlformats.org/presentationml/2006/main">
+  <p:cSld>
+    <p:spTree>
+      <p:nvGrpSpPr>
+        <p:cNvPr id="1" name=""/>
+        <p:cNvGrpSpPr/>
+        <p:nvPr/>
+      </p:nvGrpSpPr>
+      <p:grpSpPr>
+        <a:xfrm>
+          <a:off x="0" y="0"/>
+          <a:ext cx="0" cy="0"/>
+          <a:chOff x="0" y="0"/>
+          <a:chExt cx="0" cy="0"/>
+        </a:xfrm>
+      </p:grpSpPr>
+      <p:sp>
+        <p:nvSpPr>
+          <p:cNvPr id="2" name="Title 1"/>
+          <p:cNvSpPr>
+            <a:spLocks noGrp="1"/>
+          </p:cNvSpPr>
+          <p:nvPr>
+            <p:ph type="title"/>
+          </p:nvPr>
+        </p:nvSpPr>
+        <p:spPr/>
+        <p:txBody>
+          <a:bodyPr>
+            <a:normAutofit/>
+          </a:bodyPr>
+          <a:lstStyle/>
+          <a:p>
+            <a:r>
+              <a:rPr lang="en-US" sz="3600" dirty="0" smtClean="0"/>
+              <a:t>Automating Acceptance test</a:t>
+            </a:r>
+            <a:endParaRPr lang="en-US" sz="3600" dirty="0"/>
+          </a:p>
+        </p:txBody>
+      </p:sp>
+      <p:sp>
+        <p:nvSpPr>
+          <p:cNvPr id="3" name="Content Placeholder 2"/>
+          <p:cNvSpPr>
+            <a:spLocks noGrp="1"/>
+          </p:cNvSpPr>
+          <p:nvPr>
+            <p:ph idx="1"/>
+          </p:nvPr>
+        </p:nvSpPr>
+        <p:spPr/>
+        <p:txBody>
+          <a:bodyPr>
+            <a:normAutofit/>
+          </a:bodyPr>
+          <a:lstStyle/>
+          <a:p>
+            <a:r>
+              <a:rPr lang="en-US" sz="2400" b="1" dirty="0" smtClean="0"/>
+              <a:t>They make feedback loop faster</a:t>
+            </a:r>
+          </a:p>
+          <a:p>
+            <a:r>
+              <a:rPr lang="en-US" sz="2400" b="1" dirty="0" smtClean="0"/>
+              <a:t>Reduce Workload on Testers</a:t>
+            </a:r>
+          </a:p>
+          <a:p>
+            <a:r>
+              <a:rPr lang="en-US" sz="2400" b="1" dirty="0" smtClean="0"/>
+              <a:t>Free testers to concentrate on exploratory testing and high value activities</a:t>
+            </a:r>
+          </a:p>
+          <a:p>
+            <a:r>
+              <a:rPr lang="en-US" sz="2400" b="1" dirty="0" err="1" smtClean="0"/>
+              <a:t>Autogenerate</a:t>
+            </a:r>
+            <a:r>
+              <a:rPr lang="en-US" sz="2400" b="1" dirty="0" smtClean="0"/>
+              <a:t> Requirements Documentation from your tests</a:t>
+            </a:r>
+            <a:endParaRPr lang="en-US" sz="2400" dirty="0"/>
+          </a:p>
+        </p:txBody>
+      </p:sp>
+    </p:spTree>
+    <p:extLst>
+      <p:ext uri="{BB962C8B-B14F-4D97-AF65-F5344CB8AC3E}">
+        <p14:creationId xmlns:p14="http://schemas.microsoft.com/office/powerpoint/2010/main" val="936498719"/>
+      </p:ext>
+    </p:extLst>
+  </p:cSld>
+  <p:clrMapOvr>
+    <a:masterClrMapping/>
+  </p:clrMapOvr>
+</p:sld>
+</file>
+
+<file path=ppt/slides/slide24.xml><?xml version="1.0" encoding="utf-8"?>
+<p:sld xmlns:a="http://schemas.openxmlformats.org/drawingml/2006/main" xmlns:r="http://schemas.openxmlformats.org/officeDocument/2006/relationships" xmlns:p="http://schemas.openxmlformats.org/presentationml/2006/main">
+  <p:cSld>
+    <p:spTree>
+      <p:nvGrpSpPr>
+        <p:cNvPr id="1" name=""/>
+        <p:cNvGrpSpPr/>
+        <p:nvPr/>
+      </p:nvGrpSpPr>
+      <p:grpSpPr>
+        <a:xfrm>
+          <a:off x="0" y="0"/>
+          <a:ext cx="0" cy="0"/>
+          <a:chOff x="0" y="0"/>
+          <a:chExt cx="0" cy="0"/>
+        </a:xfrm>
+      </p:grpSpPr>
+      <p:sp>
+        <p:nvSpPr>
+          <p:cNvPr id="2" name="Title 1"/>
+          <p:cNvSpPr>
+            <a:spLocks noGrp="1"/>
+          </p:cNvSpPr>
+          <p:nvPr>
+            <p:ph type="title"/>
+          </p:nvPr>
+        </p:nvSpPr>
+        <p:spPr/>
+        <p:txBody>
+          <a:bodyPr>
+            <a:normAutofit/>
+          </a:bodyPr>
+          <a:lstStyle/>
+          <a:p>
+            <a:r>
+              <a:rPr lang="en-US" sz="3600" dirty="0" smtClean="0"/>
+              <a:t>What is </a:t>
+            </a:r>
+            <a:r>
+              <a:rPr lang="en-US" sz="3600" dirty="0" err="1" smtClean="0"/>
+              <a:t>Deployement</a:t>
+            </a:r>
+            <a:r>
+              <a:rPr lang="en-US" sz="3600" dirty="0" smtClean="0"/>
+              <a:t> Pipeline</a:t>
+            </a:r>
+            <a:endParaRPr lang="en-US" sz="3600" dirty="0"/>
+          </a:p>
+        </p:txBody>
+      </p:sp>
+      <p:sp>
+        <p:nvSpPr>
+          <p:cNvPr id="3" name="Content Placeholder 2"/>
+          <p:cNvSpPr>
+            <a:spLocks noGrp="1"/>
+          </p:cNvSpPr>
+          <p:nvPr>
+            <p:ph idx="1"/>
+          </p:nvPr>
+        </p:nvSpPr>
+        <p:spPr/>
+        <p:txBody>
+          <a:bodyPr>
+            <a:normAutofit/>
+          </a:bodyPr>
+          <a:lstStyle/>
+          <a:p>
+            <a:r>
+              <a:rPr lang="en-US" sz="2400" dirty="0"/>
+              <a:t>a deployment pipeline is an automated manifestation of your process for getting software from version control into the hands of your users. </a:t>
+            </a:r>
+            <a:endParaRPr lang="en-US" sz="2400" dirty="0" smtClean="0"/>
+          </a:p>
+          <a:p>
+            <a:endParaRPr lang="en-US" sz="2400" dirty="0"/>
+          </a:p>
+        </p:txBody>
+      </p:sp>
+      <p:pic>
+        <p:nvPicPr>
+          <p:cNvPr id="1026" name="Picture 2"/>
+          <p:cNvPicPr>
+            <a:picLocks noChangeAspect="1" noChangeArrowheads="1"/>
+          </p:cNvPicPr>
+          <p:nvPr/>
+        </p:nvPicPr>
+        <p:blipFill>
+          <a:blip r:embed="rId2">
+            <a:extLst>
+              <a:ext uri="{28A0092B-C50C-407E-A947-70E740481C1C}">
+                <a14:useLocalDpi xmlns:a14="http://schemas.microsoft.com/office/drawing/2010/main" val="0"/>
+              </a:ext>
+            </a:extLst>
+          </a:blip>
+          <a:srcRect/>
+          <a:stretch>
+            <a:fillRect/>
+          </a:stretch>
+        </p:blipFill>
+        <p:spPr bwMode="auto">
+          <a:xfrm>
+            <a:off x="838200" y="3276600"/>
+            <a:ext cx="7096125" cy="2266950"/>
+          </a:xfrm>
+          <a:prstGeom prst="rect">
+            <a:avLst/>
+          </a:prstGeom>
+          <a:noFill/>
+          <a:ln>
+            <a:noFill/>
+          </a:ln>
+          <a:extLst>
+            <a:ext uri="{909E8E84-426E-40DD-AFC4-6F175D3DCCD1}">
+              <a14:hiddenFill xmlns:a14="http://schemas.microsoft.com/office/drawing/2010/main">
+                <a:solidFill>
+                  <a:schemeClr val="accent1"/>
+                </a:solidFill>
+              </a14:hiddenFill>
+            </a:ext>
+            <a:ext uri="{91240B29-F687-4F45-9708-019B960494DF}">
+              <a14:hiddenLine xmlns:a14="http://schemas.microsoft.com/office/drawing/2010/main" w="9525">
+                <a:solidFill>
+                  <a:schemeClr val="tx1"/>
+                </a:solidFill>
+                <a:miter lim="800000"/>
+                <a:headEnd/>
+                <a:tailEnd/>
+              </a14:hiddenLine>
+            </a:ext>
+          </a:extLst>
+        </p:spPr>
+      </p:pic>
+    </p:spTree>
+    <p:extLst>
+      <p:ext uri="{BB962C8B-B14F-4D97-AF65-F5344CB8AC3E}">
+        <p14:creationId xmlns:p14="http://schemas.microsoft.com/office/powerpoint/2010/main" val="52816689"/>
+      </p:ext>
+    </p:extLst>
+  </p:cSld>
+  <p:clrMapOvr>
+    <a:masterClrMapping/>
+  </p:clrMapOvr>
+</p:sld>
+</file>
+
+<file path=ppt/slides/slide25.xml><?xml version="1.0" encoding="utf-8"?>
+<p:sld xmlns:a="http://schemas.openxmlformats.org/drawingml/2006/main" xmlns:r="http://schemas.openxmlformats.org/officeDocument/2006/relationships" xmlns:p="http://schemas.openxmlformats.org/presentationml/2006/main">
+  <p:cSld>
+    <p:spTree>
+      <p:nvGrpSpPr>
+        <p:cNvPr id="1" name=""/>
+        <p:cNvGrpSpPr/>
+        <p:nvPr/>
+      </p:nvGrpSpPr>
+      <p:grpSpPr>
+        <a:xfrm>
+          <a:off x="0" y="0"/>
+          <a:ext cx="0" cy="0"/>
+          <a:chOff x="0" y="0"/>
+          <a:chExt cx="0" cy="0"/>
+        </a:xfrm>
+      </p:grpSpPr>
+      <p:sp>
+        <p:nvSpPr>
+          <p:cNvPr id="2" name="Title 1"/>
+          <p:cNvSpPr>
+            <a:spLocks noGrp="1"/>
+          </p:cNvSpPr>
+          <p:nvPr>
+            <p:ph type="title"/>
+          </p:nvPr>
+        </p:nvSpPr>
+        <p:spPr/>
+        <p:txBody>
+          <a:bodyPr/>
+          <a:lstStyle/>
+          <a:p>
+            <a:endParaRPr lang="en-US" dirty="0"/>
+          </a:p>
+        </p:txBody>
+      </p:sp>
+      <p:pic>
+        <p:nvPicPr>
+          <p:cNvPr id="2050" name="Picture 2"/>
+          <p:cNvPicPr>
+            <a:picLocks noGrp="1" noChangeAspect="1" noChangeArrowheads="1"/>
+          </p:cNvPicPr>
+          <p:nvPr>
+            <p:ph idx="1"/>
+          </p:nvPr>
+        </p:nvPicPr>
+        <p:blipFill>
+          <a:blip r:embed="rId2">
+            <a:extLst>
+              <a:ext uri="{28A0092B-C50C-407E-A947-70E740481C1C}">
+                <a14:useLocalDpi xmlns:a14="http://schemas.microsoft.com/office/drawing/2010/main" val="0"/>
+              </a:ext>
+            </a:extLst>
+          </a:blip>
+          <a:srcRect/>
+          <a:stretch>
+            <a:fillRect/>
+          </a:stretch>
+        </p:blipFill>
+        <p:spPr bwMode="auto">
+          <a:xfrm>
+            <a:off x="1592645" y="1600200"/>
+            <a:ext cx="5958710" cy="4525963"/>
+          </a:xfrm>
+          <a:prstGeom prst="rect">
+            <a:avLst/>
+          </a:prstGeom>
+          <a:noFill/>
+          <a:ln>
+            <a:noFill/>
+          </a:ln>
+          <a:extLst>
+            <a:ext uri="{909E8E84-426E-40DD-AFC4-6F175D3DCCD1}">
+              <a14:hiddenFill xmlns:a14="http://schemas.microsoft.com/office/drawing/2010/main">
+                <a:solidFill>
+                  <a:schemeClr val="accent1"/>
+                </a:solidFill>
+              </a14:hiddenFill>
+            </a:ext>
+            <a:ext uri="{91240B29-F687-4F45-9708-019B960494DF}">
+              <a14:hiddenLine xmlns:a14="http://schemas.microsoft.com/office/drawing/2010/main" w="9525">
+                <a:solidFill>
+                  <a:schemeClr val="tx1"/>
+                </a:solidFill>
+                <a:miter lim="800000"/>
+                <a:headEnd/>
+                <a:tailEnd/>
+              </a14:hiddenLine>
+            </a:ext>
+          </a:extLst>
+        </p:spPr>
+      </p:pic>
+    </p:spTree>
+    <p:extLst>
+      <p:ext uri="{BB962C8B-B14F-4D97-AF65-F5344CB8AC3E}">
+        <p14:creationId xmlns:p14="http://schemas.microsoft.com/office/powerpoint/2010/main" val="3775675808"/>
+      </p:ext>
+    </p:extLst>
+  </p:cSld>
+  <p:clrMapOvr>
+    <a:masterClrMapping/>
+  </p:clrMapOvr>
+</p:sld>
+</file>
+
+<file path=ppt/slides/slide26.xml><?xml version="1.0" encoding="utf-8"?>
+<p:sld xmlns:a="http://schemas.openxmlformats.org/drawingml/2006/main" xmlns:r="http://schemas.openxmlformats.org/officeDocument/2006/relationships" xmlns:p="http://schemas.openxmlformats.org/presentationml/2006/main">
+  <p:cSld>
+    <p:spTree>
+      <p:nvGrpSpPr>
+        <p:cNvPr id="1" name=""/>
+        <p:cNvGrpSpPr/>
+        <p:nvPr/>
+      </p:nvGrpSpPr>
+      <p:grpSpPr>
+        <a:xfrm>
+          <a:off x="0" y="0"/>
+          <a:ext cx="0" cy="0"/>
+          <a:chOff x="0" y="0"/>
+          <a:chExt cx="0" cy="0"/>
+        </a:xfrm>
+      </p:grpSpPr>
+      <p:sp>
+        <p:nvSpPr>
+          <p:cNvPr id="2" name="Title 1"/>
+          <p:cNvSpPr>
+            <a:spLocks noGrp="1"/>
+          </p:cNvSpPr>
+          <p:nvPr>
+            <p:ph type="title"/>
+          </p:nvPr>
+        </p:nvSpPr>
+        <p:spPr/>
+        <p:txBody>
+          <a:bodyPr>
+            <a:normAutofit/>
+          </a:bodyPr>
+          <a:lstStyle/>
+          <a:p>
+            <a:r>
+              <a:rPr lang="en-US" sz="3600" dirty="0" smtClean="0"/>
+              <a:t>Deployment Pipeline Practices</a:t>
+            </a:r>
+            <a:endParaRPr lang="en-US" sz="3600" dirty="0"/>
+          </a:p>
+        </p:txBody>
+      </p:sp>
+      <p:sp>
+        <p:nvSpPr>
+          <p:cNvPr id="3" name="Content Placeholder 2"/>
+          <p:cNvSpPr>
+            <a:spLocks noGrp="1"/>
+          </p:cNvSpPr>
+          <p:nvPr>
+            <p:ph idx="1"/>
+          </p:nvPr>
+        </p:nvSpPr>
+        <p:spPr/>
+        <p:txBody>
+          <a:bodyPr>
+            <a:normAutofit/>
+          </a:bodyPr>
+          <a:lstStyle/>
+          <a:p>
+            <a:r>
+              <a:rPr lang="en-US" sz="2400" b="1" i="1" dirty="0"/>
+              <a:t>Only Build Your Binaries </a:t>
+            </a:r>
+            <a:r>
+              <a:rPr lang="en-US" sz="2400" b="1" i="1" dirty="0" smtClean="0"/>
+              <a:t>Once</a:t>
+            </a:r>
+          </a:p>
+          <a:p>
+            <a:r>
+              <a:rPr lang="en-US" sz="2400" b="1" i="1" dirty="0"/>
+              <a:t>Deploy the Same Way to Every </a:t>
+            </a:r>
+            <a:r>
+              <a:rPr lang="en-US" sz="2400" b="1" i="1" dirty="0" smtClean="0"/>
+              <a:t>Environment</a:t>
+            </a:r>
+          </a:p>
+          <a:p>
+            <a:r>
+              <a:rPr lang="en-US" sz="2400" b="1" i="1" dirty="0"/>
+              <a:t>Smoke-Test Your </a:t>
+            </a:r>
+            <a:r>
+              <a:rPr lang="en-US" sz="2400" b="1" i="1" dirty="0" smtClean="0"/>
+              <a:t>Deployments</a:t>
+            </a:r>
+          </a:p>
+          <a:p>
+            <a:r>
+              <a:rPr lang="en-US" sz="2400" b="1" i="1" dirty="0"/>
+              <a:t>Deploy into a Copy of </a:t>
+            </a:r>
+            <a:r>
+              <a:rPr lang="en-US" sz="2400" b="1" i="1" dirty="0" smtClean="0"/>
+              <a:t>Production</a:t>
+            </a:r>
+          </a:p>
+          <a:p>
+            <a:r>
+              <a:rPr lang="en-US" sz="2400" b="1" i="1" dirty="0"/>
+              <a:t>Each Change Should Propagate through the Pipeline </a:t>
+            </a:r>
+            <a:r>
+              <a:rPr lang="en-US" sz="2400" b="1" i="1" dirty="0" smtClean="0"/>
+              <a:t>Instantly</a:t>
+            </a:r>
+          </a:p>
+          <a:p>
+            <a:r>
+              <a:rPr lang="en-US" sz="2400" b="1" i="1" dirty="0"/>
+              <a:t>If Any Part of the Pipeline Fails, Stop the Line</a:t>
+            </a:r>
+            <a:endParaRPr lang="en-US" sz="2400" dirty="0"/>
+          </a:p>
+        </p:txBody>
+      </p:sp>
+    </p:spTree>
+    <p:extLst>
+      <p:ext uri="{BB962C8B-B14F-4D97-AF65-F5344CB8AC3E}">
+        <p14:creationId xmlns:p14="http://schemas.microsoft.com/office/powerpoint/2010/main" val="745934161"/>
+      </p:ext>
+    </p:extLst>
+  </p:cSld>
+  <p:clrMapOvr>
+    <a:masterClrMapping/>
+  </p:clrMapOvr>
+</p:sld>
+</file>
+
+<file path=ppt/slides/slide27.xml><?xml version="1.0" encoding="utf-8"?>
+<p:sld xmlns:a="http://schemas.openxmlformats.org/drawingml/2006/main" xmlns:r="http://schemas.openxmlformats.org/officeDocument/2006/relationships" xmlns:p="http://schemas.openxmlformats.org/presentationml/2006/main">
+  <p:cSld>
+    <p:spTree>
+      <p:nvGrpSpPr>
+        <p:cNvPr id="1" name=""/>
+        <p:cNvGrpSpPr/>
+        <p:nvPr/>
+      </p:nvGrpSpPr>
+      <p:grpSpPr>
+        <a:xfrm>
+          <a:off x="0" y="0"/>
+          <a:ext cx="0" cy="0"/>
+          <a:chOff x="0" y="0"/>
+          <a:chExt cx="0" cy="0"/>
+        </a:xfrm>
+      </p:grpSpPr>
+      <p:sp>
+        <p:nvSpPr>
+          <p:cNvPr id="2" name="Title 1"/>
+          <p:cNvSpPr>
+            <a:spLocks noGrp="1"/>
+          </p:cNvSpPr>
+          <p:nvPr>
+            <p:ph type="title"/>
+          </p:nvPr>
+        </p:nvSpPr>
+        <p:spPr/>
+        <p:txBody>
+          <a:bodyPr>
+            <a:normAutofit/>
+          </a:bodyPr>
+          <a:lstStyle/>
+          <a:p>
+            <a:r>
+              <a:rPr lang="en-US" sz="3600" dirty="0" smtClean="0"/>
+              <a:t>Commit Stage</a:t>
+            </a:r>
+            <a:endParaRPr lang="en-US" sz="3600" dirty="0"/>
+          </a:p>
+        </p:txBody>
+      </p:sp>
+      <p:sp>
+        <p:nvSpPr>
+          <p:cNvPr id="3" name="Content Placeholder 2"/>
+          <p:cNvSpPr>
+            <a:spLocks noGrp="1"/>
+          </p:cNvSpPr>
+          <p:nvPr>
+            <p:ph idx="1"/>
+          </p:nvPr>
+        </p:nvSpPr>
+        <p:spPr/>
+        <p:txBody>
+          <a:bodyPr>
+            <a:normAutofit/>
+          </a:bodyPr>
+          <a:lstStyle/>
+          <a:p>
+            <a:r>
+              <a:rPr lang="en-US" sz="2400" dirty="0"/>
+              <a:t>Compile the code (if necessary</a:t>
+            </a:r>
+            <a:r>
+              <a:rPr lang="en-US" sz="2400" dirty="0" smtClean="0"/>
+              <a:t>).</a:t>
+            </a:r>
+          </a:p>
+          <a:p>
+            <a:r>
+              <a:rPr lang="en-US" sz="2400" dirty="0"/>
+              <a:t>Run a set of commit </a:t>
+            </a:r>
+            <a:r>
+              <a:rPr lang="en-US" sz="2400" dirty="0" smtClean="0"/>
+              <a:t>tests</a:t>
+            </a:r>
+          </a:p>
+          <a:p>
+            <a:r>
+              <a:rPr lang="en-US" sz="2400" dirty="0"/>
+              <a:t>Create binaries for use by later stages</a:t>
+            </a:r>
+            <a:r>
+              <a:rPr lang="en-US" sz="2400" dirty="0" smtClean="0"/>
+              <a:t>.</a:t>
+            </a:r>
+          </a:p>
+          <a:p>
+            <a:r>
+              <a:rPr lang="en-US" sz="2400" dirty="0"/>
+              <a:t>Perform analysis of the code to check its health</a:t>
+            </a:r>
+            <a:r>
+              <a:rPr lang="en-US" sz="2400" dirty="0" smtClean="0"/>
+              <a:t>.</a:t>
+            </a:r>
+          </a:p>
+          <a:p>
+            <a:r>
+              <a:rPr lang="en-US" sz="2400" dirty="0"/>
+              <a:t>Prepare artifacts, such as test databases, for use by later stages.</a:t>
+            </a:r>
+            <a:endParaRPr lang="en-US" sz="2400" dirty="0"/>
+          </a:p>
+        </p:txBody>
+      </p:sp>
+    </p:spTree>
+    <p:extLst>
+      <p:ext uri="{BB962C8B-B14F-4D97-AF65-F5344CB8AC3E}">
+        <p14:creationId xmlns:p14="http://schemas.microsoft.com/office/powerpoint/2010/main" val="3031449059"/>
+      </p:ext>
+    </p:extLst>
+  </p:cSld>
+  <p:clrMapOvr>
+    <a:masterClrMapping/>
+  </p:clrMapOvr>
+</p:sld>
+</file>
+
+<file path=ppt/slides/slide28.xml><?xml version="1.0" encoding="utf-8"?>
+<p:sld xmlns:a="http://schemas.openxmlformats.org/drawingml/2006/main" xmlns:r="http://schemas.openxmlformats.org/officeDocument/2006/relationships" xmlns:p="http://schemas.openxmlformats.org/presentationml/2006/main">
+  <p:cSld>
+    <p:spTree>
+      <p:nvGrpSpPr>
+        <p:cNvPr id="1" name=""/>
+        <p:cNvGrpSpPr/>
+        <p:nvPr/>
+      </p:nvGrpSpPr>
+      <p:grpSpPr>
+        <a:xfrm>
+          <a:off x="0" y="0"/>
+          <a:ext cx="0" cy="0"/>
+          <a:chOff x="0" y="0"/>
+          <a:chExt cx="0" cy="0"/>
+        </a:xfrm>
+      </p:grpSpPr>
+      <p:sp>
+        <p:nvSpPr>
+          <p:cNvPr id="2" name="Title 1"/>
+          <p:cNvSpPr>
+            <a:spLocks noGrp="1"/>
+          </p:cNvSpPr>
+          <p:nvPr>
+            <p:ph type="title"/>
+          </p:nvPr>
+        </p:nvSpPr>
+        <p:spPr/>
+        <p:txBody>
+          <a:bodyPr>
+            <a:normAutofit/>
+          </a:bodyPr>
+          <a:lstStyle/>
+          <a:p>
+            <a:r>
+              <a:rPr lang="en-US" sz="3600" dirty="0" smtClean="0"/>
+              <a:t>Automated Acceptance Test Gate</a:t>
+            </a:r>
+            <a:endParaRPr lang="en-US" sz="3600" dirty="0"/>
+          </a:p>
+        </p:txBody>
+      </p:sp>
+      <p:sp>
+        <p:nvSpPr>
+          <p:cNvPr id="3" name="Content Placeholder 2"/>
+          <p:cNvSpPr>
+            <a:spLocks noGrp="1"/>
+          </p:cNvSpPr>
+          <p:nvPr>
+            <p:ph idx="1"/>
+          </p:nvPr>
+        </p:nvSpPr>
+        <p:spPr/>
+        <p:txBody>
+          <a:bodyPr>
+            <a:normAutofit/>
+          </a:bodyPr>
+          <a:lstStyle/>
+          <a:p>
+            <a:r>
+              <a:rPr lang="en-US" sz="2400" dirty="0"/>
+              <a:t>system delivers </a:t>
+            </a:r>
+            <a:r>
+              <a:rPr lang="en-US" sz="2400" dirty="0" smtClean="0"/>
+              <a:t>the value </a:t>
+            </a:r>
+            <a:r>
+              <a:rPr lang="en-US" sz="2400" dirty="0"/>
+              <a:t>the customer is </a:t>
+            </a:r>
+            <a:r>
+              <a:rPr lang="en-US" sz="2400" dirty="0" smtClean="0"/>
+              <a:t>expecting</a:t>
+            </a:r>
+          </a:p>
+          <a:p>
+            <a:r>
+              <a:rPr lang="en-US" sz="2400" dirty="0"/>
+              <a:t>verifying that no </a:t>
+            </a:r>
+            <a:r>
+              <a:rPr lang="en-US" sz="2400" dirty="0" smtClean="0"/>
+              <a:t>bugs are </a:t>
+            </a:r>
+            <a:r>
+              <a:rPr lang="en-US" sz="2400" dirty="0"/>
+              <a:t>introduced into existing behavior by new </a:t>
+            </a:r>
+            <a:r>
+              <a:rPr lang="en-US" sz="2400" dirty="0" smtClean="0"/>
+              <a:t>changes</a:t>
+            </a:r>
+          </a:p>
+          <a:p>
+            <a:pPr marL="0" indent="0">
+              <a:buNone/>
+            </a:pPr>
+            <a:endParaRPr lang="en-US" sz="2400" dirty="0"/>
+          </a:p>
+        </p:txBody>
+      </p:sp>
+    </p:spTree>
+    <p:extLst>
+      <p:ext uri="{BB962C8B-B14F-4D97-AF65-F5344CB8AC3E}">
+        <p14:creationId xmlns:p14="http://schemas.microsoft.com/office/powerpoint/2010/main" val="368524981"/>
+      </p:ext>
+    </p:extLst>
+  </p:cSld>
+  <p:clrMapOvr>
+    <a:masterClrMapping/>
+  </p:clrMapOvr>
+</p:sld>
+</file>
+
+<file path=ppt/slides/slide29.xml><?xml version="1.0" encoding="utf-8"?>
+<p:sld xmlns:a="http://schemas.openxmlformats.org/drawingml/2006/main" xmlns:r="http://schemas.openxmlformats.org/officeDocument/2006/relationships" xmlns:p="http://schemas.openxmlformats.org/presentationml/2006/main">
+  <p:cSld>
+    <p:spTree>
+      <p:nvGrpSpPr>
+        <p:cNvPr id="1" name=""/>
+        <p:cNvGrpSpPr/>
+        <p:nvPr/>
+      </p:nvGrpSpPr>
+      <p:grpSpPr>
+        <a:xfrm>
+          <a:off x="0" y="0"/>
+          <a:ext cx="0" cy="0"/>
+          <a:chOff x="0" y="0"/>
+          <a:chExt cx="0" cy="0"/>
+        </a:xfrm>
+      </p:grpSpPr>
+      <p:sp>
+        <p:nvSpPr>
+          <p:cNvPr id="2" name="Title 1"/>
+          <p:cNvSpPr>
+            <a:spLocks noGrp="1"/>
+          </p:cNvSpPr>
+          <p:nvPr>
+            <p:ph type="title"/>
+          </p:nvPr>
+        </p:nvSpPr>
+        <p:spPr/>
+        <p:txBody>
+          <a:bodyPr>
+            <a:normAutofit/>
+          </a:bodyPr>
+          <a:lstStyle/>
+          <a:p>
+            <a:r>
+              <a:rPr lang="en-US" sz="3600" dirty="0" smtClean="0"/>
+              <a:t>Preparing To Release</a:t>
+            </a:r>
+            <a:endParaRPr lang="en-US" sz="3600" dirty="0"/>
+          </a:p>
+        </p:txBody>
+      </p:sp>
+      <p:sp>
+        <p:nvSpPr>
+          <p:cNvPr id="3" name="Content Placeholder 2"/>
+          <p:cNvSpPr>
+            <a:spLocks noGrp="1"/>
+          </p:cNvSpPr>
+          <p:nvPr>
+            <p:ph idx="1"/>
+          </p:nvPr>
+        </p:nvSpPr>
+        <p:spPr/>
+        <p:txBody>
+          <a:bodyPr>
+            <a:normAutofit/>
+          </a:bodyPr>
+          <a:lstStyle/>
+          <a:p>
+            <a:r>
+              <a:rPr lang="en-US" sz="2400" dirty="0"/>
+              <a:t>Have a release </a:t>
+            </a:r>
+            <a:r>
+              <a:rPr lang="en-US" sz="2400" dirty="0" smtClean="0"/>
+              <a:t>plan</a:t>
+            </a:r>
+          </a:p>
+          <a:p>
+            <a:r>
+              <a:rPr lang="en-US" sz="2400" dirty="0"/>
+              <a:t>Minimize the effect of people making mistakes by automating as much </a:t>
+            </a:r>
+            <a:r>
+              <a:rPr lang="en-US" sz="2400" dirty="0" smtClean="0"/>
+              <a:t>of the </a:t>
+            </a:r>
+            <a:r>
+              <a:rPr lang="en-US" sz="2400" dirty="0"/>
+              <a:t>process as </a:t>
+            </a:r>
+            <a:r>
+              <a:rPr lang="en-US" sz="2400" dirty="0" smtClean="0"/>
+              <a:t>possible</a:t>
+            </a:r>
+          </a:p>
+          <a:p>
+            <a:r>
+              <a:rPr lang="en-US" sz="2400" dirty="0"/>
+              <a:t>Rehearse the procedure often in production-like </a:t>
+            </a:r>
+            <a:r>
+              <a:rPr lang="en-US" sz="2400" dirty="0" smtClean="0"/>
+              <a:t>environments</a:t>
+            </a:r>
+          </a:p>
+          <a:p>
+            <a:r>
+              <a:rPr lang="en-US" sz="2400" dirty="0"/>
+              <a:t>Have the ability to back out a release if things don’t go according to </a:t>
+            </a:r>
+            <a:r>
+              <a:rPr lang="en-US" sz="2400" dirty="0" smtClean="0"/>
+              <a:t>plan</a:t>
+            </a:r>
+          </a:p>
+          <a:p>
+            <a:r>
+              <a:rPr lang="en-US" sz="2400" dirty="0"/>
+              <a:t>Have a strategy for migrating configuration and production data </a:t>
+            </a:r>
+            <a:r>
+              <a:rPr lang="en-US" sz="2400"/>
+              <a:t>as </a:t>
+            </a:r>
+            <a:r>
+              <a:rPr lang="en-US" sz="2400" smtClean="0"/>
+              <a:t>part of </a:t>
+            </a:r>
+            <a:r>
+              <a:rPr lang="en-US" sz="2400" dirty="0"/>
+              <a:t>the upgrade and rollback processes</a:t>
+            </a:r>
+            <a:endParaRPr lang="en-US" sz="2400" dirty="0"/>
+          </a:p>
+        </p:txBody>
+      </p:sp>
+    </p:spTree>
+    <p:extLst>
+      <p:ext uri="{BB962C8B-B14F-4D97-AF65-F5344CB8AC3E}">
+        <p14:creationId xmlns:p14="http://schemas.microsoft.com/office/powerpoint/2010/main" val="626612462"/>
       </p:ext>
     </p:extLst>
   </p:cSld>

--- a/CD.pptx
+++ b/CD.pptx
@@ -5,38 +5,39 @@
     <p:sldMasterId id="2147483648" r:id="rId1"/>
   </p:sldMasterIdLst>
   <p:notesMasterIdLst>
-    <p:notesMasterId r:id="rId31"/>
+    <p:notesMasterId r:id="rId32"/>
   </p:notesMasterIdLst>
   <p:sldIdLst>
-    <p:sldId id="256" r:id="rId2"/>
-    <p:sldId id="257" r:id="rId3"/>
-    <p:sldId id="258" r:id="rId4"/>
-    <p:sldId id="260" r:id="rId5"/>
-    <p:sldId id="261" r:id="rId6"/>
-    <p:sldId id="262" r:id="rId7"/>
-    <p:sldId id="263" r:id="rId8"/>
-    <p:sldId id="264" r:id="rId9"/>
-    <p:sldId id="265" r:id="rId10"/>
-    <p:sldId id="266" r:id="rId11"/>
-    <p:sldId id="267" r:id="rId12"/>
-    <p:sldId id="268" r:id="rId13"/>
-    <p:sldId id="269" r:id="rId14"/>
-    <p:sldId id="271" r:id="rId15"/>
-    <p:sldId id="272" r:id="rId16"/>
-    <p:sldId id="273" r:id="rId17"/>
-    <p:sldId id="270" r:id="rId18"/>
-    <p:sldId id="274" r:id="rId19"/>
-    <p:sldId id="275" r:id="rId20"/>
-    <p:sldId id="276" r:id="rId21"/>
-    <p:sldId id="277" r:id="rId22"/>
-    <p:sldId id="279" r:id="rId23"/>
-    <p:sldId id="280" r:id="rId24"/>
-    <p:sldId id="281" r:id="rId25"/>
-    <p:sldId id="282" r:id="rId26"/>
-    <p:sldId id="283" r:id="rId27"/>
-    <p:sldId id="284" r:id="rId28"/>
-    <p:sldId id="285" r:id="rId29"/>
-    <p:sldId id="286" r:id="rId30"/>
+    <p:sldId id="292" r:id="rId2"/>
+    <p:sldId id="295" r:id="rId3"/>
+    <p:sldId id="257" r:id="rId4"/>
+    <p:sldId id="258" r:id="rId5"/>
+    <p:sldId id="260" r:id="rId6"/>
+    <p:sldId id="261" r:id="rId7"/>
+    <p:sldId id="262" r:id="rId8"/>
+    <p:sldId id="263" r:id="rId9"/>
+    <p:sldId id="267" r:id="rId10"/>
+    <p:sldId id="269" r:id="rId11"/>
+    <p:sldId id="271" r:id="rId12"/>
+    <p:sldId id="272" r:id="rId13"/>
+    <p:sldId id="273" r:id="rId14"/>
+    <p:sldId id="270" r:id="rId15"/>
+    <p:sldId id="274" r:id="rId16"/>
+    <p:sldId id="275" r:id="rId17"/>
+    <p:sldId id="276" r:id="rId18"/>
+    <p:sldId id="277" r:id="rId19"/>
+    <p:sldId id="279" r:id="rId20"/>
+    <p:sldId id="280" r:id="rId21"/>
+    <p:sldId id="281" r:id="rId22"/>
+    <p:sldId id="282" r:id="rId23"/>
+    <p:sldId id="283" r:id="rId24"/>
+    <p:sldId id="284" r:id="rId25"/>
+    <p:sldId id="285" r:id="rId26"/>
+    <p:sldId id="286" r:id="rId27"/>
+    <p:sldId id="288" r:id="rId28"/>
+    <p:sldId id="289" r:id="rId29"/>
+    <p:sldId id="290" r:id="rId30"/>
+    <p:sldId id="291" r:id="rId31"/>
   </p:sldIdLst>
   <p:sldSz cx="9144000" cy="6858000" type="screen4x3"/>
   <p:notesSz cx="6858000" cy="9144000"/>
@@ -220,7 +221,7 @@
           <a:p>
             <a:fld id="{B9D75887-ED66-4514-88BB-6149D5EB1AC6}" type="datetimeFigureOut">
               <a:rPr lang="en-US" smtClean="0"/>
-              <a:t>4/6/2015</a:t>
+              <a:t>4/7/2015</a:t>
             </a:fld>
             <a:endParaRPr lang="en-US"/>
           </a:p>
@@ -507,104 +508,64 @@
       </p:grpSpPr>
       <p:sp>
         <p:nvSpPr>
-          <p:cNvPr id="29697" name="Rectangle 1"/>
-          <p:cNvSpPr>
-            <a:spLocks noGrp="1" noRot="1" noChangeAspect="1" noChangeArrowheads="1"/>
+          <p:cNvPr id="2" name="Slide Image Placeholder 1"/>
+          <p:cNvSpPr>
+            <a:spLocks noGrp="1" noRot="1" noChangeAspect="1"/>
           </p:cNvSpPr>
           <p:nvPr>
             <p:ph type="sldImg"/>
           </p:nvPr>
         </p:nvSpPr>
-        <p:spPr bwMode="auto">
-          <a:xfrm>
-            <a:off x="1143000" y="685800"/>
-            <a:ext cx="4572000" cy="3429000"/>
-          </a:xfrm>
-          <a:prstGeom prst="rect">
-            <a:avLst/>
-          </a:prstGeom>
-          <a:solidFill>
-            <a:srgbClr val="FFFFFF"/>
-          </a:solidFill>
-          <a:ln>
-            <a:solidFill>
-              <a:srgbClr val="000000"/>
-            </a:solidFill>
-            <a:miter lim="800000"/>
-            <a:headEnd/>
-            <a:tailEnd/>
-          </a:ln>
-        </p:spPr>
-      </p:sp>
-      <p:sp>
-        <p:nvSpPr>
-          <p:cNvPr id="29698" name="Rectangle 2"/>
-          <p:cNvSpPr>
-            <a:spLocks noGrp="1" noChangeArrowheads="1"/>
+        <p:spPr/>
+      </p:sp>
+      <p:sp>
+        <p:nvSpPr>
+          <p:cNvPr id="3" name="Notes Placeholder 2"/>
+          <p:cNvSpPr>
+            <a:spLocks noGrp="1"/>
           </p:cNvSpPr>
           <p:nvPr>
             <p:ph type="body" idx="1"/>
           </p:nvPr>
         </p:nvSpPr>
-        <p:spPr bwMode="auto">
-          <a:xfrm>
-            <a:off x="685800" y="4343400"/>
-            <a:ext cx="5486400" cy="4114800"/>
-          </a:xfrm>
-          <a:prstGeom prst="rect">
-            <a:avLst/>
-          </a:prstGeom>
-          <a:noFill/>
-          <a:ln/>
-          <a:extLst>
-            <a:ext uri="{909E8E84-426E-40DD-AFC4-6F175D3DCCD1}">
-              <a14:hiddenFill xmlns:a14="http://schemas.microsoft.com/office/drawing/2010/main">
-                <a:solidFill>
-                  <a:srgbClr val="FFFFFF"/>
-                </a:solidFill>
-              </a14:hiddenFill>
-            </a:ext>
-            <a:ext uri="{91240B29-F687-4F45-9708-019B960494DF}">
-              <a14:hiddenLine xmlns:a14="http://schemas.microsoft.com/office/drawing/2010/main" w="9525">
-                <a:solidFill>
-                  <a:srgbClr val="000000"/>
-                </a:solidFill>
-                <a:miter lim="800000"/>
-                <a:headEnd/>
-                <a:tailEnd/>
-              </a14:hiddenLine>
-            </a:ext>
-            <a:ext uri="{AF507438-7753-43E0-B8FC-AC1667EBCBE1}">
-              <a14:hiddenEffects xmlns:a14="http://schemas.microsoft.com/office/drawing/2010/main">
-                <a:effectLst>
-                  <a:outerShdw dist="35921" dir="2700000" algn="ctr" rotWithShape="0">
-                    <a:srgbClr val="808080"/>
-                  </a:outerShdw>
-                </a:effectLst>
-              </a14:hiddenEffects>
-            </a:ext>
-            <a:ext uri="{53640926-AAD7-44D8-BBD7-CCE9431645EC}">
-              <a14:shadowObscured xmlns:a14="http://schemas.microsoft.com/office/drawing/2010/main" val="1"/>
-            </a:ext>
-          </a:extLst>
-        </p:spPr>
+        <p:spPr/>
         <p:txBody>
           <a:bodyPr/>
           <a:lstStyle/>
           <a:p>
-            <a:r>
-              <a:rPr lang="en-US" sz="2200">
-                <a:latin typeface="Lucida Grande" charset="0"/>
-                <a:ea typeface="Lucida Grande" charset="0"/>
-                <a:cs typeface="Lucida Grande" charset="0"/>
-                <a:sym typeface="Lucida Grande" charset="0"/>
-              </a:rPr>
-              <a:t>Deploying to production-like environment fort the first time only after development is finished</a:t>
-            </a:r>
+            <a:endParaRPr lang="en-US" dirty="0"/>
+          </a:p>
+        </p:txBody>
+      </p:sp>
+      <p:sp>
+        <p:nvSpPr>
+          <p:cNvPr id="4" name="Slide Number Placeholder 3"/>
+          <p:cNvSpPr>
+            <a:spLocks noGrp="1"/>
+          </p:cNvSpPr>
+          <p:nvPr>
+            <p:ph type="sldNum" sz="quarter" idx="10"/>
+          </p:nvPr>
+        </p:nvSpPr>
+        <p:spPr/>
+        <p:txBody>
+          <a:bodyPr/>
+          <a:lstStyle/>
+          <a:p>
+            <a:fld id="{A3A5924C-5145-4340-9BD9-9FF213963F5B}" type="slidenum">
+              <a:rPr lang="en-US" smtClean="0"/>
+              <a:t>3</a:t>
+            </a:fld>
+            <a:endParaRPr lang="en-US"/>
           </a:p>
         </p:txBody>
       </p:sp>
     </p:spTree>
+    <p:extLst>
+      <p:ext uri="{BB962C8B-B14F-4D97-AF65-F5344CB8AC3E}">
+        <p14:creationId xmlns:p14="http://schemas.microsoft.com/office/powerpoint/2010/main" val="124202153"/>
+      </p:ext>
+    </p:extLst>
   </p:cSld>
   <p:clrMapOvr>
     <a:masterClrMapping/>
@@ -631,141 +592,64 @@
       </p:grpSpPr>
       <p:sp>
         <p:nvSpPr>
-          <p:cNvPr id="35841" name="Rectangle 1"/>
-          <p:cNvSpPr>
-            <a:spLocks noGrp="1" noRot="1" noChangeAspect="1" noChangeArrowheads="1"/>
+          <p:cNvPr id="2" name="Slide Image Placeholder 1"/>
+          <p:cNvSpPr>
+            <a:spLocks noGrp="1" noRot="1" noChangeAspect="1"/>
           </p:cNvSpPr>
           <p:nvPr>
             <p:ph type="sldImg"/>
           </p:nvPr>
         </p:nvSpPr>
-        <p:spPr bwMode="auto">
-          <a:xfrm>
-            <a:off x="1143000" y="685800"/>
-            <a:ext cx="4572000" cy="3429000"/>
-          </a:xfrm>
-          <a:prstGeom prst="rect">
-            <a:avLst/>
-          </a:prstGeom>
-          <a:solidFill>
-            <a:srgbClr val="FFFFFF"/>
-          </a:solidFill>
-          <a:ln>
-            <a:solidFill>
-              <a:srgbClr val="000000"/>
-            </a:solidFill>
-            <a:miter lim="800000"/>
-            <a:headEnd/>
-            <a:tailEnd/>
-          </a:ln>
-        </p:spPr>
-      </p:sp>
-      <p:sp>
-        <p:nvSpPr>
-          <p:cNvPr id="35842" name="Rectangle 2"/>
-          <p:cNvSpPr>
-            <a:spLocks noGrp="1" noChangeArrowheads="1"/>
+        <p:spPr/>
+      </p:sp>
+      <p:sp>
+        <p:nvSpPr>
+          <p:cNvPr id="3" name="Notes Placeholder 2"/>
+          <p:cNvSpPr>
+            <a:spLocks noGrp="1"/>
           </p:cNvSpPr>
           <p:nvPr>
             <p:ph type="body" idx="1"/>
           </p:nvPr>
         </p:nvSpPr>
-        <p:spPr bwMode="auto">
-          <a:xfrm>
-            <a:off x="685800" y="4343400"/>
-            <a:ext cx="5486400" cy="4114800"/>
-          </a:xfrm>
-          <a:prstGeom prst="rect">
-            <a:avLst/>
-          </a:prstGeom>
-          <a:noFill/>
-          <a:ln/>
-          <a:extLst>
-            <a:ext uri="{909E8E84-426E-40DD-AFC4-6F175D3DCCD1}">
-              <a14:hiddenFill xmlns:a14="http://schemas.microsoft.com/office/drawing/2010/main">
-                <a:solidFill>
-                  <a:srgbClr val="FFFFFF"/>
-                </a:solidFill>
-              </a14:hiddenFill>
-            </a:ext>
-            <a:ext uri="{91240B29-F687-4F45-9708-019B960494DF}">
-              <a14:hiddenLine xmlns:a14="http://schemas.microsoft.com/office/drawing/2010/main" w="9525">
-                <a:solidFill>
-                  <a:srgbClr val="000000"/>
-                </a:solidFill>
-                <a:miter lim="800000"/>
-                <a:headEnd/>
-                <a:tailEnd/>
-              </a14:hiddenLine>
-            </a:ext>
-            <a:ext uri="{AF507438-7753-43E0-B8FC-AC1667EBCBE1}">
-              <a14:hiddenEffects xmlns:a14="http://schemas.microsoft.com/office/drawing/2010/main">
-                <a:effectLst>
-                  <a:outerShdw dist="35921" dir="2700000" algn="ctr" rotWithShape="0">
-                    <a:srgbClr val="808080"/>
-                  </a:outerShdw>
-                </a:effectLst>
-              </a14:hiddenEffects>
-            </a:ext>
-            <a:ext uri="{53640926-AAD7-44D8-BBD7-CCE9431645EC}">
-              <a14:shadowObscured xmlns:a14="http://schemas.microsoft.com/office/drawing/2010/main" val="1"/>
-            </a:ext>
-          </a:extLst>
-        </p:spPr>
+        <p:spPr/>
         <p:txBody>
           <a:bodyPr/>
           <a:lstStyle/>
           <a:p>
-            <a:r>
-              <a:rPr lang="en-US" sz="2200">
-                <a:latin typeface="Lucida Grande" charset="0"/>
-                <a:ea typeface="Lucida Grande" charset="0"/>
-                <a:cs typeface="Lucida Grande" charset="0"/>
-                <a:sym typeface="Lucida Grande" charset="0"/>
-              </a:rPr>
-              <a:t>Value Stream Maps - Lean Software Development: An Agile Toolkit. Mary and Tom Poppendieck</a:t>
-            </a:r>
-          </a:p>
-          <a:p>
-            <a:r>
-              <a:rPr lang="en-US" sz="2200" u="sng">
-                <a:latin typeface="Lucida Grande" charset="0"/>
-                <a:ea typeface="Lucida Grande" charset="0"/>
-                <a:cs typeface="Lucida Grande" charset="0"/>
-                <a:sym typeface="Lucida Grande" charset="0"/>
-                <a:hlinkClick r:id="rId3"/>
-              </a:rPr>
-              <a:t>http://en.wikipedia.org/wiki/Value_stream_mapping</a:t>
-            </a:r>
-            <a:endParaRPr lang="en-US" sz="2200">
-              <a:latin typeface="Lucida Grande" charset="0"/>
-              <a:ea typeface="Lucida Grande" charset="0"/>
-              <a:cs typeface="Lucida Grande" charset="0"/>
-              <a:sym typeface="Lucida Grande" charset="0"/>
-            </a:endParaRPr>
-          </a:p>
-          <a:p>
-            <a:endParaRPr lang="en-US" sz="2200">
-              <a:latin typeface="Lucida Grande" charset="0"/>
-              <a:ea typeface="Lucida Grande" charset="0"/>
-              <a:cs typeface="Lucida Grande" charset="0"/>
-              <a:sym typeface="Lucida Grande" charset="0"/>
-            </a:endParaRPr>
-          </a:p>
-          <a:p>
-            <a:r>
-              <a:rPr lang="en-US" sz="2200">
-                <a:latin typeface="Lucida Grande" charset="0"/>
-                <a:ea typeface="Lucida Grande" charset="0"/>
-                <a:cs typeface="Lucida Grande" charset="0"/>
-                <a:sym typeface="Lucida Grande" charset="0"/>
-              </a:rPr>
-              <a:t>See page 106 of the Continuous Delivery Book</a:t>
-            </a:r>
+            <a:endParaRPr lang="en-US" dirty="0"/>
+          </a:p>
+        </p:txBody>
+      </p:sp>
+      <p:sp>
+        <p:nvSpPr>
+          <p:cNvPr id="4" name="Slide Number Placeholder 3"/>
+          <p:cNvSpPr>
+            <a:spLocks noGrp="1"/>
+          </p:cNvSpPr>
+          <p:nvPr>
+            <p:ph type="sldNum" sz="quarter" idx="10"/>
+          </p:nvPr>
+        </p:nvSpPr>
+        <p:spPr/>
+        <p:txBody>
+          <a:bodyPr/>
+          <a:lstStyle/>
+          <a:p>
+            <a:fld id="{A3A5924C-5145-4340-9BD9-9FF213963F5B}" type="slidenum">
+              <a:rPr lang="en-US" smtClean="0"/>
+              <a:t>4</a:t>
+            </a:fld>
+            <a:endParaRPr lang="en-US"/>
           </a:p>
         </p:txBody>
       </p:sp>
     </p:spTree>
+    <p:extLst>
+      <p:ext uri="{BB962C8B-B14F-4D97-AF65-F5344CB8AC3E}">
+        <p14:creationId xmlns:p14="http://schemas.microsoft.com/office/powerpoint/2010/main" val="1530480464"/>
+      </p:ext>
+    </p:extLst>
   </p:cSld>
   <p:clrMapOvr>
     <a:masterClrMapping/>
@@ -792,64 +676,101 @@
       </p:grpSpPr>
       <p:sp>
         <p:nvSpPr>
-          <p:cNvPr id="2" name="Slide Image Placeholder 1"/>
-          <p:cNvSpPr>
-            <a:spLocks noGrp="1" noRot="1" noChangeAspect="1"/>
+          <p:cNvPr id="29697" name="Rectangle 1"/>
+          <p:cNvSpPr>
+            <a:spLocks noGrp="1" noRot="1" noChangeAspect="1" noChangeArrowheads="1"/>
           </p:cNvSpPr>
           <p:nvPr>
             <p:ph type="sldImg"/>
           </p:nvPr>
         </p:nvSpPr>
-        <p:spPr/>
-      </p:sp>
-      <p:sp>
-        <p:nvSpPr>
-          <p:cNvPr id="3" name="Notes Placeholder 2"/>
-          <p:cNvSpPr>
-            <a:spLocks noGrp="1"/>
+        <p:spPr bwMode="auto">
+          <a:xfrm>
+            <a:off x="1143000" y="685800"/>
+            <a:ext cx="4572000" cy="3429000"/>
+          </a:xfrm>
+          <a:prstGeom prst="rect">
+            <a:avLst/>
+          </a:prstGeom>
+          <a:solidFill>
+            <a:srgbClr val="FFFFFF"/>
+          </a:solidFill>
+          <a:ln>
+            <a:solidFill>
+              <a:srgbClr val="000000"/>
+            </a:solidFill>
+            <a:miter lim="800000"/>
+            <a:headEnd/>
+            <a:tailEnd/>
+          </a:ln>
+        </p:spPr>
+      </p:sp>
+      <p:sp>
+        <p:nvSpPr>
+          <p:cNvPr id="29698" name="Rectangle 2"/>
+          <p:cNvSpPr>
+            <a:spLocks noGrp="1" noChangeArrowheads="1"/>
           </p:cNvSpPr>
           <p:nvPr>
             <p:ph type="body" idx="1"/>
           </p:nvPr>
         </p:nvSpPr>
-        <p:spPr/>
+        <p:spPr bwMode="auto">
+          <a:xfrm>
+            <a:off x="685800" y="4343400"/>
+            <a:ext cx="5486400" cy="4114800"/>
+          </a:xfrm>
+          <a:prstGeom prst="rect">
+            <a:avLst/>
+          </a:prstGeom>
+          <a:noFill/>
+          <a:ln/>
+          <a:extLst>
+            <a:ext uri="{909E8E84-426E-40DD-AFC4-6F175D3DCCD1}">
+              <a14:hiddenFill xmlns:a14="http://schemas.microsoft.com/office/drawing/2010/main">
+                <a:solidFill>
+                  <a:srgbClr val="FFFFFF"/>
+                </a:solidFill>
+              </a14:hiddenFill>
+            </a:ext>
+            <a:ext uri="{91240B29-F687-4F45-9708-019B960494DF}">
+              <a14:hiddenLine xmlns:a14="http://schemas.microsoft.com/office/drawing/2010/main" w="9525">
+                <a:solidFill>
+                  <a:srgbClr val="000000"/>
+                </a:solidFill>
+                <a:miter lim="800000"/>
+                <a:headEnd/>
+                <a:tailEnd/>
+              </a14:hiddenLine>
+            </a:ext>
+            <a:ext uri="{AF507438-7753-43E0-B8FC-AC1667EBCBE1}">
+              <a14:hiddenEffects xmlns:a14="http://schemas.microsoft.com/office/drawing/2010/main">
+                <a:effectLst>
+                  <a:outerShdw dist="35921" dir="2700000" algn="ctr" rotWithShape="0">
+                    <a:srgbClr val="808080"/>
+                  </a:outerShdw>
+                </a:effectLst>
+              </a14:hiddenEffects>
+            </a:ext>
+            <a:ext uri="{53640926-AAD7-44D8-BBD7-CCE9431645EC}">
+              <a14:shadowObscured xmlns:a14="http://schemas.microsoft.com/office/drawing/2010/main" val="1"/>
+            </a:ext>
+          </a:extLst>
+        </p:spPr>
         <p:txBody>
           <a:bodyPr/>
           <a:lstStyle/>
           <a:p>
-            <a:endParaRPr lang="en-US" dirty="0"/>
-          </a:p>
-        </p:txBody>
-      </p:sp>
-      <p:sp>
-        <p:nvSpPr>
-          <p:cNvPr id="4" name="Slide Number Placeholder 3"/>
-          <p:cNvSpPr>
-            <a:spLocks noGrp="1"/>
-          </p:cNvSpPr>
-          <p:nvPr>
-            <p:ph type="sldNum" sz="quarter" idx="10"/>
-          </p:nvPr>
-        </p:nvSpPr>
-        <p:spPr/>
-        <p:txBody>
-          <a:bodyPr/>
-          <a:lstStyle/>
-          <a:p>
-            <a:fld id="{A3A5924C-5145-4340-9BD9-9FF213963F5B}" type="slidenum">
-              <a:rPr lang="en-US" smtClean="0"/>
-              <a:t>19</a:t>
-            </a:fld>
-            <a:endParaRPr lang="en-US"/>
+            <a:endParaRPr lang="en-US" sz="2200" dirty="0">
+              <a:latin typeface="Lucida Grande" charset="0"/>
+              <a:ea typeface="Lucida Grande" charset="0"/>
+              <a:cs typeface="Lucida Grande" charset="0"/>
+              <a:sym typeface="Lucida Grande" charset="0"/>
+            </a:endParaRPr>
           </a:p>
         </p:txBody>
       </p:sp>
     </p:spTree>
-    <p:extLst>
-      <p:ext uri="{BB962C8B-B14F-4D97-AF65-F5344CB8AC3E}">
-        <p14:creationId xmlns:p14="http://schemas.microsoft.com/office/powerpoint/2010/main" val="360400431"/>
-      </p:ext>
-    </p:extLst>
   </p:cSld>
   <p:clrMapOvr>
     <a:masterClrMapping/>
@@ -922,7 +843,7 @@
           <a:p>
             <a:fld id="{A3A5924C-5145-4340-9BD9-9FF213963F5B}" type="slidenum">
               <a:rPr lang="en-US" smtClean="0"/>
-              <a:t>20</a:t>
+              <a:t>16</a:t>
             </a:fld>
             <a:endParaRPr lang="en-US"/>
           </a:p>
@@ -931,7 +852,7 @@
     </p:spTree>
     <p:extLst>
       <p:ext uri="{BB962C8B-B14F-4D97-AF65-F5344CB8AC3E}">
-        <p14:creationId xmlns:p14="http://schemas.microsoft.com/office/powerpoint/2010/main" val="2496311777"/>
+        <p14:creationId xmlns:p14="http://schemas.microsoft.com/office/powerpoint/2010/main" val="360400431"/>
       </p:ext>
     </p:extLst>
   </p:cSld>
@@ -1006,7 +927,91 @@
           <a:p>
             <a:fld id="{A3A5924C-5145-4340-9BD9-9FF213963F5B}" type="slidenum">
               <a:rPr lang="en-US" smtClean="0"/>
-              <a:t>22</a:t>
+              <a:t>17</a:t>
+            </a:fld>
+            <a:endParaRPr lang="en-US"/>
+          </a:p>
+        </p:txBody>
+      </p:sp>
+    </p:spTree>
+    <p:extLst>
+      <p:ext uri="{BB962C8B-B14F-4D97-AF65-F5344CB8AC3E}">
+        <p14:creationId xmlns:p14="http://schemas.microsoft.com/office/powerpoint/2010/main" val="2496311777"/>
+      </p:ext>
+    </p:extLst>
+  </p:cSld>
+  <p:clrMapOvr>
+    <a:masterClrMapping/>
+  </p:clrMapOvr>
+</p:notes>
+</file>
+
+<file path=ppt/notesSlides/notesSlide6.xml><?xml version="1.0" encoding="utf-8"?>
+<p:notes xmlns:a="http://schemas.openxmlformats.org/drawingml/2006/main" xmlns:r="http://schemas.openxmlformats.org/officeDocument/2006/relationships" xmlns:p="http://schemas.openxmlformats.org/presentationml/2006/main">
+  <p:cSld>
+    <p:spTree>
+      <p:nvGrpSpPr>
+        <p:cNvPr id="1" name=""/>
+        <p:cNvGrpSpPr/>
+        <p:nvPr/>
+      </p:nvGrpSpPr>
+      <p:grpSpPr>
+        <a:xfrm>
+          <a:off x="0" y="0"/>
+          <a:ext cx="0" cy="0"/>
+          <a:chOff x="0" y="0"/>
+          <a:chExt cx="0" cy="0"/>
+        </a:xfrm>
+      </p:grpSpPr>
+      <p:sp>
+        <p:nvSpPr>
+          <p:cNvPr id="2" name="Slide Image Placeholder 1"/>
+          <p:cNvSpPr>
+            <a:spLocks noGrp="1" noRot="1" noChangeAspect="1"/>
+          </p:cNvSpPr>
+          <p:nvPr>
+            <p:ph type="sldImg"/>
+          </p:nvPr>
+        </p:nvSpPr>
+        <p:spPr/>
+      </p:sp>
+      <p:sp>
+        <p:nvSpPr>
+          <p:cNvPr id="3" name="Notes Placeholder 2"/>
+          <p:cNvSpPr>
+            <a:spLocks noGrp="1"/>
+          </p:cNvSpPr>
+          <p:nvPr>
+            <p:ph type="body" idx="1"/>
+          </p:nvPr>
+        </p:nvSpPr>
+        <p:spPr/>
+        <p:txBody>
+          <a:bodyPr/>
+          <a:lstStyle/>
+          <a:p>
+            <a:endParaRPr lang="en-US" dirty="0"/>
+          </a:p>
+        </p:txBody>
+      </p:sp>
+      <p:sp>
+        <p:nvSpPr>
+          <p:cNvPr id="4" name="Slide Number Placeholder 3"/>
+          <p:cNvSpPr>
+            <a:spLocks noGrp="1"/>
+          </p:cNvSpPr>
+          <p:nvPr>
+            <p:ph type="sldNum" sz="quarter" idx="10"/>
+          </p:nvPr>
+        </p:nvSpPr>
+        <p:spPr/>
+        <p:txBody>
+          <a:bodyPr/>
+          <a:lstStyle/>
+          <a:p>
+            <a:fld id="{A3A5924C-5145-4340-9BD9-9FF213963F5B}" type="slidenum">
+              <a:rPr lang="en-US" smtClean="0"/>
+              <a:t>19</a:t>
             </a:fld>
             <a:endParaRPr lang="en-US"/>
           </a:p>
@@ -1206,7 +1211,7 @@
           <a:p>
             <a:fld id="{D3E19130-DF87-49E9-A6BC-F5041DD63B88}" type="datetimeFigureOut">
               <a:rPr lang="en-US" smtClean="0"/>
-              <a:t>4/6/2015</a:t>
+              <a:t>4/7/2015</a:t>
             </a:fld>
             <a:endParaRPr lang="en-US"/>
           </a:p>
@@ -1376,7 +1381,7 @@
           <a:p>
             <a:fld id="{D3E19130-DF87-49E9-A6BC-F5041DD63B88}" type="datetimeFigureOut">
               <a:rPr lang="en-US" smtClean="0"/>
-              <a:t>4/6/2015</a:t>
+              <a:t>4/7/2015</a:t>
             </a:fld>
             <a:endParaRPr lang="en-US"/>
           </a:p>
@@ -1556,7 +1561,7 @@
           <a:p>
             <a:fld id="{D3E19130-DF87-49E9-A6BC-F5041DD63B88}" type="datetimeFigureOut">
               <a:rPr lang="en-US" smtClean="0"/>
-              <a:t>4/6/2015</a:t>
+              <a:t>4/7/2015</a:t>
             </a:fld>
             <a:endParaRPr lang="en-US"/>
           </a:p>
@@ -1726,7 +1731,7 @@
           <a:p>
             <a:fld id="{D3E19130-DF87-49E9-A6BC-F5041DD63B88}" type="datetimeFigureOut">
               <a:rPr lang="en-US" smtClean="0"/>
-              <a:t>4/6/2015</a:t>
+              <a:t>4/7/2015</a:t>
             </a:fld>
             <a:endParaRPr lang="en-US"/>
           </a:p>
@@ -1972,7 +1977,7 @@
           <a:p>
             <a:fld id="{D3E19130-DF87-49E9-A6BC-F5041DD63B88}" type="datetimeFigureOut">
               <a:rPr lang="en-US" smtClean="0"/>
-              <a:t>4/6/2015</a:t>
+              <a:t>4/7/2015</a:t>
             </a:fld>
             <a:endParaRPr lang="en-US"/>
           </a:p>
@@ -2260,7 +2265,7 @@
           <a:p>
             <a:fld id="{D3E19130-DF87-49E9-A6BC-F5041DD63B88}" type="datetimeFigureOut">
               <a:rPr lang="en-US" smtClean="0"/>
-              <a:t>4/6/2015</a:t>
+              <a:t>4/7/2015</a:t>
             </a:fld>
             <a:endParaRPr lang="en-US"/>
           </a:p>
@@ -2682,7 +2687,7 @@
           <a:p>
             <a:fld id="{D3E19130-DF87-49E9-A6BC-F5041DD63B88}" type="datetimeFigureOut">
               <a:rPr lang="en-US" smtClean="0"/>
-              <a:t>4/6/2015</a:t>
+              <a:t>4/7/2015</a:t>
             </a:fld>
             <a:endParaRPr lang="en-US"/>
           </a:p>
@@ -2800,7 +2805,7 @@
           <a:p>
             <a:fld id="{D3E19130-DF87-49E9-A6BC-F5041DD63B88}" type="datetimeFigureOut">
               <a:rPr lang="en-US" smtClean="0"/>
-              <a:t>4/6/2015</a:t>
+              <a:t>4/7/2015</a:t>
             </a:fld>
             <a:endParaRPr lang="en-US"/>
           </a:p>
@@ -2895,7 +2900,7 @@
           <a:p>
             <a:fld id="{D3E19130-DF87-49E9-A6BC-F5041DD63B88}" type="datetimeFigureOut">
               <a:rPr lang="en-US" smtClean="0"/>
-              <a:t>4/6/2015</a:t>
+              <a:t>4/7/2015</a:t>
             </a:fld>
             <a:endParaRPr lang="en-US"/>
           </a:p>
@@ -3172,7 +3177,7 @@
           <a:p>
             <a:fld id="{D3E19130-DF87-49E9-A6BC-F5041DD63B88}" type="datetimeFigureOut">
               <a:rPr lang="en-US" smtClean="0"/>
-              <a:t>4/6/2015</a:t>
+              <a:t>4/7/2015</a:t>
             </a:fld>
             <a:endParaRPr lang="en-US"/>
           </a:p>
@@ -3425,7 +3430,7 @@
           <a:p>
             <a:fld id="{D3E19130-DF87-49E9-A6BC-F5041DD63B88}" type="datetimeFigureOut">
               <a:rPr lang="en-US" smtClean="0"/>
-              <a:t>4/6/2015</a:t>
+              <a:t>4/7/2015</a:t>
             </a:fld>
             <a:endParaRPr lang="en-US"/>
           </a:p>
@@ -3638,7 +3643,7 @@
           <a:p>
             <a:fld id="{D3E19130-DF87-49E9-A6BC-F5041DD63B88}" type="datetimeFigureOut">
               <a:rPr lang="en-US" smtClean="0"/>
-              <a:t>4/6/2015</a:t>
+              <a:t>4/7/2015</a:t>
             </a:fld>
             <a:endParaRPr lang="en-US"/>
           </a:p>
@@ -4013,90 +4018,78 @@
           <a:chExt cx="0" cy="0"/>
         </a:xfrm>
       </p:grpSpPr>
-      <p:pic>
-        <p:nvPicPr>
-          <p:cNvPr id="1026" name="Picture 2" descr="C:\Users\TANYA\Desktop\Untitled.png"/>
-          <p:cNvPicPr>
-            <a:picLocks noChangeAspect="1" noChangeArrowheads="1"/>
-          </p:cNvPicPr>
-          <p:nvPr/>
-        </p:nvPicPr>
-        <p:blipFill>
-          <a:blip r:embed="rId2">
-            <a:extLst>
-              <a:ext uri="{28A0092B-C50C-407E-A947-70E740481C1C}">
-                <a14:useLocalDpi xmlns:a14="http://schemas.microsoft.com/office/drawing/2010/main" val="0"/>
-              </a:ext>
-            </a:extLst>
-          </a:blip>
-          <a:srcRect/>
-          <a:stretch>
-            <a:fillRect/>
-          </a:stretch>
-        </p:blipFill>
-        <p:spPr bwMode="auto">
-          <a:xfrm>
-            <a:off x="152400" y="2209800"/>
-            <a:ext cx="8878888" cy="2476789"/>
-          </a:xfrm>
-          <a:prstGeom prst="rect">
-            <a:avLst/>
-          </a:prstGeom>
-          <a:noFill/>
-          <a:extLst>
-            <a:ext uri="{909E8E84-426E-40DD-AFC4-6F175D3DCCD1}">
-              <a14:hiddenFill xmlns:a14="http://schemas.microsoft.com/office/drawing/2010/main">
-                <a:solidFill>
-                  <a:srgbClr val="FFFFFF"/>
-                </a:solidFill>
-              </a14:hiddenFill>
-            </a:ext>
-          </a:extLst>
-        </p:spPr>
-      </p:pic>
-      <p:sp>
-        <p:nvSpPr>
-          <p:cNvPr id="14" name="TextBox 13"/>
-          <p:cNvSpPr txBox="1"/>
-          <p:nvPr/>
-        </p:nvSpPr>
-        <p:spPr>
-          <a:xfrm>
-            <a:off x="762000" y="609600"/>
-            <a:ext cx="7848600" cy="369332"/>
-          </a:xfrm>
-          <a:prstGeom prst="rect">
-            <a:avLst/>
-          </a:prstGeom>
-          <a:noFill/>
-        </p:spPr>
-        <p:txBody>
-          <a:bodyPr wrap="square" rtlCol="0">
-            <a:spAutoFit/>
+      <p:sp>
+        <p:nvSpPr>
+          <p:cNvPr id="2" name="Title 1"/>
+          <p:cNvSpPr>
+            <a:spLocks noGrp="1"/>
+          </p:cNvSpPr>
+          <p:nvPr>
+            <p:ph type="title"/>
+          </p:nvPr>
+        </p:nvSpPr>
+        <p:spPr/>
+        <p:txBody>
+          <a:bodyPr>
+            <a:normAutofit fontScale="90000"/>
           </a:bodyPr>
           <a:lstStyle/>
           <a:p>
-            <a:pPr algn="ctr"/>
-            <a:r>
-              <a:rPr lang="en-US" dirty="0" smtClean="0"/>
-              <a:t>How does </a:t>
-            </a:r>
-            <a:r>
-              <a:rPr lang="en-US" dirty="0" err="1" smtClean="0"/>
-              <a:t>deployement</a:t>
-            </a:r>
-            <a:r>
-              <a:rPr lang="en-US" dirty="0" smtClean="0"/>
-              <a:t> pipeline works?</a:t>
-            </a:r>
-            <a:endParaRPr lang="en-US" dirty="0"/>
+            <a:r>
+              <a:rPr lang="en-US" dirty="0"/>
+              <a:t>The Problem of Delivering Software</a:t>
+            </a:r>
+          </a:p>
+        </p:txBody>
+      </p:sp>
+      <p:sp>
+        <p:nvSpPr>
+          <p:cNvPr id="3" name="Content Placeholder 2"/>
+          <p:cNvSpPr>
+            <a:spLocks noGrp="1"/>
+          </p:cNvSpPr>
+          <p:nvPr>
+            <p:ph idx="1"/>
+          </p:nvPr>
+        </p:nvSpPr>
+        <p:spPr/>
+        <p:txBody>
+          <a:bodyPr>
+            <a:normAutofit/>
+          </a:bodyPr>
+          <a:lstStyle/>
+          <a:p>
+            <a:r>
+              <a:rPr lang="en-US" sz="2400" dirty="0"/>
+              <a:t>The most important problem that we face as software professionals is this: If somebody thinks of a good idea, how do we deliver it to users as quickly as possible? This book shows how to solve this problem</a:t>
+            </a:r>
+          </a:p>
+          <a:p>
+            <a:r>
+              <a:rPr lang="en-US" sz="2400" dirty="0"/>
+              <a:t>The pattern that is central to this book is the </a:t>
+            </a:r>
+            <a:r>
+              <a:rPr lang="en-US" sz="2400" b="1" i="1" dirty="0"/>
+              <a:t>deployment pipeline</a:t>
+            </a:r>
+            <a:r>
+              <a:rPr lang="en-US" sz="2400" dirty="0"/>
+              <a:t>.</a:t>
+            </a:r>
+          </a:p>
+          <a:p>
+            <a:pPr marL="0" indent="0">
+              <a:buNone/>
+            </a:pPr>
+            <a:endParaRPr lang="en-US" sz="3600" dirty="0"/>
           </a:p>
         </p:txBody>
       </p:sp>
     </p:spTree>
     <p:extLst>
       <p:ext uri="{BB962C8B-B14F-4D97-AF65-F5344CB8AC3E}">
-        <p14:creationId xmlns:p14="http://schemas.microsoft.com/office/powerpoint/2010/main" val="1679251245"/>
+        <p14:creationId xmlns:p14="http://schemas.microsoft.com/office/powerpoint/2010/main" val="1271897113"/>
       </p:ext>
     </p:extLst>
   </p:cSld>
@@ -4135,8 +4128,8 @@
         </p:nvSpPr>
         <p:spPr>
           <a:xfrm>
-            <a:off x="685800" y="304801"/>
-            <a:ext cx="7772400" cy="1066799"/>
+            <a:off x="685800" y="228601"/>
+            <a:ext cx="7772400" cy="990599"/>
           </a:xfrm>
         </p:spPr>
         <p:txBody>
@@ -4146,15 +4139,9 @@
           <a:lstStyle/>
           <a:p>
             <a:r>
-              <a:rPr lang="en-US" sz="3200" dirty="0">
-                <a:solidFill>
-                  <a:srgbClr val="DEAF0D"/>
-                </a:solidFill>
-                <a:latin typeface="Bodoni" pitchFamily="34"/>
-              </a:rPr>
-              <a:t>Continuous Delivery</a:t>
-            </a:r>
-            <a:endParaRPr lang="en-US" sz="3200" dirty="0"/>
+              <a:rPr lang="en-US" sz="3600" dirty="0"/>
+              <a:t>Principles of Software Delivery</a:t>
+            </a:r>
           </a:p>
         </p:txBody>
       </p:sp>
@@ -4170,8 +4157,8 @@
         </p:nvSpPr>
         <p:spPr>
           <a:xfrm>
-            <a:off x="533400" y="1371600"/>
-            <a:ext cx="8077200" cy="4267200"/>
+            <a:off x="609600" y="1371600"/>
+            <a:ext cx="7924800" cy="4267200"/>
           </a:xfrm>
         </p:spPr>
         <p:txBody>
@@ -4185,8 +4172,20 @@
               <a:buChar char="•"/>
             </a:pPr>
             <a:r>
-              <a:rPr lang="en-US" sz="2400" dirty="0" smtClean="0"/>
-              <a:t>Timely delivery</a:t>
+              <a:rPr lang="en-US" sz="2400" dirty="0">
+                <a:solidFill>
+                  <a:schemeClr val="tx1"/>
+                </a:solidFill>
+              </a:rPr>
+              <a:t>Create a Repeatable, Reliable Process for Releasing </a:t>
+            </a:r>
+            <a:r>
+              <a:rPr lang="en-US" sz="2400" dirty="0" smtClean="0">
+                <a:solidFill>
+                  <a:schemeClr val="tx1"/>
+                </a:solidFill>
+              </a:rPr>
+              <a:t>Software</a:t>
             </a:r>
           </a:p>
           <a:p>
@@ -4195,17 +4194,108 @@
               <a:buChar char="•"/>
             </a:pPr>
             <a:r>
-              <a:rPr lang="en-US" sz="2400" dirty="0" smtClean="0"/>
-              <a:t>Good Quality Software</a:t>
-            </a:r>
-            <a:endParaRPr lang="en-US" sz="2400" dirty="0"/>
+              <a:rPr lang="en-US" sz="2400" dirty="0">
+                <a:solidFill>
+                  <a:schemeClr val="tx1"/>
+                </a:solidFill>
+              </a:rPr>
+              <a:t>Automate Almost </a:t>
+            </a:r>
+            <a:r>
+              <a:rPr lang="en-US" sz="2400" dirty="0" smtClean="0">
+                <a:solidFill>
+                  <a:schemeClr val="tx1"/>
+                </a:solidFill>
+              </a:rPr>
+              <a:t>Everything</a:t>
+            </a:r>
+          </a:p>
+          <a:p>
+            <a:pPr marL="457200" indent="-457200" algn="l">
+              <a:buFont typeface="Arial" pitchFamily="34" charset="0"/>
+              <a:buChar char="•"/>
+            </a:pPr>
+            <a:r>
+              <a:rPr lang="en-US" sz="2400" dirty="0">
+                <a:solidFill>
+                  <a:schemeClr val="tx1"/>
+                </a:solidFill>
+              </a:rPr>
+              <a:t>Keep Everything in Version </a:t>
+            </a:r>
+            <a:r>
+              <a:rPr lang="en-US" sz="2400" dirty="0" smtClean="0">
+                <a:solidFill>
+                  <a:schemeClr val="tx1"/>
+                </a:solidFill>
+              </a:rPr>
+              <a:t>Control</a:t>
+            </a:r>
+          </a:p>
+          <a:p>
+            <a:pPr marL="457200" indent="-457200" algn="l">
+              <a:buFont typeface="Arial" pitchFamily="34" charset="0"/>
+              <a:buChar char="•"/>
+            </a:pPr>
+            <a:r>
+              <a:rPr lang="en-US" sz="2400" dirty="0">
+                <a:solidFill>
+                  <a:schemeClr val="tx1"/>
+                </a:solidFill>
+              </a:rPr>
+              <a:t>If It Hurts, Do It More Frequently, and Bring the Pain </a:t>
+            </a:r>
+            <a:r>
+              <a:rPr lang="en-US" sz="2400" dirty="0" smtClean="0">
+                <a:solidFill>
+                  <a:schemeClr val="tx1"/>
+                </a:solidFill>
+              </a:rPr>
+              <a:t>Forward</a:t>
+            </a:r>
+          </a:p>
+          <a:p>
+            <a:pPr marL="457200" indent="-457200" algn="l">
+              <a:buFont typeface="Arial" pitchFamily="34" charset="0"/>
+              <a:buChar char="•"/>
+            </a:pPr>
+            <a:r>
+              <a:rPr lang="en-US" sz="2400" dirty="0">
+                <a:solidFill>
+                  <a:schemeClr val="tx1"/>
+                </a:solidFill>
+              </a:rPr>
+              <a:t>Build Quality </a:t>
+            </a:r>
+            <a:r>
+              <a:rPr lang="en-US" sz="2400" dirty="0" smtClean="0">
+                <a:solidFill>
+                  <a:schemeClr val="tx1"/>
+                </a:solidFill>
+              </a:rPr>
+              <a:t>In</a:t>
+            </a:r>
+          </a:p>
+          <a:p>
+            <a:pPr marL="457200" indent="-457200" algn="l">
+              <a:buFont typeface="Arial" pitchFamily="34" charset="0"/>
+              <a:buChar char="•"/>
+            </a:pPr>
+            <a:r>
+              <a:rPr lang="en-US" sz="2400" dirty="0">
+                <a:solidFill>
+                  <a:schemeClr val="tx1"/>
+                </a:solidFill>
+              </a:rPr>
+              <a:t>Continuous Improvement</a:t>
+            </a:r>
           </a:p>
         </p:txBody>
       </p:sp>
     </p:spTree>
     <p:extLst>
       <p:ext uri="{BB962C8B-B14F-4D97-AF65-F5344CB8AC3E}">
-        <p14:creationId xmlns:p14="http://schemas.microsoft.com/office/powerpoint/2010/main" val="1428288158"/>
+        <p14:creationId xmlns:p14="http://schemas.microsoft.com/office/powerpoint/2010/main" val="2267774333"/>
       </p:ext>
     </p:extLst>
   </p:cSld>
@@ -4239,85 +4329,186 @@
             <a:spLocks noGrp="1"/>
           </p:cNvSpPr>
           <p:nvPr>
-            <p:ph type="ctrTitle"/>
+            <p:ph type="title"/>
+          </p:nvPr>
+        </p:nvSpPr>
+        <p:spPr/>
+        <p:txBody>
+          <a:bodyPr>
+            <a:noAutofit/>
+          </a:bodyPr>
+          <a:lstStyle/>
+          <a:p>
+            <a:r>
+              <a:rPr lang="en-US" sz="2400" dirty="0" smtClean="0"/>
+              <a:t>If </a:t>
+            </a:r>
+            <a:r>
+              <a:rPr lang="en-US" sz="2400" dirty="0"/>
+              <a:t>you have a good configuration management strategy, you </a:t>
+            </a:r>
+            <a:r>
+              <a:rPr lang="en-US" sz="2400" dirty="0" smtClean="0"/>
+              <a:t>should be </a:t>
+            </a:r>
+            <a:r>
+              <a:rPr lang="en-US" sz="2400" dirty="0"/>
+              <a:t>able to answer “yes” to all of the following questions:</a:t>
+            </a:r>
+          </a:p>
+        </p:txBody>
+      </p:sp>
+      <p:sp>
+        <p:nvSpPr>
+          <p:cNvPr id="3" name="Content Placeholder 2"/>
+          <p:cNvSpPr>
+            <a:spLocks noGrp="1"/>
+          </p:cNvSpPr>
+          <p:nvPr>
+            <p:ph idx="1"/>
           </p:nvPr>
         </p:nvSpPr>
         <p:spPr>
           <a:xfrm>
-            <a:off x="685800" y="304801"/>
-            <a:ext cx="7772400" cy="838199"/>
+            <a:off x="457200" y="1600200"/>
+            <a:ext cx="8229600" cy="4953000"/>
           </a:xfrm>
         </p:spPr>
         <p:txBody>
           <a:bodyPr>
-            <a:normAutofit fontScale="90000"/>
+            <a:normAutofit lnSpcReduction="10000"/>
           </a:bodyPr>
           <a:lstStyle/>
           <a:p>
             <a:r>
-              <a:rPr lang="en-US" sz="3600" dirty="0" smtClean="0"/>
-              <a:t>How to Achieve Goal of continuous delivery</a:t>
-            </a:r>
-            <a:endParaRPr lang="en-US" sz="3600" dirty="0"/>
-          </a:p>
-        </p:txBody>
-      </p:sp>
-      <p:sp>
-        <p:nvSpPr>
-          <p:cNvPr id="3" name="Subtitle 2"/>
-          <p:cNvSpPr>
-            <a:spLocks noGrp="1"/>
-          </p:cNvSpPr>
-          <p:nvPr>
-            <p:ph type="subTitle" idx="1"/>
-          </p:nvPr>
-        </p:nvSpPr>
-        <p:spPr>
-          <a:xfrm>
-            <a:off x="609600" y="1600200"/>
-            <a:ext cx="7924800" cy="4038600"/>
-          </a:xfrm>
-        </p:spPr>
-        <p:txBody>
-          <a:bodyPr/>
-          <a:lstStyle/>
-          <a:p>
-            <a:pPr marL="457200" indent="-457200" algn="l">
-              <a:buFont typeface="Arial" pitchFamily="34" charset="0"/>
-              <a:buChar char="•"/>
-            </a:pPr>
+              <a:rPr lang="en-US" sz="2600" dirty="0" smtClean="0"/>
+              <a:t>Can I exactly reproduce</a:t>
+            </a:r>
+          </a:p>
+          <a:p>
+            <a:pPr lvl="2"/>
+            <a:r>
+              <a:rPr lang="en-US" dirty="0"/>
+              <a:t>Product environment</a:t>
+            </a:r>
+          </a:p>
+          <a:p>
+            <a:pPr lvl="3"/>
+            <a:r>
+              <a:rPr lang="en-US" dirty="0"/>
+              <a:t>version of the operating system</a:t>
+            </a:r>
+          </a:p>
+          <a:p>
+            <a:pPr lvl="3"/>
+            <a:r>
+              <a:rPr lang="en-US" dirty="0"/>
+              <a:t>its patch level </a:t>
+            </a:r>
+          </a:p>
+          <a:p>
+            <a:pPr lvl="3"/>
+            <a:r>
+              <a:rPr lang="en-US" dirty="0"/>
+              <a:t>the network configuration </a:t>
+            </a:r>
+          </a:p>
+          <a:p>
+            <a:pPr lvl="3"/>
+            <a:r>
+              <a:rPr lang="en-US" dirty="0"/>
+              <a:t>the applications deployed into it &amp; their </a:t>
+            </a:r>
             <a:r>
               <a:rPr lang="en-US" dirty="0" smtClean="0"/>
-              <a:t>Automated</a:t>
-            </a:r>
-          </a:p>
-          <a:p>
-            <a:pPr marL="457200" indent="-457200" algn="l">
-              <a:buFont typeface="Arial" pitchFamily="34" charset="0"/>
-              <a:buChar char="•"/>
-            </a:pPr>
+              <a:t>configuration</a:t>
+            </a:r>
+          </a:p>
+          <a:p>
+            <a:r>
+              <a:rPr lang="en-US" sz="2600" dirty="0"/>
+              <a:t>Can I easily make an incremental </a:t>
+            </a:r>
+            <a:r>
+              <a:rPr lang="en-US" sz="2600" dirty="0" smtClean="0"/>
+              <a:t>change in</a:t>
+            </a:r>
+          </a:p>
+          <a:p>
+            <a:pPr lvl="3"/>
+            <a:r>
+              <a:rPr lang="en-US" dirty="0"/>
+              <a:t>A</a:t>
+            </a:r>
             <a:r>
               <a:rPr lang="en-US" dirty="0" smtClean="0"/>
-              <a:t>Frequent Releases</a:t>
-            </a:r>
-          </a:p>
-          <a:p>
-            <a:pPr marL="457200" indent="-457200" algn="l">
-              <a:buFont typeface="Arial" pitchFamily="34" charset="0"/>
-              <a:buChar char="•"/>
-            </a:pPr>
+              <a:t>ny of the features of product</a:t>
+            </a:r>
+          </a:p>
+          <a:p>
+            <a:pPr lvl="3"/>
             <a:r>
               <a:rPr lang="en-US" dirty="0" smtClean="0"/>
-              <a:t>Feedback</a:t>
-            </a:r>
-            <a:endParaRPr lang="en-US" dirty="0"/>
+              <a:t>And deploy it in all my environment</a:t>
+            </a:r>
+          </a:p>
+          <a:p>
+            <a:r>
+              <a:rPr lang="en-US" sz="2600" dirty="0"/>
+              <a:t>Can I easily see each </a:t>
+            </a:r>
+            <a:r>
+              <a:rPr lang="en-US" sz="2600" dirty="0" smtClean="0"/>
+              <a:t>change and trace it back</a:t>
+            </a:r>
+          </a:p>
+          <a:p>
+            <a:pPr lvl="3"/>
+            <a:r>
+              <a:rPr lang="en-US" dirty="0"/>
+              <a:t>what the change </a:t>
+            </a:r>
+            <a:r>
+              <a:rPr lang="en-US" dirty="0" smtClean="0"/>
+              <a:t>was </a:t>
+            </a:r>
+          </a:p>
+          <a:p>
+            <a:pPr lvl="3"/>
+            <a:r>
+              <a:rPr lang="en-US" dirty="0" smtClean="0"/>
+              <a:t>who </a:t>
+            </a:r>
+            <a:r>
+              <a:rPr lang="en-US" dirty="0"/>
+              <a:t>made </a:t>
+            </a:r>
+            <a:r>
+              <a:rPr lang="en-US" dirty="0" smtClean="0"/>
+              <a:t>it</a:t>
+            </a:r>
+          </a:p>
+          <a:p>
+            <a:pPr lvl="3"/>
+            <a:r>
+              <a:rPr lang="en-US" dirty="0" smtClean="0"/>
+              <a:t>When they </a:t>
+            </a:r>
+            <a:r>
+              <a:rPr lang="en-US" dirty="0"/>
+              <a:t>made </a:t>
+            </a:r>
+            <a:r>
+              <a:rPr lang="en-US" dirty="0" smtClean="0"/>
+              <a:t>it</a:t>
+            </a:r>
           </a:p>
         </p:txBody>
       </p:sp>
     </p:spTree>
     <p:extLst>
       <p:ext uri="{BB962C8B-B14F-4D97-AF65-F5344CB8AC3E}">
-        <p14:creationId xmlns:p14="http://schemas.microsoft.com/office/powerpoint/2010/main" val="2786143153"/>
+        <p14:creationId xmlns:p14="http://schemas.microsoft.com/office/powerpoint/2010/main" val="2065174423"/>
       </p:ext>
     </p:extLst>
   </p:cSld>
@@ -4351,15 +4542,10 @@
             <a:spLocks noGrp="1"/>
           </p:cNvSpPr>
           <p:nvPr>
-            <p:ph type="ctrTitle"/>
-          </p:nvPr>
-        </p:nvSpPr>
-        <p:spPr>
-          <a:xfrm>
-            <a:off x="685800" y="304801"/>
-            <a:ext cx="7772400" cy="1142999"/>
-          </a:xfrm>
-        </p:spPr>
+            <p:ph type="title"/>
+          </p:nvPr>
+        </p:nvSpPr>
+        <p:spPr/>
         <p:txBody>
           <a:bodyPr>
             <a:normAutofit/>
@@ -4368,7 +4554,7 @@
           <a:p>
             <a:r>
               <a:rPr lang="en-US" sz="3600" dirty="0" smtClean="0"/>
-              <a:t>3 Criteria for Feedback</a:t>
+              <a:t>Last but not the least,</a:t>
             </a:r>
             <a:endParaRPr lang="en-US" sz="3600" dirty="0"/>
           </a:p>
@@ -4376,70 +4562,62 @@
       </p:sp>
       <p:sp>
         <p:nvSpPr>
-          <p:cNvPr id="3" name="Subtitle 2"/>
-          <p:cNvSpPr>
-            <a:spLocks noGrp="1"/>
-          </p:cNvSpPr>
-          <p:nvPr>
-            <p:ph type="subTitle" idx="1"/>
-          </p:nvPr>
-        </p:nvSpPr>
-        <p:spPr>
-          <a:xfrm>
-            <a:off x="609600" y="1447800"/>
-            <a:ext cx="8153400" cy="4191000"/>
-          </a:xfrm>
-        </p:spPr>
-        <p:txBody>
-          <a:bodyPr>
-            <a:normAutofit/>
-          </a:bodyPr>
-          <a:lstStyle/>
-          <a:p>
-            <a:pPr marL="342900" indent="-342900" algn="l">
-              <a:buFont typeface="Arial" pitchFamily="34" charset="0"/>
-              <a:buChar char="•"/>
-            </a:pPr>
-            <a:r>
-              <a:rPr lang="en-US" sz="2400" b="1" i="1" dirty="0"/>
-              <a:t>Every Change Should Trigger the Feedback </a:t>
-            </a:r>
-            <a:r>
-              <a:rPr lang="en-US" sz="2400" b="1" i="1" dirty="0" smtClean="0"/>
-              <a:t>Process</a:t>
-            </a:r>
-          </a:p>
-          <a:p>
-            <a:pPr marL="342900" indent="-342900" algn="l">
-              <a:buFont typeface="Arial" pitchFamily="34" charset="0"/>
-              <a:buChar char="•"/>
-            </a:pPr>
-            <a:r>
-              <a:rPr lang="en-US" sz="2400" b="1" i="1" dirty="0"/>
-              <a:t>The Feedback Must Be Received as Soon as </a:t>
-            </a:r>
-            <a:r>
-              <a:rPr lang="en-US" sz="2400" b="1" i="1" dirty="0" smtClean="0"/>
-              <a:t>Possible</a:t>
-            </a:r>
-          </a:p>
-          <a:p>
-            <a:pPr marL="342900" indent="-342900" algn="l">
-              <a:buFont typeface="Arial" pitchFamily="34" charset="0"/>
-              <a:buChar char="•"/>
-            </a:pPr>
-            <a:r>
-              <a:rPr lang="en-US" sz="2400" b="1" i="1" dirty="0"/>
-              <a:t>The Delivery Team Must Receive Feedback and Then Act on It</a:t>
-            </a:r>
-            <a:endParaRPr lang="en-US" sz="2400" dirty="0"/>
+          <p:cNvPr id="3" name="Content Placeholder 2"/>
+          <p:cNvSpPr>
+            <a:spLocks noGrp="1"/>
+          </p:cNvSpPr>
+          <p:nvPr>
+            <p:ph idx="1"/>
+          </p:nvPr>
+        </p:nvSpPr>
+        <p:spPr/>
+        <p:txBody>
+          <a:bodyPr/>
+          <a:lstStyle/>
+          <a:p>
+            <a:r>
+              <a:rPr lang="en-US" sz="2400" dirty="0" smtClean="0"/>
+              <a:t>Information should be easily available to each member</a:t>
+            </a:r>
+          </a:p>
+          <a:p>
+            <a:pPr lvl="1"/>
+            <a:r>
+              <a:rPr lang="en-US" sz="2400" dirty="0" smtClean="0"/>
+              <a:t>Frequent check in</a:t>
+            </a:r>
+          </a:p>
+          <a:p>
+            <a:pPr lvl="1"/>
+            <a:r>
+              <a:rPr lang="en-US" sz="2400" dirty="0" smtClean="0"/>
+              <a:t>Automatically benefits </a:t>
+            </a:r>
+          </a:p>
+          <a:p>
+            <a:pPr lvl="2"/>
+            <a:r>
+              <a:rPr lang="en-US" dirty="0" smtClean="0"/>
+              <a:t>Efficient delivery</a:t>
+            </a:r>
+          </a:p>
+          <a:p>
+            <a:pPr lvl="2"/>
+            <a:r>
+              <a:rPr lang="en-US" dirty="0" smtClean="0"/>
+              <a:t>Reduced </a:t>
+            </a:r>
+            <a:r>
+              <a:rPr lang="en-US" dirty="0" smtClean="0"/>
+              <a:t>feedback</a:t>
+            </a:r>
           </a:p>
         </p:txBody>
       </p:sp>
     </p:spTree>
     <p:extLst>
       <p:ext uri="{BB962C8B-B14F-4D97-AF65-F5344CB8AC3E}">
-        <p14:creationId xmlns:p14="http://schemas.microsoft.com/office/powerpoint/2010/main" val="3422449030"/>
+        <p14:creationId xmlns:p14="http://schemas.microsoft.com/office/powerpoint/2010/main" val="720418369"/>
       </p:ext>
     </p:extLst>
   </p:cSld>
@@ -4473,15 +4651,35 @@
             <a:spLocks noGrp="1"/>
           </p:cNvSpPr>
           <p:nvPr>
-            <p:ph type="ctrTitle"/>
-          </p:nvPr>
-        </p:nvSpPr>
-        <p:spPr>
-          <a:xfrm>
-            <a:off x="685800" y="228601"/>
-            <a:ext cx="7772400" cy="990599"/>
-          </a:xfrm>
-        </p:spPr>
+            <p:ph type="title"/>
+          </p:nvPr>
+        </p:nvSpPr>
+        <p:spPr/>
+        <p:txBody>
+          <a:bodyPr>
+            <a:noAutofit/>
+          </a:bodyPr>
+          <a:lstStyle/>
+          <a:p>
+            <a:r>
+              <a:rPr lang="en-US" sz="3600" dirty="0" smtClean="0"/>
+              <a:t>Points we just discussed can be achieved by following practice</a:t>
+            </a:r>
+            <a:endParaRPr lang="en-US" sz="3600" dirty="0"/>
+          </a:p>
+        </p:txBody>
+      </p:sp>
+      <p:sp>
+        <p:nvSpPr>
+          <p:cNvPr id="3" name="Content Placeholder 2"/>
+          <p:cNvSpPr>
+            <a:spLocks noGrp="1"/>
+          </p:cNvSpPr>
+          <p:nvPr>
+            <p:ph idx="1"/>
+          </p:nvPr>
+        </p:nvSpPr>
+        <p:spPr/>
         <p:txBody>
           <a:bodyPr>
             <a:normAutofit/>
@@ -4489,121 +4687,81 @@
           <a:lstStyle/>
           <a:p>
             <a:r>
-              <a:rPr lang="en-US" sz="3600" b="1" dirty="0"/>
-              <a:t>Principles of Software Delivery</a:t>
-            </a:r>
-            <a:endParaRPr lang="en-US" sz="3600" dirty="0"/>
-          </a:p>
-        </p:txBody>
-      </p:sp>
-      <p:sp>
-        <p:nvSpPr>
-          <p:cNvPr id="3" name="Subtitle 2"/>
-          <p:cNvSpPr>
-            <a:spLocks noGrp="1"/>
-          </p:cNvSpPr>
-          <p:nvPr>
-            <p:ph type="subTitle" idx="1"/>
-          </p:nvPr>
-        </p:nvSpPr>
-        <p:spPr>
-          <a:xfrm>
-            <a:off x="609600" y="1371600"/>
-            <a:ext cx="7924800" cy="4267200"/>
-          </a:xfrm>
-        </p:spPr>
-        <p:txBody>
-          <a:bodyPr>
-            <a:normAutofit/>
-          </a:bodyPr>
-          <a:lstStyle/>
-          <a:p>
-            <a:pPr marL="457200" indent="-457200" algn="l">
-              <a:buFont typeface="Arial" pitchFamily="34" charset="0"/>
-              <a:buChar char="•"/>
-            </a:pPr>
-            <a:r>
-              <a:rPr lang="en-US" sz="2400" b="1" i="1" dirty="0"/>
-              <a:t>Create a Repeatable, Reliable Process for Releasing </a:t>
-            </a:r>
-            <a:r>
-              <a:rPr lang="en-US" sz="2400" b="1" i="1" dirty="0" smtClean="0"/>
-              <a:t>Software</a:t>
-            </a:r>
-          </a:p>
-          <a:p>
-            <a:pPr marL="457200" indent="-457200" algn="l">
-              <a:buFont typeface="Arial" pitchFamily="34" charset="0"/>
-              <a:buChar char="•"/>
-            </a:pPr>
-            <a:r>
-              <a:rPr lang="en-US" sz="2400" b="1" i="1" dirty="0"/>
-              <a:t>Automate Almost </a:t>
-            </a:r>
-            <a:r>
-              <a:rPr lang="en-US" sz="2400" b="1" i="1" dirty="0" smtClean="0"/>
-              <a:t>Everything</a:t>
-            </a:r>
-          </a:p>
-          <a:p>
-            <a:pPr marL="457200" indent="-457200" algn="l">
-              <a:buFont typeface="Arial" pitchFamily="34" charset="0"/>
-              <a:buChar char="•"/>
-            </a:pPr>
-            <a:r>
-              <a:rPr lang="en-US" sz="2400" b="1" i="1" dirty="0"/>
-              <a:t>Keep Everything in Version </a:t>
-            </a:r>
-            <a:r>
-              <a:rPr lang="en-US" sz="2400" b="1" i="1" dirty="0" smtClean="0"/>
+              <a:rPr lang="en-US" sz="2400" dirty="0"/>
+              <a:t>Using Version </a:t>
+            </a:r>
+            <a:r>
+              <a:rPr lang="en-US" sz="2400" dirty="0" smtClean="0"/>
               <a:t>Control</a:t>
             </a:r>
           </a:p>
           <a:p>
-            <a:pPr marL="457200" indent="-457200" algn="l">
-              <a:buFont typeface="Arial" pitchFamily="34" charset="0"/>
-              <a:buChar char="•"/>
-            </a:pPr>
-            <a:r>
-              <a:rPr lang="en-US" sz="2400" b="1" i="1" dirty="0"/>
-              <a:t>If It Hurts, Do It More Frequently, and Bring the Pain </a:t>
-            </a:r>
-            <a:r>
-              <a:rPr lang="en-US" sz="2400" b="1" i="1" dirty="0" smtClean="0"/>
-              <a:t>Forward</a:t>
-            </a:r>
-          </a:p>
-          <a:p>
-            <a:pPr marL="457200" indent="-457200" algn="l">
-              <a:buFont typeface="Arial" pitchFamily="34" charset="0"/>
-              <a:buChar char="•"/>
-            </a:pPr>
-            <a:r>
-              <a:rPr lang="en-US" sz="2400" b="1" i="1" dirty="0"/>
-              <a:t>Build Quality </a:t>
-            </a:r>
-            <a:r>
-              <a:rPr lang="en-US" sz="2400" b="1" i="1" dirty="0" smtClean="0"/>
-              <a:t>In</a:t>
-            </a:r>
-          </a:p>
-          <a:p>
-            <a:pPr marL="457200" indent="-457200" algn="l">
-              <a:buFont typeface="Arial" pitchFamily="34" charset="0"/>
-              <a:buChar char="•"/>
-            </a:pPr>
-            <a:r>
-              <a:rPr lang="en-US" sz="2400" b="1" i="1" dirty="0"/>
-              <a:t>Continuous Improvement</a:t>
-            </a:r>
-            <a:endParaRPr lang="en-US" sz="2400" dirty="0"/>
+            <a:r>
+              <a:rPr lang="en-US" sz="2400" dirty="0"/>
+              <a:t>Check In Regularly to </a:t>
+            </a:r>
+            <a:r>
+              <a:rPr lang="en-US" sz="2400" dirty="0" smtClean="0"/>
+              <a:t>Trunk</a:t>
+            </a:r>
+          </a:p>
+          <a:p>
+            <a:r>
+              <a:rPr lang="en-US" sz="2400" dirty="0"/>
+              <a:t>Use Meaningful Commit </a:t>
+            </a:r>
+            <a:r>
+              <a:rPr lang="en-US" sz="2400" dirty="0" smtClean="0"/>
+              <a:t>Messages</a:t>
+            </a:r>
+          </a:p>
+          <a:p>
+            <a:r>
+              <a:rPr lang="en-US" sz="2400" dirty="0"/>
+              <a:t>Managing </a:t>
+            </a:r>
+            <a:r>
+              <a:rPr lang="en-US" sz="2400" dirty="0" smtClean="0"/>
+              <a:t>Dependencies</a:t>
+            </a:r>
+          </a:p>
+          <a:p>
+            <a:pPr lvl="2"/>
+            <a:r>
+              <a:rPr lang="en-US" dirty="0" smtClean="0"/>
+              <a:t>External libraries</a:t>
+            </a:r>
+          </a:p>
+          <a:p>
+            <a:pPr lvl="2"/>
+            <a:r>
+              <a:rPr lang="en-US" dirty="0" smtClean="0"/>
+              <a:t> </a:t>
+            </a:r>
+            <a:r>
+              <a:rPr lang="en-US" dirty="0"/>
+              <a:t>C</a:t>
+            </a:r>
+            <a:r>
+              <a:rPr lang="en-US" dirty="0" smtClean="0"/>
+              <a:t>omponents</a:t>
+            </a:r>
+            <a:endParaRPr lang="en-US" dirty="0" smtClean="0"/>
+          </a:p>
+          <a:p>
+            <a:pPr lvl="2"/>
+            <a:r>
+              <a:rPr lang="en-US" dirty="0" smtClean="0"/>
+              <a:t>Software configuration</a:t>
+            </a:r>
+            <a:endParaRPr lang="en-US" dirty="0"/>
           </a:p>
         </p:txBody>
       </p:sp>
     </p:spTree>
     <p:extLst>
       <p:ext uri="{BB962C8B-B14F-4D97-AF65-F5344CB8AC3E}">
-        <p14:creationId xmlns:p14="http://schemas.microsoft.com/office/powerpoint/2010/main" val="2267774333"/>
+        <p14:creationId xmlns:p14="http://schemas.microsoft.com/office/powerpoint/2010/main" val="1388079364"/>
       </p:ext>
     </p:extLst>
   </p:cSld>
@@ -4637,10 +4795,15 @@
             <a:spLocks noGrp="1"/>
           </p:cNvSpPr>
           <p:nvPr>
-            <p:ph type="title"/>
-          </p:nvPr>
-        </p:nvSpPr>
-        <p:spPr/>
+            <p:ph type="ctrTitle"/>
+          </p:nvPr>
+        </p:nvSpPr>
+        <p:spPr>
+          <a:xfrm>
+            <a:off x="685800" y="381001"/>
+            <a:ext cx="7772400" cy="1066799"/>
+          </a:xfrm>
+        </p:spPr>
         <p:txBody>
           <a:bodyPr>
             <a:normAutofit/>
@@ -4648,173 +4811,160 @@
           <a:lstStyle/>
           <a:p>
             <a:r>
-              <a:rPr lang="en-US" sz="2000" dirty="0" smtClean="0"/>
-              <a:t>If </a:t>
-            </a:r>
-            <a:r>
-              <a:rPr lang="en-US" sz="2000" dirty="0"/>
-              <a:t>you have a good configuration management strategy, you should</a:t>
-            </a:r>
-            <a:br>
-              <a:rPr lang="en-US" sz="2000" dirty="0"/>
-            </a:br>
-            <a:r>
-              <a:rPr lang="en-US" sz="2000" dirty="0"/>
-              <a:t>be able to answer “yes” to all of the following questions:</a:t>
-            </a:r>
-          </a:p>
-        </p:txBody>
-      </p:sp>
-      <p:sp>
-        <p:nvSpPr>
-          <p:cNvPr id="3" name="Content Placeholder 2"/>
-          <p:cNvSpPr>
-            <a:spLocks noGrp="1"/>
-          </p:cNvSpPr>
-          <p:nvPr>
-            <p:ph idx="1"/>
+              <a:rPr lang="en-US" sz="3600" dirty="0" smtClean="0"/>
+              <a:t>Why Version Control is Important</a:t>
+            </a:r>
+            <a:endParaRPr lang="en-US" sz="3600" dirty="0"/>
+          </a:p>
+        </p:txBody>
+      </p:sp>
+      <p:sp>
+        <p:nvSpPr>
+          <p:cNvPr id="3" name="Subtitle 2"/>
+          <p:cNvSpPr>
+            <a:spLocks noGrp="1"/>
+          </p:cNvSpPr>
+          <p:nvPr>
+            <p:ph type="subTitle" idx="1"/>
           </p:nvPr>
         </p:nvSpPr>
         <p:spPr>
           <a:xfrm>
-            <a:off x="457200" y="1600200"/>
-            <a:ext cx="8229600" cy="4953000"/>
+            <a:off x="609600" y="1447800"/>
+            <a:ext cx="7924800" cy="4191000"/>
           </a:xfrm>
         </p:spPr>
         <p:txBody>
           <a:bodyPr>
-            <a:normAutofit fontScale="92500" lnSpcReduction="20000"/>
+            <a:normAutofit/>
           </a:bodyPr>
           <a:lstStyle/>
           <a:p>
-            <a:r>
-              <a:rPr lang="en-US" dirty="0" smtClean="0"/>
-              <a:t>Can I exactly reproduce</a:t>
-            </a:r>
-          </a:p>
-          <a:p>
-            <a:pPr lvl="2"/>
-            <a:r>
-              <a:rPr lang="en-US" dirty="0"/>
-              <a:t>Product environment</a:t>
-            </a:r>
-          </a:p>
-          <a:p>
-            <a:pPr lvl="3"/>
-            <a:r>
-              <a:rPr lang="en-US" dirty="0"/>
-              <a:t>version of the operating system</a:t>
-            </a:r>
-          </a:p>
-          <a:p>
-            <a:pPr lvl="3"/>
-            <a:r>
-              <a:rPr lang="en-US" dirty="0"/>
-              <a:t>its patch level </a:t>
-            </a:r>
-          </a:p>
-          <a:p>
-            <a:pPr lvl="3"/>
-            <a:r>
-              <a:rPr lang="en-US" dirty="0"/>
-              <a:t>the network configuration </a:t>
-            </a:r>
-          </a:p>
-          <a:p>
-            <a:pPr lvl="3"/>
-            <a:r>
-              <a:rPr lang="en-US" dirty="0"/>
-              <a:t>the software stack </a:t>
-            </a:r>
-          </a:p>
-          <a:p>
-            <a:pPr lvl="3"/>
-            <a:r>
-              <a:rPr lang="en-US" dirty="0"/>
-              <a:t>the applications deployed into it &amp; their </a:t>
-            </a:r>
-            <a:r>
-              <a:rPr lang="en-US" dirty="0" smtClean="0"/>
+            <a:pPr marL="342900" indent="-342900" algn="l">
+              <a:buFont typeface="Arial" pitchFamily="34" charset="0"/>
+              <a:buChar char="•"/>
+            </a:pPr>
+            <a:r>
+              <a:rPr lang="en-US" sz="2400" dirty="0" smtClean="0">
+                <a:solidFill>
+                  <a:schemeClr val="tx1"/>
+                </a:solidFill>
+              </a:rPr>
+              <a:t>Helps to reproduce a </a:t>
+            </a:r>
+            <a:r>
+              <a:rPr lang="en-US" sz="2400" dirty="0">
+                <a:solidFill>
+                  <a:schemeClr val="tx1"/>
+                </a:solidFill>
+              </a:rPr>
+              <a:t>particular state of the software’s binaries and </a:t>
+            </a:r>
+            <a:r>
+              <a:rPr lang="en-US" sz="2400" dirty="0" smtClean="0">
+                <a:solidFill>
+                  <a:schemeClr val="tx1"/>
+                </a:solidFill>
+              </a:rPr>
               <a:t>configuration</a:t>
             </a:r>
           </a:p>
           <a:p>
-            <a:r>
-              <a:rPr lang="en-US" dirty="0"/>
-              <a:t>Can I easily make an incremental </a:t>
-            </a:r>
-            <a:r>
-              <a:rPr lang="en-US" dirty="0" smtClean="0"/>
-              <a:t>change in</a:t>
-            </a:r>
-          </a:p>
-          <a:p>
-            <a:pPr lvl="3"/>
-            <a:r>
-              <a:rPr lang="en-US" dirty="0"/>
-              <a:t>A</a:t>
-            </a:r>
-            <a:r>
-              <a:rPr lang="en-US" dirty="0" smtClean="0"/>
-              <a:t>ny of the features of product</a:t>
-            </a:r>
-          </a:p>
-          <a:p>
-            <a:pPr lvl="3"/>
-            <a:r>
-              <a:rPr lang="en-US" dirty="0" smtClean="0"/>
-              <a:t>And deploy it in all my environment</a:t>
-            </a:r>
-          </a:p>
-          <a:p>
-            <a:r>
-              <a:rPr lang="en-US" dirty="0"/>
-              <a:t>Can I easily see each </a:t>
-            </a:r>
-            <a:r>
-              <a:rPr lang="en-US" dirty="0" smtClean="0"/>
-              <a:t>change and trace it back</a:t>
-            </a:r>
-          </a:p>
-          <a:p>
-            <a:pPr lvl="3"/>
-            <a:r>
-              <a:rPr lang="en-US" dirty="0"/>
-              <a:t>what the change </a:t>
-            </a:r>
-            <a:r>
-              <a:rPr lang="en-US" dirty="0" smtClean="0"/>
-              <a:t>was </a:t>
-            </a:r>
-          </a:p>
-          <a:p>
-            <a:pPr lvl="3"/>
-            <a:r>
-              <a:rPr lang="en-US" dirty="0" smtClean="0"/>
-              <a:t>who </a:t>
-            </a:r>
-            <a:r>
-              <a:rPr lang="en-US" dirty="0"/>
-              <a:t>made </a:t>
-            </a:r>
-            <a:r>
-              <a:rPr lang="en-US" dirty="0" smtClean="0"/>
-              <a:t>it</a:t>
-            </a:r>
-          </a:p>
-          <a:p>
-            <a:pPr lvl="3"/>
-            <a:r>
-              <a:rPr lang="en-US" dirty="0" smtClean="0"/>
-              <a:t>When they </a:t>
-            </a:r>
-            <a:r>
-              <a:rPr lang="en-US" dirty="0"/>
-              <a:t>made </a:t>
-            </a:r>
-            <a:r>
-              <a:rPr lang="en-US" dirty="0" smtClean="0"/>
-              <a:t>it</a:t>
+            <a:pPr marL="342900" indent="-342900" algn="l">
+              <a:buFont typeface="Arial" pitchFamily="34" charset="0"/>
+              <a:buChar char="•"/>
+            </a:pPr>
+            <a:r>
+              <a:rPr lang="en-US" sz="2400" dirty="0">
+                <a:solidFill>
+                  <a:schemeClr val="tx1"/>
+                </a:solidFill>
+              </a:rPr>
+              <a:t>What was done when, by </a:t>
+            </a:r>
+            <a:r>
+              <a:rPr lang="en-US" sz="2400" dirty="0" smtClean="0">
+                <a:solidFill>
+                  <a:schemeClr val="tx1"/>
+                </a:solidFill>
+              </a:rPr>
+              <a:t>whom </a:t>
+            </a:r>
+          </a:p>
+          <a:p>
+            <a:pPr marL="342900" indent="-342900" algn="l">
+              <a:buFont typeface="Arial" pitchFamily="34" charset="0"/>
+              <a:buChar char="•"/>
+            </a:pPr>
+            <a:r>
+              <a:rPr lang="en-US" sz="2400" dirty="0" smtClean="0">
+                <a:solidFill>
+                  <a:schemeClr val="tx1"/>
+                </a:solidFill>
+              </a:rPr>
+              <a:t>allows </a:t>
+            </a:r>
+            <a:r>
+              <a:rPr lang="en-US" sz="2400" dirty="0">
+                <a:solidFill>
+                  <a:schemeClr val="tx1"/>
+                </a:solidFill>
+              </a:rPr>
+              <a:t>you to </a:t>
+            </a:r>
+            <a:r>
+              <a:rPr lang="en-US" sz="2400" dirty="0" smtClean="0">
+                <a:solidFill>
+                  <a:schemeClr val="tx1"/>
+                </a:solidFill>
+              </a:rPr>
+              <a:t>recover an </a:t>
+            </a:r>
+            <a:r>
+              <a:rPr lang="en-US" sz="2400" dirty="0">
+                <a:solidFill>
+                  <a:schemeClr val="tx1"/>
+                </a:solidFill>
+              </a:rPr>
+              <a:t>exact snapshot of the state of the entire system, from development </a:t>
+            </a:r>
+            <a:r>
+              <a:rPr lang="en-US" sz="2400" dirty="0" smtClean="0">
+                <a:solidFill>
+                  <a:schemeClr val="tx1"/>
+                </a:solidFill>
+              </a:rPr>
+              <a:t>environment  to </a:t>
+            </a:r>
+            <a:r>
+              <a:rPr lang="en-US" sz="2400" dirty="0">
+                <a:solidFill>
+                  <a:schemeClr val="tx1"/>
+                </a:solidFill>
+              </a:rPr>
+              <a:t>production environment, at any point in the project’s </a:t>
+            </a:r>
+            <a:r>
+              <a:rPr lang="en-US" sz="2400" dirty="0" smtClean="0">
+                <a:solidFill>
+                  <a:schemeClr val="tx1"/>
+                </a:solidFill>
+              </a:rPr>
+              <a:t>history</a:t>
+            </a:r>
+          </a:p>
+          <a:p>
+            <a:pPr marL="342900" indent="-342900" algn="l">
+              <a:buFont typeface="Arial" pitchFamily="34" charset="0"/>
+              <a:buChar char="•"/>
+            </a:pPr>
+            <a:r>
+              <a:rPr lang="en-US" sz="2400" dirty="0">
+                <a:solidFill>
+                  <a:schemeClr val="tx1"/>
+                </a:solidFill>
+              </a:rPr>
+              <a:t>store binary images of their application servers, compilers, virtual machines</a:t>
             </a:r>
           </a:p>
         </p:txBody>
@@ -4822,7 +4972,7 @@
     </p:spTree>
     <p:extLst>
       <p:ext uri="{BB962C8B-B14F-4D97-AF65-F5344CB8AC3E}">
-        <p14:creationId xmlns:p14="http://schemas.microsoft.com/office/powerpoint/2010/main" val="2065174423"/>
+        <p14:creationId xmlns:p14="http://schemas.microsoft.com/office/powerpoint/2010/main" val="1063378468"/>
       </p:ext>
     </p:extLst>
   </p:cSld>
@@ -4861,14 +5011,16 @@
         </p:nvSpPr>
         <p:spPr/>
         <p:txBody>
-          <a:bodyPr/>
-          <a:lstStyle/>
-          <a:p>
-            <a:r>
-              <a:rPr lang="en-US" dirty="0" smtClean="0"/>
-              <a:t>Last but not the least,</a:t>
-            </a:r>
-            <a:endParaRPr lang="en-US" dirty="0"/>
+          <a:bodyPr>
+            <a:normAutofit/>
+          </a:bodyPr>
+          <a:lstStyle/>
+          <a:p>
+            <a:r>
+              <a:rPr lang="en-US" sz="3600" dirty="0" smtClean="0"/>
+              <a:t>Continuous integration</a:t>
+            </a:r>
+            <a:endParaRPr lang="en-US" sz="3600" dirty="0"/>
           </a:p>
         </p:txBody>
       </p:sp>
@@ -4882,61 +5034,297 @@
             <p:ph idx="1"/>
           </p:nvPr>
         </p:nvSpPr>
-        <p:spPr/>
-        <p:txBody>
-          <a:bodyPr/>
-          <a:lstStyle/>
-          <a:p>
-            <a:r>
-              <a:rPr lang="en-US" dirty="0" smtClean="0"/>
-              <a:t>Information should be easily available to each member</a:t>
+        <p:spPr>
+          <a:xfrm>
+            <a:off x="457200" y="1600201"/>
+            <a:ext cx="8229600" cy="1828800"/>
+          </a:xfrm>
+        </p:spPr>
+        <p:txBody>
+          <a:bodyPr>
+            <a:normAutofit/>
+          </a:bodyPr>
+          <a:lstStyle/>
+          <a:p>
+            <a:r>
+              <a:rPr lang="en-US" sz="2500" dirty="0"/>
+              <a:t>An extremely </a:t>
+            </a:r>
+            <a:r>
+              <a:rPr lang="en-US" sz="2500" dirty="0" smtClean="0"/>
+              <a:t>strange and serious problem with many </a:t>
+            </a:r>
+            <a:r>
+              <a:rPr lang="en-US" sz="2500" dirty="0"/>
+              <a:t>software projects is </a:t>
+            </a:r>
+            <a:r>
+              <a:rPr lang="en-US" sz="2500" dirty="0" smtClean="0"/>
+              <a:t>that-</a:t>
+            </a:r>
+            <a:endParaRPr lang="en-US" sz="2500" dirty="0"/>
+          </a:p>
+          <a:p>
+            <a:pPr marL="0" indent="0" algn="ctr">
+              <a:buNone/>
+            </a:pPr>
+            <a:r>
+              <a:rPr lang="en-US" sz="2500" dirty="0" smtClean="0"/>
+              <a:t>For “</a:t>
+            </a:r>
+            <a:r>
+              <a:rPr lang="en-US" sz="2500" dirty="0" smtClean="0">
+                <a:solidFill>
+                  <a:srgbClr val="FF0000"/>
+                </a:solidFill>
+              </a:rPr>
+              <a:t>long </a:t>
+            </a:r>
+            <a:r>
+              <a:rPr lang="en-US" sz="2500" dirty="0">
+                <a:solidFill>
+                  <a:srgbClr val="FF0000"/>
+                </a:solidFill>
+              </a:rPr>
+              <a:t>periods of time during the </a:t>
+            </a:r>
+            <a:r>
+              <a:rPr lang="en-US" sz="2500" dirty="0" smtClean="0">
+                <a:solidFill>
+                  <a:srgbClr val="FF0000"/>
+                </a:solidFill>
+              </a:rPr>
+              <a:t>development</a:t>
+            </a:r>
+            <a:r>
+              <a:rPr lang="en-US" sz="2500" dirty="0" smtClean="0"/>
+              <a:t>” </a:t>
+            </a:r>
+            <a:r>
+              <a:rPr lang="en-US" sz="2500" dirty="0"/>
+              <a:t>process the </a:t>
+            </a:r>
+            <a:r>
+              <a:rPr lang="en-US" sz="2500" dirty="0" smtClean="0"/>
+              <a:t>application </a:t>
+            </a:r>
+            <a:r>
+              <a:rPr lang="en-US" sz="2500" dirty="0"/>
+              <a:t>is not in </a:t>
+            </a:r>
+            <a:r>
+              <a:rPr lang="en-US" sz="2500" dirty="0" smtClean="0"/>
+              <a:t>a working state</a:t>
+            </a:r>
+          </a:p>
+        </p:txBody>
+      </p:sp>
+      <p:sp>
+        <p:nvSpPr>
+          <p:cNvPr id="4" name="Content Placeholder 2"/>
+          <p:cNvSpPr txBox="1">
+            <a:spLocks/>
+          </p:cNvSpPr>
+          <p:nvPr/>
+        </p:nvSpPr>
+        <p:spPr>
+          <a:xfrm>
+            <a:off x="595745" y="3581400"/>
+            <a:ext cx="8229600" cy="2590799"/>
+          </a:xfrm>
+          <a:prstGeom prst="rect">
+            <a:avLst/>
+          </a:prstGeom>
+        </p:spPr>
+        <p:txBody>
+          <a:bodyPr vert="horz" lIns="91440" tIns="45720" rIns="91440" bIns="45720" rtlCol="0">
+            <a:normAutofit/>
+          </a:bodyPr>
+          <a:lstStyle>
+            <a:lvl1pPr marL="342900" indent="-342900" algn="l" defTabSz="914400" rtl="0" eaLnBrk="1" latinLnBrk="0" hangingPunct="1">
+              <a:spcBef>
+                <a:spcPct val="20000"/>
+              </a:spcBef>
+              <a:buFont typeface="Arial" pitchFamily="34" charset="0"/>
+              <a:buChar char="•"/>
+              <a:defRPr sz="3200" kern="1200">
+                <a:solidFill>
+                  <a:schemeClr val="tx1"/>
+                </a:solidFill>
+                <a:latin typeface="+mn-lt"/>
+                <a:ea typeface="+mn-ea"/>
+                <a:cs typeface="+mn-cs"/>
+              </a:defRPr>
+            </a:lvl1pPr>
+            <a:lvl2pPr marL="742950" indent="-285750" algn="l" defTabSz="914400" rtl="0" eaLnBrk="1" latinLnBrk="0" hangingPunct="1">
+              <a:spcBef>
+                <a:spcPct val="20000"/>
+              </a:spcBef>
+              <a:buFont typeface="Arial" pitchFamily="34" charset="0"/>
+              <a:buChar char="–"/>
+              <a:defRPr sz="2800" kern="1200">
+                <a:solidFill>
+                  <a:schemeClr val="tx1"/>
+                </a:solidFill>
+                <a:latin typeface="+mn-lt"/>
+                <a:ea typeface="+mn-ea"/>
+                <a:cs typeface="+mn-cs"/>
+              </a:defRPr>
+            </a:lvl2pPr>
+            <a:lvl3pPr marL="1143000" indent="-228600" algn="l" defTabSz="914400" rtl="0" eaLnBrk="1" latinLnBrk="0" hangingPunct="1">
+              <a:spcBef>
+                <a:spcPct val="20000"/>
+              </a:spcBef>
+              <a:buFont typeface="Arial" pitchFamily="34" charset="0"/>
+              <a:buChar char="•"/>
+              <a:defRPr sz="2400" kern="1200">
+                <a:solidFill>
+                  <a:schemeClr val="tx1"/>
+                </a:solidFill>
+                <a:latin typeface="+mn-lt"/>
+                <a:ea typeface="+mn-ea"/>
+                <a:cs typeface="+mn-cs"/>
+              </a:defRPr>
+            </a:lvl3pPr>
+            <a:lvl4pPr marL="1600200" indent="-228600" algn="l" defTabSz="914400" rtl="0" eaLnBrk="1" latinLnBrk="0" hangingPunct="1">
+              <a:spcBef>
+                <a:spcPct val="20000"/>
+              </a:spcBef>
+              <a:buFont typeface="Arial" pitchFamily="34" charset="0"/>
+              <a:buChar char="–"/>
+              <a:defRPr sz="2000" kern="1200">
+                <a:solidFill>
+                  <a:schemeClr val="tx1"/>
+                </a:solidFill>
+                <a:latin typeface="+mn-lt"/>
+                <a:ea typeface="+mn-ea"/>
+                <a:cs typeface="+mn-cs"/>
+              </a:defRPr>
+            </a:lvl4pPr>
+            <a:lvl5pPr marL="2057400" indent="-228600" algn="l" defTabSz="914400" rtl="0" eaLnBrk="1" latinLnBrk="0" hangingPunct="1">
+              <a:spcBef>
+                <a:spcPct val="20000"/>
+              </a:spcBef>
+              <a:buFont typeface="Arial" pitchFamily="34" charset="0"/>
+              <a:buChar char="»"/>
+              <a:defRPr sz="2000" kern="1200">
+                <a:solidFill>
+                  <a:schemeClr val="tx1"/>
+                </a:solidFill>
+                <a:latin typeface="+mn-lt"/>
+                <a:ea typeface="+mn-ea"/>
+                <a:cs typeface="+mn-cs"/>
+              </a:defRPr>
+            </a:lvl5pPr>
+            <a:lvl6pPr marL="2514600" indent="-228600" algn="l" defTabSz="914400" rtl="0" eaLnBrk="1" latinLnBrk="0" hangingPunct="1">
+              <a:spcBef>
+                <a:spcPct val="20000"/>
+              </a:spcBef>
+              <a:buFont typeface="Arial" pitchFamily="34" charset="0"/>
+              <a:buChar char="•"/>
+              <a:defRPr sz="2000" kern="1200">
+                <a:solidFill>
+                  <a:schemeClr val="tx1"/>
+                </a:solidFill>
+                <a:latin typeface="+mn-lt"/>
+                <a:ea typeface="+mn-ea"/>
+                <a:cs typeface="+mn-cs"/>
+              </a:defRPr>
+            </a:lvl6pPr>
+            <a:lvl7pPr marL="2971800" indent="-228600" algn="l" defTabSz="914400" rtl="0" eaLnBrk="1" latinLnBrk="0" hangingPunct="1">
+              <a:spcBef>
+                <a:spcPct val="20000"/>
+              </a:spcBef>
+              <a:buFont typeface="Arial" pitchFamily="34" charset="0"/>
+              <a:buChar char="•"/>
+              <a:defRPr sz="2000" kern="1200">
+                <a:solidFill>
+                  <a:schemeClr val="tx1"/>
+                </a:solidFill>
+                <a:latin typeface="+mn-lt"/>
+                <a:ea typeface="+mn-ea"/>
+                <a:cs typeface="+mn-cs"/>
+              </a:defRPr>
+            </a:lvl7pPr>
+            <a:lvl8pPr marL="3429000" indent="-228600" algn="l" defTabSz="914400" rtl="0" eaLnBrk="1" latinLnBrk="0" hangingPunct="1">
+              <a:spcBef>
+                <a:spcPct val="20000"/>
+              </a:spcBef>
+              <a:buFont typeface="Arial" pitchFamily="34" charset="0"/>
+              <a:buChar char="•"/>
+              <a:defRPr sz="2000" kern="1200">
+                <a:solidFill>
+                  <a:schemeClr val="tx1"/>
+                </a:solidFill>
+                <a:latin typeface="+mn-lt"/>
+                <a:ea typeface="+mn-ea"/>
+                <a:cs typeface="+mn-cs"/>
+              </a:defRPr>
+            </a:lvl8pPr>
+            <a:lvl9pPr marL="3886200" indent="-228600" algn="l" defTabSz="914400" rtl="0" eaLnBrk="1" latinLnBrk="0" hangingPunct="1">
+              <a:spcBef>
+                <a:spcPct val="20000"/>
+              </a:spcBef>
+              <a:buFont typeface="Arial" pitchFamily="34" charset="0"/>
+              <a:buChar char="•"/>
+              <a:defRPr sz="2000" kern="1200">
+                <a:solidFill>
+                  <a:schemeClr val="tx1"/>
+                </a:solidFill>
+                <a:latin typeface="+mn-lt"/>
+                <a:ea typeface="+mn-ea"/>
+                <a:cs typeface="+mn-cs"/>
+              </a:defRPr>
+            </a:lvl9pPr>
+          </a:lstStyle>
+          <a:p>
+            <a:r>
+              <a:rPr lang="en-US" sz="2500" dirty="0" smtClean="0"/>
+              <a:t>Problems faced-</a:t>
             </a:r>
           </a:p>
           <a:p>
             <a:pPr lvl="1"/>
             <a:r>
-              <a:rPr lang="en-US" dirty="0" smtClean="0"/>
-              <a:t>Frequent check in</a:t>
+              <a:rPr lang="en-US" sz="2100" dirty="0" smtClean="0"/>
+              <a:t>Significant time software is unusable</a:t>
             </a:r>
           </a:p>
           <a:p>
             <a:pPr lvl="1"/>
             <a:r>
-              <a:rPr lang="en-US" dirty="0" smtClean="0"/>
-              <a:t>Automatically benefits </a:t>
-            </a:r>
-          </a:p>
-          <a:p>
-            <a:pPr lvl="2"/>
-            <a:r>
-              <a:rPr lang="en-US" dirty="0" smtClean="0"/>
-              <a:t>Efficient delivery</a:t>
-            </a:r>
-          </a:p>
-          <a:p>
-            <a:pPr lvl="2"/>
-            <a:r>
-              <a:rPr lang="en-US" dirty="0"/>
-              <a:t>I</a:t>
-            </a:r>
-            <a:r>
-              <a:rPr lang="en-US" dirty="0" smtClean="0"/>
-              <a:t>ncreased </a:t>
-            </a:r>
-            <a:r>
-              <a:rPr lang="en-US" dirty="0"/>
-              <a:t>cycle </a:t>
-            </a:r>
-            <a:r>
-              <a:rPr lang="en-US" dirty="0" smtClean="0"/>
-              <a:t>time</a:t>
-            </a:r>
-          </a:p>
-          <a:p>
-            <a:pPr lvl="2"/>
-            <a:r>
-              <a:rPr lang="en-US" dirty="0" smtClean="0"/>
-              <a:t>Reduced feedback</a:t>
+              <a:rPr lang="en-US" sz="2100" dirty="0" smtClean="0"/>
+              <a:t>Nobody </a:t>
+            </a:r>
+            <a:r>
+              <a:rPr lang="en-US" sz="2100" dirty="0"/>
+              <a:t>is interested in trying to run the whole </a:t>
+            </a:r>
+            <a:r>
+              <a:rPr lang="en-US" sz="2100" dirty="0" smtClean="0"/>
+              <a:t>application until </a:t>
+            </a:r>
+            <a:r>
+              <a:rPr lang="en-US" sz="2100" dirty="0"/>
+              <a:t>it is </a:t>
+            </a:r>
+            <a:r>
+              <a:rPr lang="en-US" sz="2100" dirty="0" smtClean="0"/>
+              <a:t>finished</a:t>
+            </a:r>
+          </a:p>
+          <a:p>
+            <a:pPr lvl="1"/>
+            <a:r>
+              <a:rPr lang="en-US" sz="2100" dirty="0" smtClean="0"/>
+              <a:t>Software is not compatible at the time of delivery</a:t>
+            </a:r>
+          </a:p>
+          <a:p>
+            <a:pPr lvl="1"/>
+            <a:r>
+              <a:rPr lang="en-US" sz="2100" dirty="0" smtClean="0"/>
+              <a:t>Hell lot of problems during build</a:t>
             </a:r>
           </a:p>
         </p:txBody>
@@ -4944,7 +5332,7 @@
     </p:spTree>
     <p:extLst>
       <p:ext uri="{BB962C8B-B14F-4D97-AF65-F5344CB8AC3E}">
-        <p14:creationId xmlns:p14="http://schemas.microsoft.com/office/powerpoint/2010/main" val="720418369"/>
+        <p14:creationId xmlns:p14="http://schemas.microsoft.com/office/powerpoint/2010/main" val="1707852058"/>
       </p:ext>
     </p:extLst>
   </p:cSld>
@@ -4978,106 +5366,172 @@
             <a:spLocks noGrp="1"/>
           </p:cNvSpPr>
           <p:nvPr>
-            <p:ph type="title"/>
-          </p:nvPr>
-        </p:nvSpPr>
-        <p:spPr/>
+            <p:ph type="ctrTitle"/>
+          </p:nvPr>
+        </p:nvSpPr>
+        <p:spPr>
+          <a:xfrm>
+            <a:off x="685800" y="457201"/>
+            <a:ext cx="7772400" cy="914399"/>
+          </a:xfrm>
+        </p:spPr>
         <p:txBody>
           <a:bodyPr>
-            <a:normAutofit fontScale="90000"/>
+            <a:normAutofit/>
           </a:bodyPr>
           <a:lstStyle/>
           <a:p>
             <a:r>
-              <a:rPr lang="en-US" dirty="0" smtClean="0"/>
-              <a:t>Points we just discussed can be achieved by following practice</a:t>
-            </a:r>
-            <a:endParaRPr lang="en-US" dirty="0"/>
-          </a:p>
-        </p:txBody>
-      </p:sp>
-      <p:sp>
-        <p:nvSpPr>
-          <p:cNvPr id="3" name="Content Placeholder 2"/>
-          <p:cNvSpPr>
-            <a:spLocks noGrp="1"/>
-          </p:cNvSpPr>
-          <p:nvPr>
-            <p:ph idx="1"/>
-          </p:nvPr>
-        </p:nvSpPr>
-        <p:spPr/>
-        <p:txBody>
-          <a:bodyPr/>
-          <a:lstStyle/>
-          <a:p>
-            <a:r>
-              <a:rPr lang="en-US" b="1" dirty="0"/>
-              <a:t>Using Version </a:t>
-            </a:r>
-            <a:r>
-              <a:rPr lang="en-US" b="1" dirty="0" smtClean="0"/>
-              <a:t>Control</a:t>
-            </a:r>
-          </a:p>
-          <a:p>
-            <a:r>
-              <a:rPr lang="en-US" b="1" i="1" dirty="0"/>
-              <a:t>Check In Regularly to </a:t>
-            </a:r>
-            <a:r>
-              <a:rPr lang="en-US" b="1" i="1" dirty="0" smtClean="0"/>
-              <a:t>Trunk</a:t>
-            </a:r>
-          </a:p>
-          <a:p>
-            <a:r>
-              <a:rPr lang="en-US" b="1" i="1" dirty="0"/>
-              <a:t>Use Meaningful Commit </a:t>
-            </a:r>
-            <a:r>
-              <a:rPr lang="en-US" b="1" i="1" dirty="0" smtClean="0"/>
-              <a:t>Messages</a:t>
-            </a:r>
-          </a:p>
-          <a:p>
-            <a:r>
-              <a:rPr lang="en-US" b="1" dirty="0"/>
-              <a:t>Managing </a:t>
-            </a:r>
-            <a:r>
-              <a:rPr lang="en-US" b="1" dirty="0" smtClean="0"/>
-              <a:t>Dependencies</a:t>
-            </a:r>
-          </a:p>
-          <a:p>
-            <a:pPr lvl="2"/>
-            <a:r>
-              <a:rPr lang="en-US" b="1" dirty="0" smtClean="0"/>
-              <a:t>External libraries</a:t>
-            </a:r>
-          </a:p>
-          <a:p>
-            <a:pPr lvl="2"/>
-            <a:r>
-              <a:rPr lang="en-US" b="1" dirty="0" smtClean="0"/>
-              <a:t>External components</a:t>
-            </a:r>
-          </a:p>
-          <a:p>
-            <a:pPr lvl="2"/>
-            <a:r>
-              <a:rPr lang="en-US" b="1" dirty="0" smtClean="0"/>
-              <a:t>Software configuration</a:t>
-            </a:r>
-            <a:endParaRPr lang="en-US" b="1" dirty="0"/>
+              <a:rPr lang="en-US" sz="3600" dirty="0" smtClean="0"/>
+              <a:t>Prerequisites of continuous integration</a:t>
+            </a:r>
+            <a:endParaRPr lang="en-US" sz="3600" dirty="0"/>
+          </a:p>
+        </p:txBody>
+      </p:sp>
+      <p:sp>
+        <p:nvSpPr>
+          <p:cNvPr id="3" name="Subtitle 2"/>
+          <p:cNvSpPr>
+            <a:spLocks noGrp="1"/>
+          </p:cNvSpPr>
+          <p:nvPr>
+            <p:ph type="subTitle" idx="1"/>
+          </p:nvPr>
+        </p:nvSpPr>
+        <p:spPr>
+          <a:xfrm>
+            <a:off x="685800" y="1676400"/>
+            <a:ext cx="7772400" cy="3962400"/>
+          </a:xfrm>
+        </p:spPr>
+        <p:txBody>
+          <a:bodyPr>
+            <a:normAutofit/>
+          </a:bodyPr>
+          <a:lstStyle/>
+          <a:p>
+            <a:pPr marL="457200" indent="-457200" algn="l">
+              <a:buFont typeface="Arial" pitchFamily="34" charset="0"/>
+              <a:buChar char="•"/>
+            </a:pPr>
+            <a:r>
+              <a:rPr lang="en-US" sz="2400" dirty="0" smtClean="0">
+                <a:solidFill>
+                  <a:schemeClr val="tx1"/>
+                </a:solidFill>
+              </a:rPr>
+              <a:t>Version Control</a:t>
+            </a:r>
+          </a:p>
+          <a:p>
+            <a:pPr marL="457200" indent="-457200" algn="l">
+              <a:buFont typeface="Arial" pitchFamily="34" charset="0"/>
+              <a:buChar char="•"/>
+            </a:pPr>
+            <a:r>
+              <a:rPr lang="en-US" sz="2400" dirty="0" smtClean="0">
+                <a:solidFill>
+                  <a:schemeClr val="tx1"/>
+                </a:solidFill>
+              </a:rPr>
+              <a:t>An Automated Build</a:t>
+            </a:r>
+          </a:p>
+          <a:p>
+            <a:pPr marL="457200" indent="-457200" algn="l">
+              <a:buFont typeface="Arial" pitchFamily="34" charset="0"/>
+              <a:buChar char="•"/>
+            </a:pPr>
+            <a:r>
+              <a:rPr lang="en-US" sz="2400" dirty="0" smtClean="0">
+                <a:solidFill>
+                  <a:schemeClr val="tx1"/>
+                </a:solidFill>
+              </a:rPr>
+              <a:t>Agreement of team</a:t>
+            </a:r>
+          </a:p>
+          <a:p>
+            <a:pPr marL="457200" indent="-457200" algn="l">
+              <a:buFont typeface="Arial" pitchFamily="34" charset="0"/>
+              <a:buChar char="•"/>
+            </a:pPr>
+            <a:r>
+              <a:rPr lang="en-US" sz="2400" dirty="0">
+                <a:solidFill>
+                  <a:schemeClr val="tx1"/>
+                </a:solidFill>
+              </a:rPr>
+              <a:t>Create a Comprehensive Automated Test </a:t>
+            </a:r>
+            <a:r>
+              <a:rPr lang="en-US" sz="2400" dirty="0" smtClean="0">
+                <a:solidFill>
+                  <a:schemeClr val="tx1"/>
+                </a:solidFill>
+              </a:rPr>
+              <a:t>Suite</a:t>
+            </a:r>
+          </a:p>
+          <a:p>
+            <a:pPr marL="457200" indent="-457200" algn="l">
+              <a:buFont typeface="Arial" pitchFamily="34" charset="0"/>
+              <a:buChar char="•"/>
+            </a:pPr>
+            <a:r>
+              <a:rPr lang="en-US" sz="2400" dirty="0">
+                <a:solidFill>
+                  <a:schemeClr val="tx1"/>
+                </a:solidFill>
+              </a:rPr>
+              <a:t>Keep </a:t>
+            </a:r>
+            <a:r>
+              <a:rPr lang="en-US" sz="2400" dirty="0" smtClean="0">
+                <a:solidFill>
+                  <a:schemeClr val="tx1"/>
+                </a:solidFill>
+              </a:rPr>
+              <a:t>the </a:t>
+            </a:r>
+            <a:r>
+              <a:rPr lang="en-US" sz="2400" dirty="0">
+                <a:solidFill>
+                  <a:schemeClr val="tx1"/>
+                </a:solidFill>
+              </a:rPr>
+              <a:t>Build and Test Process </a:t>
+            </a:r>
+            <a:r>
+              <a:rPr lang="en-US" sz="2400" dirty="0" smtClean="0">
+                <a:solidFill>
+                  <a:schemeClr val="tx1"/>
+                </a:solidFill>
+              </a:rPr>
+              <a:t>Short</a:t>
+            </a:r>
+          </a:p>
+          <a:p>
+            <a:pPr marL="457200" indent="-457200" algn="l">
+              <a:buFont typeface="Arial" pitchFamily="34" charset="0"/>
+              <a:buChar char="•"/>
+            </a:pPr>
+            <a:r>
+              <a:rPr lang="en-US" sz="2400" dirty="0">
+                <a:solidFill>
+                  <a:schemeClr val="tx1"/>
+                </a:solidFill>
+              </a:rPr>
+              <a:t>Managing Your Development Workspace</a:t>
+            </a:r>
           </a:p>
         </p:txBody>
       </p:sp>
     </p:spTree>
     <p:extLst>
       <p:ext uri="{BB962C8B-B14F-4D97-AF65-F5344CB8AC3E}">
-        <p14:creationId xmlns:p14="http://schemas.microsoft.com/office/powerpoint/2010/main" val="1388079364"/>
+        <p14:creationId xmlns:p14="http://schemas.microsoft.com/office/powerpoint/2010/main" val="2362935450"/>
       </p:ext>
     </p:extLst>
   </p:cSld>
@@ -5116,8 +5570,38 @@
         </p:nvSpPr>
         <p:spPr>
           <a:xfrm>
-            <a:off x="685800" y="381001"/>
-            <a:ext cx="7772400" cy="1066799"/>
+            <a:off x="685800" y="152401"/>
+            <a:ext cx="7772400" cy="891308"/>
+          </a:xfrm>
+        </p:spPr>
+        <p:txBody>
+          <a:bodyPr>
+            <a:normAutofit fontScale="90000"/>
+          </a:bodyPr>
+          <a:lstStyle/>
+          <a:p>
+            <a:r>
+              <a:rPr lang="en-US" sz="3600" dirty="0" smtClean="0"/>
+              <a:t>Essential Practices In Continuous Integration</a:t>
+            </a:r>
+            <a:endParaRPr lang="en-US" sz="3600" dirty="0"/>
+          </a:p>
+        </p:txBody>
+      </p:sp>
+      <p:sp>
+        <p:nvSpPr>
+          <p:cNvPr id="3" name="Subtitle 2"/>
+          <p:cNvSpPr>
+            <a:spLocks noGrp="1"/>
+          </p:cNvSpPr>
+          <p:nvPr>
+            <p:ph type="subTitle" idx="1"/>
+          </p:nvPr>
+        </p:nvSpPr>
+        <p:spPr>
+          <a:xfrm>
+            <a:off x="637309" y="1191491"/>
+            <a:ext cx="7897091" cy="4447309"/>
           </a:xfrm>
         </p:spPr>
         <p:txBody>
@@ -5126,117 +5610,78 @@
           </a:bodyPr>
           <a:lstStyle/>
           <a:p>
-            <a:r>
-              <a:rPr lang="en-US" sz="3600" dirty="0" smtClean="0"/>
-              <a:t>Why Version Control is Important</a:t>
-            </a:r>
-            <a:endParaRPr lang="en-US" sz="3600" dirty="0"/>
-          </a:p>
-        </p:txBody>
-      </p:sp>
-      <p:sp>
-        <p:nvSpPr>
-          <p:cNvPr id="3" name="Subtitle 2"/>
-          <p:cNvSpPr>
-            <a:spLocks noGrp="1"/>
-          </p:cNvSpPr>
-          <p:nvPr>
-            <p:ph type="subTitle" idx="1"/>
-          </p:nvPr>
-        </p:nvSpPr>
-        <p:spPr>
-          <a:xfrm>
-            <a:off x="609600" y="1447800"/>
-            <a:ext cx="7924800" cy="4191000"/>
-          </a:xfrm>
-        </p:spPr>
-        <p:txBody>
-          <a:bodyPr>
-            <a:normAutofit/>
-          </a:bodyPr>
-          <a:lstStyle/>
-          <a:p>
             <a:pPr marL="342900" indent="-342900" algn="l">
-              <a:buFont typeface="Arial" pitchFamily="34" charset="0"/>
+              <a:buFont typeface="Arial" panose="020B0604020202020204" pitchFamily="34" charset="0"/>
               <a:buChar char="•"/>
             </a:pPr>
             <a:r>
-              <a:rPr lang="en-US" sz="2400" dirty="0" smtClean="0"/>
-              <a:t>Helps to reproduce a </a:t>
-            </a:r>
-            <a:r>
-              <a:rPr lang="en-US" sz="2400" dirty="0"/>
-              <a:t>particular state of the software’s binaries and </a:t>
-            </a:r>
-            <a:r>
-              <a:rPr lang="en-US" sz="2400" dirty="0" smtClean="0"/>
-              <a:t>configuration</a:t>
+              <a:rPr lang="en-US" sz="2400" b="1" i="1" dirty="0"/>
+              <a:t>Don’t Check In on a Broken </a:t>
+            </a:r>
+            <a:r>
+              <a:rPr lang="en-US" sz="2400" b="1" i="1" dirty="0" smtClean="0"/>
+              <a:t>Build</a:t>
             </a:r>
           </a:p>
           <a:p>
             <a:pPr marL="342900" indent="-342900" algn="l">
-              <a:buFont typeface="Arial" pitchFamily="34" charset="0"/>
+              <a:buFont typeface="Arial" panose="020B0604020202020204" pitchFamily="34" charset="0"/>
               <a:buChar char="•"/>
             </a:pPr>
             <a:r>
-              <a:rPr lang="en-US" sz="2400" dirty="0"/>
-              <a:t>What was done when, by </a:t>
-            </a:r>
-            <a:r>
-              <a:rPr lang="en-US" sz="2400" dirty="0" smtClean="0"/>
-              <a:t>whom </a:t>
+              <a:rPr lang="en-US" sz="2400" b="1" i="1" dirty="0"/>
+              <a:t>Always Be Prepared to Revert to the Previous </a:t>
+            </a:r>
+            <a:r>
+              <a:rPr lang="en-US" sz="2400" b="1" i="1" dirty="0" smtClean="0"/>
+              <a:t>Revision</a:t>
             </a:r>
           </a:p>
           <a:p>
             <a:pPr marL="342900" indent="-342900" algn="l">
-              <a:buFont typeface="Arial" pitchFamily="34" charset="0"/>
+              <a:buFont typeface="Arial" panose="020B0604020202020204" pitchFamily="34" charset="0"/>
               <a:buChar char="•"/>
             </a:pPr>
             <a:r>
-              <a:rPr lang="en-US" sz="2400" dirty="0" smtClean="0"/>
-              <a:t>allows </a:t>
-            </a:r>
-            <a:r>
-              <a:rPr lang="en-US" sz="2400" dirty="0"/>
-              <a:t>you to </a:t>
-            </a:r>
-            <a:r>
-              <a:rPr lang="en-US" sz="2400" dirty="0" smtClean="0"/>
-              <a:t>recover an </a:t>
-            </a:r>
-            <a:r>
-              <a:rPr lang="en-US" sz="2400" dirty="0"/>
-              <a:t>exact snapshot of the state of the entire system, from development </a:t>
-            </a:r>
-            <a:r>
-              <a:rPr lang="en-US" sz="2400" dirty="0" smtClean="0"/>
-              <a:t>environment  to </a:t>
-            </a:r>
-            <a:r>
-              <a:rPr lang="en-US" sz="2400" dirty="0"/>
-              <a:t>production environment, at any point in the project’s </a:t>
-            </a:r>
-            <a:r>
-              <a:rPr lang="en-US" sz="2400" dirty="0" smtClean="0"/>
-              <a:t>history</a:t>
+              <a:rPr lang="en-US" sz="2400" b="1" i="1" dirty="0"/>
+              <a:t>Don’t Comment Out Failing </a:t>
+            </a:r>
+            <a:r>
+              <a:rPr lang="en-US" sz="2400" b="1" i="1" dirty="0" smtClean="0"/>
+              <a:t>Tests</a:t>
             </a:r>
           </a:p>
           <a:p>
             <a:pPr marL="342900" indent="-342900" algn="l">
-              <a:buFont typeface="Arial" pitchFamily="34" charset="0"/>
+              <a:buFont typeface="Arial" panose="020B0604020202020204" pitchFamily="34" charset="0"/>
               <a:buChar char="•"/>
             </a:pPr>
             <a:r>
-              <a:rPr lang="en-US" sz="2400" dirty="0"/>
-              <a:t>store binary images of their application servers, compilers, virtual machines</a:t>
-            </a:r>
+              <a:rPr lang="en-US" sz="2400" b="1" i="1" dirty="0"/>
+              <a:t>Test-Driven </a:t>
+            </a:r>
+            <a:r>
+              <a:rPr lang="en-US" sz="2400" b="1" i="1" dirty="0" smtClean="0"/>
+              <a:t>Development</a:t>
+            </a:r>
+          </a:p>
+          <a:p>
+            <a:pPr marL="342900" indent="-342900" algn="l">
+              <a:buFont typeface="Arial" panose="020B0604020202020204" pitchFamily="34" charset="0"/>
+              <a:buChar char="•"/>
+            </a:pPr>
+            <a:r>
+              <a:rPr lang="en-US" sz="2400" b="1" i="1" dirty="0"/>
+              <a:t>Failing the Build for Slow Tests</a:t>
+            </a:r>
+            <a:endParaRPr lang="en-US" sz="2400" dirty="0"/>
           </a:p>
         </p:txBody>
       </p:sp>
     </p:spTree>
     <p:extLst>
       <p:ext uri="{BB962C8B-B14F-4D97-AF65-F5344CB8AC3E}">
-        <p14:creationId xmlns:p14="http://schemas.microsoft.com/office/powerpoint/2010/main" val="1063378468"/>
+        <p14:creationId xmlns:p14="http://schemas.microsoft.com/office/powerpoint/2010/main" val="3667054992"/>
       </p:ext>
     </p:extLst>
   </p:cSld>
@@ -5275,318 +5720,77 @@
         </p:nvSpPr>
         <p:spPr/>
         <p:txBody>
-          <a:bodyPr/>
-          <a:lstStyle/>
-          <a:p>
-            <a:r>
-              <a:rPr lang="en-US" dirty="0" smtClean="0"/>
-              <a:t>Continuous integration</a:t>
-            </a:r>
-            <a:endParaRPr lang="en-US" dirty="0"/>
-          </a:p>
-        </p:txBody>
-      </p:sp>
-      <p:sp>
-        <p:nvSpPr>
-          <p:cNvPr id="3" name="Content Placeholder 2"/>
-          <p:cNvSpPr>
-            <a:spLocks noGrp="1"/>
-          </p:cNvSpPr>
-          <p:nvPr>
-            <p:ph idx="1"/>
-          </p:nvPr>
-        </p:nvSpPr>
-        <p:spPr>
-          <a:xfrm>
-            <a:off x="457200" y="1600201"/>
-            <a:ext cx="8229600" cy="1828800"/>
-          </a:xfrm>
-        </p:spPr>
-        <p:txBody>
           <a:bodyPr>
             <a:normAutofit/>
           </a:bodyPr>
           <a:lstStyle/>
           <a:p>
             <a:r>
-              <a:rPr lang="en-US" sz="2500" dirty="0"/>
-              <a:t>An extremely </a:t>
-            </a:r>
-            <a:r>
-              <a:rPr lang="en-US" sz="2500" dirty="0" smtClean="0"/>
-              <a:t>strange and serious problem with many </a:t>
-            </a:r>
-            <a:r>
-              <a:rPr lang="en-US" sz="2500" dirty="0"/>
-              <a:t>software projects is </a:t>
-            </a:r>
-            <a:r>
-              <a:rPr lang="en-US" sz="2500" dirty="0" smtClean="0"/>
-              <a:t>that-</a:t>
-            </a:r>
-            <a:endParaRPr lang="en-US" sz="2500" dirty="0"/>
-          </a:p>
-          <a:p>
-            <a:pPr marL="0" indent="0" algn="ctr">
-              <a:buNone/>
-            </a:pPr>
-            <a:r>
-              <a:rPr lang="en-US" sz="2500" dirty="0" smtClean="0"/>
-              <a:t>For “</a:t>
-            </a:r>
-            <a:r>
-              <a:rPr lang="en-US" sz="2500" dirty="0" smtClean="0">
-                <a:solidFill>
-                  <a:srgbClr val="FF0000"/>
-                </a:solidFill>
-              </a:rPr>
-              <a:t>long </a:t>
-            </a:r>
-            <a:r>
-              <a:rPr lang="en-US" sz="2500" dirty="0">
-                <a:solidFill>
-                  <a:srgbClr val="FF0000"/>
-                </a:solidFill>
-              </a:rPr>
-              <a:t>periods of time during the </a:t>
-            </a:r>
-            <a:r>
-              <a:rPr lang="en-US" sz="2500" dirty="0" smtClean="0">
-                <a:solidFill>
-                  <a:srgbClr val="FF0000"/>
-                </a:solidFill>
-              </a:rPr>
-              <a:t>development</a:t>
-            </a:r>
-            <a:r>
-              <a:rPr lang="en-US" sz="2500" dirty="0" smtClean="0"/>
-              <a:t>” </a:t>
-            </a:r>
-            <a:r>
-              <a:rPr lang="en-US" sz="2500" dirty="0"/>
-              <a:t>process the </a:t>
-            </a:r>
-            <a:r>
-              <a:rPr lang="en-US" sz="2500" dirty="0" smtClean="0"/>
-              <a:t>application </a:t>
-            </a:r>
-            <a:r>
-              <a:rPr lang="en-US" sz="2500" dirty="0"/>
-              <a:t>is not in </a:t>
-            </a:r>
-            <a:r>
-              <a:rPr lang="en-US" sz="2500" dirty="0" smtClean="0"/>
-              <a:t>a working state</a:t>
-            </a:r>
-          </a:p>
-        </p:txBody>
-      </p:sp>
-      <p:sp>
-        <p:nvSpPr>
-          <p:cNvPr id="4" name="Content Placeholder 2"/>
-          <p:cNvSpPr txBox="1">
-            <a:spLocks/>
-          </p:cNvSpPr>
-          <p:nvPr/>
-        </p:nvSpPr>
-        <p:spPr>
-          <a:xfrm>
-            <a:off x="595745" y="3581400"/>
-            <a:ext cx="8229600" cy="2590799"/>
-          </a:xfrm>
-          <a:prstGeom prst="rect">
-            <a:avLst/>
-          </a:prstGeom>
-        </p:spPr>
-        <p:txBody>
-          <a:bodyPr vert="horz" lIns="91440" tIns="45720" rIns="91440" bIns="45720" rtlCol="0">
+              <a:rPr lang="en-US" sz="3600" dirty="0" smtClean="0"/>
+              <a:t>Why Testing Strategy is necessary? </a:t>
+            </a:r>
+            <a:endParaRPr lang="en-US" sz="3600" dirty="0"/>
+          </a:p>
+        </p:txBody>
+      </p:sp>
+      <p:sp>
+        <p:nvSpPr>
+          <p:cNvPr id="3" name="Content Placeholder 2"/>
+          <p:cNvSpPr>
+            <a:spLocks noGrp="1"/>
+          </p:cNvSpPr>
+          <p:nvPr>
+            <p:ph idx="1"/>
+          </p:nvPr>
+        </p:nvSpPr>
+        <p:spPr/>
+        <p:txBody>
+          <a:bodyPr>
             <a:normAutofit/>
           </a:bodyPr>
-          <a:lstStyle>
-            <a:lvl1pPr marL="342900" indent="-342900" algn="l" defTabSz="914400" rtl="0" eaLnBrk="1" latinLnBrk="0" hangingPunct="1">
-              <a:spcBef>
-                <a:spcPct val="20000"/>
-              </a:spcBef>
-              <a:buFont typeface="Arial" pitchFamily="34" charset="0"/>
-              <a:buChar char="•"/>
-              <a:defRPr sz="3200" kern="1200">
-                <a:solidFill>
-                  <a:schemeClr val="tx1"/>
-                </a:solidFill>
-                <a:latin typeface="+mn-lt"/>
-                <a:ea typeface="+mn-ea"/>
-                <a:cs typeface="+mn-cs"/>
-              </a:defRPr>
-            </a:lvl1pPr>
-            <a:lvl2pPr marL="742950" indent="-285750" algn="l" defTabSz="914400" rtl="0" eaLnBrk="1" latinLnBrk="0" hangingPunct="1">
-              <a:spcBef>
-                <a:spcPct val="20000"/>
-              </a:spcBef>
-              <a:buFont typeface="Arial" pitchFamily="34" charset="0"/>
-              <a:buChar char="–"/>
-              <a:defRPr sz="2800" kern="1200">
-                <a:solidFill>
-                  <a:schemeClr val="tx1"/>
-                </a:solidFill>
-                <a:latin typeface="+mn-lt"/>
-                <a:ea typeface="+mn-ea"/>
-                <a:cs typeface="+mn-cs"/>
-              </a:defRPr>
-            </a:lvl2pPr>
-            <a:lvl3pPr marL="1143000" indent="-228600" algn="l" defTabSz="914400" rtl="0" eaLnBrk="1" latinLnBrk="0" hangingPunct="1">
-              <a:spcBef>
-                <a:spcPct val="20000"/>
-              </a:spcBef>
-              <a:buFont typeface="Arial" pitchFamily="34" charset="0"/>
-              <a:buChar char="•"/>
-              <a:defRPr sz="2400" kern="1200">
-                <a:solidFill>
-                  <a:schemeClr val="tx1"/>
-                </a:solidFill>
-                <a:latin typeface="+mn-lt"/>
-                <a:ea typeface="+mn-ea"/>
-                <a:cs typeface="+mn-cs"/>
-              </a:defRPr>
-            </a:lvl3pPr>
-            <a:lvl4pPr marL="1600200" indent="-228600" algn="l" defTabSz="914400" rtl="0" eaLnBrk="1" latinLnBrk="0" hangingPunct="1">
-              <a:spcBef>
-                <a:spcPct val="20000"/>
-              </a:spcBef>
-              <a:buFont typeface="Arial" pitchFamily="34" charset="0"/>
-              <a:buChar char="–"/>
-              <a:defRPr sz="2000" kern="1200">
-                <a:solidFill>
-                  <a:schemeClr val="tx1"/>
-                </a:solidFill>
-                <a:latin typeface="+mn-lt"/>
-                <a:ea typeface="+mn-ea"/>
-                <a:cs typeface="+mn-cs"/>
-              </a:defRPr>
-            </a:lvl4pPr>
-            <a:lvl5pPr marL="2057400" indent="-228600" algn="l" defTabSz="914400" rtl="0" eaLnBrk="1" latinLnBrk="0" hangingPunct="1">
-              <a:spcBef>
-                <a:spcPct val="20000"/>
-              </a:spcBef>
-              <a:buFont typeface="Arial" pitchFamily="34" charset="0"/>
-              <a:buChar char="»"/>
-              <a:defRPr sz="2000" kern="1200">
-                <a:solidFill>
-                  <a:schemeClr val="tx1"/>
-                </a:solidFill>
-                <a:latin typeface="+mn-lt"/>
-                <a:ea typeface="+mn-ea"/>
-                <a:cs typeface="+mn-cs"/>
-              </a:defRPr>
-            </a:lvl5pPr>
-            <a:lvl6pPr marL="2514600" indent="-228600" algn="l" defTabSz="914400" rtl="0" eaLnBrk="1" latinLnBrk="0" hangingPunct="1">
-              <a:spcBef>
-                <a:spcPct val="20000"/>
-              </a:spcBef>
-              <a:buFont typeface="Arial" pitchFamily="34" charset="0"/>
-              <a:buChar char="•"/>
-              <a:defRPr sz="2000" kern="1200">
-                <a:solidFill>
-                  <a:schemeClr val="tx1"/>
-                </a:solidFill>
-                <a:latin typeface="+mn-lt"/>
-                <a:ea typeface="+mn-ea"/>
-                <a:cs typeface="+mn-cs"/>
-              </a:defRPr>
-            </a:lvl6pPr>
-            <a:lvl7pPr marL="2971800" indent="-228600" algn="l" defTabSz="914400" rtl="0" eaLnBrk="1" latinLnBrk="0" hangingPunct="1">
-              <a:spcBef>
-                <a:spcPct val="20000"/>
-              </a:spcBef>
-              <a:buFont typeface="Arial" pitchFamily="34" charset="0"/>
-              <a:buChar char="•"/>
-              <a:defRPr sz="2000" kern="1200">
-                <a:solidFill>
-                  <a:schemeClr val="tx1"/>
-                </a:solidFill>
-                <a:latin typeface="+mn-lt"/>
-                <a:ea typeface="+mn-ea"/>
-                <a:cs typeface="+mn-cs"/>
-              </a:defRPr>
-            </a:lvl7pPr>
-            <a:lvl8pPr marL="3429000" indent="-228600" algn="l" defTabSz="914400" rtl="0" eaLnBrk="1" latinLnBrk="0" hangingPunct="1">
-              <a:spcBef>
-                <a:spcPct val="20000"/>
-              </a:spcBef>
-              <a:buFont typeface="Arial" pitchFamily="34" charset="0"/>
-              <a:buChar char="•"/>
-              <a:defRPr sz="2000" kern="1200">
-                <a:solidFill>
-                  <a:schemeClr val="tx1"/>
-                </a:solidFill>
-                <a:latin typeface="+mn-lt"/>
-                <a:ea typeface="+mn-ea"/>
-                <a:cs typeface="+mn-cs"/>
-              </a:defRPr>
-            </a:lvl8pPr>
-            <a:lvl9pPr marL="3886200" indent="-228600" algn="l" defTabSz="914400" rtl="0" eaLnBrk="1" latinLnBrk="0" hangingPunct="1">
-              <a:spcBef>
-                <a:spcPct val="20000"/>
-              </a:spcBef>
-              <a:buFont typeface="Arial" pitchFamily="34" charset="0"/>
-              <a:buChar char="•"/>
-              <a:defRPr sz="2000" kern="1200">
-                <a:solidFill>
-                  <a:schemeClr val="tx1"/>
-                </a:solidFill>
-                <a:latin typeface="+mn-lt"/>
-                <a:ea typeface="+mn-ea"/>
-                <a:cs typeface="+mn-cs"/>
-              </a:defRPr>
-            </a:lvl9pPr>
-          </a:lstStyle>
-          <a:p>
-            <a:r>
-              <a:rPr lang="en-US" sz="2500" dirty="0" smtClean="0"/>
-              <a:t>Problems faced-</a:t>
-            </a:r>
-          </a:p>
-          <a:p>
-            <a:pPr lvl="1"/>
-            <a:r>
-              <a:rPr lang="en-US" sz="2100" dirty="0" smtClean="0"/>
-              <a:t>Significant time software is unusable</a:t>
-            </a:r>
-          </a:p>
-          <a:p>
-            <a:pPr lvl="1"/>
-            <a:r>
-              <a:rPr lang="en-US" sz="2100" dirty="0" smtClean="0"/>
-              <a:t>Nobody </a:t>
-            </a:r>
-            <a:r>
-              <a:rPr lang="en-US" sz="2100" dirty="0"/>
-              <a:t>is interested in trying to run the whole </a:t>
-            </a:r>
-            <a:r>
-              <a:rPr lang="en-US" sz="2100" dirty="0" smtClean="0"/>
-              <a:t>application until </a:t>
-            </a:r>
-            <a:r>
-              <a:rPr lang="en-US" sz="2100" dirty="0"/>
-              <a:t>it is </a:t>
-            </a:r>
-            <a:r>
-              <a:rPr lang="en-US" sz="2100" dirty="0" smtClean="0"/>
-              <a:t>finished</a:t>
-            </a:r>
-          </a:p>
-          <a:p>
-            <a:pPr lvl="1"/>
-            <a:r>
-              <a:rPr lang="en-US" sz="2100" dirty="0" smtClean="0"/>
-              <a:t>Software is not compatible at the time of delivery</a:t>
-            </a:r>
-          </a:p>
-          <a:p>
-            <a:pPr lvl="1"/>
-            <a:r>
-              <a:rPr lang="en-US" sz="2100" dirty="0" smtClean="0"/>
-              <a:t>Hell lot of problems during build</a:t>
+          <a:lstStyle/>
+          <a:p>
+            <a:r>
+              <a:rPr lang="en-US" sz="2400" dirty="0"/>
+              <a:t>functional aspects of the </a:t>
+            </a:r>
+            <a:r>
+              <a:rPr lang="en-US" sz="2400" dirty="0" smtClean="0"/>
+              <a:t>system</a:t>
+            </a:r>
+          </a:p>
+          <a:p>
+            <a:r>
+              <a:rPr lang="en-US" sz="2400" dirty="0" smtClean="0"/>
+              <a:t>Increase confidence</a:t>
+            </a:r>
+          </a:p>
+          <a:p>
+            <a:r>
+              <a:rPr lang="en-US" sz="2400" dirty="0"/>
+              <a:t>reduced support </a:t>
+            </a:r>
+            <a:r>
+              <a:rPr lang="en-US" sz="2400" dirty="0" smtClean="0"/>
+              <a:t>costs</a:t>
+            </a:r>
+          </a:p>
+          <a:p>
+            <a:r>
+              <a:rPr lang="en-US" sz="2400" dirty="0"/>
+              <a:t>Capacity, security,</a:t>
+            </a:r>
+          </a:p>
+          <a:p>
+            <a:r>
+              <a:rPr lang="en-US" sz="2400" dirty="0"/>
+              <a:t>and other nonfunctional requirements are established early on, and automated</a:t>
+            </a:r>
+          </a:p>
+          <a:p>
+            <a:r>
+              <a:rPr lang="en-US" sz="2400" dirty="0"/>
+              <a:t>test suites are written to enforce them.</a:t>
             </a:r>
           </a:p>
         </p:txBody>
@@ -5594,7 +5798,7 @@
     </p:spTree>
     <p:extLst>
       <p:ext uri="{BB962C8B-B14F-4D97-AF65-F5344CB8AC3E}">
-        <p14:creationId xmlns:p14="http://schemas.microsoft.com/office/powerpoint/2010/main" val="1707852058"/>
+        <p14:creationId xmlns:p14="http://schemas.microsoft.com/office/powerpoint/2010/main" val="4172833991"/>
       </p:ext>
     </p:extLst>
   </p:cSld>
@@ -5628,15 +5832,10 @@
             <a:spLocks noGrp="1"/>
           </p:cNvSpPr>
           <p:nvPr>
-            <p:ph type="ctrTitle"/>
-          </p:nvPr>
-        </p:nvSpPr>
-        <p:spPr>
-          <a:xfrm>
-            <a:off x="685800" y="457201"/>
-            <a:ext cx="7772400" cy="914399"/>
-          </a:xfrm>
-        </p:spPr>
+            <p:ph type="title"/>
+          </p:nvPr>
+        </p:nvSpPr>
+        <p:spPr/>
         <p:txBody>
           <a:bodyPr>
             <a:normAutofit/>
@@ -5645,7 +5844,7 @@
           <a:p>
             <a:r>
               <a:rPr lang="en-US" sz="3600" dirty="0" smtClean="0"/>
-              <a:t>Prerequisites of continuous integration</a:t>
+              <a:t>Types Of Test</a:t>
             </a:r>
             <a:endParaRPr lang="en-US" sz="3600" dirty="0"/>
           </a:p>
@@ -5653,112 +5852,63 @@
       </p:sp>
       <p:sp>
         <p:nvSpPr>
-          <p:cNvPr id="3" name="Subtitle 2"/>
-          <p:cNvSpPr>
-            <a:spLocks noGrp="1"/>
-          </p:cNvSpPr>
-          <p:nvPr>
-            <p:ph type="subTitle" idx="1"/>
-          </p:nvPr>
-        </p:nvSpPr>
-        <p:spPr>
-          <a:xfrm>
-            <a:off x="685800" y="1676400"/>
-            <a:ext cx="7772400" cy="3962400"/>
-          </a:xfrm>
-        </p:spPr>
+          <p:cNvPr id="3" name="Content Placeholder 2"/>
+          <p:cNvSpPr>
+            <a:spLocks noGrp="1"/>
+          </p:cNvSpPr>
+          <p:nvPr>
+            <p:ph idx="1"/>
+          </p:nvPr>
+        </p:nvSpPr>
+        <p:spPr/>
         <p:txBody>
           <a:bodyPr>
             <a:normAutofit/>
           </a:bodyPr>
           <a:lstStyle/>
           <a:p>
-            <a:pPr marL="457200" indent="-457200" algn="l">
-              <a:buFont typeface="Arial" pitchFamily="34" charset="0"/>
-              <a:buChar char="•"/>
-            </a:pPr>
-            <a:r>
-              <a:rPr lang="en-US" sz="2800" dirty="0" smtClean="0"/>
-              <a:t>Version Control</a:t>
-            </a:r>
-          </a:p>
-          <a:p>
-            <a:pPr marL="457200" indent="-457200" algn="l">
-              <a:buFont typeface="Arial" pitchFamily="34" charset="0"/>
-              <a:buChar char="•"/>
-            </a:pPr>
-            <a:r>
-              <a:rPr lang="en-US" sz="2800" dirty="0" smtClean="0"/>
-              <a:t>An Automated Build</a:t>
-            </a:r>
-          </a:p>
-          <a:p>
-            <a:pPr marL="457200" indent="-457200" algn="l">
-              <a:buFont typeface="Arial" pitchFamily="34" charset="0"/>
-              <a:buChar char="•"/>
-            </a:pPr>
-            <a:r>
-              <a:rPr lang="en-US" sz="2800" dirty="0" smtClean="0"/>
-              <a:t>Agreement of </a:t>
-            </a:r>
-            <a:r>
-              <a:rPr lang="en-US" sz="2800" dirty="0" smtClean="0"/>
-              <a:t>team</a:t>
-            </a:r>
-          </a:p>
-          <a:p>
-            <a:pPr marL="457200" indent="-457200" algn="l">
-              <a:buFont typeface="Arial" pitchFamily="34" charset="0"/>
-              <a:buChar char="•"/>
-            </a:pPr>
-            <a:r>
-              <a:rPr lang="en-US" sz="2800" b="1" i="1" dirty="0"/>
-              <a:t>Create a Comprehensive Automated Test </a:t>
-            </a:r>
-            <a:r>
-              <a:rPr lang="en-US" sz="2800" b="1" i="1" dirty="0" smtClean="0"/>
-              <a:t>Suite</a:t>
-            </a:r>
-          </a:p>
-          <a:p>
-            <a:pPr marL="457200" indent="-457200" algn="l">
-              <a:buFont typeface="Arial" pitchFamily="34" charset="0"/>
-              <a:buChar char="•"/>
-            </a:pPr>
-            <a:r>
-              <a:rPr lang="en-US" sz="2800" b="1" i="1" dirty="0"/>
-              <a:t>Keep </a:t>
-            </a:r>
-            <a:r>
-              <a:rPr lang="en-US" sz="2800" b="1" i="1" dirty="0" smtClean="0"/>
-              <a:t>the </a:t>
-            </a:r>
-            <a:r>
-              <a:rPr lang="en-US" sz="2800" b="1" i="1" dirty="0"/>
-              <a:t>Build and Test Process </a:t>
-            </a:r>
-            <a:r>
-              <a:rPr lang="en-US" sz="2800" b="1" i="1" dirty="0" smtClean="0"/>
-              <a:t>Short</a:t>
-            </a:r>
-          </a:p>
-          <a:p>
-            <a:pPr marL="457200" indent="-457200" algn="l">
-              <a:buFont typeface="Arial" pitchFamily="34" charset="0"/>
-              <a:buChar char="•"/>
-            </a:pPr>
-            <a:r>
-              <a:rPr lang="en-US" sz="2800" b="1" i="1" dirty="0"/>
-              <a:t>Managing Your Development Workspace</a:t>
-            </a:r>
-            <a:endParaRPr lang="en-US" sz="2800" dirty="0"/>
+            <a:r>
+              <a:rPr lang="en-US" sz="2400" b="1" i="1" dirty="0"/>
+              <a:t>Business-Facing Tests That Support the Development </a:t>
+            </a:r>
+            <a:r>
+              <a:rPr lang="en-US" sz="2400" b="1" i="1" dirty="0" smtClean="0"/>
+              <a:t>Process</a:t>
+            </a:r>
+          </a:p>
+          <a:p>
+            <a:r>
+              <a:rPr lang="en-US" sz="2400" b="1" i="1" dirty="0"/>
+              <a:t>Technology-Facing Tests That Support the Development </a:t>
+            </a:r>
+            <a:r>
+              <a:rPr lang="en-US" sz="2400" b="1" i="1" dirty="0" smtClean="0"/>
+              <a:t>Process</a:t>
+            </a:r>
+          </a:p>
+          <a:p>
+            <a:r>
+              <a:rPr lang="en-US" sz="2400" b="1" i="1" dirty="0"/>
+              <a:t>Business-Facing Tests That Critique the </a:t>
+            </a:r>
+            <a:r>
+              <a:rPr lang="en-US" sz="2400" b="1" i="1" dirty="0" smtClean="0"/>
+              <a:t>Project</a:t>
+            </a:r>
+          </a:p>
+          <a:p>
+            <a:r>
+              <a:rPr lang="en-US" sz="2400" b="1" i="1" dirty="0"/>
+              <a:t>Technology-Facing Tests That Critique the Project</a:t>
+            </a:r>
+            <a:endParaRPr lang="en-US" sz="2400" dirty="0"/>
           </a:p>
         </p:txBody>
       </p:sp>
     </p:spTree>
     <p:extLst>
       <p:ext uri="{BB962C8B-B14F-4D97-AF65-F5344CB8AC3E}">
-        <p14:creationId xmlns:p14="http://schemas.microsoft.com/office/powerpoint/2010/main" val="2362935450"/>
+        <p14:creationId xmlns:p14="http://schemas.microsoft.com/office/powerpoint/2010/main" val="1760813730"/>
       </p:ext>
     </p:extLst>
   </p:cSld>
@@ -5787,19 +5937,44 @@
       </p:grpSpPr>
       <p:sp>
         <p:nvSpPr>
-          <p:cNvPr id="2" name="Title 1"/>
-          <p:cNvSpPr>
-            <a:spLocks noGrp="1"/>
-          </p:cNvSpPr>
-          <p:nvPr>
-            <p:ph type="ctrTitle"/>
+          <p:cNvPr id="36865" name="Rectangle 1"/>
+          <p:cNvSpPr>
+            <a:spLocks noGrp="1" noChangeArrowheads="1"/>
+          </p:cNvSpPr>
+          <p:nvPr>
+            <p:ph type="title"/>
+          </p:nvPr>
+        </p:nvSpPr>
+        <p:spPr>
+          <a:ln/>
+        </p:spPr>
+        <p:txBody>
+          <a:bodyPr/>
+          <a:lstStyle/>
+          <a:p>
+            <a:r>
+              <a:rPr lang="en-US"/>
+              <a:t>A Deployment Pipeline</a:t>
+            </a:r>
+          </a:p>
+        </p:txBody>
+      </p:sp>
+      <p:sp>
+        <p:nvSpPr>
+          <p:cNvPr id="36866" name="Rectangle 2"/>
+          <p:cNvSpPr>
+            <a:spLocks noGrp="1" noChangeArrowheads="1"/>
+          </p:cNvSpPr>
+          <p:nvPr>
+            <p:ph type="body" idx="1"/>
           </p:nvPr>
         </p:nvSpPr>
         <p:spPr>
           <a:xfrm>
-            <a:off x="685800" y="304801"/>
-            <a:ext cx="7772400" cy="1371599"/>
+            <a:off x="526851" y="4188024"/>
+            <a:ext cx="8099227" cy="1910953"/>
           </a:xfrm>
+          <a:ln/>
         </p:spPr>
         <p:txBody>
           <a:bodyPr>
@@ -5807,228 +5982,111 @@
           </a:bodyPr>
           <a:lstStyle/>
           <a:p>
-            <a:r>
-              <a:rPr lang="en-US" sz="3200" dirty="0" smtClean="0"/>
-              <a:t>Problems in deploying software manually</a:t>
-            </a:r>
-            <a:endParaRPr lang="en-US" sz="3200" dirty="0"/>
-          </a:p>
-        </p:txBody>
-      </p:sp>
-      <p:sp>
-        <p:nvSpPr>
-          <p:cNvPr id="3" name="Subtitle 2"/>
-          <p:cNvSpPr>
-            <a:spLocks noGrp="1"/>
-          </p:cNvSpPr>
-          <p:nvPr>
-            <p:ph type="subTitle" idx="1"/>
-          </p:nvPr>
-        </p:nvSpPr>
-        <p:spPr>
+            <a:pPr marL="625056"/>
+            <a:r>
+              <a:rPr lang="en-US" sz="2400" dirty="0"/>
+              <a:t>Also known as Continuous Integration Pipeline, build pipeline, etc</a:t>
+            </a:r>
+            <a:r>
+              <a:rPr lang="en-US" sz="2400" dirty="0" smtClean="0"/>
+              <a:t>.</a:t>
+            </a:r>
+          </a:p>
+          <a:p>
+            <a:pPr marL="625056"/>
+            <a:r>
+              <a:rPr lang="en-US" sz="2400" dirty="0"/>
+              <a:t>Describes </a:t>
+            </a:r>
+            <a:r>
+              <a:rPr lang="en-US" sz="2400" b="1" dirty="0"/>
+              <a:t>your</a:t>
+            </a:r>
+            <a:r>
+              <a:rPr lang="en-US" sz="2400" dirty="0"/>
+              <a:t> process of getting software from version control into the hands of users.</a:t>
+            </a:r>
+          </a:p>
+          <a:p>
+            <a:pPr marL="282156" indent="0">
+              <a:buNone/>
+            </a:pPr>
+            <a:endParaRPr lang="en-US" sz="2400" dirty="0"/>
+          </a:p>
+        </p:txBody>
+      </p:sp>
+      <p:pic>
+        <p:nvPicPr>
+          <p:cNvPr id="36867" name="Picture 3"/>
+          <p:cNvPicPr>
+            <a:picLocks noChangeAspect="1" noChangeArrowheads="1"/>
+          </p:cNvPicPr>
+          <p:nvPr/>
+        </p:nvPicPr>
+        <p:blipFill>
+          <a:blip r:embed="rId2">
+            <a:extLst>
+              <a:ext uri="{28A0092B-C50C-407E-A947-70E740481C1C}">
+                <a14:useLocalDpi xmlns:a14="http://schemas.microsoft.com/office/drawing/2010/main" val="0"/>
+              </a:ext>
+            </a:extLst>
+          </a:blip>
+          <a:srcRect/>
+          <a:stretch>
+            <a:fillRect/>
+          </a:stretch>
+        </p:blipFill>
+        <p:spPr bwMode="auto">
           <a:xfrm>
-            <a:off x="914400" y="1752600"/>
-            <a:ext cx="7391400" cy="3886200"/>
+            <a:off x="1303734" y="1134070"/>
+            <a:ext cx="6268641" cy="2687836"/>
           </a:xfrm>
+          <a:prstGeom prst="rect">
+            <a:avLst/>
+          </a:prstGeom>
+          <a:noFill/>
+          <a:ln>
+            <a:noFill/>
+          </a:ln>
+          <a:extLst>
+            <a:ext uri="{909E8E84-426E-40DD-AFC4-6F175D3DCCD1}">
+              <a14:hiddenFill xmlns:a14="http://schemas.microsoft.com/office/drawing/2010/main">
+                <a:solidFill>
+                  <a:srgbClr val="FFFFFF"/>
+                </a:solidFill>
+              </a14:hiddenFill>
+            </a:ext>
+            <a:ext uri="{91240B29-F687-4F45-9708-019B960494DF}">
+              <a14:hiddenLine xmlns:a14="http://schemas.microsoft.com/office/drawing/2010/main" w="12700" cap="flat">
+                <a:solidFill>
+                  <a:schemeClr val="tx1"/>
+                </a:solidFill>
+                <a:miter lim="800000"/>
+                <a:headEnd/>
+                <a:tailEnd/>
+              </a14:hiddenLine>
+            </a:ext>
+          </a:extLst>
         </p:spPr>
-        <p:txBody>
-          <a:bodyPr>
-            <a:normAutofit/>
-          </a:bodyPr>
-          <a:lstStyle/>
-          <a:p>
-            <a:pPr marL="342900" indent="-342900" algn="l">
-              <a:buFont typeface="Arial" pitchFamily="34" charset="0"/>
-              <a:buChar char="•"/>
-            </a:pPr>
-            <a:r>
-              <a:rPr lang="en-US" sz="2000" dirty="0" smtClean="0">
-                <a:solidFill>
-                  <a:schemeClr val="tx1"/>
-                </a:solidFill>
-              </a:rPr>
-              <a:t>Error will occur every time</a:t>
-            </a:r>
-          </a:p>
-          <a:p>
-            <a:pPr marL="342900" indent="-342900" algn="l">
-              <a:buFont typeface="Arial" pitchFamily="34" charset="0"/>
-              <a:buChar char="•"/>
-            </a:pPr>
-            <a:r>
-              <a:rPr lang="en-US" sz="2000" dirty="0" smtClean="0">
-                <a:solidFill>
-                  <a:schemeClr val="tx1"/>
-                </a:solidFill>
-              </a:rPr>
-              <a:t>Not </a:t>
-            </a:r>
-            <a:r>
-              <a:rPr lang="en-US" sz="2000" dirty="0" err="1" smtClean="0">
-                <a:solidFill>
-                  <a:schemeClr val="tx1"/>
-                </a:solidFill>
-              </a:rPr>
-              <a:t>repetable</a:t>
-            </a:r>
-            <a:r>
-              <a:rPr lang="en-US" sz="2000" dirty="0" smtClean="0">
-                <a:solidFill>
-                  <a:schemeClr val="tx1"/>
-                </a:solidFill>
-              </a:rPr>
-              <a:t> or reliable</a:t>
-            </a:r>
-          </a:p>
-          <a:p>
-            <a:pPr marL="342900" indent="-342900" algn="l">
-              <a:buFont typeface="Arial" pitchFamily="34" charset="0"/>
-              <a:buChar char="•"/>
-            </a:pPr>
-            <a:r>
-              <a:rPr lang="en-US" sz="2000" dirty="0" smtClean="0">
-                <a:solidFill>
-                  <a:schemeClr val="tx1"/>
-                </a:solidFill>
-              </a:rPr>
-              <a:t>Time consuming and expensive</a:t>
-            </a:r>
-          </a:p>
-          <a:p>
-            <a:pPr marL="342900" indent="-342900" algn="l">
-              <a:buFont typeface="Arial" pitchFamily="34" charset="0"/>
-              <a:buChar char="•"/>
-            </a:pPr>
-            <a:r>
-              <a:rPr lang="en-US" sz="2000" dirty="0" smtClean="0"/>
-              <a:t>Needs </a:t>
-            </a:r>
-            <a:r>
-              <a:rPr lang="en-US" sz="2000" dirty="0"/>
-              <a:t>lots of documentation with </a:t>
-            </a:r>
-            <a:r>
-              <a:rPr lang="en-US" sz="2000" dirty="0" smtClean="0"/>
-              <a:t>steps</a:t>
-            </a:r>
-          </a:p>
-          <a:p>
-            <a:pPr marL="342900" indent="-342900" algn="l">
-              <a:buFont typeface="Arial" pitchFamily="34" charset="0"/>
-              <a:buChar char="•"/>
-            </a:pPr>
-            <a:r>
-              <a:rPr lang="en-US" sz="2000" dirty="0" smtClean="0"/>
-              <a:t>That </a:t>
-            </a:r>
-            <a:r>
-              <a:rPr lang="en-US" sz="2000" dirty="0"/>
-              <a:t>are misinterpreted, and untested in a production-like </a:t>
-            </a:r>
-            <a:r>
-              <a:rPr lang="en-US" sz="2000" dirty="0" smtClean="0"/>
-              <a:t>environment</a:t>
-            </a:r>
-          </a:p>
-          <a:p>
-            <a:pPr marL="342900" indent="-342900" algn="l">
-              <a:buFont typeface="Arial" pitchFamily="34" charset="0"/>
-              <a:buChar char="•"/>
-            </a:pPr>
-            <a:r>
-              <a:rPr lang="en-US" sz="2000" dirty="0" smtClean="0"/>
-              <a:t>Many </a:t>
-            </a:r>
-            <a:r>
-              <a:rPr lang="en-US" sz="2000" dirty="0"/>
-              <a:t>corrections during a </a:t>
-            </a:r>
-            <a:r>
-              <a:rPr lang="en-US" sz="2000" dirty="0" smtClean="0"/>
-              <a:t>release</a:t>
-            </a:r>
-          </a:p>
-          <a:p>
-            <a:pPr marL="342900" indent="-342900" algn="l">
-              <a:buFont typeface="Arial" pitchFamily="34" charset="0"/>
-              <a:buChar char="•"/>
-            </a:pPr>
-            <a:r>
-              <a:rPr lang="en-US" sz="2000" dirty="0" smtClean="0"/>
-              <a:t>Manual </a:t>
-            </a:r>
-            <a:r>
-              <a:rPr lang="en-US" sz="2000" dirty="0"/>
-              <a:t>testing to confirm </a:t>
-            </a:r>
-            <a:r>
-              <a:rPr lang="en-US" sz="2000" dirty="0" smtClean="0"/>
-              <a:t>deployment</a:t>
-            </a:r>
-          </a:p>
-          <a:p>
-            <a:pPr marL="342900" indent="-342900" algn="l">
-              <a:buFont typeface="Arial" pitchFamily="34" charset="0"/>
-              <a:buChar char="•"/>
-            </a:pPr>
-            <a:r>
-              <a:rPr lang="en-US" sz="2000" dirty="0" smtClean="0"/>
-              <a:t>Releases </a:t>
-            </a:r>
-            <a:r>
-              <a:rPr lang="en-US" sz="2000" dirty="0"/>
-              <a:t>take hours instead of </a:t>
-            </a:r>
-            <a:r>
-              <a:rPr lang="en-US" sz="2000" dirty="0" smtClean="0"/>
-              <a:t>minute</a:t>
-            </a:r>
-          </a:p>
-          <a:p>
-            <a:pPr marL="342900" indent="-342900" algn="l">
-              <a:buFont typeface="Arial" pitchFamily="34" charset="0"/>
-              <a:buChar char="•"/>
-            </a:pPr>
-            <a:r>
-              <a:rPr lang="en-US" sz="2000" dirty="0" smtClean="0"/>
-              <a:t>Frequent roll-</a:t>
-            </a:r>
-            <a:r>
-              <a:rPr lang="en-US" sz="2000" dirty="0" err="1" smtClean="0"/>
-              <a:t>backsLate</a:t>
-            </a:r>
-            <a:r>
-              <a:rPr lang="en-US" sz="2000" dirty="0" smtClean="0"/>
-              <a:t> </a:t>
-            </a:r>
-            <a:r>
-              <a:rPr lang="en-US" sz="2000" dirty="0"/>
-              <a:t>nights</a:t>
-            </a:r>
-          </a:p>
-          <a:p>
-            <a:pPr marL="342900" indent="-342900" algn="l">
-              <a:buFont typeface="Arial" pitchFamily="34" charset="0"/>
-              <a:buChar char="•"/>
-            </a:pPr>
-            <a:endParaRPr lang="en-US" sz="2000" dirty="0">
-              <a:solidFill>
-                <a:schemeClr val="tx1"/>
-              </a:solidFill>
-            </a:endParaRPr>
-          </a:p>
-        </p:txBody>
-      </p:sp>
+      </p:pic>
     </p:spTree>
     <p:extLst>
       <p:ext uri="{BB962C8B-B14F-4D97-AF65-F5344CB8AC3E}">
-        <p14:creationId xmlns:p14="http://schemas.microsoft.com/office/powerpoint/2010/main" val="934825122"/>
+        <p14:creationId xmlns:p14="http://schemas.microsoft.com/office/powerpoint/2010/main" val="136474966"/>
       </p:ext>
     </p:extLst>
   </p:cSld>
   <p:clrMapOvr>
     <a:masterClrMapping/>
   </p:clrMapOvr>
+  <mc:AlternateContent xmlns:mc="http://schemas.openxmlformats.org/markup-compatibility/2006" xmlns:p14="http://schemas.microsoft.com/office/powerpoint/2010/main">
+    <mc:Choice Requires="p14">
+      <p:transition spd="slow" p14:dur="2000"/>
+    </mc:Choice>
+    <mc:Fallback xmlns="">
+      <p:transition spd="slow"/>
+    </mc:Fallback>
+  </mc:AlternateContent>
 </p:sld>
 </file>
 
@@ -6056,114 +6114,66 @@
             <a:spLocks noGrp="1"/>
           </p:cNvSpPr>
           <p:nvPr>
-            <p:ph type="ctrTitle"/>
-          </p:nvPr>
-        </p:nvSpPr>
-        <p:spPr>
-          <a:xfrm>
-            <a:off x="685800" y="152401"/>
-            <a:ext cx="7772400" cy="891308"/>
-          </a:xfrm>
-        </p:spPr>
-        <p:txBody>
-          <a:bodyPr>
-            <a:normAutofit fontScale="90000"/>
-          </a:bodyPr>
-          <a:lstStyle/>
-          <a:p>
-            <a:r>
-              <a:rPr lang="en-US" sz="3600" dirty="0" smtClean="0"/>
-              <a:t>Essential Practices In Continuous Integration</a:t>
-            </a:r>
-            <a:endParaRPr lang="en-US" sz="3600" dirty="0"/>
-          </a:p>
-        </p:txBody>
-      </p:sp>
-      <p:sp>
-        <p:nvSpPr>
-          <p:cNvPr id="3" name="Subtitle 2"/>
-          <p:cNvSpPr>
-            <a:spLocks noGrp="1"/>
-          </p:cNvSpPr>
-          <p:nvPr>
-            <p:ph type="subTitle" idx="1"/>
-          </p:nvPr>
-        </p:nvSpPr>
-        <p:spPr>
-          <a:xfrm>
-            <a:off x="637309" y="1191491"/>
-            <a:ext cx="7897091" cy="4447309"/>
-          </a:xfrm>
-        </p:spPr>
+            <p:ph type="title"/>
+          </p:nvPr>
+        </p:nvSpPr>
+        <p:spPr/>
         <p:txBody>
           <a:bodyPr>
             <a:normAutofit/>
           </a:bodyPr>
           <a:lstStyle/>
           <a:p>
-            <a:pPr marL="342900" indent="-342900" algn="l">
-              <a:buFont typeface="Arial" panose="020B0604020202020204" pitchFamily="34" charset="0"/>
-              <a:buChar char="•"/>
-            </a:pPr>
-            <a:r>
-              <a:rPr lang="en-US" sz="2400" b="1" i="1" dirty="0"/>
-              <a:t>Don’t Check In on a Broken </a:t>
-            </a:r>
-            <a:r>
-              <a:rPr lang="en-US" sz="2400" b="1" i="1" dirty="0" smtClean="0"/>
-              <a:t>Build</a:t>
-            </a:r>
-          </a:p>
-          <a:p>
-            <a:pPr marL="342900" indent="-342900" algn="l">
-              <a:buFont typeface="Arial" panose="020B0604020202020204" pitchFamily="34" charset="0"/>
-              <a:buChar char="•"/>
-            </a:pPr>
-            <a:r>
-              <a:rPr lang="en-US" sz="2400" b="1" i="1" dirty="0"/>
-              <a:t>Always Be Prepared to Revert to the Previous </a:t>
-            </a:r>
-            <a:r>
-              <a:rPr lang="en-US" sz="2400" b="1" i="1" dirty="0" smtClean="0"/>
-              <a:t>Revision</a:t>
-            </a:r>
-          </a:p>
-          <a:p>
-            <a:pPr marL="342900" indent="-342900" algn="l">
-              <a:buFont typeface="Arial" panose="020B0604020202020204" pitchFamily="34" charset="0"/>
-              <a:buChar char="•"/>
-            </a:pPr>
-            <a:r>
-              <a:rPr lang="en-US" sz="2400" b="1" i="1" dirty="0"/>
-              <a:t>Don’t Comment Out Failing </a:t>
-            </a:r>
-            <a:r>
-              <a:rPr lang="en-US" sz="2400" b="1" i="1" dirty="0" smtClean="0"/>
-              <a:t>Tests</a:t>
-            </a:r>
-          </a:p>
-          <a:p>
-            <a:pPr marL="342900" indent="-342900" algn="l">
-              <a:buFont typeface="Arial" panose="020B0604020202020204" pitchFamily="34" charset="0"/>
-              <a:buChar char="•"/>
-            </a:pPr>
-            <a:r>
-              <a:rPr lang="en-US" sz="2400" b="1" i="1" dirty="0"/>
-              <a:t>Test-Driven </a:t>
-            </a:r>
-            <a:r>
-              <a:rPr lang="en-US" sz="2400" b="1" i="1" dirty="0" smtClean="0"/>
-              <a:t>Development</a:t>
-            </a:r>
-          </a:p>
-          <a:p>
-            <a:pPr marL="342900" indent="-342900" algn="l">
-              <a:buFont typeface="Arial" panose="020B0604020202020204" pitchFamily="34" charset="0"/>
-              <a:buChar char="•"/>
-            </a:pPr>
-            <a:r>
-              <a:rPr lang="en-US" sz="2400" b="1" i="1" dirty="0"/>
-              <a:t>Failing the Build for Slow Tests</a:t>
+            <a:r>
+              <a:rPr lang="en-US" sz="3600" dirty="0" smtClean="0"/>
+              <a:t>Automating Acceptance test</a:t>
+            </a:r>
+            <a:endParaRPr lang="en-US" sz="3600" dirty="0"/>
+          </a:p>
+        </p:txBody>
+      </p:sp>
+      <p:sp>
+        <p:nvSpPr>
+          <p:cNvPr id="3" name="Content Placeholder 2"/>
+          <p:cNvSpPr>
+            <a:spLocks noGrp="1"/>
+          </p:cNvSpPr>
+          <p:nvPr>
+            <p:ph idx="1"/>
+          </p:nvPr>
+        </p:nvSpPr>
+        <p:spPr/>
+        <p:txBody>
+          <a:bodyPr>
+            <a:normAutofit/>
+          </a:bodyPr>
+          <a:lstStyle/>
+          <a:p>
+            <a:r>
+              <a:rPr lang="en-US" sz="2400" b="1" dirty="0" smtClean="0"/>
+              <a:t>They make feedback loop faster</a:t>
+            </a:r>
+          </a:p>
+          <a:p>
+            <a:r>
+              <a:rPr lang="en-US" sz="2400" b="1" dirty="0" smtClean="0"/>
+              <a:t>Reduce Workload on Testers</a:t>
+            </a:r>
+          </a:p>
+          <a:p>
+            <a:r>
+              <a:rPr lang="en-US" sz="2400" b="1" dirty="0" smtClean="0"/>
+              <a:t>Free testers to concentrate on exploratory testing and high value activities</a:t>
+            </a:r>
+          </a:p>
+          <a:p>
+            <a:r>
+              <a:rPr lang="en-US" sz="2400" b="1" dirty="0" err="1" smtClean="0"/>
+              <a:t>Autogenerate</a:t>
+            </a:r>
+            <a:r>
+              <a:rPr lang="en-US" sz="2400" b="1" dirty="0" smtClean="0"/>
+              <a:t> Requirements Documentation from your tests</a:t>
             </a:r>
             <a:endParaRPr lang="en-US" sz="2400" dirty="0"/>
           </a:p>
@@ -6172,7 +6182,7 @@
     </p:spTree>
     <p:extLst>
       <p:ext uri="{BB962C8B-B14F-4D97-AF65-F5344CB8AC3E}">
-        <p14:creationId xmlns:p14="http://schemas.microsoft.com/office/powerpoint/2010/main" val="3667054992"/>
+        <p14:creationId xmlns:p14="http://schemas.microsoft.com/office/powerpoint/2010/main" val="936498719"/>
       </p:ext>
     </p:extLst>
   </p:cSld>
@@ -6218,345 +6228,7 @@
           <a:p>
             <a:r>
               <a:rPr lang="en-US" sz="3600" dirty="0" smtClean="0"/>
-              <a:t>Why Testing Strategy is necessary? </a:t>
-            </a:r>
-            <a:endParaRPr lang="en-US" sz="3600" dirty="0"/>
-          </a:p>
-        </p:txBody>
-      </p:sp>
-      <p:sp>
-        <p:nvSpPr>
-          <p:cNvPr id="3" name="Content Placeholder 2"/>
-          <p:cNvSpPr>
-            <a:spLocks noGrp="1"/>
-          </p:cNvSpPr>
-          <p:nvPr>
-            <p:ph idx="1"/>
-          </p:nvPr>
-        </p:nvSpPr>
-        <p:spPr/>
-        <p:txBody>
-          <a:bodyPr>
-            <a:normAutofit/>
-          </a:bodyPr>
-          <a:lstStyle/>
-          <a:p>
-            <a:r>
-              <a:rPr lang="en-US" sz="2400" dirty="0"/>
-              <a:t>functional aspects of the </a:t>
-            </a:r>
-            <a:r>
-              <a:rPr lang="en-US" sz="2400" dirty="0" smtClean="0"/>
-              <a:t>system</a:t>
-            </a:r>
-          </a:p>
-          <a:p>
-            <a:r>
-              <a:rPr lang="en-US" sz="2400" dirty="0" smtClean="0"/>
-              <a:t>Increase confidence</a:t>
-            </a:r>
-          </a:p>
-          <a:p>
-            <a:r>
-              <a:rPr lang="en-US" sz="2400" dirty="0"/>
-              <a:t>reduced support </a:t>
-            </a:r>
-            <a:r>
-              <a:rPr lang="en-US" sz="2400" dirty="0" smtClean="0"/>
-              <a:t>costs</a:t>
-            </a:r>
-          </a:p>
-          <a:p>
-            <a:r>
-              <a:rPr lang="en-US" sz="2400" dirty="0"/>
-              <a:t>Capacity, security,</a:t>
-            </a:r>
-          </a:p>
-          <a:p>
-            <a:r>
-              <a:rPr lang="en-US" sz="2400" dirty="0"/>
-              <a:t>and other nonfunctional requirements are established early on, and automated</a:t>
-            </a:r>
-          </a:p>
-          <a:p>
-            <a:r>
-              <a:rPr lang="en-US" sz="2400" dirty="0"/>
-              <a:t>test suites are written to enforce them.</a:t>
-            </a:r>
-            <a:endParaRPr lang="en-US" sz="2400" dirty="0"/>
-          </a:p>
-        </p:txBody>
-      </p:sp>
-    </p:spTree>
-    <p:extLst>
-      <p:ext uri="{BB962C8B-B14F-4D97-AF65-F5344CB8AC3E}">
-        <p14:creationId xmlns:p14="http://schemas.microsoft.com/office/powerpoint/2010/main" val="4172833991"/>
-      </p:ext>
-    </p:extLst>
-  </p:cSld>
-  <p:clrMapOvr>
-    <a:masterClrMapping/>
-  </p:clrMapOvr>
-</p:sld>
-</file>
-
-<file path=ppt/slides/slide22.xml><?xml version="1.0" encoding="utf-8"?>
-<p:sld xmlns:a="http://schemas.openxmlformats.org/drawingml/2006/main" xmlns:r="http://schemas.openxmlformats.org/officeDocument/2006/relationships" xmlns:p="http://schemas.openxmlformats.org/presentationml/2006/main">
-  <p:cSld>
-    <p:spTree>
-      <p:nvGrpSpPr>
-        <p:cNvPr id="1" name=""/>
-        <p:cNvGrpSpPr/>
-        <p:nvPr/>
-      </p:nvGrpSpPr>
-      <p:grpSpPr>
-        <a:xfrm>
-          <a:off x="0" y="0"/>
-          <a:ext cx="0" cy="0"/>
-          <a:chOff x="0" y="0"/>
-          <a:chExt cx="0" cy="0"/>
-        </a:xfrm>
-      </p:grpSpPr>
-      <p:sp>
-        <p:nvSpPr>
-          <p:cNvPr id="2" name="Title 1"/>
-          <p:cNvSpPr>
-            <a:spLocks noGrp="1"/>
-          </p:cNvSpPr>
-          <p:nvPr>
-            <p:ph type="title"/>
-          </p:nvPr>
-        </p:nvSpPr>
-        <p:spPr/>
-        <p:txBody>
-          <a:bodyPr>
-            <a:normAutofit/>
-          </a:bodyPr>
-          <a:lstStyle/>
-          <a:p>
-            <a:r>
-              <a:rPr lang="en-US" sz="3600" dirty="0" smtClean="0"/>
-              <a:t>Types Of Test</a:t>
-            </a:r>
-            <a:endParaRPr lang="en-US" sz="3600" dirty="0"/>
-          </a:p>
-        </p:txBody>
-      </p:sp>
-      <p:sp>
-        <p:nvSpPr>
-          <p:cNvPr id="3" name="Content Placeholder 2"/>
-          <p:cNvSpPr>
-            <a:spLocks noGrp="1"/>
-          </p:cNvSpPr>
-          <p:nvPr>
-            <p:ph idx="1"/>
-          </p:nvPr>
-        </p:nvSpPr>
-        <p:spPr/>
-        <p:txBody>
-          <a:bodyPr>
-            <a:normAutofit/>
-          </a:bodyPr>
-          <a:lstStyle/>
-          <a:p>
-            <a:r>
-              <a:rPr lang="en-US" sz="2400" b="1" i="1" dirty="0"/>
-              <a:t>Business-Facing Tests That Support the Development </a:t>
-            </a:r>
-            <a:r>
-              <a:rPr lang="en-US" sz="2400" b="1" i="1" dirty="0" smtClean="0"/>
-              <a:t>Process</a:t>
-            </a:r>
-          </a:p>
-          <a:p>
-            <a:r>
-              <a:rPr lang="en-US" sz="2400" b="1" i="1" dirty="0"/>
-              <a:t>Technology-Facing Tests That Support the Development </a:t>
-            </a:r>
-            <a:r>
-              <a:rPr lang="en-US" sz="2400" b="1" i="1" dirty="0" smtClean="0"/>
-              <a:t>Process</a:t>
-            </a:r>
-          </a:p>
-          <a:p>
-            <a:r>
-              <a:rPr lang="en-US" sz="2400" b="1" i="1" dirty="0"/>
-              <a:t>Business-Facing Tests That Critique the </a:t>
-            </a:r>
-            <a:r>
-              <a:rPr lang="en-US" sz="2400" b="1" i="1" dirty="0" smtClean="0"/>
-              <a:t>Project</a:t>
-            </a:r>
-          </a:p>
-          <a:p>
-            <a:r>
-              <a:rPr lang="en-US" sz="2400" b="1" i="1" dirty="0"/>
-              <a:t>Technology-Facing Tests That Critique the Project</a:t>
-            </a:r>
-            <a:endParaRPr lang="en-US" sz="2400" dirty="0"/>
-          </a:p>
-        </p:txBody>
-      </p:sp>
-    </p:spTree>
-    <p:extLst>
-      <p:ext uri="{BB962C8B-B14F-4D97-AF65-F5344CB8AC3E}">
-        <p14:creationId xmlns:p14="http://schemas.microsoft.com/office/powerpoint/2010/main" val="1760813730"/>
-      </p:ext>
-    </p:extLst>
-  </p:cSld>
-  <p:clrMapOvr>
-    <a:masterClrMapping/>
-  </p:clrMapOvr>
-</p:sld>
-</file>
-
-<file path=ppt/slides/slide23.xml><?xml version="1.0" encoding="utf-8"?>
-<p:sld xmlns:a="http://schemas.openxmlformats.org/drawingml/2006/main" xmlns:r="http://schemas.openxmlformats.org/officeDocument/2006/relationships" xmlns:p="http://schemas.openxmlformats.org/presentationml/2006/main">
-  <p:cSld>
-    <p:spTree>
-      <p:nvGrpSpPr>
-        <p:cNvPr id="1" name=""/>
-        <p:cNvGrpSpPr/>
-        <p:nvPr/>
-      </p:nvGrpSpPr>
-      <p:grpSpPr>
-        <a:xfrm>
-          <a:off x="0" y="0"/>
-          <a:ext cx="0" cy="0"/>
-          <a:chOff x="0" y="0"/>
-          <a:chExt cx="0" cy="0"/>
-        </a:xfrm>
-      </p:grpSpPr>
-      <p:sp>
-        <p:nvSpPr>
-          <p:cNvPr id="2" name="Title 1"/>
-          <p:cNvSpPr>
-            <a:spLocks noGrp="1"/>
-          </p:cNvSpPr>
-          <p:nvPr>
-            <p:ph type="title"/>
-          </p:nvPr>
-        </p:nvSpPr>
-        <p:spPr/>
-        <p:txBody>
-          <a:bodyPr>
-            <a:normAutofit/>
-          </a:bodyPr>
-          <a:lstStyle/>
-          <a:p>
-            <a:r>
-              <a:rPr lang="en-US" sz="3600" dirty="0" smtClean="0"/>
-              <a:t>Automating Acceptance test</a:t>
-            </a:r>
-            <a:endParaRPr lang="en-US" sz="3600" dirty="0"/>
-          </a:p>
-        </p:txBody>
-      </p:sp>
-      <p:sp>
-        <p:nvSpPr>
-          <p:cNvPr id="3" name="Content Placeholder 2"/>
-          <p:cNvSpPr>
-            <a:spLocks noGrp="1"/>
-          </p:cNvSpPr>
-          <p:nvPr>
-            <p:ph idx="1"/>
-          </p:nvPr>
-        </p:nvSpPr>
-        <p:spPr/>
-        <p:txBody>
-          <a:bodyPr>
-            <a:normAutofit/>
-          </a:bodyPr>
-          <a:lstStyle/>
-          <a:p>
-            <a:r>
-              <a:rPr lang="en-US" sz="2400" b="1" dirty="0" smtClean="0"/>
-              <a:t>They make feedback loop faster</a:t>
-            </a:r>
-          </a:p>
-          <a:p>
-            <a:r>
-              <a:rPr lang="en-US" sz="2400" b="1" dirty="0" smtClean="0"/>
-              <a:t>Reduce Workload on Testers</a:t>
-            </a:r>
-          </a:p>
-          <a:p>
-            <a:r>
-              <a:rPr lang="en-US" sz="2400" b="1" dirty="0" smtClean="0"/>
-              <a:t>Free testers to concentrate on exploratory testing and high value activities</a:t>
-            </a:r>
-          </a:p>
-          <a:p>
-            <a:r>
-              <a:rPr lang="en-US" sz="2400" b="1" dirty="0" err="1" smtClean="0"/>
-              <a:t>Autogenerate</a:t>
-            </a:r>
-            <a:r>
-              <a:rPr lang="en-US" sz="2400" b="1" dirty="0" smtClean="0"/>
-              <a:t> Requirements Documentation from your tests</a:t>
-            </a:r>
-            <a:endParaRPr lang="en-US" sz="2400" dirty="0"/>
-          </a:p>
-        </p:txBody>
-      </p:sp>
-    </p:spTree>
-    <p:extLst>
-      <p:ext uri="{BB962C8B-B14F-4D97-AF65-F5344CB8AC3E}">
-        <p14:creationId xmlns:p14="http://schemas.microsoft.com/office/powerpoint/2010/main" val="936498719"/>
-      </p:ext>
-    </p:extLst>
-  </p:cSld>
-  <p:clrMapOvr>
-    <a:masterClrMapping/>
-  </p:clrMapOvr>
-</p:sld>
-</file>
-
-<file path=ppt/slides/slide24.xml><?xml version="1.0" encoding="utf-8"?>
-<p:sld xmlns:a="http://schemas.openxmlformats.org/drawingml/2006/main" xmlns:r="http://schemas.openxmlformats.org/officeDocument/2006/relationships" xmlns:p="http://schemas.openxmlformats.org/presentationml/2006/main">
-  <p:cSld>
-    <p:spTree>
-      <p:nvGrpSpPr>
-        <p:cNvPr id="1" name=""/>
-        <p:cNvGrpSpPr/>
-        <p:nvPr/>
-      </p:nvGrpSpPr>
-      <p:grpSpPr>
-        <a:xfrm>
-          <a:off x="0" y="0"/>
-          <a:ext cx="0" cy="0"/>
-          <a:chOff x="0" y="0"/>
-          <a:chExt cx="0" cy="0"/>
-        </a:xfrm>
-      </p:grpSpPr>
-      <p:sp>
-        <p:nvSpPr>
-          <p:cNvPr id="2" name="Title 1"/>
-          <p:cNvSpPr>
-            <a:spLocks noGrp="1"/>
-          </p:cNvSpPr>
-          <p:nvPr>
-            <p:ph type="title"/>
-          </p:nvPr>
-        </p:nvSpPr>
-        <p:spPr/>
-        <p:txBody>
-          <a:bodyPr>
-            <a:normAutofit/>
-          </a:bodyPr>
-          <a:lstStyle/>
-          <a:p>
-            <a:r>
-              <a:rPr lang="en-US" sz="3600" dirty="0" smtClean="0"/>
-              <a:t>What is </a:t>
-            </a:r>
-            <a:r>
-              <a:rPr lang="en-US" sz="3600" dirty="0" err="1" smtClean="0"/>
-              <a:t>Deployement</a:t>
-            </a:r>
-            <a:r>
-              <a:rPr lang="en-US" sz="3600" dirty="0" smtClean="0"/>
-              <a:t> Pipeline</a:t>
+              <a:t>What is Deployment Pipeline</a:t>
             </a:r>
             <a:endParaRPr lang="en-US" sz="3600" dirty="0"/>
           </a:p>
@@ -6657,7 +6329,7 @@
 </p:sld>
 </file>
 
-<file path=ppt/slides/slide25.xml><?xml version="1.0" encoding="utf-8"?>
+<file path=ppt/slides/slide22.xml><?xml version="1.0" encoding="utf-8"?>
 <p:sld xmlns:a="http://schemas.openxmlformats.org/drawingml/2006/main" xmlns:r="http://schemas.openxmlformats.org/officeDocument/2006/relationships" xmlns:p="http://schemas.openxmlformats.org/presentationml/2006/main">
   <p:cSld>
     <p:spTree>
@@ -6762,6 +6434,370 @@
 </p:sld>
 </file>
 
+<file path=ppt/slides/slide23.xml><?xml version="1.0" encoding="utf-8"?>
+<p:sld xmlns:a="http://schemas.openxmlformats.org/drawingml/2006/main" xmlns:r="http://schemas.openxmlformats.org/officeDocument/2006/relationships" xmlns:p="http://schemas.openxmlformats.org/presentationml/2006/main">
+  <p:cSld>
+    <p:spTree>
+      <p:nvGrpSpPr>
+        <p:cNvPr id="1" name=""/>
+        <p:cNvGrpSpPr/>
+        <p:nvPr/>
+      </p:nvGrpSpPr>
+      <p:grpSpPr>
+        <a:xfrm>
+          <a:off x="0" y="0"/>
+          <a:ext cx="0" cy="0"/>
+          <a:chOff x="0" y="0"/>
+          <a:chExt cx="0" cy="0"/>
+        </a:xfrm>
+      </p:grpSpPr>
+      <p:sp>
+        <p:nvSpPr>
+          <p:cNvPr id="2" name="Title 1"/>
+          <p:cNvSpPr>
+            <a:spLocks noGrp="1"/>
+          </p:cNvSpPr>
+          <p:nvPr>
+            <p:ph type="title"/>
+          </p:nvPr>
+        </p:nvSpPr>
+        <p:spPr/>
+        <p:txBody>
+          <a:bodyPr>
+            <a:normAutofit/>
+          </a:bodyPr>
+          <a:lstStyle/>
+          <a:p>
+            <a:r>
+              <a:rPr lang="en-US" sz="3600" dirty="0" smtClean="0"/>
+              <a:t>Deployment Pipeline Practices</a:t>
+            </a:r>
+            <a:endParaRPr lang="en-US" sz="3600" dirty="0"/>
+          </a:p>
+        </p:txBody>
+      </p:sp>
+      <p:sp>
+        <p:nvSpPr>
+          <p:cNvPr id="3" name="Content Placeholder 2"/>
+          <p:cNvSpPr>
+            <a:spLocks noGrp="1"/>
+          </p:cNvSpPr>
+          <p:nvPr>
+            <p:ph idx="1"/>
+          </p:nvPr>
+        </p:nvSpPr>
+        <p:spPr/>
+        <p:txBody>
+          <a:bodyPr>
+            <a:normAutofit/>
+          </a:bodyPr>
+          <a:lstStyle/>
+          <a:p>
+            <a:r>
+              <a:rPr lang="en-US" sz="2400" b="1" i="1" dirty="0"/>
+              <a:t>Only Build Your Binaries </a:t>
+            </a:r>
+            <a:r>
+              <a:rPr lang="en-US" sz="2400" b="1" i="1" dirty="0" smtClean="0"/>
+              <a:t>Once</a:t>
+            </a:r>
+          </a:p>
+          <a:p>
+            <a:r>
+              <a:rPr lang="en-US" sz="2400" b="1" i="1" dirty="0"/>
+              <a:t>Deploy the Same Way to Every </a:t>
+            </a:r>
+            <a:r>
+              <a:rPr lang="en-US" sz="2400" b="1" i="1" dirty="0" smtClean="0"/>
+              <a:t>Environment</a:t>
+            </a:r>
+          </a:p>
+          <a:p>
+            <a:r>
+              <a:rPr lang="en-US" sz="2400" b="1" i="1" dirty="0"/>
+              <a:t>Smoke-Test Your </a:t>
+            </a:r>
+            <a:r>
+              <a:rPr lang="en-US" sz="2400" b="1" i="1" dirty="0" smtClean="0"/>
+              <a:t>Deployments</a:t>
+            </a:r>
+          </a:p>
+          <a:p>
+            <a:r>
+              <a:rPr lang="en-US" sz="2400" b="1" i="1" dirty="0"/>
+              <a:t>Deploy into a Copy of </a:t>
+            </a:r>
+            <a:r>
+              <a:rPr lang="en-US" sz="2400" b="1" i="1" dirty="0" smtClean="0"/>
+              <a:t>Production</a:t>
+            </a:r>
+          </a:p>
+          <a:p>
+            <a:r>
+              <a:rPr lang="en-US" sz="2400" b="1" i="1" dirty="0"/>
+              <a:t>Each Change Should Propagate through the Pipeline </a:t>
+            </a:r>
+            <a:r>
+              <a:rPr lang="en-US" sz="2400" b="1" i="1" dirty="0" smtClean="0"/>
+              <a:t>Instantly</a:t>
+            </a:r>
+          </a:p>
+          <a:p>
+            <a:r>
+              <a:rPr lang="en-US" sz="2400" b="1" i="1" dirty="0"/>
+              <a:t>If Any Part of the Pipeline Fails, Stop the Line</a:t>
+            </a:r>
+            <a:endParaRPr lang="en-US" sz="2400" dirty="0"/>
+          </a:p>
+        </p:txBody>
+      </p:sp>
+    </p:spTree>
+    <p:extLst>
+      <p:ext uri="{BB962C8B-B14F-4D97-AF65-F5344CB8AC3E}">
+        <p14:creationId xmlns:p14="http://schemas.microsoft.com/office/powerpoint/2010/main" val="745934161"/>
+      </p:ext>
+    </p:extLst>
+  </p:cSld>
+  <p:clrMapOvr>
+    <a:masterClrMapping/>
+  </p:clrMapOvr>
+</p:sld>
+</file>
+
+<file path=ppt/slides/slide24.xml><?xml version="1.0" encoding="utf-8"?>
+<p:sld xmlns:a="http://schemas.openxmlformats.org/drawingml/2006/main" xmlns:r="http://schemas.openxmlformats.org/officeDocument/2006/relationships" xmlns:p="http://schemas.openxmlformats.org/presentationml/2006/main">
+  <p:cSld>
+    <p:spTree>
+      <p:nvGrpSpPr>
+        <p:cNvPr id="1" name=""/>
+        <p:cNvGrpSpPr/>
+        <p:nvPr/>
+      </p:nvGrpSpPr>
+      <p:grpSpPr>
+        <a:xfrm>
+          <a:off x="0" y="0"/>
+          <a:ext cx="0" cy="0"/>
+          <a:chOff x="0" y="0"/>
+          <a:chExt cx="0" cy="0"/>
+        </a:xfrm>
+      </p:grpSpPr>
+      <p:sp>
+        <p:nvSpPr>
+          <p:cNvPr id="2" name="Title 1"/>
+          <p:cNvSpPr>
+            <a:spLocks noGrp="1"/>
+          </p:cNvSpPr>
+          <p:nvPr>
+            <p:ph type="title"/>
+          </p:nvPr>
+        </p:nvSpPr>
+        <p:spPr/>
+        <p:txBody>
+          <a:bodyPr>
+            <a:normAutofit/>
+          </a:bodyPr>
+          <a:lstStyle/>
+          <a:p>
+            <a:r>
+              <a:rPr lang="en-US" sz="3600" dirty="0" smtClean="0"/>
+              <a:t>Commit Stage</a:t>
+            </a:r>
+            <a:endParaRPr lang="en-US" sz="3600" dirty="0"/>
+          </a:p>
+        </p:txBody>
+      </p:sp>
+      <p:sp>
+        <p:nvSpPr>
+          <p:cNvPr id="3" name="Content Placeholder 2"/>
+          <p:cNvSpPr>
+            <a:spLocks noGrp="1"/>
+          </p:cNvSpPr>
+          <p:nvPr>
+            <p:ph idx="1"/>
+          </p:nvPr>
+        </p:nvSpPr>
+        <p:spPr/>
+        <p:txBody>
+          <a:bodyPr>
+            <a:normAutofit/>
+          </a:bodyPr>
+          <a:lstStyle/>
+          <a:p>
+            <a:r>
+              <a:rPr lang="en-US" sz="2400" dirty="0"/>
+              <a:t>Compile the code (if necessary</a:t>
+            </a:r>
+            <a:r>
+              <a:rPr lang="en-US" sz="2400" dirty="0" smtClean="0"/>
+              <a:t>).</a:t>
+            </a:r>
+          </a:p>
+          <a:p>
+            <a:r>
+              <a:rPr lang="en-US" sz="2400" dirty="0"/>
+              <a:t>Run a set of commit </a:t>
+            </a:r>
+            <a:r>
+              <a:rPr lang="en-US" sz="2400" dirty="0" smtClean="0"/>
+              <a:t>tests</a:t>
+            </a:r>
+          </a:p>
+          <a:p>
+            <a:r>
+              <a:rPr lang="en-US" sz="2400" dirty="0"/>
+              <a:t>Create binaries for use by later stages</a:t>
+            </a:r>
+            <a:r>
+              <a:rPr lang="en-US" sz="2400" dirty="0" smtClean="0"/>
+              <a:t>.</a:t>
+            </a:r>
+          </a:p>
+          <a:p>
+            <a:r>
+              <a:rPr lang="en-US" sz="2400" dirty="0"/>
+              <a:t>Perform analysis of the code to check its health</a:t>
+            </a:r>
+            <a:r>
+              <a:rPr lang="en-US" sz="2400" dirty="0" smtClean="0"/>
+              <a:t>.</a:t>
+            </a:r>
+          </a:p>
+          <a:p>
+            <a:r>
+              <a:rPr lang="en-US" sz="2400" dirty="0"/>
+              <a:t>Prepare artifacts, such as test databases, for use by later stages.</a:t>
+            </a:r>
+          </a:p>
+        </p:txBody>
+      </p:sp>
+    </p:spTree>
+    <p:extLst>
+      <p:ext uri="{BB962C8B-B14F-4D97-AF65-F5344CB8AC3E}">
+        <p14:creationId xmlns:p14="http://schemas.microsoft.com/office/powerpoint/2010/main" val="3031449059"/>
+      </p:ext>
+    </p:extLst>
+  </p:cSld>
+  <p:clrMapOvr>
+    <a:masterClrMapping/>
+  </p:clrMapOvr>
+</p:sld>
+</file>
+
+<file path=ppt/slides/slide25.xml><?xml version="1.0" encoding="utf-8"?>
+<p:sld xmlns:a="http://schemas.openxmlformats.org/drawingml/2006/main" xmlns:r="http://schemas.openxmlformats.org/officeDocument/2006/relationships" xmlns:p="http://schemas.openxmlformats.org/presentationml/2006/main">
+  <p:cSld>
+    <p:spTree>
+      <p:nvGrpSpPr>
+        <p:cNvPr id="1" name=""/>
+        <p:cNvGrpSpPr/>
+        <p:nvPr/>
+      </p:nvGrpSpPr>
+      <p:grpSpPr>
+        <a:xfrm>
+          <a:off x="0" y="0"/>
+          <a:ext cx="0" cy="0"/>
+          <a:chOff x="0" y="0"/>
+          <a:chExt cx="0" cy="0"/>
+        </a:xfrm>
+      </p:grpSpPr>
+      <p:sp>
+        <p:nvSpPr>
+          <p:cNvPr id="2" name="Title 1"/>
+          <p:cNvSpPr>
+            <a:spLocks noGrp="1"/>
+          </p:cNvSpPr>
+          <p:nvPr>
+            <p:ph type="title"/>
+          </p:nvPr>
+        </p:nvSpPr>
+        <p:spPr/>
+        <p:txBody>
+          <a:bodyPr>
+            <a:normAutofit/>
+          </a:bodyPr>
+          <a:lstStyle/>
+          <a:p>
+            <a:r>
+              <a:rPr lang="en-US" sz="3600" dirty="0" smtClean="0"/>
+              <a:t>Automated Acceptance Test Gate</a:t>
+            </a:r>
+            <a:endParaRPr lang="en-US" sz="3600" dirty="0"/>
+          </a:p>
+        </p:txBody>
+      </p:sp>
+      <p:sp>
+        <p:nvSpPr>
+          <p:cNvPr id="3" name="Content Placeholder 2"/>
+          <p:cNvSpPr>
+            <a:spLocks noGrp="1"/>
+          </p:cNvSpPr>
+          <p:nvPr>
+            <p:ph idx="1"/>
+          </p:nvPr>
+        </p:nvSpPr>
+        <p:spPr/>
+        <p:txBody>
+          <a:bodyPr>
+            <a:normAutofit/>
+          </a:bodyPr>
+          <a:lstStyle/>
+          <a:p>
+            <a:r>
+              <a:rPr lang="en-US" sz="2400" dirty="0"/>
+              <a:t>system delivers </a:t>
+            </a:r>
+            <a:r>
+              <a:rPr lang="en-US" sz="2400" dirty="0" smtClean="0"/>
+              <a:t>the value </a:t>
+            </a:r>
+            <a:r>
+              <a:rPr lang="en-US" sz="2400" dirty="0"/>
+              <a:t>the customer is </a:t>
+            </a:r>
+            <a:r>
+              <a:rPr lang="en-US" sz="2400" dirty="0" smtClean="0"/>
+              <a:t>expecting</a:t>
+            </a:r>
+          </a:p>
+          <a:p>
+            <a:r>
+              <a:rPr lang="en-US" sz="2400" dirty="0"/>
+              <a:t>verifying that no </a:t>
+            </a:r>
+            <a:r>
+              <a:rPr lang="en-US" sz="2400" dirty="0" smtClean="0"/>
+              <a:t>bugs are </a:t>
+            </a:r>
+            <a:r>
+              <a:rPr lang="en-US" sz="2400" dirty="0"/>
+              <a:t>introduced into existing behavior by new </a:t>
+            </a:r>
+            <a:r>
+              <a:rPr lang="en-US" sz="2400" dirty="0" smtClean="0"/>
+              <a:t>changes</a:t>
+            </a:r>
+          </a:p>
+          <a:p>
+            <a:pPr marL="0" indent="0">
+              <a:buNone/>
+            </a:pPr>
+            <a:endParaRPr lang="en-US" sz="2400" dirty="0"/>
+          </a:p>
+        </p:txBody>
+      </p:sp>
+    </p:spTree>
+    <p:extLst>
+      <p:ext uri="{BB962C8B-B14F-4D97-AF65-F5344CB8AC3E}">
+        <p14:creationId xmlns:p14="http://schemas.microsoft.com/office/powerpoint/2010/main" val="368524981"/>
+      </p:ext>
+    </p:extLst>
+  </p:cSld>
+  <p:clrMapOvr>
+    <a:masterClrMapping/>
+  </p:clrMapOvr>
+</p:sld>
+</file>
+
 <file path=ppt/slides/slide26.xml><?xml version="1.0" encoding="utf-8"?>
 <p:sld xmlns:a="http://schemas.openxmlformats.org/drawingml/2006/main" xmlns:r="http://schemas.openxmlformats.org/officeDocument/2006/relationships" xmlns:p="http://schemas.openxmlformats.org/presentationml/2006/main">
   <p:cSld>
@@ -6798,7 +6834,7 @@
           <a:p>
             <a:r>
               <a:rPr lang="en-US" sz="3600" dirty="0" smtClean="0"/>
-              <a:t>Deployment Pipeline Practices</a:t>
+              <a:t>Preparing To Release</a:t>
             </a:r>
             <a:endParaRPr lang="en-US" sz="3600" dirty="0"/>
           </a:p>
@@ -6822,67 +6858,76 @@
           <a:lstStyle/>
           <a:p>
             <a:r>
-              <a:rPr lang="en-US" sz="2400" b="1" i="1" dirty="0"/>
-              <a:t>Only Build Your Binaries </a:t>
-            </a:r>
-            <a:r>
-              <a:rPr lang="en-US" sz="2400" b="1" i="1" dirty="0" smtClean="0"/>
-              <a:t>Once</a:t>
-            </a:r>
-          </a:p>
-          <a:p>
-            <a:r>
-              <a:rPr lang="en-US" sz="2400" b="1" i="1" dirty="0"/>
-              <a:t>Deploy the Same Way to Every </a:t>
-            </a:r>
-            <a:r>
-              <a:rPr lang="en-US" sz="2400" b="1" i="1" dirty="0" smtClean="0"/>
-              <a:t>Environment</a:t>
-            </a:r>
-          </a:p>
-          <a:p>
-            <a:r>
-              <a:rPr lang="en-US" sz="2400" b="1" i="1" dirty="0"/>
-              <a:t>Smoke-Test Your </a:t>
-            </a:r>
-            <a:r>
-              <a:rPr lang="en-US" sz="2400" b="1" i="1" dirty="0" smtClean="0"/>
-              <a:t>Deployments</a:t>
-            </a:r>
-          </a:p>
-          <a:p>
-            <a:r>
-              <a:rPr lang="en-US" sz="2400" b="1" i="1" dirty="0"/>
-              <a:t>Deploy into a Copy of </a:t>
-            </a:r>
-            <a:r>
-              <a:rPr lang="en-US" sz="2400" b="1" i="1" dirty="0" smtClean="0"/>
-              <a:t>Production</a:t>
-            </a:r>
-          </a:p>
-          <a:p>
-            <a:r>
-              <a:rPr lang="en-US" sz="2400" b="1" i="1" dirty="0"/>
-              <a:t>Each Change Should Propagate through the Pipeline </a:t>
-            </a:r>
-            <a:r>
-              <a:rPr lang="en-US" sz="2400" b="1" i="1" dirty="0" smtClean="0"/>
-              <a:t>Instantly</a:t>
-            </a:r>
-          </a:p>
-          <a:p>
-            <a:r>
-              <a:rPr lang="en-US" sz="2400" b="1" i="1" dirty="0"/>
-              <a:t>If Any Part of the Pipeline Fails, Stop the Line</a:t>
-            </a:r>
-            <a:endParaRPr lang="en-US" sz="2400" dirty="0"/>
+              <a:rPr lang="en-US" sz="2400" dirty="0"/>
+              <a:t>Have a release </a:t>
+            </a:r>
+            <a:r>
+              <a:rPr lang="en-US" sz="2400" dirty="0" smtClean="0"/>
+              <a:t>plan</a:t>
+            </a:r>
+          </a:p>
+          <a:p>
+            <a:r>
+              <a:rPr lang="en-US" sz="2400" dirty="0"/>
+              <a:t>Minimize the effect of people making mistakes by automating as much </a:t>
+            </a:r>
+            <a:r>
+              <a:rPr lang="en-US" sz="2400" dirty="0" smtClean="0"/>
+              <a:t>of the </a:t>
+            </a:r>
+            <a:r>
+              <a:rPr lang="en-US" sz="2400" dirty="0"/>
+              <a:t>process as </a:t>
+            </a:r>
+            <a:r>
+              <a:rPr lang="en-US" sz="2400" dirty="0" smtClean="0"/>
+              <a:t>possible</a:t>
+            </a:r>
+          </a:p>
+          <a:p>
+            <a:r>
+              <a:rPr lang="en-US" sz="2400" dirty="0"/>
+              <a:t>Rehearse the procedure often in production-like </a:t>
+            </a:r>
+            <a:r>
+              <a:rPr lang="en-US" sz="2400" dirty="0" smtClean="0"/>
+              <a:t>environments</a:t>
+            </a:r>
+          </a:p>
+          <a:p>
+            <a:r>
+              <a:rPr lang="en-US" sz="2400" dirty="0"/>
+              <a:t>Have the ability to back out a release if things don’t go according to </a:t>
+            </a:r>
+            <a:r>
+              <a:rPr lang="en-US" sz="2400" dirty="0" smtClean="0"/>
+              <a:t>plan</a:t>
+            </a:r>
+          </a:p>
+          <a:p>
+            <a:r>
+              <a:rPr lang="en-US" sz="2400" dirty="0"/>
+              <a:t>Have a strategy for migrating configuration and production data </a:t>
+            </a:r>
+            <a:r>
+              <a:rPr lang="en-US" sz="2400"/>
+              <a:t>as </a:t>
+            </a:r>
+            <a:r>
+              <a:rPr lang="en-US" sz="2400" smtClean="0"/>
+              <a:t>part of </a:t>
+            </a:r>
+            <a:r>
+              <a:rPr lang="en-US" sz="2400" dirty="0"/>
+              <a:t>the upgrade and rollback processes</a:t>
+            </a:r>
           </a:p>
         </p:txBody>
       </p:sp>
     </p:spTree>
     <p:extLst>
       <p:ext uri="{BB962C8B-B14F-4D97-AF65-F5344CB8AC3E}">
-        <p14:creationId xmlns:p14="http://schemas.microsoft.com/office/powerpoint/2010/main" val="745934161"/>
+        <p14:creationId xmlns:p14="http://schemas.microsoft.com/office/powerpoint/2010/main" val="626612462"/>
       </p:ext>
     </p:extLst>
   </p:cSld>
@@ -6922,13 +6967,13 @@
         <p:spPr/>
         <p:txBody>
           <a:bodyPr>
-            <a:normAutofit/>
+            <a:normAutofit fontScale="90000"/>
           </a:bodyPr>
           <a:lstStyle/>
           <a:p>
             <a:r>
               <a:rPr lang="en-US" sz="3600" dirty="0" smtClean="0"/>
-              <a:t>Commit Stage</a:t>
+              <a:t>Practices of build and Deployment Scripting</a:t>
             </a:r>
             <a:endParaRPr lang="en-US" sz="3600" dirty="0"/>
           </a:p>
@@ -6952,48 +6997,48 @@
           <a:lstStyle/>
           <a:p>
             <a:r>
-              <a:rPr lang="en-US" sz="2400" dirty="0"/>
-              <a:t>Compile the code (if necessary</a:t>
-            </a:r>
-            <a:r>
-              <a:rPr lang="en-US" sz="2400" dirty="0" smtClean="0"/>
-              <a:t>).</a:t>
-            </a:r>
-          </a:p>
-          <a:p>
-            <a:r>
-              <a:rPr lang="en-US" sz="2400" dirty="0"/>
-              <a:t>Run a set of commit </a:t>
-            </a:r>
-            <a:r>
-              <a:rPr lang="en-US" sz="2400" dirty="0" smtClean="0"/>
-              <a:t>tests</a:t>
-            </a:r>
-          </a:p>
-          <a:p>
-            <a:r>
-              <a:rPr lang="en-US" sz="2400" dirty="0"/>
-              <a:t>Create binaries for use by later stages</a:t>
-            </a:r>
-            <a:r>
-              <a:rPr lang="en-US" sz="2400" dirty="0" smtClean="0"/>
-              <a:t>.</a:t>
-            </a:r>
-          </a:p>
-          <a:p>
-            <a:r>
-              <a:rPr lang="en-US" sz="2400" dirty="0"/>
-              <a:t>Perform analysis of the code to check its health</a:t>
-            </a:r>
-            <a:r>
-              <a:rPr lang="en-US" sz="2400" dirty="0" smtClean="0"/>
-              <a:t>.</a:t>
-            </a:r>
-          </a:p>
-          <a:p>
-            <a:r>
-              <a:rPr lang="en-US" sz="2400" dirty="0"/>
-              <a:t>Prepare artifacts, such as test databases, for use by later stages.</a:t>
+              <a:rPr lang="en-US" sz="2400" b="1" i="1" dirty="0"/>
+              <a:t>Create a Script for Each Stage in Your Deployment </a:t>
+            </a:r>
+            <a:r>
+              <a:rPr lang="en-US" sz="2400" b="1" i="1" dirty="0" smtClean="0"/>
+              <a:t>Pipeline</a:t>
+            </a:r>
+          </a:p>
+          <a:p>
+            <a:r>
+              <a:rPr lang="en-US" sz="2400" b="1" i="1" dirty="0"/>
+              <a:t>Use an Appropriate Technology to Deploy Your </a:t>
+            </a:r>
+            <a:r>
+              <a:rPr lang="en-US" sz="2400" b="1" i="1" dirty="0" smtClean="0"/>
+              <a:t>Application</a:t>
+            </a:r>
+          </a:p>
+          <a:p>
+            <a:r>
+              <a:rPr lang="en-US" sz="2400" b="1" i="1" dirty="0"/>
+              <a:t>Use the Same Scripts to Deploy to Every </a:t>
+            </a:r>
+            <a:r>
+              <a:rPr lang="en-US" sz="2400" b="1" i="1" dirty="0" smtClean="0"/>
+              <a:t>Environment</a:t>
+            </a:r>
+          </a:p>
+          <a:p>
+            <a:r>
+              <a:rPr lang="en-US" sz="2400" b="1" i="1" dirty="0"/>
+              <a:t>Use Your Operating System’s Packaging </a:t>
+            </a:r>
+            <a:r>
+              <a:rPr lang="en-US" sz="2400" b="1" i="1" dirty="0" smtClean="0"/>
+              <a:t>Tools</a:t>
+            </a:r>
+          </a:p>
+          <a:p>
+            <a:r>
+              <a:rPr lang="en-US" sz="2400" b="1" i="1" dirty="0"/>
+              <a:t>Evolve Your Deployment System Incrementally</a:t>
             </a:r>
             <a:endParaRPr lang="en-US" sz="2400" dirty="0"/>
           </a:p>
@@ -7002,7 +7047,7 @@
     </p:spTree>
     <p:extLst>
       <p:ext uri="{BB962C8B-B14F-4D97-AF65-F5344CB8AC3E}">
-        <p14:creationId xmlns:p14="http://schemas.microsoft.com/office/powerpoint/2010/main" val="3031449059"/>
+        <p14:creationId xmlns:p14="http://schemas.microsoft.com/office/powerpoint/2010/main" val="3370289245"/>
       </p:ext>
     </p:extLst>
   </p:cSld>
@@ -7042,13 +7087,13 @@
         <p:spPr/>
         <p:txBody>
           <a:bodyPr>
-            <a:normAutofit/>
+            <a:normAutofit fontScale="90000"/>
           </a:bodyPr>
           <a:lstStyle/>
           <a:p>
             <a:r>
-              <a:rPr lang="en-US" sz="3600" dirty="0" smtClean="0"/>
-              <a:t>Automated Acceptance Test Gate</a:t>
+              <a:rPr lang="en-US" sz="3600" b="1" dirty="0"/>
+              <a:t>Project Structure for Applications That Target the JVM</a:t>
             </a:r>
             <a:endParaRPr lang="en-US" sz="3600" dirty="0"/>
           </a:p>
@@ -7072,44 +7117,49 @@
           <a:lstStyle/>
           <a:p>
             <a:r>
-              <a:rPr lang="en-US" sz="2400" dirty="0"/>
-              <a:t>system delivers </a:t>
-            </a:r>
-            <a:r>
-              <a:rPr lang="en-US" sz="2400" dirty="0" smtClean="0"/>
-              <a:t>the value </a:t>
-            </a:r>
-            <a:r>
-              <a:rPr lang="en-US" sz="2400" dirty="0"/>
-              <a:t>the customer is </a:t>
-            </a:r>
-            <a:r>
-              <a:rPr lang="en-US" sz="2400" dirty="0" smtClean="0"/>
-              <a:t>expecting</a:t>
-            </a:r>
-          </a:p>
-          <a:p>
-            <a:r>
-              <a:rPr lang="en-US" sz="2400" dirty="0"/>
-              <a:t>verifying that no </a:t>
-            </a:r>
-            <a:r>
-              <a:rPr lang="en-US" sz="2400" dirty="0" smtClean="0"/>
-              <a:t>bugs are </a:t>
-            </a:r>
-            <a:r>
-              <a:rPr lang="en-US" sz="2400" dirty="0"/>
-              <a:t>introduced into existing behavior by new </a:t>
-            </a:r>
-            <a:r>
-              <a:rPr lang="en-US" sz="2400" dirty="0" smtClean="0"/>
-              <a:t>changes</a:t>
-            </a:r>
-          </a:p>
-          <a:p>
-            <a:pPr marL="0" indent="0">
-              <a:buNone/>
-            </a:pPr>
+              <a:rPr lang="en-US" sz="2400" b="1" i="1" dirty="0"/>
+              <a:t>Project </a:t>
+            </a:r>
+            <a:r>
+              <a:rPr lang="en-US" sz="2400" b="1" i="1" dirty="0" smtClean="0"/>
+              <a:t>Layout</a:t>
+            </a:r>
+          </a:p>
+          <a:p>
+            <a:r>
+              <a:rPr lang="en-US" sz="2400" b="1" dirty="0"/>
+              <a:t>Managing Source </a:t>
+            </a:r>
+            <a:r>
+              <a:rPr lang="en-US" sz="2400" b="1" dirty="0" smtClean="0"/>
+              <a:t>Code</a:t>
+            </a:r>
+          </a:p>
+          <a:p>
+            <a:r>
+              <a:rPr lang="en-US" sz="2400" b="1" dirty="0"/>
+              <a:t>Managing </a:t>
+            </a:r>
+            <a:r>
+              <a:rPr lang="en-US" sz="2400" b="1" dirty="0" smtClean="0"/>
+              <a:t>Tests</a:t>
+            </a:r>
+          </a:p>
+          <a:p>
+            <a:r>
+              <a:rPr lang="en-US" sz="2400" b="1" dirty="0"/>
+              <a:t>Managing Build </a:t>
+            </a:r>
+            <a:r>
+              <a:rPr lang="en-US" sz="2400" b="1" dirty="0" smtClean="0"/>
+              <a:t>Output</a:t>
+            </a:r>
+          </a:p>
+          <a:p>
+            <a:r>
+              <a:rPr lang="en-US" sz="2400" b="1" dirty="0"/>
+              <a:t>Managing Libraries</a:t>
+            </a:r>
             <a:endParaRPr lang="en-US" sz="2400" dirty="0"/>
           </a:p>
         </p:txBody>
@@ -7117,7 +7167,7 @@
     </p:spTree>
     <p:extLst>
       <p:ext uri="{BB962C8B-B14F-4D97-AF65-F5344CB8AC3E}">
-        <p14:creationId xmlns:p14="http://schemas.microsoft.com/office/powerpoint/2010/main" val="368524981"/>
+        <p14:creationId xmlns:p14="http://schemas.microsoft.com/office/powerpoint/2010/main" val="3660512683"/>
       </p:ext>
     </p:extLst>
   </p:cSld>
@@ -7163,7 +7213,7 @@
           <a:p>
             <a:r>
               <a:rPr lang="en-US" sz="3600" dirty="0" smtClean="0"/>
-              <a:t>Preparing To Release</a:t>
+              <a:t>Deployment Scripting</a:t>
             </a:r>
             <a:endParaRPr lang="en-US" sz="3600" dirty="0"/>
           </a:p>
@@ -7187,77 +7237,116 @@
           <a:lstStyle/>
           <a:p>
             <a:r>
-              <a:rPr lang="en-US" sz="2400" dirty="0"/>
-              <a:t>Have a release </a:t>
-            </a:r>
-            <a:r>
-              <a:rPr lang="en-US" sz="2400" dirty="0" smtClean="0"/>
-              <a:t>plan</a:t>
-            </a:r>
-          </a:p>
-          <a:p>
-            <a:r>
-              <a:rPr lang="en-US" sz="2400" dirty="0"/>
-              <a:t>Minimize the effect of people making mistakes by automating as much </a:t>
-            </a:r>
-            <a:r>
-              <a:rPr lang="en-US" sz="2400" dirty="0" smtClean="0"/>
-              <a:t>of the </a:t>
-            </a:r>
-            <a:r>
-              <a:rPr lang="en-US" sz="2400" dirty="0"/>
-              <a:t>process as </a:t>
-            </a:r>
-            <a:r>
-              <a:rPr lang="en-US" sz="2400" dirty="0" smtClean="0"/>
-              <a:t>possible</a:t>
-            </a:r>
-          </a:p>
-          <a:p>
-            <a:r>
-              <a:rPr lang="en-US" sz="2400" dirty="0"/>
-              <a:t>Rehearse the procedure often in production-like </a:t>
-            </a:r>
-            <a:r>
-              <a:rPr lang="en-US" sz="2400" dirty="0" smtClean="0"/>
-              <a:t>environments</a:t>
-            </a:r>
-          </a:p>
-          <a:p>
-            <a:r>
-              <a:rPr lang="en-US" sz="2400" dirty="0"/>
-              <a:t>Have the ability to back out a release if things don’t go according to </a:t>
-            </a:r>
-            <a:r>
-              <a:rPr lang="en-US" sz="2400" dirty="0" smtClean="0"/>
-              <a:t>plan</a:t>
-            </a:r>
-          </a:p>
-          <a:p>
-            <a:r>
-              <a:rPr lang="en-US" sz="2400" dirty="0"/>
-              <a:t>Have a strategy for migrating configuration and production data </a:t>
-            </a:r>
-            <a:r>
-              <a:rPr lang="en-US" sz="2400"/>
-              <a:t>as </a:t>
-            </a:r>
-            <a:r>
-              <a:rPr lang="en-US" sz="2400" smtClean="0"/>
-              <a:t>part of </a:t>
-            </a:r>
-            <a:r>
-              <a:rPr lang="en-US" sz="2400" dirty="0"/>
-              <a:t>the upgrade and rollback processes</a:t>
-            </a:r>
+              <a:rPr lang="en-US" sz="2400" b="1" i="1" dirty="0"/>
+              <a:t>Deploying and Testing </a:t>
+            </a:r>
+            <a:r>
+              <a:rPr lang="en-US" sz="2400" b="1" i="1" dirty="0" smtClean="0"/>
+              <a:t>Layers</a:t>
+            </a:r>
+          </a:p>
+          <a:p>
+            <a:pPr marL="0" indent="0">
+              <a:buNone/>
+            </a:pPr>
+            <a:endParaRPr lang="en-US" sz="2400" dirty="0" smtClean="0"/>
+          </a:p>
+          <a:p>
+            <a:pPr marL="0" indent="0">
+              <a:buNone/>
+            </a:pPr>
             <a:endParaRPr lang="en-US" sz="2400" dirty="0"/>
           </a:p>
-        </p:txBody>
-      </p:sp>
+          <a:p>
+            <a:pPr marL="0" indent="0">
+              <a:buNone/>
+            </a:pPr>
+            <a:endParaRPr lang="en-US" sz="2400" dirty="0" smtClean="0"/>
+          </a:p>
+          <a:p>
+            <a:pPr marL="0" indent="0">
+              <a:buNone/>
+            </a:pPr>
+            <a:endParaRPr lang="en-US" sz="2400" dirty="0"/>
+          </a:p>
+          <a:p>
+            <a:pPr marL="0" indent="0">
+              <a:buNone/>
+            </a:pPr>
+            <a:endParaRPr lang="en-US" sz="2400" dirty="0" smtClean="0"/>
+          </a:p>
+          <a:p>
+            <a:pPr marL="0" indent="0">
+              <a:buNone/>
+            </a:pPr>
+            <a:endParaRPr lang="en-US" sz="2400" dirty="0"/>
+          </a:p>
+          <a:p>
+            <a:pPr marL="0" indent="0">
+              <a:buNone/>
+            </a:pPr>
+            <a:endParaRPr lang="en-US" sz="2400" dirty="0"/>
+          </a:p>
+        </p:txBody>
+      </p:sp>
+      <p:pic>
+        <p:nvPicPr>
+          <p:cNvPr id="1026" name="Picture 2"/>
+          <p:cNvPicPr>
+            <a:picLocks noChangeAspect="1" noChangeArrowheads="1"/>
+          </p:cNvPicPr>
+          <p:nvPr/>
+        </p:nvPicPr>
+        <p:blipFill>
+          <a:blip r:embed="rId2">
+            <a:extLst>
+              <a:ext uri="{28A0092B-C50C-407E-A947-70E740481C1C}">
+                <a14:useLocalDpi xmlns:a14="http://schemas.microsoft.com/office/drawing/2010/main" val="0"/>
+              </a:ext>
+            </a:extLst>
+          </a:blip>
+          <a:srcRect/>
+          <a:stretch>
+            <a:fillRect/>
+          </a:stretch>
+        </p:blipFill>
+        <p:spPr bwMode="auto">
+          <a:xfrm>
+            <a:off x="2338388" y="2419350"/>
+            <a:ext cx="4467225" cy="2019300"/>
+          </a:xfrm>
+          <a:prstGeom prst="rect">
+            <a:avLst/>
+          </a:prstGeom>
+          <a:noFill/>
+          <a:ln>
+            <a:noFill/>
+          </a:ln>
+          <a:extLst>
+            <a:ext uri="{909E8E84-426E-40DD-AFC4-6F175D3DCCD1}">
+              <a14:hiddenFill xmlns:a14="http://schemas.microsoft.com/office/drawing/2010/main">
+                <a:solidFill>
+                  <a:schemeClr val="accent1"/>
+                </a:solidFill>
+              </a14:hiddenFill>
+            </a:ext>
+            <a:ext uri="{91240B29-F687-4F45-9708-019B960494DF}">
+              <a14:hiddenLine xmlns:a14="http://schemas.microsoft.com/office/drawing/2010/main" w="9525">
+                <a:solidFill>
+                  <a:schemeClr val="tx1"/>
+                </a:solidFill>
+                <a:miter lim="800000"/>
+                <a:headEnd/>
+                <a:tailEnd/>
+              </a14:hiddenLine>
+            </a:ext>
+          </a:extLst>
+        </p:spPr>
+      </p:pic>
     </p:spTree>
     <p:extLst>
       <p:ext uri="{BB962C8B-B14F-4D97-AF65-F5344CB8AC3E}">
-        <p14:creationId xmlns:p14="http://schemas.microsoft.com/office/powerpoint/2010/main" val="626612462"/>
+        <p14:creationId xmlns:p14="http://schemas.microsoft.com/office/powerpoint/2010/main" val="3279424213"/>
       </p:ext>
     </p:extLst>
   </p:cSld>
@@ -7296,8 +7385,8 @@
         </p:nvSpPr>
         <p:spPr>
           <a:xfrm>
-            <a:off x="685800" y="381001"/>
-            <a:ext cx="7772400" cy="990599"/>
+            <a:off x="685800" y="304801"/>
+            <a:ext cx="7772400" cy="1371599"/>
           </a:xfrm>
         </p:spPr>
         <p:txBody>
@@ -7308,7 +7397,7 @@
           <a:p>
             <a:r>
               <a:rPr lang="en-US" sz="3200" dirty="0" smtClean="0"/>
-              <a:t>Instead</a:t>
+              <a:t>Problems in deploying software manually</a:t>
             </a:r>
             <a:endParaRPr lang="en-US" sz="3200" dirty="0"/>
           </a:p>
@@ -7326,8 +7415,8 @@
         </p:nvSpPr>
         <p:spPr>
           <a:xfrm>
-            <a:off x="533400" y="1524000"/>
-            <a:ext cx="8153400" cy="4724400"/>
+            <a:off x="914400" y="1752600"/>
+            <a:ext cx="7391400" cy="3886200"/>
           </a:xfrm>
         </p:spPr>
         <p:txBody>
@@ -7336,91 +7425,394 @@
           </a:bodyPr>
           <a:lstStyle/>
           <a:p>
-            <a:pPr marL="1231900" indent="-342900" algn="l">
+            <a:pPr marL="342900" indent="-342900" algn="l">
               <a:buFont typeface="Arial" pitchFamily="34" charset="0"/>
               <a:buChar char="•"/>
             </a:pPr>
             <a:r>
-              <a:rPr lang="en-US" sz="2400" dirty="0" smtClean="0"/>
-              <a:t>Integrate testing , </a:t>
-            </a:r>
-            <a:r>
-              <a:rPr lang="en-US" sz="2400" dirty="0" err="1" smtClean="0"/>
-              <a:t>deployement</a:t>
-            </a:r>
-            <a:r>
-              <a:rPr lang="en-US" sz="2400" dirty="0" smtClean="0"/>
-              <a:t> and release activity into </a:t>
-            </a:r>
-            <a:r>
-              <a:rPr lang="en-US" sz="2400" dirty="0" err="1" smtClean="0"/>
-              <a:t>devlopment</a:t>
-            </a:r>
-            <a:r>
-              <a:rPr lang="en-US" sz="2400" dirty="0" smtClean="0"/>
-              <a:t>.</a:t>
-            </a:r>
-          </a:p>
-          <a:p>
-            <a:pPr marL="1231900" indent="-342900" algn="l">
+              <a:rPr lang="en-US" sz="2000" dirty="0" smtClean="0">
+                <a:solidFill>
+                  <a:schemeClr val="tx1"/>
+                </a:solidFill>
+              </a:rPr>
+              <a:t>Error will occur every time</a:t>
+            </a:r>
+          </a:p>
+          <a:p>
+            <a:pPr marL="342900" indent="-342900" algn="l">
               <a:buFont typeface="Arial" pitchFamily="34" charset="0"/>
               <a:buChar char="•"/>
             </a:pPr>
             <a:r>
-              <a:rPr lang="en-US" sz="2400" dirty="0" smtClean="0"/>
-              <a:t>Automate </a:t>
-            </a:r>
-            <a:r>
-              <a:rPr lang="en-US" sz="2400" dirty="0"/>
-              <a:t>deployments as much as possible</a:t>
-            </a:r>
-          </a:p>
-          <a:p>
-            <a:pPr marL="889000"/>
-            <a:r>
-              <a:rPr lang="en-US" sz="2400" dirty="0"/>
-              <a:t>Scripts equal </a:t>
-            </a:r>
-            <a:r>
-              <a:rPr lang="en-US" sz="2400" i="1" dirty="0"/>
-              <a:t>up-to-date</a:t>
-            </a:r>
-            <a:r>
-              <a:rPr lang="en-US" sz="2400" dirty="0"/>
-              <a:t> documentation, encourage cooperation and sharing</a:t>
-            </a:r>
-          </a:p>
-          <a:p>
-            <a:pPr marL="889000"/>
-            <a:r>
-              <a:rPr lang="en-US" sz="2400" dirty="0"/>
-              <a:t>Encapsulate expertise and are version-controlled like any other source code</a:t>
-            </a:r>
-          </a:p>
-          <a:p>
-            <a:pPr marL="889000"/>
-            <a:r>
-              <a:rPr lang="en-US" sz="2400" dirty="0"/>
-              <a:t>Automation makes processes repeatable, testable, less boring and </a:t>
-            </a:r>
-            <a:r>
-              <a:rPr lang="en-US" sz="2400" i="1" dirty="0"/>
-              <a:t>fast</a:t>
-            </a:r>
-            <a:r>
-              <a:rPr lang="en-US" sz="2400" dirty="0"/>
-              <a:t>.</a:t>
-            </a:r>
-          </a:p>
-          <a:p>
-            <a:endParaRPr lang="en-US" sz="2400" dirty="0"/>
+              <a:rPr lang="en-US" sz="2000" dirty="0" smtClean="0">
+                <a:solidFill>
+                  <a:schemeClr val="tx1"/>
+                </a:solidFill>
+              </a:rPr>
+              <a:t>Not </a:t>
+            </a:r>
+            <a:r>
+              <a:rPr lang="en-US" sz="2000" dirty="0" smtClean="0">
+                <a:solidFill>
+                  <a:schemeClr val="tx1"/>
+                </a:solidFill>
+              </a:rPr>
+              <a:t>repeatable </a:t>
+            </a:r>
+            <a:r>
+              <a:rPr lang="en-US" sz="2000" dirty="0" smtClean="0">
+                <a:solidFill>
+                  <a:schemeClr val="tx1"/>
+                </a:solidFill>
+              </a:rPr>
+              <a:t>or reliable</a:t>
+            </a:r>
+          </a:p>
+          <a:p>
+            <a:pPr marL="342900" indent="-342900" algn="l">
+              <a:buFont typeface="Arial" pitchFamily="34" charset="0"/>
+              <a:buChar char="•"/>
+            </a:pPr>
+            <a:r>
+              <a:rPr lang="en-US" sz="2000" dirty="0" smtClean="0">
+                <a:solidFill>
+                  <a:schemeClr val="tx1"/>
+                </a:solidFill>
+              </a:rPr>
+              <a:t>Time consuming and expensive</a:t>
+            </a:r>
+          </a:p>
+          <a:p>
+            <a:pPr marL="342900" indent="-342900" algn="l">
+              <a:buFont typeface="Arial" pitchFamily="34" charset="0"/>
+              <a:buChar char="•"/>
+            </a:pPr>
+            <a:r>
+              <a:rPr lang="en-US" sz="2000" dirty="0" smtClean="0">
+                <a:solidFill>
+                  <a:schemeClr val="tx1"/>
+                </a:solidFill>
+              </a:rPr>
+              <a:t>Needs </a:t>
+            </a:r>
+            <a:r>
+              <a:rPr lang="en-US" sz="2000" dirty="0">
+                <a:solidFill>
+                  <a:schemeClr val="tx1"/>
+                </a:solidFill>
+              </a:rPr>
+              <a:t>lots of documentation with </a:t>
+            </a:r>
+            <a:r>
+              <a:rPr lang="en-US" sz="2000" dirty="0" smtClean="0">
+                <a:solidFill>
+                  <a:schemeClr val="tx1"/>
+                </a:solidFill>
+              </a:rPr>
+              <a:t>steps</a:t>
+            </a:r>
+          </a:p>
+          <a:p>
+            <a:pPr marL="342900" indent="-342900" algn="l">
+              <a:buFont typeface="Arial" pitchFamily="34" charset="0"/>
+              <a:buChar char="•"/>
+            </a:pPr>
+            <a:r>
+              <a:rPr lang="en-US" sz="2000" dirty="0" smtClean="0">
+                <a:solidFill>
+                  <a:schemeClr val="tx1"/>
+                </a:solidFill>
+              </a:rPr>
+              <a:t>That </a:t>
+            </a:r>
+            <a:r>
+              <a:rPr lang="en-US" sz="2000" dirty="0">
+                <a:solidFill>
+                  <a:schemeClr val="tx1"/>
+                </a:solidFill>
+              </a:rPr>
+              <a:t>are misinterpreted, and untested in a production-like </a:t>
+            </a:r>
+            <a:r>
+              <a:rPr lang="en-US" sz="2000" dirty="0" smtClean="0">
+                <a:solidFill>
+                  <a:schemeClr val="tx1"/>
+                </a:solidFill>
+              </a:rPr>
+              <a:t>environment</a:t>
+            </a:r>
+          </a:p>
+          <a:p>
+            <a:pPr marL="342900" indent="-342900" algn="l">
+              <a:buFont typeface="Arial" pitchFamily="34" charset="0"/>
+              <a:buChar char="•"/>
+            </a:pPr>
+            <a:r>
+              <a:rPr lang="en-US" sz="2000" dirty="0" smtClean="0">
+                <a:solidFill>
+                  <a:schemeClr val="tx1"/>
+                </a:solidFill>
+              </a:rPr>
+              <a:t>Many </a:t>
+            </a:r>
+            <a:r>
+              <a:rPr lang="en-US" sz="2000" dirty="0">
+                <a:solidFill>
+                  <a:schemeClr val="tx1"/>
+                </a:solidFill>
+              </a:rPr>
+              <a:t>corrections during a </a:t>
+            </a:r>
+            <a:r>
+              <a:rPr lang="en-US" sz="2000" dirty="0" smtClean="0">
+                <a:solidFill>
+                  <a:schemeClr val="tx1"/>
+                </a:solidFill>
+              </a:rPr>
+              <a:t>release</a:t>
+            </a:r>
+          </a:p>
+          <a:p>
+            <a:pPr marL="342900" indent="-342900" algn="l">
+              <a:buFont typeface="Arial" pitchFamily="34" charset="0"/>
+              <a:buChar char="•"/>
+            </a:pPr>
+            <a:r>
+              <a:rPr lang="en-US" sz="2000" dirty="0" smtClean="0">
+                <a:solidFill>
+                  <a:schemeClr val="tx1"/>
+                </a:solidFill>
+              </a:rPr>
+              <a:t>Manual </a:t>
+            </a:r>
+            <a:r>
+              <a:rPr lang="en-US" sz="2000" dirty="0">
+                <a:solidFill>
+                  <a:schemeClr val="tx1"/>
+                </a:solidFill>
+              </a:rPr>
+              <a:t>testing to confirm </a:t>
+            </a:r>
+            <a:r>
+              <a:rPr lang="en-US" sz="2000" dirty="0" smtClean="0">
+                <a:solidFill>
+                  <a:schemeClr val="tx1"/>
+                </a:solidFill>
+              </a:rPr>
+              <a:t>deployment</a:t>
+            </a:r>
+          </a:p>
+          <a:p>
+            <a:pPr marL="342900" indent="-342900" algn="l">
+              <a:buFont typeface="Arial" pitchFamily="34" charset="0"/>
+              <a:buChar char="•"/>
+            </a:pPr>
+            <a:r>
+              <a:rPr lang="en-US" sz="2000" dirty="0" smtClean="0">
+                <a:solidFill>
+                  <a:schemeClr val="tx1"/>
+                </a:solidFill>
+              </a:rPr>
+              <a:t>Releases </a:t>
+            </a:r>
+            <a:r>
+              <a:rPr lang="en-US" sz="2000" dirty="0">
+                <a:solidFill>
+                  <a:schemeClr val="tx1"/>
+                </a:solidFill>
+              </a:rPr>
+              <a:t>take hours instead of </a:t>
+            </a:r>
+            <a:r>
+              <a:rPr lang="en-US" sz="2000" dirty="0" smtClean="0">
+                <a:solidFill>
+                  <a:schemeClr val="tx1"/>
+                </a:solidFill>
+              </a:rPr>
+              <a:t>minute</a:t>
+            </a:r>
+          </a:p>
+          <a:p>
+            <a:pPr marL="342900" indent="-342900" algn="l">
+              <a:buFont typeface="Arial" pitchFamily="34" charset="0"/>
+              <a:buChar char="•"/>
+            </a:pPr>
+            <a:r>
+              <a:rPr lang="en-US" sz="2000" dirty="0" smtClean="0">
+                <a:solidFill>
+                  <a:schemeClr val="tx1"/>
+                </a:solidFill>
+              </a:rPr>
+              <a:t>Frequent </a:t>
+            </a:r>
+            <a:r>
+              <a:rPr lang="en-US" sz="2000" dirty="0" smtClean="0">
+                <a:solidFill>
+                  <a:schemeClr val="tx1"/>
+                </a:solidFill>
+              </a:rPr>
+              <a:t>roll-backs Late </a:t>
+            </a:r>
+            <a:r>
+              <a:rPr lang="en-US" sz="2000" dirty="0">
+                <a:solidFill>
+                  <a:schemeClr val="tx1"/>
+                </a:solidFill>
+              </a:rPr>
+              <a:t>nights</a:t>
+            </a:r>
+          </a:p>
+          <a:p>
+            <a:pPr marL="342900" indent="-342900" algn="l">
+              <a:buFont typeface="Arial" pitchFamily="34" charset="0"/>
+              <a:buChar char="•"/>
+            </a:pPr>
+            <a:endParaRPr lang="en-US" sz="2000" dirty="0">
+              <a:solidFill>
+                <a:schemeClr val="tx1"/>
+              </a:solidFill>
+            </a:endParaRPr>
           </a:p>
         </p:txBody>
       </p:sp>
     </p:spTree>
     <p:extLst>
       <p:ext uri="{BB962C8B-B14F-4D97-AF65-F5344CB8AC3E}">
-        <p14:creationId xmlns:p14="http://schemas.microsoft.com/office/powerpoint/2010/main" val="2683465980"/>
+        <p14:creationId xmlns:p14="http://schemas.microsoft.com/office/powerpoint/2010/main" val="934825122"/>
+      </p:ext>
+    </p:extLst>
+  </p:cSld>
+  <p:clrMapOvr>
+    <a:masterClrMapping/>
+  </p:clrMapOvr>
+</p:sld>
+</file>
+
+<file path=ppt/slides/slide30.xml><?xml version="1.0" encoding="utf-8"?>
+<p:sld xmlns:a="http://schemas.openxmlformats.org/drawingml/2006/main" xmlns:r="http://schemas.openxmlformats.org/officeDocument/2006/relationships" xmlns:p="http://schemas.openxmlformats.org/presentationml/2006/main">
+  <p:cSld>
+    <p:spTree>
+      <p:nvGrpSpPr>
+        <p:cNvPr id="1" name=""/>
+        <p:cNvGrpSpPr/>
+        <p:nvPr/>
+      </p:nvGrpSpPr>
+      <p:grpSpPr>
+        <a:xfrm>
+          <a:off x="0" y="0"/>
+          <a:ext cx="0" cy="0"/>
+          <a:chOff x="0" y="0"/>
+          <a:chExt cx="0" cy="0"/>
+        </a:xfrm>
+      </p:grpSpPr>
+      <p:sp>
+        <p:nvSpPr>
+          <p:cNvPr id="2" name="Title 1"/>
+          <p:cNvSpPr>
+            <a:spLocks noGrp="1"/>
+          </p:cNvSpPr>
+          <p:nvPr>
+            <p:ph type="title"/>
+          </p:nvPr>
+        </p:nvSpPr>
+        <p:spPr/>
+        <p:txBody>
+          <a:bodyPr/>
+          <a:lstStyle/>
+          <a:p>
+            <a:endParaRPr lang="en-US"/>
+          </a:p>
+        </p:txBody>
+      </p:sp>
+      <p:sp>
+        <p:nvSpPr>
+          <p:cNvPr id="3" name="Content Placeholder 2"/>
+          <p:cNvSpPr>
+            <a:spLocks noGrp="1"/>
+          </p:cNvSpPr>
+          <p:nvPr>
+            <p:ph idx="1"/>
+          </p:nvPr>
+        </p:nvSpPr>
+        <p:spPr/>
+        <p:txBody>
+          <a:bodyPr>
+            <a:normAutofit/>
+          </a:bodyPr>
+          <a:lstStyle/>
+          <a:p>
+            <a:r>
+              <a:rPr lang="en-US" sz="2400" b="1" i="1" dirty="0"/>
+              <a:t>Testing Your Environment’s </a:t>
+            </a:r>
+            <a:r>
+              <a:rPr lang="en-US" sz="2400" b="1" i="1" dirty="0" smtClean="0"/>
+              <a:t>Configuration</a:t>
+            </a:r>
+          </a:p>
+          <a:p>
+            <a:endParaRPr lang="en-US" sz="2400" dirty="0"/>
+          </a:p>
+        </p:txBody>
+      </p:sp>
+      <p:pic>
+        <p:nvPicPr>
+          <p:cNvPr id="2050" name="Picture 2"/>
+          <p:cNvPicPr>
+            <a:picLocks noChangeAspect="1" noChangeArrowheads="1"/>
+          </p:cNvPicPr>
+          <p:nvPr/>
+        </p:nvPicPr>
+        <p:blipFill>
+          <a:blip r:embed="rId2">
+            <a:extLst>
+              <a:ext uri="{28A0092B-C50C-407E-A947-70E740481C1C}">
+                <a14:useLocalDpi xmlns:a14="http://schemas.microsoft.com/office/drawing/2010/main" val="0"/>
+              </a:ext>
+            </a:extLst>
+          </a:blip>
+          <a:srcRect/>
+          <a:stretch>
+            <a:fillRect/>
+          </a:stretch>
+        </p:blipFill>
+        <p:spPr bwMode="auto">
+          <a:xfrm>
+            <a:off x="1419225" y="2495550"/>
+            <a:ext cx="6305550" cy="1866900"/>
+          </a:xfrm>
+          <a:prstGeom prst="rect">
+            <a:avLst/>
+          </a:prstGeom>
+          <a:noFill/>
+          <a:ln>
+            <a:noFill/>
+          </a:ln>
+          <a:extLst>
+            <a:ext uri="{909E8E84-426E-40DD-AFC4-6F175D3DCCD1}">
+              <a14:hiddenFill xmlns:a14="http://schemas.microsoft.com/office/drawing/2010/main">
+                <a:solidFill>
+                  <a:schemeClr val="accent1"/>
+                </a:solidFill>
+              </a14:hiddenFill>
+            </a:ext>
+            <a:ext uri="{91240B29-F687-4F45-9708-019B960494DF}">
+              <a14:hiddenLine xmlns:a14="http://schemas.microsoft.com/office/drawing/2010/main" w="9525">
+                <a:solidFill>
+                  <a:schemeClr val="tx1"/>
+                </a:solidFill>
+                <a:miter lim="800000"/>
+                <a:headEnd/>
+                <a:tailEnd/>
+              </a14:hiddenLine>
+            </a:ext>
+          </a:extLst>
+        </p:spPr>
+      </p:pic>
+    </p:spTree>
+    <p:extLst>
+      <p:ext uri="{BB962C8B-B14F-4D97-AF65-F5344CB8AC3E}">
+        <p14:creationId xmlns:p14="http://schemas.microsoft.com/office/powerpoint/2010/main" val="824315978"/>
       </p:ext>
     </p:extLst>
   </p:cSld>
@@ -7449,94 +7841,188 @@
       </p:grpSpPr>
       <p:sp>
         <p:nvSpPr>
-          <p:cNvPr id="28673" name="Rectangle 1"/>
-          <p:cNvSpPr>
-            <a:spLocks noGrp="1" noChangeArrowheads="1"/>
-          </p:cNvSpPr>
-          <p:nvPr>
-            <p:ph type="title"/>
+          <p:cNvPr id="2" name="Title 1"/>
+          <p:cNvSpPr>
+            <a:spLocks noGrp="1"/>
+          </p:cNvSpPr>
+          <p:nvPr>
+            <p:ph type="ctrTitle"/>
           </p:nvPr>
         </p:nvSpPr>
         <p:spPr>
-          <a:ln/>
+          <a:xfrm>
+            <a:off x="685800" y="381001"/>
+            <a:ext cx="7772400" cy="990599"/>
+          </a:xfrm>
         </p:spPr>
         <p:txBody>
-          <a:bodyPr/>
-          <a:lstStyle/>
-          <a:p>
-            <a:r>
-              <a:rPr lang="en-US" sz="3400"/>
-              <a:t>AP: First to production-like after Dev finished</a:t>
-            </a:r>
-          </a:p>
-        </p:txBody>
-      </p:sp>
-      <p:sp>
-        <p:nvSpPr>
-          <p:cNvPr id="28674" name="Rectangle 2"/>
-          <p:cNvSpPr>
-            <a:spLocks noGrp="1" noChangeArrowheads="1"/>
-          </p:cNvSpPr>
-          <p:nvPr>
-            <p:ph type="body" idx="1"/>
+          <a:bodyPr>
+            <a:normAutofit/>
+          </a:bodyPr>
+          <a:lstStyle/>
+          <a:p>
+            <a:r>
+              <a:rPr lang="en-US" sz="3600" dirty="0" smtClean="0"/>
+              <a:t>Instead</a:t>
+            </a:r>
+            <a:endParaRPr lang="en-US" sz="3600" dirty="0"/>
+          </a:p>
+        </p:txBody>
+      </p:sp>
+      <p:sp>
+        <p:nvSpPr>
+          <p:cNvPr id="3" name="Subtitle 2"/>
+          <p:cNvSpPr>
+            <a:spLocks noGrp="1"/>
+          </p:cNvSpPr>
+          <p:nvPr>
+            <p:ph type="subTitle" idx="1"/>
           </p:nvPr>
         </p:nvSpPr>
         <p:spPr>
-          <a:ln/>
+          <a:xfrm>
+            <a:off x="533400" y="1524000"/>
+            <a:ext cx="8153400" cy="4724400"/>
+          </a:xfrm>
         </p:spPr>
         <p:txBody>
           <a:bodyPr>
-            <a:normAutofit lnSpcReduction="10000"/>
+            <a:normAutofit/>
           </a:bodyPr>
           <a:lstStyle/>
           <a:p>
-            <a:pPr marL="625056"/>
-            <a:r>
-              <a:rPr lang="en-US"/>
-              <a:t>Testers have only tested in a development environment</a:t>
-            </a:r>
-          </a:p>
-          <a:p>
-            <a:pPr marL="625056"/>
-            <a:r>
-              <a:rPr lang="en-US"/>
-              <a:t>Production deployers have never done deployment before</a:t>
-            </a:r>
-          </a:p>
-          <a:p>
-            <a:pPr marL="625056"/>
-            <a:r>
-              <a:rPr lang="en-US"/>
-              <a:t>All kinds of infrastructure-related problems pop up after the PL said that development was done</a:t>
-            </a:r>
-          </a:p>
-          <a:p>
-            <a:pPr marL="625056"/>
-            <a:r>
-              <a:rPr lang="en-US"/>
-              <a:t>Lots of fighting between operations and development</a:t>
-            </a:r>
+            <a:pPr marL="1231900" indent="-342900" algn="l">
+              <a:buFont typeface="Arial" pitchFamily="34" charset="0"/>
+              <a:buChar char="•"/>
+            </a:pPr>
+            <a:r>
+              <a:rPr lang="en-US" sz="2400" dirty="0" smtClean="0">
+                <a:solidFill>
+                  <a:schemeClr val="tx1"/>
+                </a:solidFill>
+              </a:rPr>
+              <a:t>Integrate testing , deployment and release activity into </a:t>
+            </a:r>
+            <a:r>
+              <a:rPr lang="en-US" sz="2400" dirty="0" smtClean="0">
+                <a:solidFill>
+                  <a:schemeClr val="tx1"/>
+                </a:solidFill>
+              </a:rPr>
+              <a:t>development</a:t>
+            </a:r>
+            <a:r>
+              <a:rPr lang="en-US" sz="2400" dirty="0" smtClean="0">
+                <a:solidFill>
+                  <a:schemeClr val="tx1"/>
+                </a:solidFill>
+              </a:rPr>
+              <a:t>.</a:t>
+            </a:r>
+          </a:p>
+          <a:p>
+            <a:pPr marL="1231900" indent="-342900" algn="l">
+              <a:buFont typeface="Arial" pitchFamily="34" charset="0"/>
+              <a:buChar char="•"/>
+            </a:pPr>
+            <a:r>
+              <a:rPr lang="en-US" sz="2400" dirty="0" smtClean="0">
+                <a:solidFill>
+                  <a:schemeClr val="tx1"/>
+                </a:solidFill>
+              </a:rPr>
+              <a:t>Automate </a:t>
+            </a:r>
+            <a:r>
+              <a:rPr lang="en-US" sz="2400" dirty="0">
+                <a:solidFill>
+                  <a:schemeClr val="tx1"/>
+                </a:solidFill>
+              </a:rPr>
+              <a:t>deployments as much as possible</a:t>
+            </a:r>
+          </a:p>
+          <a:p>
+            <a:pPr marL="889000" algn="l"/>
+            <a:r>
+              <a:rPr lang="en-US" sz="2400" dirty="0">
+                <a:solidFill>
+                  <a:schemeClr val="tx1"/>
+                </a:solidFill>
+              </a:rPr>
+              <a:t>Scripts equal </a:t>
+            </a:r>
+            <a:r>
+              <a:rPr lang="en-US" sz="2400" i="1" dirty="0">
+                <a:solidFill>
+                  <a:schemeClr val="tx1"/>
+                </a:solidFill>
+              </a:rPr>
+              <a:t>up-to-date</a:t>
+            </a:r>
+            <a:r>
+              <a:rPr lang="en-US" sz="2400" dirty="0">
+                <a:solidFill>
+                  <a:schemeClr val="tx1"/>
+                </a:solidFill>
+              </a:rPr>
+              <a:t> documentation, encourage cooperation and sharing</a:t>
+            </a:r>
+          </a:p>
+          <a:p>
+            <a:pPr marL="889000" algn="l"/>
+            <a:r>
+              <a:rPr lang="en-US" sz="2400" dirty="0">
+                <a:solidFill>
+                  <a:schemeClr val="tx1"/>
+                </a:solidFill>
+              </a:rPr>
+              <a:t>Encapsulate expertise and are version-controlled like any other source code</a:t>
+            </a:r>
+          </a:p>
+          <a:p>
+            <a:pPr marL="889000" algn="l"/>
+            <a:r>
+              <a:rPr lang="en-US" sz="2400" dirty="0">
+                <a:solidFill>
+                  <a:schemeClr val="tx1"/>
+                </a:solidFill>
+              </a:rPr>
+              <a:t>Automation makes processes repeatable, testable, less boring and </a:t>
+            </a:r>
+            <a:r>
+              <a:rPr lang="en-US" sz="2400" i="1" dirty="0">
+                <a:solidFill>
+                  <a:schemeClr val="tx1"/>
+                </a:solidFill>
+              </a:rPr>
+              <a:t>fast</a:t>
+            </a:r>
+            <a:r>
+              <a:rPr lang="en-US" sz="2400" dirty="0">
+                <a:solidFill>
+                  <a:schemeClr val="tx1"/>
+                </a:solidFill>
+              </a:rPr>
+              <a:t>.</a:t>
+            </a:r>
+          </a:p>
+          <a:p>
+            <a:pPr algn="l"/>
+            <a:endParaRPr lang="en-US" sz="2400" dirty="0"/>
           </a:p>
         </p:txBody>
       </p:sp>
     </p:spTree>
     <p:extLst>
       <p:ext uri="{BB962C8B-B14F-4D97-AF65-F5344CB8AC3E}">
-        <p14:creationId xmlns:p14="http://schemas.microsoft.com/office/powerpoint/2010/main" val="2787274929"/>
+        <p14:creationId xmlns:p14="http://schemas.microsoft.com/office/powerpoint/2010/main" val="2683465980"/>
       </p:ext>
     </p:extLst>
   </p:cSld>
   <p:clrMapOvr>
     <a:masterClrMapping/>
   </p:clrMapOvr>
-  <mc:AlternateContent xmlns:mc="http://schemas.openxmlformats.org/markup-compatibility/2006" xmlns:p14="http://schemas.microsoft.com/office/powerpoint/2010/main">
-    <mc:Choice Requires="p14">
-      <p:transition spd="slow" p14:dur="2000"/>
-    </mc:Choice>
-    <mc:Fallback xmlns="">
-      <p:transition spd="slow"/>
-    </mc:Fallback>
-  </mc:AlternateContent>
 </p:sld>
 </file>
 
@@ -7559,7 +8045,7 @@
       </p:grpSpPr>
       <p:sp>
         <p:nvSpPr>
-          <p:cNvPr id="30721" name="Rectangle 1"/>
+          <p:cNvPr id="28673" name="Rectangle 1"/>
           <p:cNvSpPr>
             <a:spLocks noGrp="1" noChangeArrowheads="1"/>
           </p:cNvSpPr>
@@ -7571,19 +8057,33 @@
           <a:ln/>
         </p:spPr>
         <p:txBody>
-          <a:bodyPr/>
-          <a:lstStyle/>
-          <a:p>
-            <a:r>
-              <a:rPr lang="en-US"/>
-              <a:t>Instead...</a:t>
-            </a:r>
-          </a:p>
-        </p:txBody>
-      </p:sp>
-      <p:sp>
-        <p:nvSpPr>
-          <p:cNvPr id="30722" name="Rectangle 2"/>
+          <a:bodyPr>
+            <a:normAutofit fontScale="90000"/>
+          </a:bodyPr>
+          <a:lstStyle/>
+          <a:p>
+            <a:r>
+              <a:rPr lang="en-US" sz="3400" dirty="0" smtClean="0"/>
+              <a:t>AP: </a:t>
+            </a:r>
+            <a:r>
+              <a:rPr lang="en-US" sz="3600" dirty="0"/>
+              <a:t>Deploying to a Production-like Environment </a:t>
+            </a:r>
+            <a:br>
+              <a:rPr lang="en-US" sz="3600" dirty="0"/>
+            </a:br>
+            <a:r>
+              <a:rPr lang="en-US" sz="3600" dirty="0"/>
+              <a:t>after Development Is Complete</a:t>
+            </a:r>
+            <a:endParaRPr lang="en-US" sz="3400" dirty="0"/>
+          </a:p>
+        </p:txBody>
+      </p:sp>
+      <p:sp>
+        <p:nvSpPr>
+          <p:cNvPr id="28674" name="Rectangle 2"/>
           <p:cNvSpPr>
             <a:spLocks noGrp="1" noChangeArrowheads="1"/>
           </p:cNvSpPr>
@@ -7596,28 +8096,47 @@
         </p:spPr>
         <p:txBody>
           <a:bodyPr>
-            <a:normAutofit lnSpcReduction="10000"/>
+            <a:normAutofit/>
           </a:bodyPr>
           <a:lstStyle/>
           <a:p>
             <a:pPr marL="625056"/>
             <a:r>
-              <a:rPr lang="en-US"/>
-              <a:t>Start deploying to a production-like environment (staging) as soon as you start developing</a:t>
+              <a:rPr lang="en-US" sz="2400" dirty="0"/>
+              <a:t>Testers have only tested in a development environment</a:t>
             </a:r>
           </a:p>
           <a:p>
             <a:pPr marL="625056"/>
             <a:r>
-              <a:rPr lang="en-US"/>
-              <a:t>Integrate testing, deployment and release into a standard part of your development process</a:t>
+              <a:rPr lang="en-US" sz="2400" dirty="0"/>
+              <a:t>Production </a:t>
+            </a:r>
+            <a:r>
+              <a:rPr lang="en-US" sz="2400" dirty="0" smtClean="0"/>
+              <a:t>team</a:t>
+            </a:r>
+            <a:r>
+              <a:rPr lang="en-US" sz="2400" dirty="0" smtClean="0"/>
+              <a:t> </a:t>
+            </a:r>
+            <a:r>
+              <a:rPr lang="en-US" sz="2400" dirty="0"/>
+              <a:t>have never done deployment before</a:t>
             </a:r>
           </a:p>
           <a:p>
             <a:pPr marL="625056"/>
             <a:r>
-              <a:rPr lang="en-US"/>
-              <a:t>If you already have good Continuous Integration, this means: add deployment/release to it (correctly)</a:t>
+              <a:rPr lang="en-US" sz="2400" dirty="0"/>
+              <a:t>All kinds of infrastructure-related problems pop up after the PL said that development was done</a:t>
+            </a:r>
+          </a:p>
+          <a:p>
+            <a:pPr marL="625056"/>
+            <a:r>
+              <a:rPr lang="en-US" sz="2400" dirty="0"/>
+              <a:t>Lots of fighting between operations and development</a:t>
             </a:r>
           </a:p>
         </p:txBody>
@@ -7625,7 +8144,7 @@
     </p:spTree>
     <p:extLst>
       <p:ext uri="{BB962C8B-B14F-4D97-AF65-F5344CB8AC3E}">
-        <p14:creationId xmlns:p14="http://schemas.microsoft.com/office/powerpoint/2010/main" val="1282236912"/>
+        <p14:creationId xmlns:p14="http://schemas.microsoft.com/office/powerpoint/2010/main" val="2787274929"/>
       </p:ext>
     </p:extLst>
   </p:cSld>
@@ -7662,7 +8181,7 @@
       </p:grpSpPr>
       <p:sp>
         <p:nvSpPr>
-          <p:cNvPr id="31745" name="Rectangle 1"/>
+          <p:cNvPr id="30721" name="Rectangle 1"/>
           <p:cNvSpPr>
             <a:spLocks noGrp="1" noChangeArrowheads="1"/>
           </p:cNvSpPr>
@@ -7674,19 +8193,21 @@
           <a:ln/>
         </p:spPr>
         <p:txBody>
-          <a:bodyPr/>
-          <a:lstStyle/>
-          <a:p>
-            <a:r>
-              <a:rPr lang="en-US" sz="3400"/>
-              <a:t>AP: Manual Configuration of Prod Env</a:t>
-            </a:r>
-          </a:p>
-        </p:txBody>
-      </p:sp>
-      <p:sp>
-        <p:nvSpPr>
-          <p:cNvPr id="31746" name="Rectangle 2"/>
+          <a:bodyPr>
+            <a:normAutofit/>
+          </a:bodyPr>
+          <a:lstStyle/>
+          <a:p>
+            <a:r>
+              <a:rPr lang="en-US" sz="3600" dirty="0"/>
+              <a:t>Instead...</a:t>
+            </a:r>
+          </a:p>
+        </p:txBody>
+      </p:sp>
+      <p:sp>
+        <p:nvSpPr>
+          <p:cNvPr id="30722" name="Rectangle 2"/>
           <p:cNvSpPr>
             <a:spLocks noGrp="1" noChangeArrowheads="1"/>
           </p:cNvSpPr>
@@ -7698,52 +8219,29 @@
           <a:ln/>
         </p:spPr>
         <p:txBody>
-          <a:bodyPr/>
+          <a:bodyPr>
+            <a:normAutofit/>
+          </a:bodyPr>
           <a:lstStyle/>
           <a:p>
             <a:pPr marL="625056"/>
             <a:r>
-              <a:rPr lang="en-US" i="1" u="sng"/>
-              <a:t>Configuration</a:t>
-            </a:r>
-            <a:r>
-              <a:rPr lang="en-US" i="1"/>
-              <a:t> of an environment is a lot</a:t>
+              <a:rPr lang="en-US" sz="2400" dirty="0"/>
+              <a:t>Start deploying to a production-like environment (staging) as soon as you start developing</a:t>
             </a:r>
           </a:p>
           <a:p>
             <a:pPr marL="625056"/>
             <a:r>
-              <a:rPr lang="en-US"/>
-              <a:t>Deployments to production fails after succesful deployments to other environments</a:t>
+              <a:rPr lang="en-US" sz="2400" dirty="0"/>
+              <a:t>Integrate testing, deployment and release into a standard part of your development process</a:t>
             </a:r>
           </a:p>
           <a:p>
             <a:pPr marL="625056"/>
             <a:r>
-              <a:rPr lang="en-US"/>
-              <a:t>Differences between nodes in production</a:t>
-            </a:r>
-          </a:p>
-          <a:p>
-            <a:pPr marL="625056"/>
-            <a:r>
-              <a:rPr lang="en-US"/>
-              <a:t>Cannot roll back your environment</a:t>
-            </a:r>
-          </a:p>
-          <a:p>
-            <a:pPr marL="625056"/>
-            <a:r>
-              <a:rPr lang="en-US"/>
-              <a:t>Different versions of packages</a:t>
-            </a:r>
-          </a:p>
-          <a:p>
-            <a:pPr marL="625056"/>
-            <a:r>
-              <a:rPr lang="en-US"/>
-              <a:t>Basically: No overview, no control</a:t>
+              <a:rPr lang="en-US" sz="2400" dirty="0"/>
+              <a:t>If you already have good Continuous Integration, this means: add deployment/release to it (correctly)</a:t>
             </a:r>
           </a:p>
         </p:txBody>
@@ -7751,7 +8249,7 @@
     </p:spTree>
     <p:extLst>
       <p:ext uri="{BB962C8B-B14F-4D97-AF65-F5344CB8AC3E}">
-        <p14:creationId xmlns:p14="http://schemas.microsoft.com/office/powerpoint/2010/main" val="239689918"/>
+        <p14:creationId xmlns:p14="http://schemas.microsoft.com/office/powerpoint/2010/main" val="1282236912"/>
       </p:ext>
     </p:extLst>
   </p:cSld>
@@ -7788,7 +8286,7 @@
       </p:grpSpPr>
       <p:sp>
         <p:nvSpPr>
-          <p:cNvPr id="32769" name="Rectangle 1"/>
+          <p:cNvPr id="31745" name="Rectangle 1"/>
           <p:cNvSpPr>
             <a:spLocks noGrp="1" noChangeArrowheads="1"/>
           </p:cNvSpPr>
@@ -7800,19 +8298,34 @@
           <a:ln/>
         </p:spPr>
         <p:txBody>
-          <a:bodyPr/>
-          <a:lstStyle/>
-          <a:p>
-            <a:r>
-              <a:rPr lang="en-US"/>
-              <a:t>Instead...</a:t>
-            </a:r>
-          </a:p>
-        </p:txBody>
-      </p:sp>
-      <p:sp>
-        <p:nvSpPr>
-          <p:cNvPr id="32770" name="Rectangle 2"/>
+          <a:bodyPr>
+            <a:normAutofit fontScale="90000"/>
+          </a:bodyPr>
+          <a:lstStyle/>
+          <a:p>
+            <a:r>
+              <a:rPr lang="en-US" sz="3400" dirty="0"/>
+              <a:t>AP: </a:t>
+            </a:r>
+            <a:r>
+              <a:rPr lang="en-US" sz="3600" dirty="0"/>
+              <a:t>Manual Configuration </a:t>
+            </a:r>
+            <a:r>
+              <a:rPr lang="en-US" sz="3600" dirty="0"/>
+              <a:t>Management of </a:t>
+            </a:r>
+            <a:r>
+              <a:rPr lang="en-US" sz="3600" dirty="0" smtClean="0"/>
+              <a:t>Production Environments</a:t>
+            </a:r>
+            <a:endParaRPr lang="en-US" sz="3600" dirty="0"/>
+          </a:p>
+        </p:txBody>
+      </p:sp>
+      <p:sp>
+        <p:nvSpPr>
+          <p:cNvPr id="31746" name="Rectangle 2"/>
           <p:cNvSpPr>
             <a:spLocks noGrp="1" noChangeArrowheads="1"/>
           </p:cNvSpPr>
@@ -7825,36 +8338,57 @@
         </p:spPr>
         <p:txBody>
           <a:bodyPr>
-            <a:normAutofit lnSpcReduction="10000"/>
+            <a:normAutofit/>
           </a:bodyPr>
           <a:lstStyle/>
           <a:p>
             <a:pPr marL="625056"/>
             <a:r>
-              <a:rPr lang="en-US"/>
-              <a:t>Set up your entire environment using an automated process that is stored in version control</a:t>
+              <a:rPr lang="en-US" sz="2400" dirty="0"/>
+              <a:t>Configuration of an environment is a lot</a:t>
             </a:r>
           </a:p>
           <a:p>
             <a:pPr marL="625056"/>
             <a:r>
-              <a:rPr lang="en-US"/>
-              <a:t>Specifically any and all </a:t>
-            </a:r>
-            <a:r>
-              <a:rPr lang="en-US" b="1"/>
-              <a:t>configuration</a:t>
-            </a:r>
-            <a:r>
-              <a:rPr lang="en-US"/>
-              <a:t> - of your OS, of OS tools and middleware, and of your application</a:t>
+              <a:rPr lang="en-US" sz="2400" dirty="0"/>
+              <a:t>Deployments to production fails after </a:t>
+            </a:r>
+            <a:r>
+              <a:rPr lang="en-US" sz="2400" dirty="0" smtClean="0"/>
+              <a:t>successful </a:t>
+            </a:r>
+            <a:r>
+              <a:rPr lang="en-US" sz="2400" dirty="0"/>
+              <a:t>deployments to other environments</a:t>
             </a:r>
           </a:p>
           <a:p>
             <a:pPr marL="625056"/>
             <a:r>
-              <a:rPr lang="en-US"/>
-              <a:t>Your production environment is key - it must be reproducible in your staging and dev environments</a:t>
+              <a:rPr lang="en-US" sz="2400" dirty="0"/>
+              <a:t>Differences between nodes in production</a:t>
+            </a:r>
+          </a:p>
+          <a:p>
+            <a:pPr marL="625056"/>
+            <a:r>
+              <a:rPr lang="en-US" sz="2400" dirty="0"/>
+              <a:t>Cannot roll back your environment</a:t>
+            </a:r>
+          </a:p>
+          <a:p>
+            <a:pPr marL="625056"/>
+            <a:r>
+              <a:rPr lang="en-US" sz="2400" dirty="0"/>
+              <a:t>Different versions of packages</a:t>
+            </a:r>
+          </a:p>
+          <a:p>
+            <a:pPr marL="625056"/>
+            <a:r>
+              <a:rPr lang="en-US" sz="2400" dirty="0"/>
+              <a:t>Basically: No overview, no control</a:t>
             </a:r>
           </a:p>
         </p:txBody>
@@ -7862,7 +8396,7 @@
     </p:spTree>
     <p:extLst>
       <p:ext uri="{BB962C8B-B14F-4D97-AF65-F5344CB8AC3E}">
-        <p14:creationId xmlns:p14="http://schemas.microsoft.com/office/powerpoint/2010/main" val="3869686462"/>
+        <p14:creationId xmlns:p14="http://schemas.microsoft.com/office/powerpoint/2010/main" val="239689918"/>
       </p:ext>
     </p:extLst>
   </p:cSld>
@@ -7899,7 +8433,7 @@
       </p:grpSpPr>
       <p:sp>
         <p:nvSpPr>
-          <p:cNvPr id="34817" name="Rectangle 1"/>
+          <p:cNvPr id="32769" name="Rectangle 1"/>
           <p:cNvSpPr>
             <a:spLocks noGrp="1" noChangeArrowheads="1"/>
           </p:cNvSpPr>
@@ -7916,14 +8450,14 @@
           <a:p>
             <a:r>
               <a:rPr lang="en-US"/>
-              <a:t>The Deployment Pipeline</a:t>
-            </a:r>
-          </a:p>
-        </p:txBody>
-      </p:sp>
-      <p:sp>
-        <p:nvSpPr>
-          <p:cNvPr id="34818" name="Rectangle 2"/>
+              <a:t>Instead...</a:t>
+            </a:r>
+          </a:p>
+        </p:txBody>
+      </p:sp>
+      <p:sp>
+        <p:nvSpPr>
+          <p:cNvPr id="32770" name="Rectangle 2"/>
           <p:cNvSpPr>
             <a:spLocks noGrp="1" noChangeArrowheads="1"/>
           </p:cNvSpPr>
@@ -7942,42 +8476,30 @@
           <a:p>
             <a:pPr marL="625056"/>
             <a:r>
-              <a:rPr lang="en-US" dirty="0"/>
-              <a:t>Describes </a:t>
-            </a:r>
-            <a:r>
-              <a:rPr lang="en-US" b="1" dirty="0"/>
-              <a:t>your</a:t>
-            </a:r>
-            <a:r>
-              <a:rPr lang="en-US" dirty="0"/>
-              <a:t> process of getting software from version control into the hands of users.</a:t>
+              <a:rPr lang="en-US" sz="2400" dirty="0"/>
+              <a:t>Set up your entire environment using an automated process that is stored in version control</a:t>
             </a:r>
           </a:p>
           <a:p>
             <a:pPr marL="625056"/>
             <a:r>
-              <a:rPr lang="en-US" dirty="0"/>
-              <a:t>Similar on for most projects on a high level</a:t>
+              <a:rPr lang="en-US" sz="2400" dirty="0"/>
+              <a:t>Specifically any and all </a:t>
+            </a:r>
+            <a:r>
+              <a:rPr lang="en-US" sz="2400" b="1" dirty="0"/>
+              <a:t>configuration</a:t>
+            </a:r>
+            <a:r>
+              <a:rPr lang="en-US" sz="2400" dirty="0"/>
+              <a:t> - of your OS, of OS tools and middleware, and of your application</a:t>
             </a:r>
           </a:p>
           <a:p>
             <a:pPr marL="625056"/>
             <a:r>
-              <a:rPr lang="en-US" dirty="0" smtClean="0"/>
-              <a:t>Each </a:t>
-            </a:r>
-            <a:r>
-              <a:rPr lang="en-US" dirty="0"/>
-              <a:t>step in the pipeline produces output which is taken up (</a:t>
-            </a:r>
-            <a:r>
-              <a:rPr lang="en-US" i="1" dirty="0"/>
-              <a:t>pulled</a:t>
-            </a:r>
-            <a:r>
-              <a:rPr lang="en-US" dirty="0"/>
-              <a:t>) by the next step when ready</a:t>
+              <a:rPr lang="en-US" sz="2400" dirty="0"/>
+              <a:t>Your production environment is key - it must be reproducible in your staging and dev environments</a:t>
             </a:r>
           </a:p>
         </p:txBody>
@@ -7985,7 +8507,7 @@
     </p:spTree>
     <p:extLst>
       <p:ext uri="{BB962C8B-B14F-4D97-AF65-F5344CB8AC3E}">
-        <p14:creationId xmlns:p14="http://schemas.microsoft.com/office/powerpoint/2010/main" val="356877289"/>
+        <p14:creationId xmlns:p14="http://schemas.microsoft.com/office/powerpoint/2010/main" val="3869686462"/>
       </p:ext>
     </p:extLst>
   </p:cSld>
@@ -8022,129 +8544,114 @@
       </p:grpSpPr>
       <p:sp>
         <p:nvSpPr>
-          <p:cNvPr id="36865" name="Rectangle 1"/>
-          <p:cNvSpPr>
-            <a:spLocks noGrp="1" noChangeArrowheads="1"/>
-          </p:cNvSpPr>
-          <p:nvPr>
-            <p:ph type="title"/>
-          </p:nvPr>
-        </p:nvSpPr>
-        <p:spPr>
-          <a:ln/>
-        </p:spPr>
-        <p:txBody>
-          <a:bodyPr/>
-          <a:lstStyle/>
-          <a:p>
-            <a:r>
-              <a:rPr lang="en-US"/>
-              <a:t>A Deployment Pipeline</a:t>
-            </a:r>
-          </a:p>
-        </p:txBody>
-      </p:sp>
-      <p:sp>
-        <p:nvSpPr>
-          <p:cNvPr id="36866" name="Rectangle 2"/>
-          <p:cNvSpPr>
-            <a:spLocks noGrp="1" noChangeArrowheads="1"/>
-          </p:cNvSpPr>
-          <p:nvPr>
-            <p:ph type="body" idx="1"/>
+          <p:cNvPr id="2" name="Title 1"/>
+          <p:cNvSpPr>
+            <a:spLocks noGrp="1"/>
+          </p:cNvSpPr>
+          <p:nvPr>
+            <p:ph type="ctrTitle"/>
           </p:nvPr>
         </p:nvSpPr>
         <p:spPr>
           <a:xfrm>
-            <a:off x="526851" y="4188024"/>
-            <a:ext cx="8099227" cy="1910953"/>
+            <a:off x="685800" y="304801"/>
+            <a:ext cx="7772400" cy="838199"/>
           </a:xfrm>
-          <a:ln/>
         </p:spPr>
         <p:txBody>
-          <a:bodyPr/>
-          <a:lstStyle/>
-          <a:p>
-            <a:pPr marL="625056"/>
-            <a:r>
-              <a:rPr lang="en-US"/>
-              <a:t>Also known as Continuous Integration Pipeline, build pipeline, etc.</a:t>
-            </a:r>
-          </a:p>
-        </p:txBody>
-      </p:sp>
-      <p:pic>
-        <p:nvPicPr>
-          <p:cNvPr id="36867" name="Picture 3"/>
-          <p:cNvPicPr>
-            <a:picLocks noChangeAspect="1" noChangeArrowheads="1"/>
-          </p:cNvPicPr>
-          <p:nvPr/>
-        </p:nvPicPr>
-        <p:blipFill>
-          <a:blip r:embed="rId2">
-            <a:extLst>
-              <a:ext uri="{28A0092B-C50C-407E-A947-70E740481C1C}">
-                <a14:useLocalDpi xmlns:a14="http://schemas.microsoft.com/office/drawing/2010/main" val="0"/>
-              </a:ext>
-            </a:extLst>
-          </a:blip>
-          <a:srcRect/>
-          <a:stretch>
-            <a:fillRect/>
-          </a:stretch>
-        </p:blipFill>
-        <p:spPr bwMode="auto">
+          <a:bodyPr>
+            <a:normAutofit fontScale="90000"/>
+          </a:bodyPr>
+          <a:lstStyle/>
+          <a:p>
+            <a:r>
+              <a:rPr lang="en-US" sz="3600" dirty="0" smtClean="0"/>
+              <a:t>How to Achieve Goal of continuous delivery</a:t>
+            </a:r>
+            <a:endParaRPr lang="en-US" sz="3600" dirty="0"/>
+          </a:p>
+        </p:txBody>
+      </p:sp>
+      <p:sp>
+        <p:nvSpPr>
+          <p:cNvPr id="3" name="Subtitle 2"/>
+          <p:cNvSpPr>
+            <a:spLocks noGrp="1"/>
+          </p:cNvSpPr>
+          <p:nvPr>
+            <p:ph type="subTitle" idx="1"/>
+          </p:nvPr>
+        </p:nvSpPr>
+        <p:spPr>
           <a:xfrm>
-            <a:off x="1303734" y="1134070"/>
-            <a:ext cx="6268641" cy="2687836"/>
+            <a:off x="609600" y="1600200"/>
+            <a:ext cx="7924800" cy="4038600"/>
           </a:xfrm>
-          <a:prstGeom prst="rect">
-            <a:avLst/>
-          </a:prstGeom>
-          <a:noFill/>
-          <a:ln>
-            <a:noFill/>
-          </a:ln>
-          <a:extLst>
-            <a:ext uri="{909E8E84-426E-40DD-AFC4-6F175D3DCCD1}">
-              <a14:hiddenFill xmlns:a14="http://schemas.microsoft.com/office/drawing/2010/main">
-                <a:solidFill>
-                  <a:srgbClr val="FFFFFF"/>
-                </a:solidFill>
-              </a14:hiddenFill>
-            </a:ext>
-            <a:ext uri="{91240B29-F687-4F45-9708-019B960494DF}">
-              <a14:hiddenLine xmlns:a14="http://schemas.microsoft.com/office/drawing/2010/main" w="12700" cap="flat">
+        </p:spPr>
+        <p:txBody>
+          <a:bodyPr>
+            <a:normAutofit/>
+          </a:bodyPr>
+          <a:lstStyle/>
+          <a:p>
+            <a:pPr marL="457200" indent="-457200" algn="l">
+              <a:buFont typeface="Arial" pitchFamily="34" charset="0"/>
+              <a:buChar char="•"/>
+            </a:pPr>
+            <a:r>
+              <a:rPr lang="en-US" sz="2400" dirty="0" smtClean="0">
                 <a:solidFill>
                   <a:schemeClr val="tx1"/>
                 </a:solidFill>
-                <a:miter lim="800000"/>
-                <a:headEnd/>
-                <a:tailEnd/>
-              </a14:hiddenLine>
-            </a:ext>
-          </a:extLst>
-        </p:spPr>
-      </p:pic>
+              </a:rPr>
+              <a:t>Automated</a:t>
+            </a:r>
+          </a:p>
+          <a:p>
+            <a:pPr marL="457200" indent="-457200" algn="l">
+              <a:buFont typeface="Arial" pitchFamily="34" charset="0"/>
+              <a:buChar char="•"/>
+            </a:pPr>
+            <a:r>
+              <a:rPr lang="en-US" sz="2400" dirty="0" smtClean="0">
+                <a:solidFill>
+                  <a:schemeClr val="tx1"/>
+                </a:solidFill>
+              </a:rPr>
+              <a:t>Frequent Releases</a:t>
+            </a:r>
+          </a:p>
+          <a:p>
+            <a:pPr marL="457200" indent="-457200" algn="l">
+              <a:buFont typeface="Arial" pitchFamily="34" charset="0"/>
+              <a:buChar char="•"/>
+            </a:pPr>
+            <a:r>
+              <a:rPr lang="en-US" sz="2400" dirty="0" smtClean="0">
+                <a:solidFill>
+                  <a:schemeClr val="tx1"/>
+                </a:solidFill>
+              </a:rPr>
+              <a:t>Feedback</a:t>
+            </a:r>
+            <a:endParaRPr lang="en-US" sz="2400" dirty="0">
+              <a:solidFill>
+                <a:schemeClr val="tx1"/>
+              </a:solidFill>
+            </a:endParaRPr>
+          </a:p>
+        </p:txBody>
+      </p:sp>
     </p:spTree>
     <p:extLst>
       <p:ext uri="{BB962C8B-B14F-4D97-AF65-F5344CB8AC3E}">
-        <p14:creationId xmlns:p14="http://schemas.microsoft.com/office/powerpoint/2010/main" val="806027940"/>
+        <p14:creationId xmlns:p14="http://schemas.microsoft.com/office/powerpoint/2010/main" val="2786143153"/>
       </p:ext>
     </p:extLst>
   </p:cSld>
   <p:clrMapOvr>
     <a:masterClrMapping/>
   </p:clrMapOvr>
-  <mc:AlternateContent xmlns:mc="http://schemas.openxmlformats.org/markup-compatibility/2006" xmlns:p14="http://schemas.microsoft.com/office/powerpoint/2010/main">
-    <mc:Choice Requires="p14">
-      <p:transition spd="slow" p14:dur="2000"/>
-    </mc:Choice>
-    <mc:Fallback xmlns="">
-      <p:transition spd="slow"/>
-    </mc:Fallback>
-  </mc:AlternateContent>
 </p:sld>
 </file>
 

--- a/CD.pptx
+++ b/CD.pptx
@@ -5,7 +5,7 @@
     <p:sldMasterId id="2147483648" r:id="rId1"/>
   </p:sldMasterIdLst>
   <p:notesMasterIdLst>
-    <p:notesMasterId r:id="rId32"/>
+    <p:notesMasterId r:id="rId31"/>
   </p:notesMasterIdLst>
   <p:sldIdLst>
     <p:sldId id="292" r:id="rId2"/>
@@ -27,17 +27,16 @@
     <p:sldId id="276" r:id="rId18"/>
     <p:sldId id="277" r:id="rId19"/>
     <p:sldId id="279" r:id="rId20"/>
-    <p:sldId id="280" r:id="rId21"/>
-    <p:sldId id="281" r:id="rId22"/>
-    <p:sldId id="282" r:id="rId23"/>
-    <p:sldId id="283" r:id="rId24"/>
-    <p:sldId id="284" r:id="rId25"/>
-    <p:sldId id="285" r:id="rId26"/>
-    <p:sldId id="286" r:id="rId27"/>
-    <p:sldId id="288" r:id="rId28"/>
-    <p:sldId id="289" r:id="rId29"/>
-    <p:sldId id="290" r:id="rId30"/>
-    <p:sldId id="291" r:id="rId31"/>
+    <p:sldId id="281" r:id="rId21"/>
+    <p:sldId id="282" r:id="rId22"/>
+    <p:sldId id="283" r:id="rId23"/>
+    <p:sldId id="284" r:id="rId24"/>
+    <p:sldId id="285" r:id="rId25"/>
+    <p:sldId id="286" r:id="rId26"/>
+    <p:sldId id="288" r:id="rId27"/>
+    <p:sldId id="289" r:id="rId28"/>
+    <p:sldId id="290" r:id="rId29"/>
+    <p:sldId id="291" r:id="rId30"/>
   </p:sldIdLst>
   <p:sldSz cx="9144000" cy="6858000" type="screen4x3"/>
   <p:notesSz cx="6858000" cy="9144000"/>
@@ -4605,11 +4604,7 @@
             <a:pPr lvl="2"/>
             <a:r>
               <a:rPr lang="en-US" dirty="0" smtClean="0"/>
-              <a:t>Reduced </a:t>
-            </a:r>
-            <a:r>
-              <a:rPr lang="en-US" dirty="0" smtClean="0"/>
-              <a:t>feedback</a:t>
+              <a:t>Reduced feedback</a:t>
             </a:r>
           </a:p>
         </p:txBody>
@@ -4746,7 +4741,6 @@
               <a:rPr lang="en-US" dirty="0" smtClean="0"/>
               <a:t>omponents</a:t>
             </a:r>
-            <a:endParaRPr lang="en-US" dirty="0" smtClean="0"/>
           </a:p>
           <a:p>
             <a:pPr lvl="2"/>
@@ -5615,11 +5609,19 @@
               <a:buChar char="•"/>
             </a:pPr>
             <a:r>
-              <a:rPr lang="en-US" sz="2400" b="1" i="1" dirty="0"/>
+              <a:rPr lang="en-US" sz="2400" dirty="0">
+                <a:solidFill>
+                  <a:schemeClr val="tx1"/>
+                </a:solidFill>
+              </a:rPr>
               <a:t>Don’t Check In on a Broken </a:t>
             </a:r>
             <a:r>
-              <a:rPr lang="en-US" sz="2400" b="1" i="1" dirty="0" smtClean="0"/>
+              <a:rPr lang="en-US" sz="2400" dirty="0" smtClean="0">
+                <a:solidFill>
+                  <a:schemeClr val="tx1"/>
+                </a:solidFill>
+              </a:rPr>
               <a:t>Build</a:t>
             </a:r>
           </a:p>
@@ -5629,11 +5631,19 @@
               <a:buChar char="•"/>
             </a:pPr>
             <a:r>
-              <a:rPr lang="en-US" sz="2400" b="1" i="1" dirty="0"/>
+              <a:rPr lang="en-US" sz="2400" dirty="0">
+                <a:solidFill>
+                  <a:schemeClr val="tx1"/>
+                </a:solidFill>
+              </a:rPr>
               <a:t>Always Be Prepared to Revert to the Previous </a:t>
             </a:r>
             <a:r>
-              <a:rPr lang="en-US" sz="2400" b="1" i="1" dirty="0" smtClean="0"/>
+              <a:rPr lang="en-US" sz="2400" dirty="0" smtClean="0">
+                <a:solidFill>
+                  <a:schemeClr val="tx1"/>
+                </a:solidFill>
+              </a:rPr>
               <a:t>Revision</a:t>
             </a:r>
           </a:p>
@@ -5643,11 +5653,19 @@
               <a:buChar char="•"/>
             </a:pPr>
             <a:r>
-              <a:rPr lang="en-US" sz="2400" b="1" i="1" dirty="0"/>
+              <a:rPr lang="en-US" sz="2400" dirty="0">
+                <a:solidFill>
+                  <a:schemeClr val="tx1"/>
+                </a:solidFill>
+              </a:rPr>
               <a:t>Don’t Comment Out Failing </a:t>
             </a:r>
             <a:r>
-              <a:rPr lang="en-US" sz="2400" b="1" i="1" dirty="0" smtClean="0"/>
+              <a:rPr lang="en-US" sz="2400" dirty="0" smtClean="0">
+                <a:solidFill>
+                  <a:schemeClr val="tx1"/>
+                </a:solidFill>
+              </a:rPr>
               <a:t>Tests</a:t>
             </a:r>
           </a:p>
@@ -5657,11 +5675,19 @@
               <a:buChar char="•"/>
             </a:pPr>
             <a:r>
-              <a:rPr lang="en-US" sz="2400" b="1" i="1" dirty="0"/>
+              <a:rPr lang="en-US" sz="2400" dirty="0">
+                <a:solidFill>
+                  <a:schemeClr val="tx1"/>
+                </a:solidFill>
+              </a:rPr>
               <a:t>Test-Driven </a:t>
             </a:r>
             <a:r>
-              <a:rPr lang="en-US" sz="2400" b="1" i="1" dirty="0" smtClean="0"/>
+              <a:rPr lang="en-US" sz="2400" dirty="0" smtClean="0">
+                <a:solidFill>
+                  <a:schemeClr val="tx1"/>
+                </a:solidFill>
+              </a:rPr>
               <a:t>Development</a:t>
             </a:r>
           </a:p>
@@ -5671,10 +5697,56 @@
               <a:buChar char="•"/>
             </a:pPr>
             <a:r>
-              <a:rPr lang="en-US" sz="2400" b="1" i="1" dirty="0"/>
-              <a:t>Failing the Build for Slow Tests</a:t>
-            </a:r>
-            <a:endParaRPr lang="en-US" sz="2400" dirty="0"/>
+              <a:rPr lang="en-US" sz="2400" dirty="0">
+                <a:solidFill>
+                  <a:schemeClr val="tx1"/>
+                </a:solidFill>
+              </a:rPr>
+              <a:t>Failing the Build for Slow </a:t>
+            </a:r>
+            <a:r>
+              <a:rPr lang="en-US" sz="2400" dirty="0" smtClean="0">
+                <a:solidFill>
+                  <a:schemeClr val="tx1"/>
+                </a:solidFill>
+              </a:rPr>
+              <a:t>Tests</a:t>
+            </a:r>
+          </a:p>
+          <a:p>
+            <a:pPr marL="342900" indent="-342900" algn="l">
+              <a:buFont typeface="Arial" panose="020B0604020202020204" pitchFamily="34" charset="0"/>
+              <a:buChar char="•"/>
+            </a:pPr>
+            <a:r>
+              <a:rPr lang="en-US" sz="2400" dirty="0">
+                <a:solidFill>
+                  <a:schemeClr val="tx1"/>
+                </a:solidFill>
+              </a:rPr>
+              <a:t>Always Run All Commit Tests Locally before Committing, or </a:t>
+            </a:r>
+            <a:r>
+              <a:rPr lang="en-US" sz="2400" dirty="0" smtClean="0">
+                <a:solidFill>
+                  <a:schemeClr val="tx1"/>
+                </a:solidFill>
+              </a:rPr>
+              <a:t>Get Your </a:t>
+            </a:r>
+            <a:r>
+              <a:rPr lang="en-US" sz="2400" dirty="0">
+                <a:solidFill>
+                  <a:schemeClr val="tx1"/>
+                </a:solidFill>
+              </a:rPr>
+              <a:t>CI Server to Do It for You</a:t>
+            </a:r>
+            <a:endParaRPr lang="en-US" sz="2400" dirty="0">
+              <a:solidFill>
+                <a:schemeClr val="tx1"/>
+              </a:solidFill>
+            </a:endParaRPr>
           </a:p>
         </p:txBody>
       </p:sp>
@@ -5868,40 +5940,39 @@
           <a:lstStyle/>
           <a:p>
             <a:r>
-              <a:rPr lang="en-US" sz="2400" b="1" i="1" dirty="0"/>
+              <a:rPr lang="en-US" sz="2400" dirty="0"/>
               <a:t>Business-Facing Tests That Support the Development </a:t>
             </a:r>
             <a:r>
-              <a:rPr lang="en-US" sz="2400" b="1" i="1" dirty="0" smtClean="0"/>
+              <a:rPr lang="en-US" sz="2400" dirty="0" smtClean="0"/>
               <a:t>Process</a:t>
             </a:r>
           </a:p>
           <a:p>
             <a:r>
-              <a:rPr lang="en-US" sz="2400" b="1" i="1" dirty="0"/>
+              <a:rPr lang="en-US" sz="2400" dirty="0"/>
               <a:t>Technology-Facing Tests That Support the Development </a:t>
             </a:r>
             <a:r>
-              <a:rPr lang="en-US" sz="2400" b="1" i="1" dirty="0" smtClean="0"/>
+              <a:rPr lang="en-US" sz="2400" dirty="0" smtClean="0"/>
               <a:t>Process</a:t>
             </a:r>
           </a:p>
           <a:p>
             <a:r>
-              <a:rPr lang="en-US" sz="2400" b="1" i="1" dirty="0"/>
+              <a:rPr lang="en-US" sz="2400" dirty="0"/>
               <a:t>Business-Facing Tests That Critique the </a:t>
             </a:r>
             <a:r>
-              <a:rPr lang="en-US" sz="2400" b="1" i="1" dirty="0" smtClean="0"/>
+              <a:rPr lang="en-US" sz="2400" dirty="0" smtClean="0"/>
               <a:t>Project</a:t>
             </a:r>
           </a:p>
           <a:p>
             <a:r>
-              <a:rPr lang="en-US" sz="2400" b="1" i="1" dirty="0"/>
+              <a:rPr lang="en-US" sz="2400" dirty="0"/>
               <a:t>Technology-Facing Tests That Critique the Project</a:t>
             </a:r>
-            <a:endParaRPr lang="en-US" sz="2400" dirty="0"/>
           </a:p>
         </p:txBody>
       </p:sp>
@@ -6126,108 +6197,6 @@
           <a:p>
             <a:r>
               <a:rPr lang="en-US" sz="3600" dirty="0" smtClean="0"/>
-              <a:t>Automating Acceptance test</a:t>
-            </a:r>
-            <a:endParaRPr lang="en-US" sz="3600" dirty="0"/>
-          </a:p>
-        </p:txBody>
-      </p:sp>
-      <p:sp>
-        <p:nvSpPr>
-          <p:cNvPr id="3" name="Content Placeholder 2"/>
-          <p:cNvSpPr>
-            <a:spLocks noGrp="1"/>
-          </p:cNvSpPr>
-          <p:nvPr>
-            <p:ph idx="1"/>
-          </p:nvPr>
-        </p:nvSpPr>
-        <p:spPr/>
-        <p:txBody>
-          <a:bodyPr>
-            <a:normAutofit/>
-          </a:bodyPr>
-          <a:lstStyle/>
-          <a:p>
-            <a:r>
-              <a:rPr lang="en-US" sz="2400" b="1" dirty="0" smtClean="0"/>
-              <a:t>They make feedback loop faster</a:t>
-            </a:r>
-          </a:p>
-          <a:p>
-            <a:r>
-              <a:rPr lang="en-US" sz="2400" b="1" dirty="0" smtClean="0"/>
-              <a:t>Reduce Workload on Testers</a:t>
-            </a:r>
-          </a:p>
-          <a:p>
-            <a:r>
-              <a:rPr lang="en-US" sz="2400" b="1" dirty="0" smtClean="0"/>
-              <a:t>Free testers to concentrate on exploratory testing and high value activities</a:t>
-            </a:r>
-          </a:p>
-          <a:p>
-            <a:r>
-              <a:rPr lang="en-US" sz="2400" b="1" dirty="0" err="1" smtClean="0"/>
-              <a:t>Autogenerate</a:t>
-            </a:r>
-            <a:r>
-              <a:rPr lang="en-US" sz="2400" b="1" dirty="0" smtClean="0"/>
-              <a:t> Requirements Documentation from your tests</a:t>
-            </a:r>
-            <a:endParaRPr lang="en-US" sz="2400" dirty="0"/>
-          </a:p>
-        </p:txBody>
-      </p:sp>
-    </p:spTree>
-    <p:extLst>
-      <p:ext uri="{BB962C8B-B14F-4D97-AF65-F5344CB8AC3E}">
-        <p14:creationId xmlns:p14="http://schemas.microsoft.com/office/powerpoint/2010/main" val="936498719"/>
-      </p:ext>
-    </p:extLst>
-  </p:cSld>
-  <p:clrMapOvr>
-    <a:masterClrMapping/>
-  </p:clrMapOvr>
-</p:sld>
-</file>
-
-<file path=ppt/slides/slide21.xml><?xml version="1.0" encoding="utf-8"?>
-<p:sld xmlns:a="http://schemas.openxmlformats.org/drawingml/2006/main" xmlns:r="http://schemas.openxmlformats.org/officeDocument/2006/relationships" xmlns:p="http://schemas.openxmlformats.org/presentationml/2006/main">
-  <p:cSld>
-    <p:spTree>
-      <p:nvGrpSpPr>
-        <p:cNvPr id="1" name=""/>
-        <p:cNvGrpSpPr/>
-        <p:nvPr/>
-      </p:nvGrpSpPr>
-      <p:grpSpPr>
-        <a:xfrm>
-          <a:off x="0" y="0"/>
-          <a:ext cx="0" cy="0"/>
-          <a:chOff x="0" y="0"/>
-          <a:chExt cx="0" cy="0"/>
-        </a:xfrm>
-      </p:grpSpPr>
-      <p:sp>
-        <p:nvSpPr>
-          <p:cNvPr id="2" name="Title 1"/>
-          <p:cNvSpPr>
-            <a:spLocks noGrp="1"/>
-          </p:cNvSpPr>
-          <p:nvPr>
-            <p:ph type="title"/>
-          </p:nvPr>
-        </p:nvSpPr>
-        <p:spPr/>
-        <p:txBody>
-          <a:bodyPr>
-            <a:normAutofit/>
-          </a:bodyPr>
-          <a:lstStyle/>
-          <a:p>
-            <a:r>
-              <a:rPr lang="en-US" sz="3600" dirty="0" smtClean="0"/>
               <a:t>What is Deployment Pipeline</a:t>
             </a:r>
             <a:endParaRPr lang="en-US" sz="3600" dirty="0"/>
@@ -6329,6 +6298,92 @@
 </p:sld>
 </file>
 
+<file path=ppt/slides/slide21.xml><?xml version="1.0" encoding="utf-8"?>
+<p:sld xmlns:a="http://schemas.openxmlformats.org/drawingml/2006/main" xmlns:r="http://schemas.openxmlformats.org/officeDocument/2006/relationships" xmlns:p="http://schemas.openxmlformats.org/presentationml/2006/main">
+  <p:cSld>
+    <p:spTree>
+      <p:nvGrpSpPr>
+        <p:cNvPr id="1" name=""/>
+        <p:cNvGrpSpPr/>
+        <p:nvPr/>
+      </p:nvGrpSpPr>
+      <p:grpSpPr>
+        <a:xfrm>
+          <a:off x="0" y="0"/>
+          <a:ext cx="0" cy="0"/>
+          <a:chOff x="0" y="0"/>
+          <a:chExt cx="0" cy="0"/>
+        </a:xfrm>
+      </p:grpSpPr>
+      <p:pic>
+        <p:nvPicPr>
+          <p:cNvPr id="2050" name="Picture 2"/>
+          <p:cNvPicPr>
+            <a:picLocks noGrp="1" noChangeAspect="1" noChangeArrowheads="1"/>
+          </p:cNvPicPr>
+          <p:nvPr>
+            <p:ph idx="1"/>
+          </p:nvPr>
+        </p:nvPicPr>
+        <p:blipFill>
+          <a:blip r:embed="rId2">
+            <a:extLst>
+              <a:ext uri="{28A0092B-C50C-407E-A947-70E740481C1C}">
+                <a14:useLocalDpi xmlns:a14="http://schemas.microsoft.com/office/drawing/2010/main" val="0"/>
+              </a:ext>
+            </a:extLst>
+          </a:blip>
+          <a:srcRect/>
+          <a:stretch>
+            <a:fillRect/>
+          </a:stretch>
+        </p:blipFill>
+        <p:spPr bwMode="auto">
+          <a:xfrm>
+            <a:off x="533400" y="457200"/>
+            <a:ext cx="8000999" cy="5668963"/>
+          </a:xfrm>
+          <a:prstGeom prst="rect">
+            <a:avLst/>
+          </a:prstGeom>
+          <a:noFill/>
+          <a:ln>
+            <a:noFill/>
+          </a:ln>
+          <a:extLst>
+            <a:ext uri="{909E8E84-426E-40DD-AFC4-6F175D3DCCD1}">
+              <a14:hiddenFill xmlns:a14="http://schemas.microsoft.com/office/drawing/2010/main">
+                <a:solidFill>
+                  <a:schemeClr val="accent1"/>
+                </a:solidFill>
+              </a14:hiddenFill>
+            </a:ext>
+            <a:ext uri="{91240B29-F687-4F45-9708-019B960494DF}">
+              <a14:hiddenLine xmlns:a14="http://schemas.microsoft.com/office/drawing/2010/main" w="9525">
+                <a:solidFill>
+                  <a:schemeClr val="tx1"/>
+                </a:solidFill>
+                <a:miter lim="800000"/>
+                <a:headEnd/>
+                <a:tailEnd/>
+              </a14:hiddenLine>
+            </a:ext>
+          </a:extLst>
+        </p:spPr>
+      </p:pic>
+    </p:spTree>
+    <p:extLst>
+      <p:ext uri="{BB962C8B-B14F-4D97-AF65-F5344CB8AC3E}">
+        <p14:creationId xmlns:p14="http://schemas.microsoft.com/office/powerpoint/2010/main" val="3775675808"/>
+      </p:ext>
+    </p:extLst>
+  </p:cSld>
+  <p:clrMapOvr>
+    <a:masterClrMapping/>
+  </p:clrMapOvr>
+</p:sld>
+</file>
+
 <file path=ppt/slides/slide22.xml><?xml version="1.0" encoding="utf-8"?>
 <p:sld xmlns:a="http://schemas.openxmlformats.org/drawingml/2006/main" xmlns:r="http://schemas.openxmlformats.org/officeDocument/2006/relationships" xmlns:p="http://schemas.openxmlformats.org/presentationml/2006/main">
   <p:cSld>
@@ -6358,73 +6413,97 @@
         </p:nvSpPr>
         <p:spPr/>
         <p:txBody>
-          <a:bodyPr/>
-          <a:lstStyle/>
-          <a:p>
-            <a:endParaRPr lang="en-US" dirty="0"/>
-          </a:p>
-        </p:txBody>
-      </p:sp>
-      <p:pic>
-        <p:nvPicPr>
-          <p:cNvPr id="2050" name="Picture 2"/>
-          <p:cNvPicPr>
-            <a:picLocks noGrp="1" noChangeAspect="1" noChangeArrowheads="1"/>
-          </p:cNvPicPr>
+          <a:bodyPr>
+            <a:normAutofit/>
+          </a:bodyPr>
+          <a:lstStyle/>
+          <a:p>
+            <a:r>
+              <a:rPr lang="en-US" sz="3600" dirty="0" smtClean="0"/>
+              <a:t>Deployment Pipeline Practices</a:t>
+            </a:r>
+            <a:endParaRPr lang="en-US" sz="3600" dirty="0"/>
+          </a:p>
+        </p:txBody>
+      </p:sp>
+      <p:sp>
+        <p:nvSpPr>
+          <p:cNvPr id="3" name="Content Placeholder 2"/>
+          <p:cNvSpPr>
+            <a:spLocks noGrp="1"/>
+          </p:cNvSpPr>
           <p:nvPr>
             <p:ph idx="1"/>
           </p:nvPr>
-        </p:nvPicPr>
-        <p:blipFill>
-          <a:blip r:embed="rId2">
-            <a:extLst>
-              <a:ext uri="{28A0092B-C50C-407E-A947-70E740481C1C}">
-                <a14:useLocalDpi xmlns:a14="http://schemas.microsoft.com/office/drawing/2010/main" val="0"/>
-              </a:ext>
-            </a:extLst>
-          </a:blip>
-          <a:srcRect/>
-          <a:stretch>
-            <a:fillRect/>
-          </a:stretch>
-        </p:blipFill>
-        <p:spPr bwMode="auto">
-          <a:xfrm>
-            <a:off x="1592645" y="1600200"/>
-            <a:ext cx="5958710" cy="4525963"/>
-          </a:xfrm>
-          <a:prstGeom prst="rect">
-            <a:avLst/>
-          </a:prstGeom>
-          <a:noFill/>
-          <a:ln>
-            <a:noFill/>
-          </a:ln>
-          <a:extLst>
-            <a:ext uri="{909E8E84-426E-40DD-AFC4-6F175D3DCCD1}">
-              <a14:hiddenFill xmlns:a14="http://schemas.microsoft.com/office/drawing/2010/main">
-                <a:solidFill>
-                  <a:schemeClr val="accent1"/>
-                </a:solidFill>
-              </a14:hiddenFill>
-            </a:ext>
-            <a:ext uri="{91240B29-F687-4F45-9708-019B960494DF}">
-              <a14:hiddenLine xmlns:a14="http://schemas.microsoft.com/office/drawing/2010/main" w="9525">
-                <a:solidFill>
-                  <a:schemeClr val="tx1"/>
-                </a:solidFill>
-                <a:miter lim="800000"/>
-                <a:headEnd/>
-                <a:tailEnd/>
-              </a14:hiddenLine>
-            </a:ext>
-          </a:extLst>
-        </p:spPr>
-      </p:pic>
+        </p:nvSpPr>
+        <p:spPr/>
+        <p:txBody>
+          <a:bodyPr>
+            <a:normAutofit/>
+          </a:bodyPr>
+          <a:lstStyle/>
+          <a:p>
+            <a:r>
+              <a:rPr lang="en-US" sz="2400" dirty="0"/>
+              <a:t>Only Build Your Binaries </a:t>
+            </a:r>
+            <a:r>
+              <a:rPr lang="en-US" sz="2400" dirty="0" smtClean="0"/>
+              <a:t>Once</a:t>
+            </a:r>
+          </a:p>
+          <a:p>
+            <a:r>
+              <a:rPr lang="en-US" sz="2400" dirty="0"/>
+              <a:t>Deploy the Same Way to Every </a:t>
+            </a:r>
+            <a:r>
+              <a:rPr lang="en-US" sz="2400" dirty="0" smtClean="0"/>
+              <a:t>Environment</a:t>
+            </a:r>
+          </a:p>
+          <a:p>
+            <a:r>
+              <a:rPr lang="en-US" sz="2400" dirty="0"/>
+              <a:t>Smoke-Test Your </a:t>
+            </a:r>
+            <a:r>
+              <a:rPr lang="en-US" sz="2400" dirty="0" smtClean="0"/>
+              <a:t>Deployments</a:t>
+            </a:r>
+          </a:p>
+          <a:p>
+            <a:r>
+              <a:rPr lang="en-US" sz="2400" dirty="0"/>
+              <a:t>Deploy into a Copy of </a:t>
+            </a:r>
+            <a:r>
+              <a:rPr lang="en-US" sz="2400" dirty="0" smtClean="0"/>
+              <a:t>Production</a:t>
+            </a:r>
+          </a:p>
+          <a:p>
+            <a:r>
+              <a:rPr lang="en-US" sz="2400" dirty="0"/>
+              <a:t>Each Change Should Propagate through the Pipeline </a:t>
+            </a:r>
+            <a:r>
+              <a:rPr lang="en-US" sz="2400" dirty="0" smtClean="0"/>
+              <a:t>Instantly</a:t>
+            </a:r>
+          </a:p>
+          <a:p>
+            <a:r>
+              <a:rPr lang="en-US" sz="2400" dirty="0"/>
+              <a:t>If Any Part of the Pipeline Fails, Stop the Line</a:t>
+            </a:r>
+          </a:p>
+        </p:txBody>
+      </p:sp>
     </p:spTree>
     <p:extLst>
       <p:ext uri="{BB962C8B-B14F-4D97-AF65-F5344CB8AC3E}">
-        <p14:creationId xmlns:p14="http://schemas.microsoft.com/office/powerpoint/2010/main" val="3775675808"/>
+        <p14:creationId xmlns:p14="http://schemas.microsoft.com/office/powerpoint/2010/main" val="745934161"/>
       </p:ext>
     </p:extLst>
   </p:cSld>
@@ -6470,7 +6549,7 @@
           <a:p>
             <a:r>
               <a:rPr lang="en-US" sz="3600" dirty="0" smtClean="0"/>
-              <a:t>Deployment Pipeline Practices</a:t>
+              <a:t>Commit Stage</a:t>
             </a:r>
             <a:endParaRPr lang="en-US" sz="3600" dirty="0"/>
           </a:p>
@@ -6494,67 +6573,56 @@
           <a:lstStyle/>
           <a:p>
             <a:r>
-              <a:rPr lang="en-US" sz="2400" b="1" i="1" dirty="0"/>
-              <a:t>Only Build Your Binaries </a:t>
-            </a:r>
-            <a:r>
-              <a:rPr lang="en-US" sz="2400" b="1" i="1" dirty="0" smtClean="0"/>
-              <a:t>Once</a:t>
-            </a:r>
-          </a:p>
-          <a:p>
-            <a:r>
-              <a:rPr lang="en-US" sz="2400" b="1" i="1" dirty="0"/>
-              <a:t>Deploy the Same Way to Every </a:t>
-            </a:r>
-            <a:r>
-              <a:rPr lang="en-US" sz="2400" b="1" i="1" dirty="0" smtClean="0"/>
-              <a:t>Environment</a:t>
-            </a:r>
-          </a:p>
-          <a:p>
-            <a:r>
-              <a:rPr lang="en-US" sz="2400" b="1" i="1" dirty="0"/>
-              <a:t>Smoke-Test Your </a:t>
-            </a:r>
-            <a:r>
-              <a:rPr lang="en-US" sz="2400" b="1" i="1" dirty="0" smtClean="0"/>
-              <a:t>Deployments</a:t>
-            </a:r>
-          </a:p>
-          <a:p>
-            <a:r>
-              <a:rPr lang="en-US" sz="2400" b="1" i="1" dirty="0"/>
-              <a:t>Deploy into a Copy of </a:t>
-            </a:r>
-            <a:r>
-              <a:rPr lang="en-US" sz="2400" b="1" i="1" dirty="0" smtClean="0"/>
-              <a:t>Production</a:t>
-            </a:r>
-          </a:p>
-          <a:p>
-            <a:r>
-              <a:rPr lang="en-US" sz="2400" b="1" i="1" dirty="0"/>
-              <a:t>Each Change Should Propagate through the Pipeline </a:t>
-            </a:r>
-            <a:r>
-              <a:rPr lang="en-US" sz="2400" b="1" i="1" dirty="0" smtClean="0"/>
-              <a:t>Instantly</a:t>
-            </a:r>
-          </a:p>
-          <a:p>
-            <a:r>
-              <a:rPr lang="en-US" sz="2400" b="1" i="1" dirty="0"/>
-              <a:t>If Any Part of the Pipeline Fails, Stop the Line</a:t>
-            </a:r>
-            <a:endParaRPr lang="en-US" sz="2400" dirty="0"/>
+              <a:rPr lang="en-US" sz="2400" dirty="0"/>
+              <a:t>Compile the code (if necessary</a:t>
+            </a:r>
+            <a:r>
+              <a:rPr lang="en-US" sz="2400" dirty="0" smtClean="0"/>
+              <a:t>).</a:t>
+            </a:r>
+          </a:p>
+          <a:p>
+            <a:r>
+              <a:rPr lang="en-US" sz="2400" dirty="0"/>
+              <a:t>Run a set of commit </a:t>
+            </a:r>
+            <a:r>
+              <a:rPr lang="en-US" sz="2400" dirty="0" smtClean="0"/>
+              <a:t>tests</a:t>
+            </a:r>
+          </a:p>
+          <a:p>
+            <a:r>
+              <a:rPr lang="en-US" sz="2400" dirty="0"/>
+              <a:t>Create binaries for use by later stages</a:t>
+            </a:r>
+            <a:r>
+              <a:rPr lang="en-US" sz="2400" dirty="0" smtClean="0"/>
+              <a:t>.</a:t>
+            </a:r>
+          </a:p>
+          <a:p>
+            <a:r>
+              <a:rPr lang="en-US" sz="2400" dirty="0"/>
+              <a:t>Perform analysis of the code to check its health</a:t>
+            </a:r>
+            <a:r>
+              <a:rPr lang="en-US" sz="2400" dirty="0" smtClean="0"/>
+              <a:t>.</a:t>
+            </a:r>
+          </a:p>
+          <a:p>
+            <a:r>
+              <a:rPr lang="en-US" sz="2400" dirty="0"/>
+              <a:t>Prepare artifacts, such as test databases, for use by later stages.</a:t>
+            </a:r>
           </a:p>
         </p:txBody>
       </p:sp>
     </p:spTree>
     <p:extLst>
       <p:ext uri="{BB962C8B-B14F-4D97-AF65-F5344CB8AC3E}">
-        <p14:creationId xmlns:p14="http://schemas.microsoft.com/office/powerpoint/2010/main" val="745934161"/>
+        <p14:creationId xmlns:p14="http://schemas.microsoft.com/office/powerpoint/2010/main" val="3031449059"/>
       </p:ext>
     </p:extLst>
   </p:cSld>
@@ -6600,7 +6668,7 @@
           <a:p>
             <a:r>
               <a:rPr lang="en-US" sz="3600" dirty="0" smtClean="0"/>
-              <a:t>Commit Stage</a:t>
+              <a:t>Automated Acceptance Test Gate</a:t>
             </a:r>
             <a:endParaRPr lang="en-US" sz="3600" dirty="0"/>
           </a:p>
@@ -6625,55 +6693,51 @@
           <a:p>
             <a:r>
               <a:rPr lang="en-US" sz="2400" dirty="0"/>
-              <a:t>Compile the code (if necessary</a:t>
+              <a:t>system delivers </a:t>
             </a:r>
             <a:r>
               <a:rPr lang="en-US" sz="2400" dirty="0" smtClean="0"/>
-              <a:t>).</a:t>
-            </a:r>
-          </a:p>
-          <a:p>
+              <a:t>the value </a:t>
+            </a:r>
             <a:r>
               <a:rPr lang="en-US" sz="2400" dirty="0"/>
-              <a:t>Run a set of commit </a:t>
+              <a:t>the customer is </a:t>
             </a:r>
             <a:r>
               <a:rPr lang="en-US" sz="2400" dirty="0" smtClean="0"/>
-              <a:t>tests</a:t>
+              <a:t>expecting</a:t>
             </a:r>
           </a:p>
           <a:p>
             <a:r>
               <a:rPr lang="en-US" sz="2400" dirty="0"/>
-              <a:t>Create binaries for use by later stages</a:t>
+              <a:t>verifying that no </a:t>
             </a:r>
             <a:r>
               <a:rPr lang="en-US" sz="2400" dirty="0" smtClean="0"/>
-              <a:t>.</a:t>
-            </a:r>
-          </a:p>
-          <a:p>
+              <a:t>bugs are </a:t>
+            </a:r>
             <a:r>
               <a:rPr lang="en-US" sz="2400" dirty="0"/>
-              <a:t>Perform analysis of the code to check its health</a:t>
+              <a:t>introduced into existing behavior by new </a:t>
             </a:r>
             <a:r>
               <a:rPr lang="en-US" sz="2400" dirty="0" smtClean="0"/>
-              <a:t>.</a:t>
-            </a:r>
-          </a:p>
-          <a:p>
-            <a:r>
-              <a:rPr lang="en-US" sz="2400" dirty="0"/>
-              <a:t>Prepare artifacts, such as test databases, for use by later stages.</a:t>
-            </a:r>
+              <a:t>changes</a:t>
+            </a:r>
+          </a:p>
+          <a:p>
+            <a:pPr marL="0" indent="0">
+              <a:buNone/>
+            </a:pPr>
+            <a:endParaRPr lang="en-US" sz="2400" dirty="0"/>
           </a:p>
         </p:txBody>
       </p:sp>
     </p:spTree>
     <p:extLst>
       <p:ext uri="{BB962C8B-B14F-4D97-AF65-F5344CB8AC3E}">
-        <p14:creationId xmlns:p14="http://schemas.microsoft.com/office/powerpoint/2010/main" val="3031449059"/>
+        <p14:creationId xmlns:p14="http://schemas.microsoft.com/office/powerpoint/2010/main" val="368524981"/>
       </p:ext>
     </p:extLst>
   </p:cSld>
@@ -6719,7 +6783,7 @@
           <a:p>
             <a:r>
               <a:rPr lang="en-US" sz="3600" dirty="0" smtClean="0"/>
-              <a:t>Automated Acceptance Test Gate</a:t>
+              <a:t>Preparing To Release</a:t>
             </a:r>
             <a:endParaRPr lang="en-US" sz="3600" dirty="0"/>
           </a:p>
@@ -6744,51 +6808,75 @@
           <a:p>
             <a:r>
               <a:rPr lang="en-US" sz="2400" dirty="0"/>
-              <a:t>system delivers </a:t>
+              <a:t>Have a release </a:t>
             </a:r>
             <a:r>
               <a:rPr lang="en-US" sz="2400" dirty="0" smtClean="0"/>
-              <a:t>the value </a:t>
-            </a:r>
+              <a:t>plan</a:t>
+            </a:r>
+          </a:p>
+          <a:p>
             <a:r>
               <a:rPr lang="en-US" sz="2400" dirty="0"/>
-              <a:t>the customer is </a:t>
+              <a:t>Minimize the effect of people making mistakes by automating as much </a:t>
             </a:r>
             <a:r>
               <a:rPr lang="en-US" sz="2400" dirty="0" smtClean="0"/>
-              <a:t>expecting</a:t>
-            </a:r>
-          </a:p>
-          <a:p>
+              <a:t>of the </a:t>
+            </a:r>
             <a:r>
               <a:rPr lang="en-US" sz="2400" dirty="0"/>
-              <a:t>verifying that no </a:t>
+              <a:t>process as </a:t>
             </a:r>
             <a:r>
               <a:rPr lang="en-US" sz="2400" dirty="0" smtClean="0"/>
-              <a:t>bugs are </a:t>
-            </a:r>
+              <a:t>possible</a:t>
+            </a:r>
+          </a:p>
+          <a:p>
             <a:r>
               <a:rPr lang="en-US" sz="2400" dirty="0"/>
-              <a:t>introduced into existing behavior by new </a:t>
+              <a:t>Rehearse the procedure often in production-like </a:t>
             </a:r>
             <a:r>
               <a:rPr lang="en-US" sz="2400" dirty="0" smtClean="0"/>
-              <a:t>changes</a:t>
-            </a:r>
-          </a:p>
-          <a:p>
-            <a:pPr marL="0" indent="0">
-              <a:buNone/>
-            </a:pPr>
-            <a:endParaRPr lang="en-US" sz="2400" dirty="0"/>
+              <a:t>environments</a:t>
+            </a:r>
+          </a:p>
+          <a:p>
+            <a:r>
+              <a:rPr lang="en-US" sz="2400" dirty="0"/>
+              <a:t>Have the ability to back out a release if things don’t go according to </a:t>
+            </a:r>
+            <a:r>
+              <a:rPr lang="en-US" sz="2400" dirty="0" smtClean="0"/>
+              <a:t>plan</a:t>
+            </a:r>
+          </a:p>
+          <a:p>
+            <a:r>
+              <a:rPr lang="en-US" sz="2400" dirty="0"/>
+              <a:t>Have a strategy for migrating configuration and production data </a:t>
+            </a:r>
+            <a:r>
+              <a:rPr lang="en-US" sz="2400"/>
+              <a:t>as </a:t>
+            </a:r>
+            <a:r>
+              <a:rPr lang="en-US" sz="2400" smtClean="0"/>
+              <a:t>part of </a:t>
+            </a:r>
+            <a:r>
+              <a:rPr lang="en-US" sz="2400" dirty="0"/>
+              <a:t>the upgrade and rollback processes</a:t>
+            </a:r>
           </a:p>
         </p:txBody>
       </p:sp>
     </p:spTree>
     <p:extLst>
       <p:ext uri="{BB962C8B-B14F-4D97-AF65-F5344CB8AC3E}">
-        <p14:creationId xmlns:p14="http://schemas.microsoft.com/office/powerpoint/2010/main" val="368524981"/>
+        <p14:creationId xmlns:p14="http://schemas.microsoft.com/office/powerpoint/2010/main" val="626612462"/>
       </p:ext>
     </p:extLst>
   </p:cSld>
@@ -6828,13 +6916,13 @@
         <p:spPr/>
         <p:txBody>
           <a:bodyPr>
-            <a:normAutofit/>
+            <a:normAutofit fontScale="90000"/>
           </a:bodyPr>
           <a:lstStyle/>
           <a:p>
             <a:r>
               <a:rPr lang="en-US" sz="3600" dirty="0" smtClean="0"/>
-              <a:t>Preparing To Release</a:t>
+              <a:t>Practices of build and Deployment Scripting</a:t>
             </a:r>
             <a:endParaRPr lang="en-US" sz="3600" dirty="0"/>
           </a:p>
@@ -6858,76 +6946,57 @@
           <a:lstStyle/>
           <a:p>
             <a:r>
-              <a:rPr lang="en-US" sz="2400" dirty="0"/>
-              <a:t>Have a release </a:t>
-            </a:r>
-            <a:r>
-              <a:rPr lang="en-US" sz="2400" dirty="0" smtClean="0"/>
-              <a:t>plan</a:t>
-            </a:r>
-          </a:p>
-          <a:p>
-            <a:r>
-              <a:rPr lang="en-US" sz="2400" dirty="0"/>
-              <a:t>Minimize the effect of people making mistakes by automating as much </a:t>
-            </a:r>
-            <a:r>
-              <a:rPr lang="en-US" sz="2400" dirty="0" smtClean="0"/>
-              <a:t>of the </a:t>
-            </a:r>
-            <a:r>
-              <a:rPr lang="en-US" sz="2400" dirty="0"/>
-              <a:t>process as </a:t>
-            </a:r>
-            <a:r>
-              <a:rPr lang="en-US" sz="2400" dirty="0" smtClean="0"/>
-              <a:t>possible</a:t>
-            </a:r>
-          </a:p>
-          <a:p>
-            <a:r>
-              <a:rPr lang="en-US" sz="2400" dirty="0"/>
-              <a:t>Rehearse the procedure often in production-like </a:t>
-            </a:r>
-            <a:r>
-              <a:rPr lang="en-US" sz="2400" dirty="0" smtClean="0"/>
-              <a:t>environments</a:t>
-            </a:r>
-          </a:p>
-          <a:p>
-            <a:r>
-              <a:rPr lang="en-US" sz="2400" dirty="0"/>
-              <a:t>Have the ability to back out a release if things don’t go according to </a:t>
-            </a:r>
-            <a:r>
-              <a:rPr lang="en-US" sz="2400" dirty="0" smtClean="0"/>
-              <a:t>plan</a:t>
-            </a:r>
-          </a:p>
-          <a:p>
-            <a:r>
-              <a:rPr lang="en-US" sz="2400" dirty="0"/>
-              <a:t>Have a strategy for migrating configuration and production data </a:t>
-            </a:r>
-            <a:r>
-              <a:rPr lang="en-US" sz="2400"/>
-              <a:t>as </a:t>
-            </a:r>
-            <a:r>
-              <a:rPr lang="en-US" sz="2400" smtClean="0"/>
-              <a:t>part of </a:t>
-            </a:r>
-            <a:r>
-              <a:rPr lang="en-US" sz="2400" dirty="0"/>
-              <a:t>the upgrade and rollback processes</a:t>
-            </a:r>
+              <a:rPr lang="en-US" sz="2400" b="1" i="1" dirty="0"/>
+              <a:t>Create a Script for Each Stage in Your Deployment </a:t>
+            </a:r>
+            <a:r>
+              <a:rPr lang="en-US" sz="2400" b="1" i="1" dirty="0" smtClean="0"/>
+              <a:t>Pipeline</a:t>
+            </a:r>
+          </a:p>
+          <a:p>
+            <a:r>
+              <a:rPr lang="en-US" sz="2400" b="1" i="1" dirty="0"/>
+              <a:t>Use an Appropriate Technology to Deploy Your </a:t>
+            </a:r>
+            <a:r>
+              <a:rPr lang="en-US" sz="2400" b="1" i="1" dirty="0" smtClean="0"/>
+              <a:t>Application</a:t>
+            </a:r>
+          </a:p>
+          <a:p>
+            <a:r>
+              <a:rPr lang="en-US" sz="2400" b="1" i="1" dirty="0"/>
+              <a:t>Use the Same Scripts to Deploy to Every </a:t>
+            </a:r>
+            <a:r>
+              <a:rPr lang="en-US" sz="2400" b="1" i="1" dirty="0" smtClean="0"/>
+              <a:t>Environment</a:t>
+            </a:r>
+          </a:p>
+          <a:p>
+            <a:r>
+              <a:rPr lang="en-US" sz="2400" b="1" i="1" dirty="0"/>
+              <a:t>Use Your Operating System’s Packaging </a:t>
+            </a:r>
+            <a:r>
+              <a:rPr lang="en-US" sz="2400" b="1" i="1" dirty="0" smtClean="0"/>
+              <a:t>Tools</a:t>
+            </a:r>
+          </a:p>
+          <a:p>
+            <a:r>
+              <a:rPr lang="en-US" sz="2400" b="1" i="1" dirty="0"/>
+              <a:t>Evolve Your Deployment System Incrementally</a:t>
+            </a:r>
+            <a:endParaRPr lang="en-US" sz="2400" dirty="0"/>
           </a:p>
         </p:txBody>
       </p:sp>
     </p:spTree>
     <p:extLst>
       <p:ext uri="{BB962C8B-B14F-4D97-AF65-F5344CB8AC3E}">
-        <p14:creationId xmlns:p14="http://schemas.microsoft.com/office/powerpoint/2010/main" val="626612462"/>
+        <p14:creationId xmlns:p14="http://schemas.microsoft.com/office/powerpoint/2010/main" val="3370289245"/>
       </p:ext>
     </p:extLst>
   </p:cSld>
@@ -6972,126 +7041,6 @@
           <a:lstStyle/>
           <a:p>
             <a:r>
-              <a:rPr lang="en-US" sz="3600" dirty="0" smtClean="0"/>
-              <a:t>Practices of build and Deployment Scripting</a:t>
-            </a:r>
-            <a:endParaRPr lang="en-US" sz="3600" dirty="0"/>
-          </a:p>
-        </p:txBody>
-      </p:sp>
-      <p:sp>
-        <p:nvSpPr>
-          <p:cNvPr id="3" name="Content Placeholder 2"/>
-          <p:cNvSpPr>
-            <a:spLocks noGrp="1"/>
-          </p:cNvSpPr>
-          <p:nvPr>
-            <p:ph idx="1"/>
-          </p:nvPr>
-        </p:nvSpPr>
-        <p:spPr/>
-        <p:txBody>
-          <a:bodyPr>
-            <a:normAutofit/>
-          </a:bodyPr>
-          <a:lstStyle/>
-          <a:p>
-            <a:r>
-              <a:rPr lang="en-US" sz="2400" b="1" i="1" dirty="0"/>
-              <a:t>Create a Script for Each Stage in Your Deployment </a:t>
-            </a:r>
-            <a:r>
-              <a:rPr lang="en-US" sz="2400" b="1" i="1" dirty="0" smtClean="0"/>
-              <a:t>Pipeline</a:t>
-            </a:r>
-          </a:p>
-          <a:p>
-            <a:r>
-              <a:rPr lang="en-US" sz="2400" b="1" i="1" dirty="0"/>
-              <a:t>Use an Appropriate Technology to Deploy Your </a:t>
-            </a:r>
-            <a:r>
-              <a:rPr lang="en-US" sz="2400" b="1" i="1" dirty="0" smtClean="0"/>
-              <a:t>Application</a:t>
-            </a:r>
-          </a:p>
-          <a:p>
-            <a:r>
-              <a:rPr lang="en-US" sz="2400" b="1" i="1" dirty="0"/>
-              <a:t>Use the Same Scripts to Deploy to Every </a:t>
-            </a:r>
-            <a:r>
-              <a:rPr lang="en-US" sz="2400" b="1" i="1" dirty="0" smtClean="0"/>
-              <a:t>Environment</a:t>
-            </a:r>
-          </a:p>
-          <a:p>
-            <a:r>
-              <a:rPr lang="en-US" sz="2400" b="1" i="1" dirty="0"/>
-              <a:t>Use Your Operating System’s Packaging </a:t>
-            </a:r>
-            <a:r>
-              <a:rPr lang="en-US" sz="2400" b="1" i="1" dirty="0" smtClean="0"/>
-              <a:t>Tools</a:t>
-            </a:r>
-          </a:p>
-          <a:p>
-            <a:r>
-              <a:rPr lang="en-US" sz="2400" b="1" i="1" dirty="0"/>
-              <a:t>Evolve Your Deployment System Incrementally</a:t>
-            </a:r>
-            <a:endParaRPr lang="en-US" sz="2400" dirty="0"/>
-          </a:p>
-        </p:txBody>
-      </p:sp>
-    </p:spTree>
-    <p:extLst>
-      <p:ext uri="{BB962C8B-B14F-4D97-AF65-F5344CB8AC3E}">
-        <p14:creationId xmlns:p14="http://schemas.microsoft.com/office/powerpoint/2010/main" val="3370289245"/>
-      </p:ext>
-    </p:extLst>
-  </p:cSld>
-  <p:clrMapOvr>
-    <a:masterClrMapping/>
-  </p:clrMapOvr>
-</p:sld>
-</file>
-
-<file path=ppt/slides/slide28.xml><?xml version="1.0" encoding="utf-8"?>
-<p:sld xmlns:a="http://schemas.openxmlformats.org/drawingml/2006/main" xmlns:r="http://schemas.openxmlformats.org/officeDocument/2006/relationships" xmlns:p="http://schemas.openxmlformats.org/presentationml/2006/main">
-  <p:cSld>
-    <p:spTree>
-      <p:nvGrpSpPr>
-        <p:cNvPr id="1" name=""/>
-        <p:cNvGrpSpPr/>
-        <p:nvPr/>
-      </p:nvGrpSpPr>
-      <p:grpSpPr>
-        <a:xfrm>
-          <a:off x="0" y="0"/>
-          <a:ext cx="0" cy="0"/>
-          <a:chOff x="0" y="0"/>
-          <a:chExt cx="0" cy="0"/>
-        </a:xfrm>
-      </p:grpSpPr>
-      <p:sp>
-        <p:nvSpPr>
-          <p:cNvPr id="2" name="Title 1"/>
-          <p:cNvSpPr>
-            <a:spLocks noGrp="1"/>
-          </p:cNvSpPr>
-          <p:nvPr>
-            <p:ph type="title"/>
-          </p:nvPr>
-        </p:nvSpPr>
-        <p:spPr/>
-        <p:txBody>
-          <a:bodyPr>
-            <a:normAutofit fontScale="90000"/>
-          </a:bodyPr>
-          <a:lstStyle/>
-          <a:p>
-            <a:r>
               <a:rPr lang="en-US" sz="3600" b="1" dirty="0"/>
               <a:t>Project Structure for Applications That Target the JVM</a:t>
             </a:r>
@@ -7177,7 +7126,7 @@
 </p:sld>
 </file>
 
-<file path=ppt/slides/slide29.xml><?xml version="1.0" encoding="utf-8"?>
+<file path=ppt/slides/slide28.xml><?xml version="1.0" encoding="utf-8"?>
 <p:sld xmlns:a="http://schemas.openxmlformats.org/drawingml/2006/main" xmlns:r="http://schemas.openxmlformats.org/officeDocument/2006/relationships" xmlns:p="http://schemas.openxmlformats.org/presentationml/2006/main">
   <p:cSld>
     <p:spTree>
@@ -7356,339 +7305,7 @@
 </p:sld>
 </file>
 
-<file path=ppt/slides/slide3.xml><?xml version="1.0" encoding="utf-8"?>
-<p:sld xmlns:a="http://schemas.openxmlformats.org/drawingml/2006/main" xmlns:r="http://schemas.openxmlformats.org/officeDocument/2006/relationships" xmlns:p="http://schemas.openxmlformats.org/presentationml/2006/main">
-  <p:cSld>
-    <p:spTree>
-      <p:nvGrpSpPr>
-        <p:cNvPr id="1" name=""/>
-        <p:cNvGrpSpPr/>
-        <p:nvPr/>
-      </p:nvGrpSpPr>
-      <p:grpSpPr>
-        <a:xfrm>
-          <a:off x="0" y="0"/>
-          <a:ext cx="0" cy="0"/>
-          <a:chOff x="0" y="0"/>
-          <a:chExt cx="0" cy="0"/>
-        </a:xfrm>
-      </p:grpSpPr>
-      <p:sp>
-        <p:nvSpPr>
-          <p:cNvPr id="2" name="Title 1"/>
-          <p:cNvSpPr>
-            <a:spLocks noGrp="1"/>
-          </p:cNvSpPr>
-          <p:nvPr>
-            <p:ph type="ctrTitle"/>
-          </p:nvPr>
-        </p:nvSpPr>
-        <p:spPr>
-          <a:xfrm>
-            <a:off x="685800" y="304801"/>
-            <a:ext cx="7772400" cy="1371599"/>
-          </a:xfrm>
-        </p:spPr>
-        <p:txBody>
-          <a:bodyPr>
-            <a:normAutofit/>
-          </a:bodyPr>
-          <a:lstStyle/>
-          <a:p>
-            <a:r>
-              <a:rPr lang="en-US" sz="3200" dirty="0" smtClean="0"/>
-              <a:t>Problems in deploying software manually</a:t>
-            </a:r>
-            <a:endParaRPr lang="en-US" sz="3200" dirty="0"/>
-          </a:p>
-        </p:txBody>
-      </p:sp>
-      <p:sp>
-        <p:nvSpPr>
-          <p:cNvPr id="3" name="Subtitle 2"/>
-          <p:cNvSpPr>
-            <a:spLocks noGrp="1"/>
-          </p:cNvSpPr>
-          <p:nvPr>
-            <p:ph type="subTitle" idx="1"/>
-          </p:nvPr>
-        </p:nvSpPr>
-        <p:spPr>
-          <a:xfrm>
-            <a:off x="914400" y="1752600"/>
-            <a:ext cx="7391400" cy="3886200"/>
-          </a:xfrm>
-        </p:spPr>
-        <p:txBody>
-          <a:bodyPr>
-            <a:normAutofit/>
-          </a:bodyPr>
-          <a:lstStyle/>
-          <a:p>
-            <a:pPr marL="342900" indent="-342900" algn="l">
-              <a:buFont typeface="Arial" pitchFamily="34" charset="0"/>
-              <a:buChar char="•"/>
-            </a:pPr>
-            <a:r>
-              <a:rPr lang="en-US" sz="2000" dirty="0" smtClean="0">
-                <a:solidFill>
-                  <a:schemeClr val="tx1"/>
-                </a:solidFill>
-              </a:rPr>
-              <a:t>Error will occur every time</a:t>
-            </a:r>
-          </a:p>
-          <a:p>
-            <a:pPr marL="342900" indent="-342900" algn="l">
-              <a:buFont typeface="Arial" pitchFamily="34" charset="0"/>
-              <a:buChar char="•"/>
-            </a:pPr>
-            <a:r>
-              <a:rPr lang="en-US" sz="2000" dirty="0" smtClean="0">
-                <a:solidFill>
-                  <a:schemeClr val="tx1"/>
-                </a:solidFill>
-              </a:rPr>
-              <a:t>Not </a:t>
-            </a:r>
-            <a:r>
-              <a:rPr lang="en-US" sz="2000" dirty="0" smtClean="0">
-                <a:solidFill>
-                  <a:schemeClr val="tx1"/>
-                </a:solidFill>
-              </a:rPr>
-              <a:t>repeatable </a:t>
-            </a:r>
-            <a:r>
-              <a:rPr lang="en-US" sz="2000" dirty="0" smtClean="0">
-                <a:solidFill>
-                  <a:schemeClr val="tx1"/>
-                </a:solidFill>
-              </a:rPr>
-              <a:t>or reliable</a:t>
-            </a:r>
-          </a:p>
-          <a:p>
-            <a:pPr marL="342900" indent="-342900" algn="l">
-              <a:buFont typeface="Arial" pitchFamily="34" charset="0"/>
-              <a:buChar char="•"/>
-            </a:pPr>
-            <a:r>
-              <a:rPr lang="en-US" sz="2000" dirty="0" smtClean="0">
-                <a:solidFill>
-                  <a:schemeClr val="tx1"/>
-                </a:solidFill>
-              </a:rPr>
-              <a:t>Time consuming and expensive</a:t>
-            </a:r>
-          </a:p>
-          <a:p>
-            <a:pPr marL="342900" indent="-342900" algn="l">
-              <a:buFont typeface="Arial" pitchFamily="34" charset="0"/>
-              <a:buChar char="•"/>
-            </a:pPr>
-            <a:r>
-              <a:rPr lang="en-US" sz="2000" dirty="0" smtClean="0">
-                <a:solidFill>
-                  <a:schemeClr val="tx1"/>
-                </a:solidFill>
-              </a:rPr>
-              <a:t>Needs </a:t>
-            </a:r>
-            <a:r>
-              <a:rPr lang="en-US" sz="2000" dirty="0">
-                <a:solidFill>
-                  <a:schemeClr val="tx1"/>
-                </a:solidFill>
-              </a:rPr>
-              <a:t>lots of documentation with </a:t>
-            </a:r>
-            <a:r>
-              <a:rPr lang="en-US" sz="2000" dirty="0" smtClean="0">
-                <a:solidFill>
-                  <a:schemeClr val="tx1"/>
-                </a:solidFill>
-              </a:rPr>
-              <a:t>steps</a:t>
-            </a:r>
-          </a:p>
-          <a:p>
-            <a:pPr marL="342900" indent="-342900" algn="l">
-              <a:buFont typeface="Arial" pitchFamily="34" charset="0"/>
-              <a:buChar char="•"/>
-            </a:pPr>
-            <a:r>
-              <a:rPr lang="en-US" sz="2000" dirty="0" smtClean="0">
-                <a:solidFill>
-                  <a:schemeClr val="tx1"/>
-                </a:solidFill>
-              </a:rPr>
-              <a:t>That </a:t>
-            </a:r>
-            <a:r>
-              <a:rPr lang="en-US" sz="2000" dirty="0">
-                <a:solidFill>
-                  <a:schemeClr val="tx1"/>
-                </a:solidFill>
-              </a:rPr>
-              <a:t>are misinterpreted, and untested in a production-like </a:t>
-            </a:r>
-            <a:r>
-              <a:rPr lang="en-US" sz="2000" dirty="0" smtClean="0">
-                <a:solidFill>
-                  <a:schemeClr val="tx1"/>
-                </a:solidFill>
-              </a:rPr>
-              <a:t>environment</a:t>
-            </a:r>
-          </a:p>
-          <a:p>
-            <a:pPr marL="342900" indent="-342900" algn="l">
-              <a:buFont typeface="Arial" pitchFamily="34" charset="0"/>
-              <a:buChar char="•"/>
-            </a:pPr>
-            <a:r>
-              <a:rPr lang="en-US" sz="2000" dirty="0" smtClean="0">
-                <a:solidFill>
-                  <a:schemeClr val="tx1"/>
-                </a:solidFill>
-              </a:rPr>
-              <a:t>Many </a:t>
-            </a:r>
-            <a:r>
-              <a:rPr lang="en-US" sz="2000" dirty="0">
-                <a:solidFill>
-                  <a:schemeClr val="tx1"/>
-                </a:solidFill>
-              </a:rPr>
-              <a:t>corrections during a </a:t>
-            </a:r>
-            <a:r>
-              <a:rPr lang="en-US" sz="2000" dirty="0" smtClean="0">
-                <a:solidFill>
-                  <a:schemeClr val="tx1"/>
-                </a:solidFill>
-              </a:rPr>
-              <a:t>release</a:t>
-            </a:r>
-          </a:p>
-          <a:p>
-            <a:pPr marL="342900" indent="-342900" algn="l">
-              <a:buFont typeface="Arial" pitchFamily="34" charset="0"/>
-              <a:buChar char="•"/>
-            </a:pPr>
-            <a:r>
-              <a:rPr lang="en-US" sz="2000" dirty="0" smtClean="0">
-                <a:solidFill>
-                  <a:schemeClr val="tx1"/>
-                </a:solidFill>
-              </a:rPr>
-              <a:t>Manual </a:t>
-            </a:r>
-            <a:r>
-              <a:rPr lang="en-US" sz="2000" dirty="0">
-                <a:solidFill>
-                  <a:schemeClr val="tx1"/>
-                </a:solidFill>
-              </a:rPr>
-              <a:t>testing to confirm </a:t>
-            </a:r>
-            <a:r>
-              <a:rPr lang="en-US" sz="2000" dirty="0" smtClean="0">
-                <a:solidFill>
-                  <a:schemeClr val="tx1"/>
-                </a:solidFill>
-              </a:rPr>
-              <a:t>deployment</a:t>
-            </a:r>
-          </a:p>
-          <a:p>
-            <a:pPr marL="342900" indent="-342900" algn="l">
-              <a:buFont typeface="Arial" pitchFamily="34" charset="0"/>
-              <a:buChar char="•"/>
-            </a:pPr>
-            <a:r>
-              <a:rPr lang="en-US" sz="2000" dirty="0" smtClean="0">
-                <a:solidFill>
-                  <a:schemeClr val="tx1"/>
-                </a:solidFill>
-              </a:rPr>
-              <a:t>Releases </a:t>
-            </a:r>
-            <a:r>
-              <a:rPr lang="en-US" sz="2000" dirty="0">
-                <a:solidFill>
-                  <a:schemeClr val="tx1"/>
-                </a:solidFill>
-              </a:rPr>
-              <a:t>take hours instead of </a:t>
-            </a:r>
-            <a:r>
-              <a:rPr lang="en-US" sz="2000" dirty="0" smtClean="0">
-                <a:solidFill>
-                  <a:schemeClr val="tx1"/>
-                </a:solidFill>
-              </a:rPr>
-              <a:t>minute</a:t>
-            </a:r>
-          </a:p>
-          <a:p>
-            <a:pPr marL="342900" indent="-342900" algn="l">
-              <a:buFont typeface="Arial" pitchFamily="34" charset="0"/>
-              <a:buChar char="•"/>
-            </a:pPr>
-            <a:r>
-              <a:rPr lang="en-US" sz="2000" dirty="0" smtClean="0">
-                <a:solidFill>
-                  <a:schemeClr val="tx1"/>
-                </a:solidFill>
-              </a:rPr>
-              <a:t>Frequent </a:t>
-            </a:r>
-            <a:r>
-              <a:rPr lang="en-US" sz="2000" dirty="0" smtClean="0">
-                <a:solidFill>
-                  <a:schemeClr val="tx1"/>
-                </a:solidFill>
-              </a:rPr>
-              <a:t>roll-backs Late </a:t>
-            </a:r>
-            <a:r>
-              <a:rPr lang="en-US" sz="2000" dirty="0">
-                <a:solidFill>
-                  <a:schemeClr val="tx1"/>
-                </a:solidFill>
-              </a:rPr>
-              <a:t>nights</a:t>
-            </a:r>
-          </a:p>
-          <a:p>
-            <a:pPr marL="342900" indent="-342900" algn="l">
-              <a:buFont typeface="Arial" pitchFamily="34" charset="0"/>
-              <a:buChar char="•"/>
-            </a:pPr>
-            <a:endParaRPr lang="en-US" sz="2000" dirty="0">
-              <a:solidFill>
-                <a:schemeClr val="tx1"/>
-              </a:solidFill>
-            </a:endParaRPr>
-          </a:p>
-        </p:txBody>
-      </p:sp>
-    </p:spTree>
-    <p:extLst>
-      <p:ext uri="{BB962C8B-B14F-4D97-AF65-F5344CB8AC3E}">
-        <p14:creationId xmlns:p14="http://schemas.microsoft.com/office/powerpoint/2010/main" val="934825122"/>
-      </p:ext>
-    </p:extLst>
-  </p:cSld>
-  <p:clrMapOvr>
-    <a:masterClrMapping/>
-  </p:clrMapOvr>
-</p:sld>
-</file>
-
-<file path=ppt/slides/slide30.xml><?xml version="1.0" encoding="utf-8"?>
+<file path=ppt/slides/slide29.xml><?xml version="1.0" encoding="utf-8"?>
 <p:sld xmlns:a="http://schemas.openxmlformats.org/drawingml/2006/main" xmlns:r="http://schemas.openxmlformats.org/officeDocument/2006/relationships" xmlns:p="http://schemas.openxmlformats.org/presentationml/2006/main">
   <p:cSld>
     <p:spTree>
@@ -7822,6 +7439,314 @@
 </p:sld>
 </file>
 
+<file path=ppt/slides/slide3.xml><?xml version="1.0" encoding="utf-8"?>
+<p:sld xmlns:a="http://schemas.openxmlformats.org/drawingml/2006/main" xmlns:r="http://schemas.openxmlformats.org/officeDocument/2006/relationships" xmlns:p="http://schemas.openxmlformats.org/presentationml/2006/main">
+  <p:cSld>
+    <p:spTree>
+      <p:nvGrpSpPr>
+        <p:cNvPr id="1" name=""/>
+        <p:cNvGrpSpPr/>
+        <p:nvPr/>
+      </p:nvGrpSpPr>
+      <p:grpSpPr>
+        <a:xfrm>
+          <a:off x="0" y="0"/>
+          <a:ext cx="0" cy="0"/>
+          <a:chOff x="0" y="0"/>
+          <a:chExt cx="0" cy="0"/>
+        </a:xfrm>
+      </p:grpSpPr>
+      <p:sp>
+        <p:nvSpPr>
+          <p:cNvPr id="2" name="Title 1"/>
+          <p:cNvSpPr>
+            <a:spLocks noGrp="1"/>
+          </p:cNvSpPr>
+          <p:nvPr>
+            <p:ph type="ctrTitle"/>
+          </p:nvPr>
+        </p:nvSpPr>
+        <p:spPr>
+          <a:xfrm>
+            <a:off x="685800" y="304801"/>
+            <a:ext cx="7772400" cy="1371599"/>
+          </a:xfrm>
+        </p:spPr>
+        <p:txBody>
+          <a:bodyPr>
+            <a:normAutofit/>
+          </a:bodyPr>
+          <a:lstStyle/>
+          <a:p>
+            <a:r>
+              <a:rPr lang="en-US" sz="3200" dirty="0" smtClean="0"/>
+              <a:t>Problems in deploying software manually</a:t>
+            </a:r>
+            <a:endParaRPr lang="en-US" sz="3200" dirty="0"/>
+          </a:p>
+        </p:txBody>
+      </p:sp>
+      <p:sp>
+        <p:nvSpPr>
+          <p:cNvPr id="3" name="Subtitle 2"/>
+          <p:cNvSpPr>
+            <a:spLocks noGrp="1"/>
+          </p:cNvSpPr>
+          <p:nvPr>
+            <p:ph type="subTitle" idx="1"/>
+          </p:nvPr>
+        </p:nvSpPr>
+        <p:spPr>
+          <a:xfrm>
+            <a:off x="914400" y="1752600"/>
+            <a:ext cx="7391400" cy="3886200"/>
+          </a:xfrm>
+        </p:spPr>
+        <p:txBody>
+          <a:bodyPr>
+            <a:normAutofit/>
+          </a:bodyPr>
+          <a:lstStyle/>
+          <a:p>
+            <a:pPr marL="342900" indent="-342900" algn="l">
+              <a:buFont typeface="Arial" pitchFamily="34" charset="0"/>
+              <a:buChar char="•"/>
+            </a:pPr>
+            <a:r>
+              <a:rPr lang="en-US" sz="2000" dirty="0" smtClean="0">
+                <a:solidFill>
+                  <a:schemeClr val="tx1"/>
+                </a:solidFill>
+              </a:rPr>
+              <a:t>Error will occur every time</a:t>
+            </a:r>
+          </a:p>
+          <a:p>
+            <a:pPr marL="342900" indent="-342900" algn="l">
+              <a:buFont typeface="Arial" pitchFamily="34" charset="0"/>
+              <a:buChar char="•"/>
+            </a:pPr>
+            <a:r>
+              <a:rPr lang="en-US" sz="2000" dirty="0" smtClean="0">
+                <a:solidFill>
+                  <a:schemeClr val="tx1"/>
+                </a:solidFill>
+              </a:rPr>
+              <a:t>Not repeatable or reliable</a:t>
+            </a:r>
+          </a:p>
+          <a:p>
+            <a:pPr marL="342900" indent="-342900" algn="l">
+              <a:buFont typeface="Arial" pitchFamily="34" charset="0"/>
+              <a:buChar char="•"/>
+            </a:pPr>
+            <a:r>
+              <a:rPr lang="en-US" sz="2000" dirty="0" smtClean="0">
+                <a:solidFill>
+                  <a:schemeClr val="tx1"/>
+                </a:solidFill>
+              </a:rPr>
+              <a:t>Time consuming and expensive</a:t>
+            </a:r>
+          </a:p>
+          <a:p>
+            <a:pPr marL="342900" indent="-342900" algn="l">
+              <a:buFont typeface="Arial" pitchFamily="34" charset="0"/>
+              <a:buChar char="•"/>
+            </a:pPr>
+            <a:r>
+              <a:rPr lang="en-US" sz="2000" dirty="0" smtClean="0">
+                <a:solidFill>
+                  <a:schemeClr val="tx1"/>
+                </a:solidFill>
+              </a:rPr>
+              <a:t>Needs </a:t>
+            </a:r>
+            <a:r>
+              <a:rPr lang="en-US" sz="2000" dirty="0">
+                <a:solidFill>
+                  <a:schemeClr val="tx1"/>
+                </a:solidFill>
+              </a:rPr>
+              <a:t>lots of documentation with </a:t>
+            </a:r>
+            <a:r>
+              <a:rPr lang="en-US" sz="2000" dirty="0" smtClean="0">
+                <a:solidFill>
+                  <a:schemeClr val="tx1"/>
+                </a:solidFill>
+              </a:rPr>
+              <a:t>steps</a:t>
+            </a:r>
+          </a:p>
+          <a:p>
+            <a:pPr marL="342900" indent="-342900" algn="l">
+              <a:buFont typeface="Arial" pitchFamily="34" charset="0"/>
+              <a:buChar char="•"/>
+            </a:pPr>
+            <a:r>
+              <a:rPr lang="en-US" sz="2000" dirty="0" smtClean="0">
+                <a:solidFill>
+                  <a:schemeClr val="tx1"/>
+                </a:solidFill>
+              </a:rPr>
+              <a:t>That </a:t>
+            </a:r>
+            <a:r>
+              <a:rPr lang="en-US" sz="2000" dirty="0">
+                <a:solidFill>
+                  <a:schemeClr val="tx1"/>
+                </a:solidFill>
+              </a:rPr>
+              <a:t>are misinterpreted, and untested in a production-like </a:t>
+            </a:r>
+            <a:r>
+              <a:rPr lang="en-US" sz="2000" dirty="0" smtClean="0">
+                <a:solidFill>
+                  <a:schemeClr val="tx1"/>
+                </a:solidFill>
+              </a:rPr>
+              <a:t>environment</a:t>
+            </a:r>
+          </a:p>
+          <a:p>
+            <a:pPr marL="342900" indent="-342900" algn="l">
+              <a:buFont typeface="Arial" pitchFamily="34" charset="0"/>
+              <a:buChar char="•"/>
+            </a:pPr>
+            <a:r>
+              <a:rPr lang="en-US" sz="2000" dirty="0" smtClean="0">
+                <a:solidFill>
+                  <a:schemeClr val="tx1"/>
+                </a:solidFill>
+              </a:rPr>
+              <a:t>Many </a:t>
+            </a:r>
+            <a:r>
+              <a:rPr lang="en-US" sz="2000" dirty="0">
+                <a:solidFill>
+                  <a:schemeClr val="tx1"/>
+                </a:solidFill>
+              </a:rPr>
+              <a:t>corrections during a </a:t>
+            </a:r>
+            <a:r>
+              <a:rPr lang="en-US" sz="2000" dirty="0" smtClean="0">
+                <a:solidFill>
+                  <a:schemeClr val="tx1"/>
+                </a:solidFill>
+              </a:rPr>
+              <a:t>release</a:t>
+            </a:r>
+          </a:p>
+          <a:p>
+            <a:pPr marL="342900" indent="-342900" algn="l">
+              <a:buFont typeface="Arial" pitchFamily="34" charset="0"/>
+              <a:buChar char="•"/>
+            </a:pPr>
+            <a:r>
+              <a:rPr lang="en-US" sz="2000" dirty="0" smtClean="0">
+                <a:solidFill>
+                  <a:schemeClr val="tx1"/>
+                </a:solidFill>
+              </a:rPr>
+              <a:t>Manual </a:t>
+            </a:r>
+            <a:r>
+              <a:rPr lang="en-US" sz="2000" dirty="0">
+                <a:solidFill>
+                  <a:schemeClr val="tx1"/>
+                </a:solidFill>
+              </a:rPr>
+              <a:t>testing to confirm </a:t>
+            </a:r>
+            <a:r>
+              <a:rPr lang="en-US" sz="2000" dirty="0" smtClean="0">
+                <a:solidFill>
+                  <a:schemeClr val="tx1"/>
+                </a:solidFill>
+              </a:rPr>
+              <a:t>deployment</a:t>
+            </a:r>
+          </a:p>
+          <a:p>
+            <a:pPr marL="342900" indent="-342900" algn="l">
+              <a:buFont typeface="Arial" pitchFamily="34" charset="0"/>
+              <a:buChar char="•"/>
+            </a:pPr>
+            <a:r>
+              <a:rPr lang="en-US" sz="2000" dirty="0" smtClean="0">
+                <a:solidFill>
+                  <a:schemeClr val="tx1"/>
+                </a:solidFill>
+              </a:rPr>
+              <a:t>Releases </a:t>
+            </a:r>
+            <a:r>
+              <a:rPr lang="en-US" sz="2000" dirty="0">
+                <a:solidFill>
+                  <a:schemeClr val="tx1"/>
+                </a:solidFill>
+              </a:rPr>
+              <a:t>take hours instead of </a:t>
+            </a:r>
+            <a:r>
+              <a:rPr lang="en-US" sz="2000" dirty="0" smtClean="0">
+                <a:solidFill>
+                  <a:schemeClr val="tx1"/>
+                </a:solidFill>
+              </a:rPr>
+              <a:t>minute</a:t>
+            </a:r>
+          </a:p>
+          <a:p>
+            <a:pPr marL="342900" indent="-342900" algn="l">
+              <a:buFont typeface="Arial" pitchFamily="34" charset="0"/>
+              <a:buChar char="•"/>
+            </a:pPr>
+            <a:r>
+              <a:rPr lang="en-US" sz="2000" dirty="0" smtClean="0">
+                <a:solidFill>
+                  <a:schemeClr val="tx1"/>
+                </a:solidFill>
+              </a:rPr>
+              <a:t>Frequent roll-backs Late </a:t>
+            </a:r>
+            <a:r>
+              <a:rPr lang="en-US" sz="2000" dirty="0">
+                <a:solidFill>
+                  <a:schemeClr val="tx1"/>
+                </a:solidFill>
+              </a:rPr>
+              <a:t>nights</a:t>
+            </a:r>
+          </a:p>
+          <a:p>
+            <a:pPr marL="342900" indent="-342900" algn="l">
+              <a:buFont typeface="Arial" pitchFamily="34" charset="0"/>
+              <a:buChar char="•"/>
+            </a:pPr>
+            <a:endParaRPr lang="en-US" sz="2000" dirty="0">
+              <a:solidFill>
+                <a:schemeClr val="tx1"/>
+              </a:solidFill>
+            </a:endParaRPr>
+          </a:p>
+        </p:txBody>
+      </p:sp>
+    </p:spTree>
+    <p:extLst>
+      <p:ext uri="{BB962C8B-B14F-4D97-AF65-F5344CB8AC3E}">
+        <p14:creationId xmlns:p14="http://schemas.microsoft.com/office/powerpoint/2010/main" val="934825122"/>
+      </p:ext>
+    </p:extLst>
+  </p:cSld>
+  <p:clrMapOvr>
+    <a:masterClrMapping/>
+  </p:clrMapOvr>
+</p:sld>
+</file>
+
 <file path=ppt/slides/slide4.xml><?xml version="1.0" encoding="utf-8"?>
 <p:sld xmlns:a="http://schemas.openxmlformats.org/drawingml/2006/main" xmlns:r="http://schemas.openxmlformats.org/officeDocument/2006/relationships" xmlns:p="http://schemas.openxmlformats.org/presentationml/2006/main">
   <p:cSld>
@@ -7901,23 +7826,7 @@
                   <a:schemeClr val="tx1"/>
                 </a:solidFill>
               </a:rPr>
-              <a:t>Integrate testing , deployment and release activity into </a:t>
-            </a:r>
-            <a:r>
-              <a:rPr lang="en-US" sz="2400" dirty="0" smtClean="0">
-                <a:solidFill>
-                  <a:schemeClr val="tx1"/>
-                </a:solidFill>
-              </a:rPr>
-              <a:t>development</a:t>
-            </a:r>
-            <a:r>
-              <a:rPr lang="en-US" sz="2400" dirty="0" smtClean="0">
-                <a:solidFill>
-                  <a:schemeClr val="tx1"/>
-                </a:solidFill>
-              </a:rPr>
-              <a:t>.</a:t>
+              <a:t>Integrate testing , deployment and release activity into development.</a:t>
             </a:r>
           </a:p>
           <a:p>
@@ -8114,11 +8023,7 @@
             </a:r>
             <a:r>
               <a:rPr lang="en-US" sz="2400" dirty="0" smtClean="0"/>
-              <a:t>team</a:t>
-            </a:r>
-            <a:r>
-              <a:rPr lang="en-US" sz="2400" dirty="0" smtClean="0"/>
-              <a:t> </a:t>
+              <a:t>team </a:t>
             </a:r>
             <a:r>
               <a:rPr lang="en-US" sz="2400" dirty="0"/>
@@ -8309,11 +8214,7 @@
             </a:r>
             <a:r>
               <a:rPr lang="en-US" sz="3600" dirty="0"/>
-              <a:t>Manual Configuration </a:t>
-            </a:r>
-            <a:r>
-              <a:rPr lang="en-US" sz="3600" dirty="0"/>
-              <a:t>Management of </a:t>
+              <a:t>Manual Configuration Management of </a:t>
             </a:r>
             <a:r>
               <a:rPr lang="en-US" sz="3600" dirty="0" smtClean="0"/>
